--- a/biosim_project/presentation/Presentation1.pptx
+++ b/biosim_project/presentation/Presentation1.pptx
@@ -5,14 +5,16 @@
     <p:sldMasterId id="2147483648" r:id="rId1"/>
   </p:sldMasterIdLst>
   <p:notesMasterIdLst>
-    <p:notesMasterId r:id="rId7"/>
+    <p:notesMasterId r:id="rId9"/>
   </p:notesMasterIdLst>
   <p:sldIdLst>
     <p:sldId id="256" r:id="rId2"/>
-    <p:sldId id="257" r:id="rId3"/>
-    <p:sldId id="258" r:id="rId4"/>
-    <p:sldId id="259" r:id="rId5"/>
-    <p:sldId id="260" r:id="rId6"/>
+    <p:sldId id="262" r:id="rId3"/>
+    <p:sldId id="261" r:id="rId4"/>
+    <p:sldId id="257" r:id="rId5"/>
+    <p:sldId id="258" r:id="rId6"/>
+    <p:sldId id="259" r:id="rId7"/>
+    <p:sldId id="260" r:id="rId8"/>
   </p:sldIdLst>
   <p:sldSz cx="12192000" cy="6858000"/>
   <p:notesSz cx="6858000" cy="9144000"/>
@@ -111,7 +113,16 @@
       </a:defRPr>
     </a:lvl9pPr>
   </p:defaultTextStyle>
+  <p:extLst>
+    <p:ext uri="{EFAFB233-063F-42B5-8137-9DF3F51BA10A}">
+      <p15:sldGuideLst xmlns:p15="http://schemas.microsoft.com/office/powerpoint/2012/main"/>
+    </p:ext>
+  </p:extLst>
 </p:presentation>
+</file>
+
+<file path=ppt/revisionInfo.xml><?xml version="1.0" encoding="utf-8"?>
+<p1510:revInfo xmlns:a="http://schemas.openxmlformats.org/drawingml/2006/main" xmlns:r="http://schemas.openxmlformats.org/officeDocument/2006/relationships" xmlns:p1510="http://schemas.microsoft.com/office/powerpoint/2015/10/main"/>
 </file>
 
 <file path=ppt/notesMasters/notesMaster1.xml><?xml version="1.0" encoding="utf-8"?>
@@ -196,7 +207,7 @@
           <a:p>
             <a:fld id="{B960DE76-1A24-174A-BB58-042F2787DE3D}" type="datetimeFigureOut">
               <a:rPr lang="en-US" smtClean="0"/>
-              <a:t>1/26/18</a:t>
+              <a:t>1/27/2018</a:t>
             </a:fld>
             <a:endParaRPr lang="en-US"/>
           </a:p>
@@ -260,38 +271,37 @@
           <a:p>
             <a:pPr lvl="0"/>
             <a:r>
-              <a:rPr lang="en-US" smtClean="0"/>
+              <a:rPr lang="en-US"/>
               <a:t>Click to edit Master text styles</a:t>
             </a:r>
           </a:p>
           <a:p>
             <a:pPr lvl="1"/>
             <a:r>
-              <a:rPr lang="en-US" smtClean="0"/>
+              <a:rPr lang="en-US"/>
               <a:t>Second level</a:t>
             </a:r>
           </a:p>
           <a:p>
             <a:pPr lvl="2"/>
             <a:r>
-              <a:rPr lang="en-US" smtClean="0"/>
+              <a:rPr lang="en-US"/>
               <a:t>Third level</a:t>
             </a:r>
           </a:p>
           <a:p>
             <a:pPr lvl="3"/>
             <a:r>
-              <a:rPr lang="en-US" smtClean="0"/>
+              <a:rPr lang="en-US"/>
               <a:t>Fourth level</a:t>
             </a:r>
           </a:p>
           <a:p>
             <a:pPr lvl="4"/>
             <a:r>
-              <a:rPr lang="en-US" smtClean="0"/>
+              <a:rPr lang="en-US"/>
               <a:t>Fifth level</a:t>
             </a:r>
-            <a:endParaRPr lang="en-US"/>
           </a:p>
         </p:txBody>
       </p:sp>
@@ -509,97 +519,97 @@
           <a:lstStyle/>
           <a:p>
             <a:r>
-              <a:rPr lang="en-US" dirty="0" err="1" smtClean="0"/>
+              <a:rPr lang="en-US" dirty="0" err="1"/>
               <a:t>Modulene</a:t>
             </a:r>
             <a:r>
-              <a:rPr lang="en-US" dirty="0" smtClean="0"/>
+              <a:rPr lang="en-US" dirty="0"/>
               <a:t> ligger </a:t>
             </a:r>
             <a:r>
-              <a:rPr lang="en-US" dirty="0" err="1" smtClean="0"/>
+              <a:rPr lang="en-US" dirty="0" err="1"/>
               <a:t>inni</a:t>
             </a:r>
             <a:r>
-              <a:rPr lang="en-US" dirty="0" smtClean="0"/>
+              <a:rPr lang="en-US" dirty="0"/>
               <a:t> </a:t>
             </a:r>
             <a:r>
-              <a:rPr lang="en-US" dirty="0" err="1" smtClean="0"/>
+              <a:rPr lang="en-US" dirty="0" err="1"/>
               <a:t>hverandre</a:t>
             </a:r>
             <a:r>
-              <a:rPr lang="en-US" dirty="0" smtClean="0"/>
+              <a:rPr lang="en-US" dirty="0"/>
               <a:t>,</a:t>
             </a:r>
           </a:p>
           <a:p>
             <a:r>
-              <a:rPr lang="en-US" dirty="0" err="1" smtClean="0"/>
+              <a:rPr lang="en-US" dirty="0" err="1"/>
               <a:t>Prøver</a:t>
             </a:r>
             <a:r>
-              <a:rPr lang="en-US" dirty="0" smtClean="0"/>
+              <a:rPr lang="en-US" dirty="0"/>
               <a:t> </a:t>
             </a:r>
             <a:r>
-              <a:rPr lang="en-US" dirty="0" err="1" smtClean="0"/>
+              <a:rPr lang="en-US" dirty="0" err="1"/>
               <a:t>å</a:t>
             </a:r>
             <a:r>
-              <a:rPr lang="en-US" dirty="0" smtClean="0"/>
+              <a:rPr lang="en-US" dirty="0"/>
               <a:t> </a:t>
             </a:r>
             <a:r>
-              <a:rPr lang="en-US" dirty="0" err="1" smtClean="0"/>
+              <a:rPr lang="en-US" dirty="0" err="1"/>
               <a:t>gjøre</a:t>
             </a:r>
             <a:r>
-              <a:rPr lang="en-US" dirty="0" smtClean="0"/>
+              <a:rPr lang="en-US" dirty="0"/>
               <a:t> ting </a:t>
             </a:r>
             <a:r>
-              <a:rPr lang="en-US" dirty="0" err="1" smtClean="0"/>
+              <a:rPr lang="en-US" dirty="0" err="1"/>
               <a:t>på</a:t>
             </a:r>
             <a:r>
-              <a:rPr lang="en-US" baseline="0" dirty="0" smtClean="0"/>
+              <a:rPr lang="en-US" baseline="0" dirty="0"/>
               <a:t> </a:t>
             </a:r>
             <a:r>
-              <a:rPr lang="en-US" baseline="0" dirty="0" err="1" smtClean="0"/>
+              <a:rPr lang="en-US" baseline="0" dirty="0" err="1"/>
               <a:t>så</a:t>
             </a:r>
             <a:r>
-              <a:rPr lang="en-US" baseline="0" dirty="0" smtClean="0"/>
+              <a:rPr lang="en-US" baseline="0" dirty="0"/>
               <a:t> </a:t>
             </a:r>
             <a:r>
-              <a:rPr lang="en-US" baseline="0" dirty="0" err="1" smtClean="0"/>
+              <a:rPr lang="en-US" baseline="0" dirty="0" err="1"/>
               <a:t>lavt</a:t>
             </a:r>
             <a:r>
-              <a:rPr lang="en-US" baseline="0" dirty="0" smtClean="0"/>
+              <a:rPr lang="en-US" baseline="0" dirty="0"/>
               <a:t> </a:t>
             </a:r>
             <a:r>
-              <a:rPr lang="en-US" baseline="0" dirty="0" err="1" smtClean="0"/>
+              <a:rPr lang="en-US" baseline="0" dirty="0" err="1"/>
               <a:t>nivå</a:t>
             </a:r>
             <a:r>
-              <a:rPr lang="en-US" baseline="0" dirty="0" smtClean="0"/>
+              <a:rPr lang="en-US" baseline="0" dirty="0"/>
               <a:t> </a:t>
             </a:r>
             <a:r>
-              <a:rPr lang="en-US" baseline="0" dirty="0" err="1" smtClean="0"/>
+              <a:rPr lang="en-US" baseline="0" dirty="0" err="1"/>
               <a:t>som</a:t>
             </a:r>
             <a:r>
-              <a:rPr lang="en-US" baseline="0" dirty="0" smtClean="0"/>
+              <a:rPr lang="en-US" baseline="0" dirty="0"/>
               <a:t> </a:t>
             </a:r>
             <a:r>
-              <a:rPr lang="en-US" baseline="0" dirty="0" err="1" smtClean="0"/>
+              <a:rPr lang="en-US" baseline="0" dirty="0" err="1"/>
               <a:t>mulig</a:t>
             </a:r>
             <a:endParaRPr lang="en-US" dirty="0"/>
@@ -623,7 +633,7 @@
           <a:p>
             <a:fld id="{5A566FE1-D1E7-604C-BEB8-BAB87699F389}" type="slidenum">
               <a:rPr lang="en-US" smtClean="0"/>
-              <a:t>4</a:t>
+              <a:t>6</a:t>
             </a:fld>
             <a:endParaRPr lang="en-US"/>
           </a:p>
@@ -684,10 +694,9 @@
           </a:lstStyle>
           <a:p>
             <a:r>
-              <a:rPr lang="en-US" smtClean="0"/>
+              <a:rPr lang="en-US"/>
               <a:t>Click to edit Master title style</a:t>
             </a:r>
-            <a:endParaRPr lang="en-US"/>
           </a:p>
         </p:txBody>
       </p:sp>
@@ -749,10 +758,9 @@
           </a:lstStyle>
           <a:p>
             <a:r>
-              <a:rPr lang="en-US" smtClean="0"/>
+              <a:rPr lang="en-US"/>
               <a:t>Click to edit Master subtitle style</a:t>
             </a:r>
-            <a:endParaRPr lang="en-US"/>
           </a:p>
         </p:txBody>
       </p:sp>
@@ -773,7 +781,7 @@
           <a:p>
             <a:fld id="{ABFD5992-BCC5-D949-94DE-D40435BD879E}" type="datetimeFigureOut">
               <a:rPr lang="en-US" smtClean="0"/>
-              <a:t>1/26/18</a:t>
+              <a:t>1/27/2018</a:t>
             </a:fld>
             <a:endParaRPr lang="en-US"/>
           </a:p>
@@ -867,10 +875,9 @@
           <a:lstStyle/>
           <a:p>
             <a:r>
-              <a:rPr lang="en-US" smtClean="0"/>
+              <a:rPr lang="en-US"/>
               <a:t>Click to edit Master title style</a:t>
             </a:r>
-            <a:endParaRPr lang="en-US"/>
           </a:p>
         </p:txBody>
       </p:sp>
@@ -891,38 +898,37 @@
           <a:p>
             <a:pPr lvl="0"/>
             <a:r>
-              <a:rPr lang="en-US" smtClean="0"/>
+              <a:rPr lang="en-US"/>
               <a:t>Click to edit Master text styles</a:t>
             </a:r>
           </a:p>
           <a:p>
             <a:pPr lvl="1"/>
             <a:r>
-              <a:rPr lang="en-US" smtClean="0"/>
+              <a:rPr lang="en-US"/>
               <a:t>Second level</a:t>
             </a:r>
           </a:p>
           <a:p>
             <a:pPr lvl="2"/>
             <a:r>
-              <a:rPr lang="en-US" smtClean="0"/>
+              <a:rPr lang="en-US"/>
               <a:t>Third level</a:t>
             </a:r>
           </a:p>
           <a:p>
             <a:pPr lvl="3"/>
             <a:r>
-              <a:rPr lang="en-US" smtClean="0"/>
+              <a:rPr lang="en-US"/>
               <a:t>Fourth level</a:t>
             </a:r>
           </a:p>
           <a:p>
             <a:pPr lvl="4"/>
             <a:r>
-              <a:rPr lang="en-US" smtClean="0"/>
+              <a:rPr lang="en-US"/>
               <a:t>Fifth level</a:t>
             </a:r>
-            <a:endParaRPr lang="en-US"/>
           </a:p>
         </p:txBody>
       </p:sp>
@@ -943,7 +949,7 @@
           <a:p>
             <a:fld id="{ABFD5992-BCC5-D949-94DE-D40435BD879E}" type="datetimeFigureOut">
               <a:rPr lang="en-US" smtClean="0"/>
-              <a:t>1/26/18</a:t>
+              <a:t>1/27/2018</a:t>
             </a:fld>
             <a:endParaRPr lang="en-US"/>
           </a:p>
@@ -1042,10 +1048,9 @@
           <a:lstStyle/>
           <a:p>
             <a:r>
-              <a:rPr lang="en-US" smtClean="0"/>
+              <a:rPr lang="en-US"/>
               <a:t>Click to edit Master title style</a:t>
             </a:r>
-            <a:endParaRPr lang="en-US"/>
           </a:p>
         </p:txBody>
       </p:sp>
@@ -1071,38 +1076,37 @@
           <a:p>
             <a:pPr lvl="0"/>
             <a:r>
-              <a:rPr lang="en-US" smtClean="0"/>
+              <a:rPr lang="en-US"/>
               <a:t>Click to edit Master text styles</a:t>
             </a:r>
           </a:p>
           <a:p>
             <a:pPr lvl="1"/>
             <a:r>
-              <a:rPr lang="en-US" smtClean="0"/>
+              <a:rPr lang="en-US"/>
               <a:t>Second level</a:t>
             </a:r>
           </a:p>
           <a:p>
             <a:pPr lvl="2"/>
             <a:r>
-              <a:rPr lang="en-US" smtClean="0"/>
+              <a:rPr lang="en-US"/>
               <a:t>Third level</a:t>
             </a:r>
           </a:p>
           <a:p>
             <a:pPr lvl="3"/>
             <a:r>
-              <a:rPr lang="en-US" smtClean="0"/>
+              <a:rPr lang="en-US"/>
               <a:t>Fourth level</a:t>
             </a:r>
           </a:p>
           <a:p>
             <a:pPr lvl="4"/>
             <a:r>
-              <a:rPr lang="en-US" smtClean="0"/>
+              <a:rPr lang="en-US"/>
               <a:t>Fifth level</a:t>
             </a:r>
-            <a:endParaRPr lang="en-US"/>
           </a:p>
         </p:txBody>
       </p:sp>
@@ -1123,7 +1127,7 @@
           <a:p>
             <a:fld id="{ABFD5992-BCC5-D949-94DE-D40435BD879E}" type="datetimeFigureOut">
               <a:rPr lang="en-US" smtClean="0"/>
-              <a:t>1/26/18</a:t>
+              <a:t>1/27/2018</a:t>
             </a:fld>
             <a:endParaRPr lang="en-US"/>
           </a:p>
@@ -1217,10 +1221,9 @@
           <a:lstStyle/>
           <a:p>
             <a:r>
-              <a:rPr lang="en-US" smtClean="0"/>
+              <a:rPr lang="en-US"/>
               <a:t>Click to edit Master title style</a:t>
             </a:r>
-            <a:endParaRPr lang="en-US"/>
           </a:p>
         </p:txBody>
       </p:sp>
@@ -1241,38 +1244,37 @@
           <a:p>
             <a:pPr lvl="0"/>
             <a:r>
-              <a:rPr lang="en-US" smtClean="0"/>
+              <a:rPr lang="en-US"/>
               <a:t>Click to edit Master text styles</a:t>
             </a:r>
           </a:p>
           <a:p>
             <a:pPr lvl="1"/>
             <a:r>
-              <a:rPr lang="en-US" smtClean="0"/>
+              <a:rPr lang="en-US"/>
               <a:t>Second level</a:t>
             </a:r>
           </a:p>
           <a:p>
             <a:pPr lvl="2"/>
             <a:r>
-              <a:rPr lang="en-US" smtClean="0"/>
+              <a:rPr lang="en-US"/>
               <a:t>Third level</a:t>
             </a:r>
           </a:p>
           <a:p>
             <a:pPr lvl="3"/>
             <a:r>
-              <a:rPr lang="en-US" smtClean="0"/>
+              <a:rPr lang="en-US"/>
               <a:t>Fourth level</a:t>
             </a:r>
           </a:p>
           <a:p>
             <a:pPr lvl="4"/>
             <a:r>
-              <a:rPr lang="en-US" smtClean="0"/>
+              <a:rPr lang="en-US"/>
               <a:t>Fifth level</a:t>
             </a:r>
-            <a:endParaRPr lang="en-US"/>
           </a:p>
         </p:txBody>
       </p:sp>
@@ -1293,7 +1295,7 @@
           <a:p>
             <a:fld id="{ABFD5992-BCC5-D949-94DE-D40435BD879E}" type="datetimeFigureOut">
               <a:rPr lang="en-US" smtClean="0"/>
-              <a:t>1/26/18</a:t>
+              <a:t>1/27/2018</a:t>
             </a:fld>
             <a:endParaRPr lang="en-US"/>
           </a:p>
@@ -1396,10 +1398,9 @@
           </a:lstStyle>
           <a:p>
             <a:r>
-              <a:rPr lang="en-US" smtClean="0"/>
+              <a:rPr lang="en-US"/>
               <a:t>Click to edit Master title style</a:t>
             </a:r>
-            <a:endParaRPr lang="en-US"/>
           </a:p>
         </p:txBody>
       </p:sp>
@@ -1516,7 +1517,7 @@
           <a:p>
             <a:pPr lvl="0"/>
             <a:r>
-              <a:rPr lang="en-US" smtClean="0"/>
+              <a:rPr lang="en-US"/>
               <a:t>Click to edit Master text styles</a:t>
             </a:r>
           </a:p>
@@ -1539,7 +1540,7 @@
           <a:p>
             <a:fld id="{ABFD5992-BCC5-D949-94DE-D40435BD879E}" type="datetimeFigureOut">
               <a:rPr lang="en-US" smtClean="0"/>
-              <a:t>1/26/18</a:t>
+              <a:t>1/27/2018</a:t>
             </a:fld>
             <a:endParaRPr lang="en-US"/>
           </a:p>
@@ -1633,10 +1634,9 @@
           <a:lstStyle/>
           <a:p>
             <a:r>
-              <a:rPr lang="en-US" smtClean="0"/>
+              <a:rPr lang="en-US"/>
               <a:t>Click to edit Master title style</a:t>
             </a:r>
-            <a:endParaRPr lang="en-US"/>
           </a:p>
         </p:txBody>
       </p:sp>
@@ -1662,38 +1662,37 @@
           <a:p>
             <a:pPr lvl="0"/>
             <a:r>
-              <a:rPr lang="en-US" smtClean="0"/>
+              <a:rPr lang="en-US"/>
               <a:t>Click to edit Master text styles</a:t>
             </a:r>
           </a:p>
           <a:p>
             <a:pPr lvl="1"/>
             <a:r>
-              <a:rPr lang="en-US" smtClean="0"/>
+              <a:rPr lang="en-US"/>
               <a:t>Second level</a:t>
             </a:r>
           </a:p>
           <a:p>
             <a:pPr lvl="2"/>
             <a:r>
-              <a:rPr lang="en-US" smtClean="0"/>
+              <a:rPr lang="en-US"/>
               <a:t>Third level</a:t>
             </a:r>
           </a:p>
           <a:p>
             <a:pPr lvl="3"/>
             <a:r>
-              <a:rPr lang="en-US" smtClean="0"/>
+              <a:rPr lang="en-US"/>
               <a:t>Fourth level</a:t>
             </a:r>
           </a:p>
           <a:p>
             <a:pPr lvl="4"/>
             <a:r>
-              <a:rPr lang="en-US" smtClean="0"/>
+              <a:rPr lang="en-US"/>
               <a:t>Fifth level</a:t>
             </a:r>
-            <a:endParaRPr lang="en-US"/>
           </a:p>
         </p:txBody>
       </p:sp>
@@ -1719,38 +1718,37 @@
           <a:p>
             <a:pPr lvl="0"/>
             <a:r>
-              <a:rPr lang="en-US" smtClean="0"/>
+              <a:rPr lang="en-US"/>
               <a:t>Click to edit Master text styles</a:t>
             </a:r>
           </a:p>
           <a:p>
             <a:pPr lvl="1"/>
             <a:r>
-              <a:rPr lang="en-US" smtClean="0"/>
+              <a:rPr lang="en-US"/>
               <a:t>Second level</a:t>
             </a:r>
           </a:p>
           <a:p>
             <a:pPr lvl="2"/>
             <a:r>
-              <a:rPr lang="en-US" smtClean="0"/>
+              <a:rPr lang="en-US"/>
               <a:t>Third level</a:t>
             </a:r>
           </a:p>
           <a:p>
             <a:pPr lvl="3"/>
             <a:r>
-              <a:rPr lang="en-US" smtClean="0"/>
+              <a:rPr lang="en-US"/>
               <a:t>Fourth level</a:t>
             </a:r>
           </a:p>
           <a:p>
             <a:pPr lvl="4"/>
             <a:r>
-              <a:rPr lang="en-US" smtClean="0"/>
+              <a:rPr lang="en-US"/>
               <a:t>Fifth level</a:t>
             </a:r>
-            <a:endParaRPr lang="en-US"/>
           </a:p>
         </p:txBody>
       </p:sp>
@@ -1771,7 +1769,7 @@
           <a:p>
             <a:fld id="{ABFD5992-BCC5-D949-94DE-D40435BD879E}" type="datetimeFigureOut">
               <a:rPr lang="en-US" smtClean="0"/>
-              <a:t>1/26/18</a:t>
+              <a:t>1/27/2018</a:t>
             </a:fld>
             <a:endParaRPr lang="en-US"/>
           </a:p>
@@ -1870,10 +1868,9 @@
           <a:lstStyle/>
           <a:p>
             <a:r>
-              <a:rPr lang="en-US" smtClean="0"/>
+              <a:rPr lang="en-US"/>
               <a:t>Click to edit Master title style</a:t>
             </a:r>
-            <a:endParaRPr lang="en-US"/>
           </a:p>
         </p:txBody>
       </p:sp>
@@ -1936,7 +1933,7 @@
           <a:p>
             <a:pPr lvl="0"/>
             <a:r>
-              <a:rPr lang="en-US" smtClean="0"/>
+              <a:rPr lang="en-US"/>
               <a:t>Click to edit Master text styles</a:t>
             </a:r>
           </a:p>
@@ -1964,38 +1961,37 @@
           <a:p>
             <a:pPr lvl="0"/>
             <a:r>
-              <a:rPr lang="en-US" smtClean="0"/>
+              <a:rPr lang="en-US"/>
               <a:t>Click to edit Master text styles</a:t>
             </a:r>
           </a:p>
           <a:p>
             <a:pPr lvl="1"/>
             <a:r>
-              <a:rPr lang="en-US" smtClean="0"/>
+              <a:rPr lang="en-US"/>
               <a:t>Second level</a:t>
             </a:r>
           </a:p>
           <a:p>
             <a:pPr lvl="2"/>
             <a:r>
-              <a:rPr lang="en-US" smtClean="0"/>
+              <a:rPr lang="en-US"/>
               <a:t>Third level</a:t>
             </a:r>
           </a:p>
           <a:p>
             <a:pPr lvl="3"/>
             <a:r>
-              <a:rPr lang="en-US" smtClean="0"/>
+              <a:rPr lang="en-US"/>
               <a:t>Fourth level</a:t>
             </a:r>
           </a:p>
           <a:p>
             <a:pPr lvl="4"/>
             <a:r>
-              <a:rPr lang="en-US" smtClean="0"/>
+              <a:rPr lang="en-US"/>
               <a:t>Fifth level</a:t>
             </a:r>
-            <a:endParaRPr lang="en-US"/>
           </a:p>
         </p:txBody>
       </p:sp>
@@ -2058,7 +2054,7 @@
           <a:p>
             <a:pPr lvl="0"/>
             <a:r>
-              <a:rPr lang="en-US" smtClean="0"/>
+              <a:rPr lang="en-US"/>
               <a:t>Click to edit Master text styles</a:t>
             </a:r>
           </a:p>
@@ -2086,38 +2082,37 @@
           <a:p>
             <a:pPr lvl="0"/>
             <a:r>
-              <a:rPr lang="en-US" smtClean="0"/>
+              <a:rPr lang="en-US"/>
               <a:t>Click to edit Master text styles</a:t>
             </a:r>
           </a:p>
           <a:p>
             <a:pPr lvl="1"/>
             <a:r>
-              <a:rPr lang="en-US" smtClean="0"/>
+              <a:rPr lang="en-US"/>
               <a:t>Second level</a:t>
             </a:r>
           </a:p>
           <a:p>
             <a:pPr lvl="2"/>
             <a:r>
-              <a:rPr lang="en-US" smtClean="0"/>
+              <a:rPr lang="en-US"/>
               <a:t>Third level</a:t>
             </a:r>
           </a:p>
           <a:p>
             <a:pPr lvl="3"/>
             <a:r>
-              <a:rPr lang="en-US" smtClean="0"/>
+              <a:rPr lang="en-US"/>
               <a:t>Fourth level</a:t>
             </a:r>
           </a:p>
           <a:p>
             <a:pPr lvl="4"/>
             <a:r>
-              <a:rPr lang="en-US" smtClean="0"/>
+              <a:rPr lang="en-US"/>
               <a:t>Fifth level</a:t>
             </a:r>
-            <a:endParaRPr lang="en-US"/>
           </a:p>
         </p:txBody>
       </p:sp>
@@ -2138,7 +2133,7 @@
           <a:p>
             <a:fld id="{ABFD5992-BCC5-D949-94DE-D40435BD879E}" type="datetimeFigureOut">
               <a:rPr lang="en-US" smtClean="0"/>
-              <a:t>1/26/18</a:t>
+              <a:t>1/27/2018</a:t>
             </a:fld>
             <a:endParaRPr lang="en-US"/>
           </a:p>
@@ -2232,10 +2227,9 @@
           <a:lstStyle/>
           <a:p>
             <a:r>
-              <a:rPr lang="en-US" smtClean="0"/>
+              <a:rPr lang="en-US"/>
               <a:t>Click to edit Master title style</a:t>
             </a:r>
-            <a:endParaRPr lang="en-US"/>
           </a:p>
         </p:txBody>
       </p:sp>
@@ -2256,7 +2250,7 @@
           <a:p>
             <a:fld id="{ABFD5992-BCC5-D949-94DE-D40435BD879E}" type="datetimeFigureOut">
               <a:rPr lang="en-US" smtClean="0"/>
-              <a:t>1/26/18</a:t>
+              <a:t>1/27/2018</a:t>
             </a:fld>
             <a:endParaRPr lang="en-US"/>
           </a:p>
@@ -2351,7 +2345,7 @@
           <a:p>
             <a:fld id="{ABFD5992-BCC5-D949-94DE-D40435BD879E}" type="datetimeFigureOut">
               <a:rPr lang="en-US" smtClean="0"/>
-              <a:t>1/26/18</a:t>
+              <a:t>1/27/2018</a:t>
             </a:fld>
             <a:endParaRPr lang="en-US"/>
           </a:p>
@@ -2454,10 +2448,9 @@
           </a:lstStyle>
           <a:p>
             <a:r>
-              <a:rPr lang="en-US" smtClean="0"/>
+              <a:rPr lang="en-US"/>
               <a:t>Click to edit Master title style</a:t>
             </a:r>
-            <a:endParaRPr lang="en-US"/>
           </a:p>
         </p:txBody>
       </p:sp>
@@ -2511,38 +2504,37 @@
           <a:p>
             <a:pPr lvl="0"/>
             <a:r>
-              <a:rPr lang="en-US" smtClean="0"/>
+              <a:rPr lang="en-US"/>
               <a:t>Click to edit Master text styles</a:t>
             </a:r>
           </a:p>
           <a:p>
             <a:pPr lvl="1"/>
             <a:r>
-              <a:rPr lang="en-US" smtClean="0"/>
+              <a:rPr lang="en-US"/>
               <a:t>Second level</a:t>
             </a:r>
           </a:p>
           <a:p>
             <a:pPr lvl="2"/>
             <a:r>
-              <a:rPr lang="en-US" smtClean="0"/>
+              <a:rPr lang="en-US"/>
               <a:t>Third level</a:t>
             </a:r>
           </a:p>
           <a:p>
             <a:pPr lvl="3"/>
             <a:r>
-              <a:rPr lang="en-US" smtClean="0"/>
+              <a:rPr lang="en-US"/>
               <a:t>Fourth level</a:t>
             </a:r>
           </a:p>
           <a:p>
             <a:pPr lvl="4"/>
             <a:r>
-              <a:rPr lang="en-US" smtClean="0"/>
+              <a:rPr lang="en-US"/>
               <a:t>Fifth level</a:t>
             </a:r>
-            <a:endParaRPr lang="en-US"/>
           </a:p>
         </p:txBody>
       </p:sp>
@@ -2605,7 +2597,7 @@
           <a:p>
             <a:pPr lvl="0"/>
             <a:r>
-              <a:rPr lang="en-US" smtClean="0"/>
+              <a:rPr lang="en-US"/>
               <a:t>Click to edit Master text styles</a:t>
             </a:r>
           </a:p>
@@ -2628,7 +2620,7 @@
           <a:p>
             <a:fld id="{ABFD5992-BCC5-D949-94DE-D40435BD879E}" type="datetimeFigureOut">
               <a:rPr lang="en-US" smtClean="0"/>
-              <a:t>1/26/18</a:t>
+              <a:t>1/27/2018</a:t>
             </a:fld>
             <a:endParaRPr lang="en-US"/>
           </a:p>
@@ -2731,10 +2723,9 @@
           </a:lstStyle>
           <a:p>
             <a:r>
-              <a:rPr lang="en-US" smtClean="0"/>
+              <a:rPr lang="en-US"/>
               <a:t>Click to edit Master title style</a:t>
             </a:r>
-            <a:endParaRPr lang="en-US"/>
           </a:p>
         </p:txBody>
       </p:sp>
@@ -2858,7 +2849,7 @@
           <a:p>
             <a:pPr lvl="0"/>
             <a:r>
-              <a:rPr lang="en-US" smtClean="0"/>
+              <a:rPr lang="en-US"/>
               <a:t>Click to edit Master text styles</a:t>
             </a:r>
           </a:p>
@@ -2881,7 +2872,7 @@
           <a:p>
             <a:fld id="{ABFD5992-BCC5-D949-94DE-D40435BD879E}" type="datetimeFigureOut">
               <a:rPr lang="en-US" smtClean="0"/>
-              <a:t>1/26/18</a:t>
+              <a:t>1/27/2018</a:t>
             </a:fld>
             <a:endParaRPr lang="en-US"/>
           </a:p>
@@ -2990,10 +2981,9 @@
           <a:lstStyle/>
           <a:p>
             <a:r>
-              <a:rPr lang="en-US" smtClean="0"/>
+              <a:rPr lang="en-US"/>
               <a:t>Click to edit Master title style</a:t>
             </a:r>
-            <a:endParaRPr lang="en-US"/>
           </a:p>
         </p:txBody>
       </p:sp>
@@ -3024,38 +3014,37 @@
           <a:p>
             <a:pPr lvl="0"/>
             <a:r>
-              <a:rPr lang="en-US" smtClean="0"/>
+              <a:rPr lang="en-US"/>
               <a:t>Click to edit Master text styles</a:t>
             </a:r>
           </a:p>
           <a:p>
             <a:pPr lvl="1"/>
             <a:r>
-              <a:rPr lang="en-US" smtClean="0"/>
+              <a:rPr lang="en-US"/>
               <a:t>Second level</a:t>
             </a:r>
           </a:p>
           <a:p>
             <a:pPr lvl="2"/>
             <a:r>
-              <a:rPr lang="en-US" smtClean="0"/>
+              <a:rPr lang="en-US"/>
               <a:t>Third level</a:t>
             </a:r>
           </a:p>
           <a:p>
             <a:pPr lvl="3"/>
             <a:r>
-              <a:rPr lang="en-US" smtClean="0"/>
+              <a:rPr lang="en-US"/>
               <a:t>Fourth level</a:t>
             </a:r>
           </a:p>
           <a:p>
             <a:pPr lvl="4"/>
             <a:r>
-              <a:rPr lang="en-US" smtClean="0"/>
+              <a:rPr lang="en-US"/>
               <a:t>Fifth level</a:t>
             </a:r>
-            <a:endParaRPr lang="en-US"/>
           </a:p>
         </p:txBody>
       </p:sp>
@@ -3094,7 +3083,7 @@
           <a:p>
             <a:fld id="{ABFD5992-BCC5-D949-94DE-D40435BD879E}" type="datetimeFigureOut">
               <a:rPr lang="en-US" smtClean="0"/>
-              <a:t>1/26/18</a:t>
+              <a:t>1/27/2018</a:t>
             </a:fld>
             <a:endParaRPr lang="en-US"/>
           </a:p>
@@ -3542,7 +3531,7 @@
           <a:p>
             <a:pPr algn="ctr"/>
             <a:r>
-              <a:rPr lang="en-US" sz="2800" dirty="0" err="1" smtClean="0">
+              <a:rPr lang="en-US" sz="2800" dirty="0" err="1">
                 <a:solidFill>
                   <a:schemeClr val="tx1"/>
                 </a:solidFill>
@@ -3602,18 +3591,13 @@
           <a:p>
             <a:pPr algn="ctr"/>
             <a:r>
-              <a:rPr lang="en-US" sz="2800" dirty="0" smtClean="0">
+              <a:rPr lang="en-US" sz="2800" dirty="0">
                 <a:solidFill>
                   <a:schemeClr val="tx1"/>
                 </a:solidFill>
               </a:rPr>
               <a:t>Island</a:t>
             </a:r>
-            <a:endParaRPr lang="en-US" sz="2800" dirty="0">
-              <a:solidFill>
-                <a:schemeClr val="tx1"/>
-              </a:solidFill>
-            </a:endParaRPr>
           </a:p>
         </p:txBody>
       </p:sp>
@@ -3660,18 +3644,13 @@
           <a:p>
             <a:pPr algn="ctr"/>
             <a:r>
-              <a:rPr lang="en-US" sz="2800" dirty="0" smtClean="0">
+              <a:rPr lang="en-US" sz="2800" dirty="0">
                 <a:solidFill>
                   <a:schemeClr val="tx1"/>
                 </a:solidFill>
               </a:rPr>
               <a:t>Landscape</a:t>
             </a:r>
-            <a:endParaRPr lang="en-US" sz="2800" dirty="0">
-              <a:solidFill>
-                <a:schemeClr val="tx1"/>
-              </a:solidFill>
-            </a:endParaRPr>
           </a:p>
         </p:txBody>
       </p:sp>
@@ -3718,18 +3697,13 @@
           <a:p>
             <a:pPr algn="ctr"/>
             <a:r>
-              <a:rPr lang="en-US" sz="2800" dirty="0" smtClean="0">
+              <a:rPr lang="en-US" sz="2800" dirty="0">
                 <a:solidFill>
                   <a:schemeClr val="tx1"/>
                 </a:solidFill>
               </a:rPr>
               <a:t>Animal</a:t>
             </a:r>
-            <a:endParaRPr lang="en-US" sz="2800" dirty="0">
-              <a:solidFill>
-                <a:schemeClr val="tx1"/>
-              </a:solidFill>
-            </a:endParaRPr>
           </a:p>
         </p:txBody>
       </p:sp>
@@ -3859,8 +3833,8 @@
         </p:nvSpPr>
         <p:spPr>
           <a:xfrm>
-            <a:off x="5515376" y="805603"/>
-            <a:ext cx="6385035" cy="1200329"/>
+            <a:off x="5515376" y="982878"/>
+            <a:ext cx="6385035" cy="1323439"/>
           </a:xfrm>
           <a:prstGeom prst="rect">
             <a:avLst/>
@@ -3874,20 +3848,192 @@
           <a:lstStyle/>
           <a:p>
             <a:r>
-              <a:rPr lang="en-US" sz="3600" dirty="0" smtClean="0"/>
-              <a:t>Upstream flow </a:t>
-            </a:r>
-            <a:r>
-              <a:rPr lang="en-US" sz="3600" smtClean="0"/>
-              <a:t>of information</a:t>
-            </a:r>
-            <a:endParaRPr lang="en-US" sz="3600" dirty="0" smtClean="0"/>
-          </a:p>
-          <a:p>
-            <a:endParaRPr lang="en-US" sz="3600" dirty="0"/>
-          </a:p>
-        </p:txBody>
-      </p:sp>
+              <a:rPr lang="en-US" sz="4000" i="1" u="sng" dirty="0">
+                <a:latin typeface="+mj-lt"/>
+                <a:cs typeface="Courier New" panose="02070309020205020404" pitchFamily="49" charset="0"/>
+              </a:rPr>
+              <a:t>Upstream flow of information</a:t>
+            </a:r>
+          </a:p>
+          <a:p>
+            <a:endParaRPr lang="en-US" sz="4000" dirty="0"/>
+          </a:p>
+        </p:txBody>
+      </p:sp>
+      <p:sp>
+        <p:nvSpPr>
+          <p:cNvPr id="12" name="Oval 3">
+            <a:extLst>
+              <a:ext uri="{FF2B5EF4-FFF2-40B4-BE49-F238E27FC236}">
+                <a16:creationId xmlns:a16="http://schemas.microsoft.com/office/drawing/2014/main" id="{350FBD4B-AFDF-4DEF-A7F3-92DA3FB17595}"/>
+              </a:ext>
+            </a:extLst>
+          </p:cNvPr>
+          <p:cNvSpPr/>
+          <p:nvPr/>
+        </p:nvSpPr>
+        <p:spPr>
+          <a:xfrm>
+            <a:off x="235631" y="824157"/>
+            <a:ext cx="2916195" cy="1235676"/>
+          </a:xfrm>
+          <a:prstGeom prst="ellipse">
+            <a:avLst/>
+          </a:prstGeom>
+          <a:solidFill>
+            <a:schemeClr val="accent1">
+              <a:lumMod val="60000"/>
+              <a:lumOff val="40000"/>
+            </a:schemeClr>
+          </a:solidFill>
+        </p:spPr>
+        <p:style>
+          <a:lnRef idx="2">
+            <a:schemeClr val="accent1">
+              <a:shade val="50000"/>
+            </a:schemeClr>
+          </a:lnRef>
+          <a:fillRef idx="1">
+            <a:schemeClr val="accent1"/>
+          </a:fillRef>
+          <a:effectRef idx="0">
+            <a:schemeClr val="accent1"/>
+          </a:effectRef>
+          <a:fontRef idx="minor">
+            <a:schemeClr val="lt1"/>
+          </a:fontRef>
+        </p:style>
+        <p:txBody>
+          <a:bodyPr rtlCol="0" anchor="ctr"/>
+          <a:lstStyle/>
+          <a:p>
+            <a:pPr algn="ctr"/>
+            <a:r>
+              <a:rPr lang="en-US" sz="2800" dirty="0" err="1">
+                <a:solidFill>
+                  <a:schemeClr val="tx1"/>
+                </a:solidFill>
+                <a:cs typeface="Courier New" panose="02070309020205020404" pitchFamily="49" charset="0"/>
+              </a:rPr>
+              <a:t>BioSim</a:t>
+            </a:r>
+            <a:endParaRPr lang="en-US" sz="2800" dirty="0">
+              <a:solidFill>
+                <a:schemeClr val="accent1">
+                  <a:lumMod val="75000"/>
+                </a:schemeClr>
+              </a:solidFill>
+              <a:cs typeface="Courier New" panose="02070309020205020404" pitchFamily="49" charset="0"/>
+            </a:endParaRPr>
+          </a:p>
+        </p:txBody>
+      </p:sp>
+      <p:sp>
+        <p:nvSpPr>
+          <p:cNvPr id="13" name="Oval 5">
+            <a:extLst>
+              <a:ext uri="{FF2B5EF4-FFF2-40B4-BE49-F238E27FC236}">
+                <a16:creationId xmlns:a16="http://schemas.microsoft.com/office/drawing/2014/main" id="{CBCF7E73-6D6C-43E8-9519-C8C496F26402}"/>
+              </a:ext>
+            </a:extLst>
+          </p:cNvPr>
+          <p:cNvSpPr/>
+          <p:nvPr/>
+        </p:nvSpPr>
+        <p:spPr>
+          <a:xfrm>
+            <a:off x="3151826" y="2059833"/>
+            <a:ext cx="2916195" cy="1235676"/>
+          </a:xfrm>
+          <a:prstGeom prst="ellipse">
+            <a:avLst/>
+          </a:prstGeom>
+          <a:solidFill>
+            <a:schemeClr val="accent1">
+              <a:lumMod val="60000"/>
+              <a:lumOff val="40000"/>
+            </a:schemeClr>
+          </a:solidFill>
+        </p:spPr>
+        <p:style>
+          <a:lnRef idx="2">
+            <a:schemeClr val="accent1">
+              <a:shade val="50000"/>
+            </a:schemeClr>
+          </a:lnRef>
+          <a:fillRef idx="1">
+            <a:schemeClr val="accent1"/>
+          </a:fillRef>
+          <a:effectRef idx="0">
+            <a:schemeClr val="accent1"/>
+          </a:effectRef>
+          <a:fontRef idx="minor">
+            <a:schemeClr val="lt1"/>
+          </a:fontRef>
+        </p:style>
+        <p:txBody>
+          <a:bodyPr rtlCol="0" anchor="ctr"/>
+          <a:lstStyle/>
+          <a:p>
+            <a:pPr algn="ctr"/>
+            <a:r>
+              <a:rPr lang="en-US" sz="2800" dirty="0">
+                <a:solidFill>
+                  <a:schemeClr val="tx1"/>
+                </a:solidFill>
+              </a:rPr>
+              <a:t>Island</a:t>
+            </a:r>
+          </a:p>
+        </p:txBody>
+      </p:sp>
+      <p:cxnSp>
+        <p:nvCxnSpPr>
+          <p:cNvPr id="5" name="Rett pilkobling 4">
+            <a:extLst>
+              <a:ext uri="{FF2B5EF4-FFF2-40B4-BE49-F238E27FC236}">
+                <a16:creationId xmlns:a16="http://schemas.microsoft.com/office/drawing/2014/main" id="{2E29253F-73A0-4E7A-8689-0734838579D5}"/>
+              </a:ext>
+            </a:extLst>
+          </p:cNvPr>
+          <p:cNvCxnSpPr>
+            <a:cxnSpLocks/>
+          </p:cNvCxnSpPr>
+          <p:nvPr/>
+        </p:nvCxnSpPr>
+        <p:spPr>
+          <a:xfrm flipH="1" flipV="1">
+            <a:off x="2202025" y="3495346"/>
+            <a:ext cx="5430416" cy="2435289"/>
+          </a:xfrm>
+          <a:prstGeom prst="straightConnector1">
+            <a:avLst/>
+          </a:prstGeom>
+          <a:ln w="9525" cap="flat" cmpd="sng" algn="ctr">
+            <a:solidFill>
+              <a:schemeClr val="accent1"/>
+            </a:solidFill>
+            <a:prstDash val="solid"/>
+            <a:round/>
+            <a:headEnd type="none" w="med" len="med"/>
+            <a:tailEnd type="arrow" w="med" len="med"/>
+          </a:ln>
+        </p:spPr>
+        <p:style>
+          <a:lnRef idx="0">
+            <a:scrgbClr r="0" g="0" b="0"/>
+          </a:lnRef>
+          <a:fillRef idx="0">
+            <a:scrgbClr r="0" g="0" b="0"/>
+          </a:fillRef>
+          <a:effectRef idx="0">
+            <a:scrgbClr r="0" g="0" b="0"/>
+          </a:effectRef>
+          <a:fontRef idx="minor">
+            <a:schemeClr val="tx1"/>
+          </a:fontRef>
+        </p:style>
+      </p:cxnSp>
     </p:spTree>
     <p:extLst>
       <p:ext uri="{BB962C8B-B14F-4D97-AF65-F5344CB8AC3E}">
@@ -3918,994 +4064,83 @@
           <a:chExt cx="0" cy="0"/>
         </a:xfrm>
       </p:grpSpPr>
-      <p:sp>
-        <p:nvSpPr>
-          <p:cNvPr id="4" name="Oval 3"/>
-          <p:cNvSpPr/>
+      <p:pic>
+        <p:nvPicPr>
+          <p:cNvPr id="5" name="Bilde 4">
+            <a:extLst>
+              <a:ext uri="{FF2B5EF4-FFF2-40B4-BE49-F238E27FC236}">
+                <a16:creationId xmlns:a16="http://schemas.microsoft.com/office/drawing/2014/main" id="{B5A61A3A-FA69-4C62-8D23-FC90DA4274B3}"/>
+              </a:ext>
+            </a:extLst>
+          </p:cNvPr>
+          <p:cNvPicPr>
+            <a:picLocks noChangeAspect="1"/>
+          </p:cNvPicPr>
           <p:nvPr/>
-        </p:nvSpPr>
+        </p:nvPicPr>
+        <p:blipFill>
+          <a:blip r:embed="rId2"/>
+          <a:stretch>
+            <a:fillRect/>
+          </a:stretch>
+        </p:blipFill>
         <p:spPr>
           <a:xfrm>
-            <a:off x="151191" y="441887"/>
-            <a:ext cx="1931988" cy="739418"/>
-          </a:xfrm>
-          <a:prstGeom prst="ellipse">
-            <a:avLst/>
-          </a:prstGeom>
-          <a:solidFill>
-            <a:schemeClr val="accent1">
-              <a:lumMod val="60000"/>
-              <a:lumOff val="40000"/>
-            </a:schemeClr>
-          </a:solidFill>
-        </p:spPr>
-        <p:style>
-          <a:lnRef idx="2">
-            <a:schemeClr val="accent1">
-              <a:shade val="50000"/>
-            </a:schemeClr>
-          </a:lnRef>
-          <a:fillRef idx="1">
-            <a:schemeClr val="accent1"/>
-          </a:fillRef>
-          <a:effectRef idx="0">
-            <a:schemeClr val="accent1"/>
-          </a:effectRef>
-          <a:fontRef idx="minor">
-            <a:schemeClr val="lt1"/>
-          </a:fontRef>
-        </p:style>
-        <p:txBody>
-          <a:bodyPr rtlCol="0" anchor="ctr"/>
+            <a:off x="6026187" y="0"/>
+            <a:ext cx="5407055" cy="6858000"/>
+          </a:xfrm>
+          <a:prstGeom prst="rect">
+            <a:avLst/>
+          </a:prstGeom>
+        </p:spPr>
+      </p:pic>
+      <p:sp>
+        <p:nvSpPr>
+          <p:cNvPr id="6" name="Title 1">
+            <a:extLst>
+              <a:ext uri="{FF2B5EF4-FFF2-40B4-BE49-F238E27FC236}">
+                <a16:creationId xmlns:a16="http://schemas.microsoft.com/office/drawing/2014/main" id="{7B226B03-F3F6-4637-A161-66FE82345C7A}"/>
+              </a:ext>
+            </a:extLst>
+          </p:cNvPr>
+          <p:cNvSpPr>
+            <a:spLocks noGrp="1"/>
+          </p:cNvSpPr>
+          <p:nvPr>
+            <p:ph type="title"/>
+          </p:nvPr>
+        </p:nvSpPr>
+        <p:spPr>
+          <a:xfrm>
+            <a:off x="-1925845" y="2497070"/>
+            <a:ext cx="10515600" cy="1325563"/>
+          </a:xfrm>
+        </p:spPr>
+        <p:txBody>
+          <a:bodyPr>
+            <a:normAutofit/>
+          </a:bodyPr>
           <a:lstStyle/>
           <a:p>
             <a:pPr algn="ctr"/>
             <a:r>
-              <a:rPr lang="en-US" sz="2800" dirty="0" err="1" smtClean="0">
-                <a:solidFill>
-                  <a:schemeClr val="tx1"/>
-                </a:solidFill>
-              </a:rPr>
-              <a:t>BioSim</a:t>
-            </a:r>
-            <a:endParaRPr lang="en-US" sz="2800" dirty="0">
-              <a:solidFill>
-                <a:schemeClr val="accent1">
-                  <a:lumMod val="75000"/>
-                </a:schemeClr>
-              </a:solidFill>
-            </a:endParaRPr>
-          </a:p>
-        </p:txBody>
-      </p:sp>
-      <p:sp>
-        <p:nvSpPr>
-          <p:cNvPr id="6" name="Oval 5"/>
-          <p:cNvSpPr/>
-          <p:nvPr/>
-        </p:nvSpPr>
-        <p:spPr>
-          <a:xfrm>
-            <a:off x="1315424" y="1266337"/>
-            <a:ext cx="2521205" cy="739418"/>
-          </a:xfrm>
-          <a:prstGeom prst="ellipse">
-            <a:avLst/>
-          </a:prstGeom>
-          <a:solidFill>
-            <a:schemeClr val="accent1">
-              <a:lumMod val="60000"/>
-              <a:lumOff val="40000"/>
-            </a:schemeClr>
-          </a:solidFill>
-        </p:spPr>
-        <p:style>
-          <a:lnRef idx="2">
-            <a:schemeClr val="accent1">
-              <a:shade val="50000"/>
-            </a:schemeClr>
-          </a:lnRef>
-          <a:fillRef idx="1">
-            <a:schemeClr val="accent1"/>
-          </a:fillRef>
-          <a:effectRef idx="0">
-            <a:schemeClr val="accent1"/>
-          </a:effectRef>
-          <a:fontRef idx="minor">
-            <a:schemeClr val="lt1"/>
-          </a:fontRef>
-        </p:style>
-        <p:txBody>
-          <a:bodyPr rtlCol="0" anchor="ctr"/>
-          <a:lstStyle/>
-          <a:p>
-            <a:pPr algn="ctr"/>
-            <a:r>
-              <a:rPr lang="en-US" sz="2800" dirty="0" smtClean="0">
-                <a:solidFill>
-                  <a:schemeClr val="tx1"/>
-                </a:solidFill>
-              </a:rPr>
-              <a:t>Island</a:t>
-            </a:r>
-            <a:endParaRPr lang="en-US" sz="2800" dirty="0">
-              <a:solidFill>
-                <a:schemeClr val="tx1"/>
-              </a:solidFill>
-            </a:endParaRPr>
-          </a:p>
-        </p:txBody>
-      </p:sp>
-      <p:sp>
-        <p:nvSpPr>
-          <p:cNvPr id="7" name="Oval 6"/>
-          <p:cNvSpPr/>
-          <p:nvPr/>
-        </p:nvSpPr>
-        <p:spPr>
-          <a:xfrm>
-            <a:off x="5339609" y="1253636"/>
-            <a:ext cx="2521205" cy="739418"/>
-          </a:xfrm>
-          <a:prstGeom prst="ellipse">
-            <a:avLst/>
-          </a:prstGeom>
-          <a:solidFill>
-            <a:schemeClr val="accent1">
-              <a:lumMod val="60000"/>
-              <a:lumOff val="40000"/>
-            </a:schemeClr>
-          </a:solidFill>
-        </p:spPr>
-        <p:style>
-          <a:lnRef idx="2">
-            <a:schemeClr val="accent1">
-              <a:shade val="50000"/>
-            </a:schemeClr>
-          </a:lnRef>
-          <a:fillRef idx="1">
-            <a:schemeClr val="accent1"/>
-          </a:fillRef>
-          <a:effectRef idx="0">
-            <a:schemeClr val="accent1"/>
-          </a:effectRef>
-          <a:fontRef idx="minor">
-            <a:schemeClr val="lt1"/>
-          </a:fontRef>
-        </p:style>
-        <p:txBody>
-          <a:bodyPr rtlCol="0" anchor="ctr"/>
-          <a:lstStyle/>
-          <a:p>
-            <a:pPr algn="ctr"/>
-            <a:r>
-              <a:rPr lang="en-US" sz="2800" dirty="0" smtClean="0">
-                <a:solidFill>
-                  <a:schemeClr val="tx1"/>
-                </a:solidFill>
-              </a:rPr>
-              <a:t>Landscape</a:t>
-            </a:r>
-            <a:endParaRPr lang="en-US" sz="2800" dirty="0">
-              <a:solidFill>
-                <a:schemeClr val="tx1"/>
-              </a:solidFill>
-            </a:endParaRPr>
-          </a:p>
-        </p:txBody>
-      </p:sp>
-      <p:sp>
-        <p:nvSpPr>
-          <p:cNvPr id="8" name="Oval 7"/>
-          <p:cNvSpPr/>
-          <p:nvPr/>
-        </p:nvSpPr>
-        <p:spPr>
-          <a:xfrm>
-            <a:off x="9699485" y="1243864"/>
-            <a:ext cx="1849821" cy="739418"/>
-          </a:xfrm>
-          <a:prstGeom prst="ellipse">
-            <a:avLst/>
-          </a:prstGeom>
-          <a:solidFill>
-            <a:schemeClr val="accent1">
-              <a:lumMod val="60000"/>
-              <a:lumOff val="40000"/>
-            </a:schemeClr>
-          </a:solidFill>
-        </p:spPr>
-        <p:style>
-          <a:lnRef idx="2">
-            <a:schemeClr val="accent1">
-              <a:shade val="50000"/>
-            </a:schemeClr>
-          </a:lnRef>
-          <a:fillRef idx="1">
-            <a:schemeClr val="accent1"/>
-          </a:fillRef>
-          <a:effectRef idx="0">
-            <a:schemeClr val="accent1"/>
-          </a:effectRef>
-          <a:fontRef idx="minor">
-            <a:schemeClr val="lt1"/>
-          </a:fontRef>
-        </p:style>
-        <p:txBody>
-          <a:bodyPr rtlCol="0" anchor="ctr"/>
-          <a:lstStyle/>
-          <a:p>
-            <a:pPr algn="ctr"/>
-            <a:r>
-              <a:rPr lang="en-US" sz="2800" dirty="0" smtClean="0">
-                <a:solidFill>
-                  <a:schemeClr val="tx1"/>
-                </a:solidFill>
-              </a:rPr>
-              <a:t>Animal</a:t>
-            </a:r>
-            <a:endParaRPr lang="en-US" sz="2800" dirty="0">
-              <a:solidFill>
-                <a:schemeClr val="tx1"/>
-              </a:solidFill>
-            </a:endParaRPr>
-          </a:p>
-        </p:txBody>
-      </p:sp>
-      <p:cxnSp>
-        <p:nvCxnSpPr>
-          <p:cNvPr id="10" name="Elbow Connector 9"/>
-          <p:cNvCxnSpPr>
-            <a:stCxn id="4" idx="6"/>
-            <a:endCxn id="6" idx="0"/>
-          </p:cNvCxnSpPr>
-          <p:nvPr/>
-        </p:nvCxnSpPr>
-        <p:spPr>
-          <a:xfrm>
-            <a:off x="2083179" y="811596"/>
-            <a:ext cx="492848" cy="454741"/>
-          </a:xfrm>
-          <a:prstGeom prst="bentConnector2">
-            <a:avLst/>
-          </a:prstGeom>
-          <a:ln w="60325" cap="flat" cmpd="sng">
-            <a:solidFill>
-              <a:schemeClr val="tx1"/>
-            </a:solidFill>
-            <a:prstDash val="solid"/>
-            <a:headEnd type="triangle"/>
-            <a:tailEnd type="none"/>
-          </a:ln>
-        </p:spPr>
-        <p:style>
-          <a:lnRef idx="1">
-            <a:schemeClr val="accent1"/>
-          </a:lnRef>
-          <a:fillRef idx="0">
-            <a:schemeClr val="accent1"/>
-          </a:fillRef>
-          <a:effectRef idx="0">
-            <a:schemeClr val="accent1"/>
-          </a:effectRef>
-          <a:fontRef idx="minor">
-            <a:schemeClr val="tx1"/>
-          </a:fontRef>
-        </p:style>
-      </p:cxnSp>
-      <p:cxnSp>
-        <p:nvCxnSpPr>
-          <p:cNvPr id="11" name="Elbow Connector 10"/>
-          <p:cNvCxnSpPr>
-            <a:stCxn id="6" idx="6"/>
-            <a:endCxn id="7" idx="2"/>
-          </p:cNvCxnSpPr>
-          <p:nvPr/>
-        </p:nvCxnSpPr>
-        <p:spPr>
-          <a:xfrm flipV="1">
-            <a:off x="3836629" y="1623345"/>
-            <a:ext cx="1502980" cy="12701"/>
-          </a:xfrm>
-          <a:prstGeom prst="bentConnector3">
-            <a:avLst>
-              <a:gd name="adj1" fmla="val 50000"/>
-            </a:avLst>
-          </a:prstGeom>
-          <a:ln w="60325">
-            <a:solidFill>
-              <a:schemeClr val="tx1"/>
-            </a:solidFill>
-            <a:headEnd type="triangle"/>
-            <a:tailEnd type="none"/>
-          </a:ln>
-        </p:spPr>
-        <p:style>
-          <a:lnRef idx="1">
-            <a:schemeClr val="accent1"/>
-          </a:lnRef>
-          <a:fillRef idx="0">
-            <a:schemeClr val="accent1"/>
-          </a:fillRef>
-          <a:effectRef idx="0">
-            <a:schemeClr val="accent1"/>
-          </a:effectRef>
-          <a:fontRef idx="minor">
-            <a:schemeClr val="tx1"/>
-          </a:fontRef>
-        </p:style>
-      </p:cxnSp>
-      <p:cxnSp>
-        <p:nvCxnSpPr>
-          <p:cNvPr id="20" name="Elbow Connector 19"/>
-          <p:cNvCxnSpPr>
-            <a:stCxn id="8" idx="2"/>
-            <a:endCxn id="7" idx="6"/>
-          </p:cNvCxnSpPr>
-          <p:nvPr/>
-        </p:nvCxnSpPr>
-        <p:spPr>
-          <a:xfrm rot="10800000" flipV="1">
-            <a:off x="7860815" y="1613573"/>
-            <a:ext cx="1838671" cy="9772"/>
-          </a:xfrm>
-          <a:prstGeom prst="bentConnector3">
-            <a:avLst>
-              <a:gd name="adj1" fmla="val 50000"/>
-            </a:avLst>
-          </a:prstGeom>
-          <a:ln w="60325">
-            <a:solidFill>
-              <a:schemeClr val="tx1"/>
-            </a:solidFill>
-            <a:headEnd type="triangle"/>
-            <a:tailEnd type="triangle"/>
-          </a:ln>
-        </p:spPr>
-        <p:style>
-          <a:lnRef idx="1">
-            <a:schemeClr val="accent1"/>
-          </a:lnRef>
-          <a:fillRef idx="0">
-            <a:schemeClr val="accent1"/>
-          </a:fillRef>
-          <a:effectRef idx="0">
-            <a:schemeClr val="accent1"/>
-          </a:effectRef>
-          <a:fontRef idx="minor">
-            <a:schemeClr val="tx1"/>
-          </a:fontRef>
-        </p:style>
-      </p:cxnSp>
-      <p:sp>
-        <p:nvSpPr>
-          <p:cNvPr id="42" name="TextBox 41"/>
-          <p:cNvSpPr txBox="1"/>
-          <p:nvPr/>
-        </p:nvSpPr>
-        <p:spPr>
-          <a:xfrm>
-            <a:off x="2576026" y="107415"/>
-            <a:ext cx="8677504" cy="646331"/>
-          </a:xfrm>
-          <a:prstGeom prst="rect">
-            <a:avLst/>
-          </a:prstGeom>
-          <a:noFill/>
-        </p:spPr>
-        <p:txBody>
-          <a:bodyPr wrap="none" rtlCol="0">
-            <a:spAutoFit/>
-          </a:bodyPr>
-          <a:lstStyle/>
-          <a:p>
-            <a:r>
-              <a:rPr lang="en-US" sz="3600" smtClean="0"/>
-              <a:t>Structural example: </a:t>
-            </a:r>
-            <a:r>
-              <a:rPr lang="en-US" sz="3600" dirty="0" smtClean="0"/>
-              <a:t>The migration algorithm</a:t>
-            </a:r>
-            <a:endParaRPr lang="en-US" sz="3600" dirty="0"/>
-          </a:p>
-        </p:txBody>
-      </p:sp>
-      <p:sp>
-        <p:nvSpPr>
-          <p:cNvPr id="45" name="TextBox 44"/>
-          <p:cNvSpPr txBox="1"/>
-          <p:nvPr/>
-        </p:nvSpPr>
-        <p:spPr>
-          <a:xfrm>
-            <a:off x="274900" y="2588596"/>
-            <a:ext cx="7774966" cy="1631216"/>
-          </a:xfrm>
-          <a:prstGeom prst="rect">
-            <a:avLst/>
-          </a:prstGeom>
-          <a:noFill/>
-        </p:spPr>
-        <p:txBody>
-          <a:bodyPr wrap="square" rtlCol="0">
-            <a:spAutoFit/>
-          </a:bodyPr>
-          <a:lstStyle/>
-          <a:p>
-            <a:r>
-              <a:rPr lang="en-US" sz="2000" b="1" dirty="0" err="1" smtClean="0">
-                <a:latin typeface="Courier New" charset="0"/>
+              <a:rPr lang="nb-NO" sz="4800" i="1" u="sng" dirty="0">
                 <a:ea typeface="Courier New" charset="0"/>
                 <a:cs typeface="Courier New" charset="0"/>
               </a:rPr>
-              <a:t>migrate_island</a:t>
-            </a:r>
-            <a:r>
-              <a:rPr lang="en-US" sz="2000" b="1" dirty="0" smtClean="0">
-                <a:latin typeface="Courier New" charset="0"/>
-                <a:ea typeface="Courier New" charset="0"/>
-                <a:cs typeface="Courier New" charset="0"/>
-              </a:rPr>
-              <a:t>()</a:t>
-            </a:r>
-          </a:p>
-          <a:p>
-            <a:endParaRPr lang="en-US" sz="2000" b="1" dirty="0">
-              <a:latin typeface="Courier New" charset="0"/>
+              <a:t>UML-diagram</a:t>
+            </a:r>
+            <a:endParaRPr lang="en-US" sz="4800" i="1" u="sng" dirty="0">
               <a:ea typeface="Courier New" charset="0"/>
               <a:cs typeface="Courier New" charset="0"/>
             </a:endParaRPr>
           </a:p>
-          <a:p>
-            <a:r>
-              <a:rPr lang="en-US" sz="2000" b="1" dirty="0" err="1" smtClean="0">
-                <a:latin typeface="Courier New" charset="0"/>
-                <a:ea typeface="Courier New" charset="0"/>
-                <a:cs typeface="Courier New" charset="0"/>
-              </a:rPr>
-              <a:t>get_random_landscapes</a:t>
-            </a:r>
-            <a:r>
-              <a:rPr lang="en-US" sz="2000" b="1" dirty="0" smtClean="0">
-                <a:latin typeface="Courier New" charset="0"/>
-                <a:ea typeface="Courier New" charset="0"/>
-                <a:cs typeface="Courier New" charset="0"/>
-              </a:rPr>
-              <a:t>()</a:t>
-            </a:r>
-          </a:p>
-          <a:p>
-            <a:endParaRPr lang="en-US" sz="2000" b="1" dirty="0">
-              <a:latin typeface="Courier New" charset="0"/>
-              <a:ea typeface="Courier New" charset="0"/>
-              <a:cs typeface="Courier New" charset="0"/>
-            </a:endParaRPr>
-          </a:p>
-          <a:p>
-            <a:r>
-              <a:rPr lang="en-US" sz="2000" b="1" dirty="0" err="1">
-                <a:latin typeface="Courier New" charset="0"/>
-                <a:ea typeface="Courier New" charset="0"/>
-                <a:cs typeface="Courier New" charset="0"/>
-              </a:rPr>
-              <a:t>n</a:t>
-            </a:r>
-            <a:r>
-              <a:rPr lang="en-US" sz="2000" b="1" dirty="0" err="1" smtClean="0">
-                <a:latin typeface="Courier New" charset="0"/>
-                <a:ea typeface="Courier New" charset="0"/>
-                <a:cs typeface="Courier New" charset="0"/>
-              </a:rPr>
-              <a:t>eighbours</a:t>
-            </a:r>
-            <a:r>
-              <a:rPr lang="en-US" sz="2000" b="1" dirty="0" smtClean="0">
-                <a:latin typeface="Courier New" charset="0"/>
-                <a:ea typeface="Courier New" charset="0"/>
-                <a:cs typeface="Courier New" charset="0"/>
-              </a:rPr>
-              <a:t> = </a:t>
-            </a:r>
-            <a:r>
-              <a:rPr lang="en-US" sz="2000" b="1" dirty="0" err="1" smtClean="0">
-                <a:latin typeface="Courier New" charset="0"/>
-                <a:ea typeface="Courier New" charset="0"/>
-                <a:cs typeface="Courier New" charset="0"/>
-              </a:rPr>
-              <a:t>get_surrounding_landscapes</a:t>
-            </a:r>
-            <a:r>
-              <a:rPr lang="en-US" sz="2000" b="1" dirty="0" smtClean="0">
-                <a:latin typeface="Courier New" charset="0"/>
-                <a:ea typeface="Courier New" charset="0"/>
-                <a:cs typeface="Courier New" charset="0"/>
-              </a:rPr>
-              <a:t>(</a:t>
-            </a:r>
-            <a:r>
-              <a:rPr lang="en-US" sz="2000" b="1" dirty="0" err="1" smtClean="0">
-                <a:latin typeface="Courier New" charset="0"/>
-                <a:ea typeface="Courier New" charset="0"/>
-                <a:cs typeface="Courier New" charset="0"/>
-              </a:rPr>
-              <a:t>pos</a:t>
-            </a:r>
-            <a:r>
-              <a:rPr lang="en-US" sz="2000" b="1" dirty="0" smtClean="0">
-                <a:latin typeface="Courier New" charset="0"/>
-                <a:ea typeface="Courier New" charset="0"/>
-                <a:cs typeface="Courier New" charset="0"/>
-              </a:rPr>
-              <a:t>)</a:t>
-            </a:r>
-          </a:p>
-        </p:txBody>
-      </p:sp>
-      <p:sp>
-        <p:nvSpPr>
-          <p:cNvPr id="55" name="TextBox 54"/>
-          <p:cNvSpPr txBox="1"/>
-          <p:nvPr/>
-        </p:nvSpPr>
-        <p:spPr>
-          <a:xfrm>
-            <a:off x="4839216" y="2711669"/>
-            <a:ext cx="3467552" cy="400110"/>
-          </a:xfrm>
-          <a:prstGeom prst="rect">
-            <a:avLst/>
-          </a:prstGeom>
-          <a:noFill/>
-        </p:spPr>
-        <p:txBody>
-          <a:bodyPr wrap="square" rtlCol="0">
-            <a:spAutoFit/>
-          </a:bodyPr>
-          <a:lstStyle/>
-          <a:p>
-            <a:r>
-              <a:rPr lang="en-US" sz="2000" b="1" dirty="0" smtClean="0">
-                <a:latin typeface="Courier New" charset="0"/>
-                <a:ea typeface="Courier New" charset="0"/>
-                <a:cs typeface="Courier New" charset="0"/>
-              </a:rPr>
-              <a:t>migrate(</a:t>
-            </a:r>
-            <a:r>
-              <a:rPr lang="en-US" sz="2000" b="1" dirty="0" err="1" smtClean="0">
-                <a:latin typeface="Courier New" charset="0"/>
-                <a:ea typeface="Courier New" charset="0"/>
-                <a:cs typeface="Courier New" charset="0"/>
-              </a:rPr>
-              <a:t>neighbours</a:t>
-            </a:r>
-            <a:r>
-              <a:rPr lang="en-US" sz="2000" b="1" dirty="0" smtClean="0">
-                <a:latin typeface="Courier New" charset="0"/>
-                <a:ea typeface="Courier New" charset="0"/>
-                <a:cs typeface="Courier New" charset="0"/>
-              </a:rPr>
-              <a:t>)</a:t>
-            </a:r>
-            <a:endParaRPr lang="en-US" sz="2000" b="1" dirty="0">
-              <a:latin typeface="Courier New" charset="0"/>
-              <a:ea typeface="Courier New" charset="0"/>
-              <a:cs typeface="Courier New" charset="0"/>
-            </a:endParaRPr>
-          </a:p>
-        </p:txBody>
-      </p:sp>
-      <p:sp>
-        <p:nvSpPr>
-          <p:cNvPr id="56" name="TextBox 55"/>
-          <p:cNvSpPr txBox="1"/>
-          <p:nvPr/>
-        </p:nvSpPr>
-        <p:spPr>
-          <a:xfrm>
-            <a:off x="7409792" y="2507424"/>
-            <a:ext cx="4468529" cy="2862322"/>
-          </a:xfrm>
-          <a:prstGeom prst="rect">
-            <a:avLst/>
-          </a:prstGeom>
-          <a:noFill/>
-        </p:spPr>
-        <p:txBody>
-          <a:bodyPr wrap="square" rtlCol="0">
-            <a:spAutoFit/>
-          </a:bodyPr>
-          <a:lstStyle/>
-          <a:p>
-            <a:pPr algn="r"/>
-            <a:r>
-              <a:rPr lang="en-US" sz="2000" b="1" dirty="0">
-                <a:latin typeface="Courier New" charset="0"/>
-                <a:ea typeface="Courier New" charset="0"/>
-                <a:cs typeface="Courier New" charset="0"/>
-              </a:rPr>
-              <a:t>m</a:t>
-            </a:r>
-            <a:r>
-              <a:rPr lang="en-US" sz="2000" b="1" dirty="0" smtClean="0">
-                <a:latin typeface="Courier New" charset="0"/>
-                <a:ea typeface="Courier New" charset="0"/>
-                <a:cs typeface="Courier New" charset="0"/>
-              </a:rPr>
-              <a:t>igrating()</a:t>
-            </a:r>
-          </a:p>
-          <a:p>
-            <a:pPr algn="r"/>
-            <a:endParaRPr lang="en-US" sz="2000" b="1" noProof="1" smtClean="0">
-              <a:latin typeface="Courier New" charset="0"/>
-              <a:ea typeface="Courier New" charset="0"/>
-              <a:cs typeface="Courier New" charset="0"/>
-            </a:endParaRPr>
-          </a:p>
-          <a:p>
-            <a:pPr algn="r"/>
-            <a:r>
-              <a:rPr lang="en-US" sz="2000" b="1" noProof="1" smtClean="0">
-                <a:latin typeface="Courier New" charset="0"/>
-                <a:ea typeface="Courier New" charset="0"/>
-                <a:cs typeface="Courier New" charset="0"/>
-              </a:rPr>
-              <a:t>is_herbivore()</a:t>
-            </a:r>
-          </a:p>
-          <a:p>
-            <a:pPr algn="r"/>
-            <a:endParaRPr lang="en-US" sz="2000" b="1" noProof="1">
-              <a:latin typeface="Courier New" charset="0"/>
-              <a:ea typeface="Courier New" charset="0"/>
-              <a:cs typeface="Courier New" charset="0"/>
-            </a:endParaRPr>
-          </a:p>
-          <a:p>
-            <a:pPr algn="r"/>
-            <a:r>
-              <a:rPr lang="en-US" sz="2000" b="1" noProof="1">
-                <a:latin typeface="Courier New" charset="0"/>
-                <a:ea typeface="Courier New" charset="0"/>
-                <a:cs typeface="Courier New" charset="0"/>
-              </a:rPr>
-              <a:t>n</a:t>
-            </a:r>
-            <a:r>
-              <a:rPr lang="en-US" sz="2000" b="1" noProof="1" smtClean="0">
-                <a:latin typeface="Courier New" charset="0"/>
-                <a:ea typeface="Courier New" charset="0"/>
-                <a:cs typeface="Courier New" charset="0"/>
-              </a:rPr>
-              <a:t>ew_grassland(neighbours)</a:t>
-            </a:r>
-          </a:p>
-          <a:p>
-            <a:pPr algn="r"/>
-            <a:endParaRPr lang="en-US" sz="2000" b="1" noProof="1">
-              <a:latin typeface="Courier New" charset="0"/>
-              <a:ea typeface="Courier New" charset="0"/>
-              <a:cs typeface="Courier New" charset="0"/>
-            </a:endParaRPr>
-          </a:p>
-          <a:p>
-            <a:pPr algn="r"/>
-            <a:r>
-              <a:rPr lang="en-US" sz="2000" b="1" noProof="1" smtClean="0">
-                <a:latin typeface="Courier New" charset="0"/>
-                <a:ea typeface="Courier New" charset="0"/>
-                <a:cs typeface="Courier New" charset="0"/>
-              </a:rPr>
-              <a:t>is_carnivore()</a:t>
-            </a:r>
-          </a:p>
-          <a:p>
-            <a:pPr algn="r"/>
-            <a:endParaRPr lang="en-US" sz="2000" b="1" noProof="1">
-              <a:latin typeface="Courier New" charset="0"/>
-              <a:ea typeface="Courier New" charset="0"/>
-              <a:cs typeface="Courier New" charset="0"/>
-            </a:endParaRPr>
-          </a:p>
-          <a:p>
-            <a:pPr algn="r"/>
-            <a:r>
-              <a:rPr lang="en-US" sz="2000" b="1" noProof="1" smtClean="0">
-                <a:latin typeface="Courier New" charset="0"/>
-                <a:ea typeface="Courier New" charset="0"/>
-                <a:cs typeface="Courier New" charset="0"/>
-              </a:rPr>
-              <a:t>new_hunting_land(neighbours)</a:t>
-            </a:r>
-            <a:endParaRPr lang="en-US" sz="2000" b="1" noProof="1">
-              <a:latin typeface="Courier New" charset="0"/>
-              <a:ea typeface="Courier New" charset="0"/>
-              <a:cs typeface="Courier New" charset="0"/>
-            </a:endParaRPr>
-          </a:p>
-        </p:txBody>
-      </p:sp>
-      <p:sp>
-        <p:nvSpPr>
-          <p:cNvPr id="58" name="Freeform 57"/>
-          <p:cNvSpPr/>
-          <p:nvPr/>
-        </p:nvSpPr>
-        <p:spPr>
-          <a:xfrm>
-            <a:off x="220717" y="2349062"/>
-            <a:ext cx="11603421" cy="3578772"/>
-          </a:xfrm>
-          <a:custGeom>
-            <a:avLst/>
-            <a:gdLst>
-              <a:gd name="connsiteX0" fmla="*/ 63062 w 11603421"/>
-              <a:gd name="connsiteY0" fmla="*/ 47297 h 3578772"/>
-              <a:gd name="connsiteX1" fmla="*/ 4225159 w 11603421"/>
-              <a:gd name="connsiteY1" fmla="*/ 47297 h 3578772"/>
-              <a:gd name="connsiteX2" fmla="*/ 4225159 w 11603421"/>
-              <a:gd name="connsiteY2" fmla="*/ 1150883 h 3578772"/>
-              <a:gd name="connsiteX3" fmla="*/ 7062952 w 11603421"/>
-              <a:gd name="connsiteY3" fmla="*/ 1150883 h 3578772"/>
-              <a:gd name="connsiteX4" fmla="*/ 7062952 w 11603421"/>
-              <a:gd name="connsiteY4" fmla="*/ 2427890 h 3578772"/>
-              <a:gd name="connsiteX5" fmla="*/ 0 w 11603421"/>
-              <a:gd name="connsiteY5" fmla="*/ 2427890 h 3578772"/>
-              <a:gd name="connsiteX6" fmla="*/ 0 w 11603421"/>
-              <a:gd name="connsiteY6" fmla="*/ 0 h 3578772"/>
-              <a:gd name="connsiteX7" fmla="*/ 11603421 w 11603421"/>
-              <a:gd name="connsiteY7" fmla="*/ 0 h 3578772"/>
-              <a:gd name="connsiteX8" fmla="*/ 11603421 w 11603421"/>
-              <a:gd name="connsiteY8" fmla="*/ 3578772 h 3578772"/>
-              <a:gd name="connsiteX9" fmla="*/ 7220607 w 11603421"/>
-              <a:gd name="connsiteY9" fmla="*/ 3578772 h 3578772"/>
-              <a:gd name="connsiteX10" fmla="*/ 7220607 w 11603421"/>
-              <a:gd name="connsiteY10" fmla="*/ 1103586 h 3578772"/>
-              <a:gd name="connsiteX11" fmla="*/ 8481849 w 11603421"/>
-              <a:gd name="connsiteY11" fmla="*/ 1103586 h 3578772"/>
-              <a:gd name="connsiteX12" fmla="*/ 8481849 w 11603421"/>
-              <a:gd name="connsiteY12" fmla="*/ 0 h 3578772"/>
-              <a:gd name="connsiteX13" fmla="*/ 63062 w 11603421"/>
-              <a:gd name="connsiteY13" fmla="*/ 47297 h 3578772"/>
-            </a:gdLst>
-            <a:ahLst/>
-            <a:cxnLst>
-              <a:cxn ang="0">
-                <a:pos x="connsiteX0" y="connsiteY0"/>
-              </a:cxn>
-              <a:cxn ang="0">
-                <a:pos x="connsiteX1" y="connsiteY1"/>
-              </a:cxn>
-              <a:cxn ang="0">
-                <a:pos x="connsiteX2" y="connsiteY2"/>
-              </a:cxn>
-              <a:cxn ang="0">
-                <a:pos x="connsiteX3" y="connsiteY3"/>
-              </a:cxn>
-              <a:cxn ang="0">
-                <a:pos x="connsiteX4" y="connsiteY4"/>
-              </a:cxn>
-              <a:cxn ang="0">
-                <a:pos x="connsiteX5" y="connsiteY5"/>
-              </a:cxn>
-              <a:cxn ang="0">
-                <a:pos x="connsiteX6" y="connsiteY6"/>
-              </a:cxn>
-              <a:cxn ang="0">
-                <a:pos x="connsiteX7" y="connsiteY7"/>
-              </a:cxn>
-              <a:cxn ang="0">
-                <a:pos x="connsiteX8" y="connsiteY8"/>
-              </a:cxn>
-              <a:cxn ang="0">
-                <a:pos x="connsiteX9" y="connsiteY9"/>
-              </a:cxn>
-              <a:cxn ang="0">
-                <a:pos x="connsiteX10" y="connsiteY10"/>
-              </a:cxn>
-              <a:cxn ang="0">
-                <a:pos x="connsiteX11" y="connsiteY11"/>
-              </a:cxn>
-              <a:cxn ang="0">
-                <a:pos x="connsiteX12" y="connsiteY12"/>
-              </a:cxn>
-              <a:cxn ang="0">
-                <a:pos x="connsiteX13" y="connsiteY13"/>
-              </a:cxn>
-            </a:cxnLst>
-            <a:rect l="l" t="t" r="r" b="b"/>
-            <a:pathLst>
-              <a:path w="11603421" h="3578772">
-                <a:moveTo>
-                  <a:pt x="63062" y="47297"/>
-                </a:moveTo>
-                <a:lnTo>
-                  <a:pt x="4225159" y="47297"/>
-                </a:lnTo>
-                <a:lnTo>
-                  <a:pt x="4225159" y="1150883"/>
-                </a:lnTo>
-                <a:lnTo>
-                  <a:pt x="7062952" y="1150883"/>
-                </a:lnTo>
-                <a:lnTo>
-                  <a:pt x="7062952" y="2427890"/>
-                </a:lnTo>
-                <a:lnTo>
-                  <a:pt x="0" y="2427890"/>
-                </a:lnTo>
-                <a:lnTo>
-                  <a:pt x="0" y="0"/>
-                </a:lnTo>
-                <a:lnTo>
-                  <a:pt x="11603421" y="0"/>
-                </a:lnTo>
-                <a:lnTo>
-                  <a:pt x="11603421" y="3578772"/>
-                </a:lnTo>
-                <a:lnTo>
-                  <a:pt x="7220607" y="3578772"/>
-                </a:lnTo>
-                <a:lnTo>
-                  <a:pt x="7220607" y="1103586"/>
-                </a:lnTo>
-                <a:lnTo>
-                  <a:pt x="8481849" y="1103586"/>
-                </a:lnTo>
-                <a:lnTo>
-                  <a:pt x="8481849" y="0"/>
-                </a:lnTo>
-                <a:lnTo>
-                  <a:pt x="63062" y="47297"/>
-                </a:lnTo>
-                <a:close/>
-              </a:path>
-            </a:pathLst>
-          </a:custGeom>
-          <a:noFill/>
-        </p:spPr>
-        <p:style>
-          <a:lnRef idx="2">
-            <a:schemeClr val="accent1">
-              <a:shade val="50000"/>
-            </a:schemeClr>
-          </a:lnRef>
-          <a:fillRef idx="1">
-            <a:schemeClr val="accent1"/>
-          </a:fillRef>
-          <a:effectRef idx="0">
-            <a:schemeClr val="accent1"/>
-          </a:effectRef>
-          <a:fontRef idx="minor">
-            <a:schemeClr val="lt1"/>
-          </a:fontRef>
-        </p:style>
-        <p:txBody>
-          <a:bodyPr rtlCol="0" anchor="ctr"/>
-          <a:lstStyle/>
-          <a:p>
-            <a:pPr algn="ctr"/>
-            <a:endParaRPr lang="en-US"/>
-          </a:p>
-        </p:txBody>
-      </p:sp>
-      <p:cxnSp>
-        <p:nvCxnSpPr>
-          <p:cNvPr id="60" name="Straight Connector 59"/>
-          <p:cNvCxnSpPr>
-            <a:stCxn id="6" idx="4"/>
-          </p:cNvCxnSpPr>
-          <p:nvPr/>
-        </p:nvCxnSpPr>
-        <p:spPr>
-          <a:xfrm>
-            <a:off x="2576027" y="2005755"/>
-            <a:ext cx="0" cy="343307"/>
-          </a:xfrm>
-          <a:prstGeom prst="line">
-            <a:avLst/>
-          </a:prstGeom>
-          <a:ln w="44450">
-            <a:solidFill>
-              <a:srgbClr val="FF0000"/>
-            </a:solidFill>
-          </a:ln>
-        </p:spPr>
-        <p:style>
-          <a:lnRef idx="1">
-            <a:schemeClr val="accent1"/>
-          </a:lnRef>
-          <a:fillRef idx="0">
-            <a:schemeClr val="accent1"/>
-          </a:fillRef>
-          <a:effectRef idx="0">
-            <a:schemeClr val="accent1"/>
-          </a:effectRef>
-          <a:fontRef idx="minor">
-            <a:schemeClr val="tx1"/>
-          </a:fontRef>
-        </p:style>
-      </p:cxnSp>
-      <p:cxnSp>
-        <p:nvCxnSpPr>
-          <p:cNvPr id="63" name="Straight Connector 62"/>
-          <p:cNvCxnSpPr>
-            <a:stCxn id="7" idx="4"/>
-          </p:cNvCxnSpPr>
-          <p:nvPr/>
-        </p:nvCxnSpPr>
-        <p:spPr>
-          <a:xfrm flipH="1">
-            <a:off x="6600211" y="1993054"/>
-            <a:ext cx="1" cy="356008"/>
-          </a:xfrm>
-          <a:prstGeom prst="line">
-            <a:avLst/>
-          </a:prstGeom>
-          <a:ln w="41275">
-            <a:solidFill>
-              <a:srgbClr val="FF0000"/>
-            </a:solidFill>
-          </a:ln>
-        </p:spPr>
-        <p:style>
-          <a:lnRef idx="1">
-            <a:schemeClr val="accent1"/>
-          </a:lnRef>
-          <a:fillRef idx="0">
-            <a:schemeClr val="accent1"/>
-          </a:fillRef>
-          <a:effectRef idx="0">
-            <a:schemeClr val="accent1"/>
-          </a:effectRef>
-          <a:fontRef idx="minor">
-            <a:schemeClr val="tx1"/>
-          </a:fontRef>
-        </p:style>
-      </p:cxnSp>
-      <p:cxnSp>
-        <p:nvCxnSpPr>
-          <p:cNvPr id="66" name="Straight Connector 65"/>
-          <p:cNvCxnSpPr>
-            <a:stCxn id="8" idx="4"/>
-          </p:cNvCxnSpPr>
-          <p:nvPr/>
-        </p:nvCxnSpPr>
-        <p:spPr>
-          <a:xfrm flipH="1">
-            <a:off x="10620442" y="1983282"/>
-            <a:ext cx="3954" cy="365780"/>
-          </a:xfrm>
-          <a:prstGeom prst="line">
-            <a:avLst/>
-          </a:prstGeom>
-          <a:ln w="41275">
-            <a:solidFill>
-              <a:srgbClr val="FF0000"/>
-            </a:solidFill>
-          </a:ln>
-        </p:spPr>
-        <p:style>
-          <a:lnRef idx="1">
-            <a:schemeClr val="accent1"/>
-          </a:lnRef>
-          <a:fillRef idx="0">
-            <a:schemeClr val="accent1"/>
-          </a:fillRef>
-          <a:effectRef idx="0">
-            <a:schemeClr val="accent1"/>
-          </a:effectRef>
-          <a:fontRef idx="minor">
-            <a:schemeClr val="tx1"/>
-          </a:fontRef>
-        </p:style>
-      </p:cxnSp>
+        </p:txBody>
+      </p:sp>
     </p:spTree>
     <p:extLst>
       <p:ext uri="{BB962C8B-B14F-4D97-AF65-F5344CB8AC3E}">
-        <p14:creationId xmlns:p14="http://schemas.microsoft.com/office/powerpoint/2010/main" val="273299643"/>
+        <p14:creationId xmlns:p14="http://schemas.microsoft.com/office/powerpoint/2010/main" val="4188131977"/>
       </p:ext>
     </p:extLst>
   </p:cSld>
@@ -4932,620 +4167,39 @@
           <a:chExt cx="0" cy="0"/>
         </a:xfrm>
       </p:grpSpPr>
-      <p:sp>
-        <p:nvSpPr>
-          <p:cNvPr id="4" name="Oval 3"/>
-          <p:cNvSpPr/>
-          <p:nvPr/>
-        </p:nvSpPr>
+      <p:pic>
+        <p:nvPicPr>
+          <p:cNvPr id="9" name="Plassholder for innhold 8">
+            <a:extLst>
+              <a:ext uri="{FF2B5EF4-FFF2-40B4-BE49-F238E27FC236}">
+                <a16:creationId xmlns:a16="http://schemas.microsoft.com/office/drawing/2014/main" id="{34B79737-572F-4E17-B228-CB0688B3FFE0}"/>
+              </a:ext>
+            </a:extLst>
+          </p:cNvPr>
+          <p:cNvPicPr>
+            <a:picLocks noGrp="1" noChangeAspect="1"/>
+          </p:cNvPicPr>
+          <p:nvPr>
+            <p:ph idx="1"/>
+          </p:nvPr>
+        </p:nvPicPr>
+        <p:blipFill>
+          <a:blip r:embed="rId2"/>
+          <a:stretch>
+            <a:fillRect/>
+          </a:stretch>
+        </p:blipFill>
         <p:spPr>
           <a:xfrm>
-            <a:off x="166956" y="1261694"/>
-            <a:ext cx="1931988" cy="739418"/>
-          </a:xfrm>
-          <a:prstGeom prst="ellipse">
-            <a:avLst/>
-          </a:prstGeom>
-          <a:solidFill>
-            <a:schemeClr val="accent1">
-              <a:lumMod val="60000"/>
-              <a:lumOff val="40000"/>
-            </a:schemeClr>
-          </a:solidFill>
-        </p:spPr>
-        <p:style>
-          <a:lnRef idx="2">
-            <a:schemeClr val="accent1">
-              <a:shade val="50000"/>
-            </a:schemeClr>
-          </a:lnRef>
-          <a:fillRef idx="1">
-            <a:schemeClr val="accent1"/>
-          </a:fillRef>
-          <a:effectRef idx="0">
-            <a:schemeClr val="accent1"/>
-          </a:effectRef>
-          <a:fontRef idx="minor">
-            <a:schemeClr val="lt1"/>
-          </a:fontRef>
-        </p:style>
-        <p:txBody>
-          <a:bodyPr rtlCol="0" anchor="ctr"/>
-          <a:lstStyle/>
-          <a:p>
-            <a:pPr algn="ctr"/>
-            <a:r>
-              <a:rPr lang="en-US" sz="2800" dirty="0" err="1" smtClean="0">
-                <a:solidFill>
-                  <a:schemeClr val="tx1"/>
-                </a:solidFill>
-              </a:rPr>
-              <a:t>BioSim</a:t>
-            </a:r>
-            <a:endParaRPr lang="en-US" sz="2800" dirty="0">
-              <a:solidFill>
-                <a:schemeClr val="accent1">
-                  <a:lumMod val="75000"/>
-                </a:schemeClr>
-              </a:solidFill>
-            </a:endParaRPr>
-          </a:p>
-        </p:txBody>
-      </p:sp>
-      <p:sp>
-        <p:nvSpPr>
-          <p:cNvPr id="6" name="Oval 5"/>
-          <p:cNvSpPr/>
-          <p:nvPr/>
-        </p:nvSpPr>
-        <p:spPr>
-          <a:xfrm>
-            <a:off x="1331189" y="2086144"/>
-            <a:ext cx="2521205" cy="739418"/>
-          </a:xfrm>
-          <a:prstGeom prst="ellipse">
-            <a:avLst/>
-          </a:prstGeom>
-          <a:solidFill>
-            <a:schemeClr val="accent1">
-              <a:lumMod val="60000"/>
-              <a:lumOff val="40000"/>
-            </a:schemeClr>
-          </a:solidFill>
-        </p:spPr>
-        <p:style>
-          <a:lnRef idx="2">
-            <a:schemeClr val="accent1">
-              <a:shade val="50000"/>
-            </a:schemeClr>
-          </a:lnRef>
-          <a:fillRef idx="1">
-            <a:schemeClr val="accent1"/>
-          </a:fillRef>
-          <a:effectRef idx="0">
-            <a:schemeClr val="accent1"/>
-          </a:effectRef>
-          <a:fontRef idx="minor">
-            <a:schemeClr val="lt1"/>
-          </a:fontRef>
-        </p:style>
-        <p:txBody>
-          <a:bodyPr rtlCol="0" anchor="ctr"/>
-          <a:lstStyle/>
-          <a:p>
-            <a:pPr algn="ctr"/>
-            <a:r>
-              <a:rPr lang="en-US" sz="2800" dirty="0" smtClean="0">
-                <a:solidFill>
-                  <a:schemeClr val="tx1"/>
-                </a:solidFill>
-              </a:rPr>
-              <a:t>Island</a:t>
-            </a:r>
-            <a:endParaRPr lang="en-US" sz="2800" dirty="0">
-              <a:solidFill>
-                <a:schemeClr val="tx1"/>
-              </a:solidFill>
-            </a:endParaRPr>
-          </a:p>
-        </p:txBody>
-      </p:sp>
-      <p:sp>
-        <p:nvSpPr>
-          <p:cNvPr id="7" name="Oval 6"/>
-          <p:cNvSpPr/>
-          <p:nvPr/>
-        </p:nvSpPr>
-        <p:spPr>
-          <a:xfrm>
-            <a:off x="5355374" y="2073443"/>
-            <a:ext cx="2521205" cy="739418"/>
-          </a:xfrm>
-          <a:prstGeom prst="ellipse">
-            <a:avLst/>
-          </a:prstGeom>
-          <a:solidFill>
-            <a:schemeClr val="accent1">
-              <a:lumMod val="60000"/>
-              <a:lumOff val="40000"/>
-            </a:schemeClr>
-          </a:solidFill>
-        </p:spPr>
-        <p:style>
-          <a:lnRef idx="2">
-            <a:schemeClr val="accent1">
-              <a:shade val="50000"/>
-            </a:schemeClr>
-          </a:lnRef>
-          <a:fillRef idx="1">
-            <a:schemeClr val="accent1"/>
-          </a:fillRef>
-          <a:effectRef idx="0">
-            <a:schemeClr val="accent1"/>
-          </a:effectRef>
-          <a:fontRef idx="minor">
-            <a:schemeClr val="lt1"/>
-          </a:fontRef>
-        </p:style>
-        <p:txBody>
-          <a:bodyPr rtlCol="0" anchor="ctr"/>
-          <a:lstStyle/>
-          <a:p>
-            <a:pPr algn="ctr"/>
-            <a:r>
-              <a:rPr lang="en-US" sz="2800" dirty="0" smtClean="0">
-                <a:solidFill>
-                  <a:schemeClr val="tx1"/>
-                </a:solidFill>
-              </a:rPr>
-              <a:t>Landscape</a:t>
-            </a:r>
-            <a:endParaRPr lang="en-US" sz="2800" dirty="0">
-              <a:solidFill>
-                <a:schemeClr val="tx1"/>
-              </a:solidFill>
-            </a:endParaRPr>
-          </a:p>
-        </p:txBody>
-      </p:sp>
-      <p:sp>
-        <p:nvSpPr>
-          <p:cNvPr id="8" name="Oval 7"/>
-          <p:cNvSpPr/>
-          <p:nvPr/>
-        </p:nvSpPr>
-        <p:spPr>
-          <a:xfrm>
-            <a:off x="9715250" y="2063671"/>
-            <a:ext cx="1849821" cy="739418"/>
-          </a:xfrm>
-          <a:prstGeom prst="ellipse">
-            <a:avLst/>
-          </a:prstGeom>
-          <a:solidFill>
-            <a:schemeClr val="accent1">
-              <a:lumMod val="60000"/>
-              <a:lumOff val="40000"/>
-            </a:schemeClr>
-          </a:solidFill>
-        </p:spPr>
-        <p:style>
-          <a:lnRef idx="2">
-            <a:schemeClr val="accent1">
-              <a:shade val="50000"/>
-            </a:schemeClr>
-          </a:lnRef>
-          <a:fillRef idx="1">
-            <a:schemeClr val="accent1"/>
-          </a:fillRef>
-          <a:effectRef idx="0">
-            <a:schemeClr val="accent1"/>
-          </a:effectRef>
-          <a:fontRef idx="minor">
-            <a:schemeClr val="lt1"/>
-          </a:fontRef>
-        </p:style>
-        <p:txBody>
-          <a:bodyPr rtlCol="0" anchor="ctr"/>
-          <a:lstStyle/>
-          <a:p>
-            <a:pPr algn="ctr"/>
-            <a:r>
-              <a:rPr lang="en-US" sz="2800" dirty="0" smtClean="0">
-                <a:solidFill>
-                  <a:schemeClr val="tx1"/>
-                </a:solidFill>
-              </a:rPr>
-              <a:t>Animal</a:t>
-            </a:r>
-            <a:endParaRPr lang="en-US" sz="2800" dirty="0">
-              <a:solidFill>
-                <a:schemeClr val="tx1"/>
-              </a:solidFill>
-            </a:endParaRPr>
-          </a:p>
-        </p:txBody>
-      </p:sp>
-      <p:cxnSp>
-        <p:nvCxnSpPr>
-          <p:cNvPr id="10" name="Elbow Connector 9"/>
-          <p:cNvCxnSpPr>
-            <a:stCxn id="4" idx="6"/>
-            <a:endCxn id="6" idx="0"/>
-          </p:cNvCxnSpPr>
-          <p:nvPr/>
-        </p:nvCxnSpPr>
-        <p:spPr>
-          <a:xfrm>
-            <a:off x="2098944" y="1631403"/>
-            <a:ext cx="492848" cy="454741"/>
-          </a:xfrm>
-          <a:prstGeom prst="bentConnector2">
-            <a:avLst/>
-          </a:prstGeom>
-          <a:ln w="60325" cap="flat" cmpd="sng">
-            <a:solidFill>
-              <a:schemeClr val="tx1"/>
-            </a:solidFill>
-            <a:prstDash val="solid"/>
-            <a:headEnd type="triangle"/>
-            <a:tailEnd type="none"/>
-          </a:ln>
-        </p:spPr>
-        <p:style>
-          <a:lnRef idx="1">
-            <a:schemeClr val="accent1"/>
-          </a:lnRef>
-          <a:fillRef idx="0">
-            <a:schemeClr val="accent1"/>
-          </a:fillRef>
-          <a:effectRef idx="0">
-            <a:schemeClr val="accent1"/>
-          </a:effectRef>
-          <a:fontRef idx="minor">
-            <a:schemeClr val="tx1"/>
-          </a:fontRef>
-        </p:style>
-      </p:cxnSp>
-      <p:cxnSp>
-        <p:nvCxnSpPr>
-          <p:cNvPr id="11" name="Elbow Connector 10"/>
-          <p:cNvCxnSpPr>
-            <a:stCxn id="6" idx="6"/>
-            <a:endCxn id="7" idx="2"/>
-          </p:cNvCxnSpPr>
-          <p:nvPr/>
-        </p:nvCxnSpPr>
-        <p:spPr>
-          <a:xfrm flipV="1">
-            <a:off x="3852394" y="2443152"/>
-            <a:ext cx="1502980" cy="12701"/>
-          </a:xfrm>
-          <a:prstGeom prst="bentConnector3">
-            <a:avLst>
-              <a:gd name="adj1" fmla="val 50000"/>
-            </a:avLst>
-          </a:prstGeom>
-          <a:ln w="60325">
-            <a:solidFill>
-              <a:schemeClr val="tx1"/>
-            </a:solidFill>
-            <a:headEnd type="triangle"/>
-            <a:tailEnd type="none"/>
-          </a:ln>
-        </p:spPr>
-        <p:style>
-          <a:lnRef idx="1">
-            <a:schemeClr val="accent1"/>
-          </a:lnRef>
-          <a:fillRef idx="0">
-            <a:schemeClr val="accent1"/>
-          </a:fillRef>
-          <a:effectRef idx="0">
-            <a:schemeClr val="accent1"/>
-          </a:effectRef>
-          <a:fontRef idx="minor">
-            <a:schemeClr val="tx1"/>
-          </a:fontRef>
-        </p:style>
-      </p:cxnSp>
-      <p:cxnSp>
-        <p:nvCxnSpPr>
-          <p:cNvPr id="20" name="Elbow Connector 19"/>
-          <p:cNvCxnSpPr>
-            <a:stCxn id="8" idx="2"/>
-            <a:endCxn id="7" idx="6"/>
-          </p:cNvCxnSpPr>
-          <p:nvPr/>
-        </p:nvCxnSpPr>
-        <p:spPr>
-          <a:xfrm rot="10800000" flipV="1">
-            <a:off x="7876580" y="2433380"/>
-            <a:ext cx="1838671" cy="9772"/>
-          </a:xfrm>
-          <a:prstGeom prst="bentConnector3">
-            <a:avLst>
-              <a:gd name="adj1" fmla="val 50000"/>
-            </a:avLst>
-          </a:prstGeom>
-          <a:ln w="60325">
-            <a:solidFill>
-              <a:schemeClr val="tx1"/>
-            </a:solidFill>
-            <a:headEnd type="triangle"/>
-            <a:tailEnd type="triangle"/>
-          </a:ln>
-        </p:spPr>
-        <p:style>
-          <a:lnRef idx="1">
-            <a:schemeClr val="accent1"/>
-          </a:lnRef>
-          <a:fillRef idx="0">
-            <a:schemeClr val="accent1"/>
-          </a:fillRef>
-          <a:effectRef idx="0">
-            <a:schemeClr val="accent1"/>
-          </a:effectRef>
-          <a:fontRef idx="minor">
-            <a:schemeClr val="tx1"/>
-          </a:fontRef>
-        </p:style>
-      </p:cxnSp>
-      <p:sp>
-        <p:nvSpPr>
-          <p:cNvPr id="42" name="TextBox 41"/>
-          <p:cNvSpPr txBox="1"/>
-          <p:nvPr/>
-        </p:nvSpPr>
-        <p:spPr>
-          <a:xfrm>
-            <a:off x="3008001" y="1003847"/>
-            <a:ext cx="7215950" cy="646331"/>
-          </a:xfrm>
-          <a:prstGeom prst="rect">
-            <a:avLst/>
-          </a:prstGeom>
-          <a:noFill/>
-        </p:spPr>
-        <p:txBody>
-          <a:bodyPr wrap="none" rtlCol="0">
-            <a:spAutoFit/>
-          </a:bodyPr>
-          <a:lstStyle/>
-          <a:p>
-            <a:r>
-              <a:rPr lang="en-US" sz="3600" dirty="0" smtClean="0"/>
-              <a:t>General structure of decision-making </a:t>
-            </a:r>
-            <a:endParaRPr lang="en-US" sz="3600" dirty="0"/>
-          </a:p>
-        </p:txBody>
-      </p:sp>
-      <p:sp>
-        <p:nvSpPr>
-          <p:cNvPr id="45" name="TextBox 44"/>
-          <p:cNvSpPr txBox="1"/>
-          <p:nvPr/>
-        </p:nvSpPr>
-        <p:spPr>
-          <a:xfrm>
-            <a:off x="1742927" y="4044852"/>
-            <a:ext cx="7774966" cy="646331"/>
-          </a:xfrm>
-          <a:prstGeom prst="rect">
-            <a:avLst/>
-          </a:prstGeom>
-          <a:noFill/>
-        </p:spPr>
-        <p:txBody>
-          <a:bodyPr wrap="square" rtlCol="0">
-            <a:spAutoFit/>
-          </a:bodyPr>
-          <a:lstStyle/>
-          <a:p>
-            <a:r>
-              <a:rPr lang="en-US" sz="3600" b="1" dirty="0" smtClean="0">
-                <a:latin typeface="Courier New" charset="0"/>
-                <a:ea typeface="Courier New" charset="0"/>
-                <a:cs typeface="Courier New" charset="0"/>
-              </a:rPr>
-              <a:t>Where</a:t>
-            </a:r>
-          </a:p>
-        </p:txBody>
-      </p:sp>
-      <p:sp>
-        <p:nvSpPr>
-          <p:cNvPr id="55" name="TextBox 54"/>
-          <p:cNvSpPr txBox="1"/>
-          <p:nvPr/>
-        </p:nvSpPr>
-        <p:spPr>
-          <a:xfrm>
-            <a:off x="6142803" y="3454614"/>
-            <a:ext cx="3467552" cy="646331"/>
-          </a:xfrm>
-          <a:prstGeom prst="rect">
-            <a:avLst/>
-          </a:prstGeom>
-          <a:noFill/>
-        </p:spPr>
-        <p:txBody>
-          <a:bodyPr wrap="square" rtlCol="0">
-            <a:spAutoFit/>
-          </a:bodyPr>
-          <a:lstStyle/>
-          <a:p>
-            <a:r>
-              <a:rPr lang="en-US" sz="3600" b="1" dirty="0" smtClean="0">
-                <a:latin typeface="Courier New" charset="0"/>
-                <a:ea typeface="Courier New" charset="0"/>
-                <a:cs typeface="Courier New" charset="0"/>
-              </a:rPr>
-              <a:t>Who</a:t>
-            </a:r>
-            <a:endParaRPr lang="en-US" sz="3600" b="1" dirty="0">
-              <a:latin typeface="Courier New" charset="0"/>
-              <a:ea typeface="Courier New" charset="0"/>
-              <a:cs typeface="Courier New" charset="0"/>
-            </a:endParaRPr>
-          </a:p>
-        </p:txBody>
-      </p:sp>
-      <p:sp>
-        <p:nvSpPr>
-          <p:cNvPr id="56" name="TextBox 55"/>
-          <p:cNvSpPr txBox="1"/>
-          <p:nvPr/>
-        </p:nvSpPr>
-        <p:spPr>
-          <a:xfrm>
-            <a:off x="7283628" y="4920835"/>
-            <a:ext cx="4468529" cy="646331"/>
-          </a:xfrm>
-          <a:prstGeom prst="rect">
-            <a:avLst/>
-          </a:prstGeom>
-          <a:noFill/>
-        </p:spPr>
-        <p:txBody>
-          <a:bodyPr wrap="square" rtlCol="0">
-            <a:spAutoFit/>
-          </a:bodyPr>
-          <a:lstStyle/>
-          <a:p>
-            <a:pPr algn="r"/>
-            <a:r>
-              <a:rPr lang="en-US" sz="3600" b="1" noProof="1" smtClean="0">
-                <a:latin typeface="Courier New" charset="0"/>
-                <a:ea typeface="Courier New" charset="0"/>
-                <a:cs typeface="Courier New" charset="0"/>
-              </a:rPr>
-              <a:t>If / how</a:t>
-            </a:r>
-            <a:endParaRPr lang="en-US" sz="3600" b="1" noProof="1">
-              <a:latin typeface="Courier New" charset="0"/>
-              <a:ea typeface="Courier New" charset="0"/>
-              <a:cs typeface="Courier New" charset="0"/>
-            </a:endParaRPr>
-          </a:p>
-        </p:txBody>
-      </p:sp>
-      <p:cxnSp>
-        <p:nvCxnSpPr>
-          <p:cNvPr id="60" name="Straight Connector 59"/>
-          <p:cNvCxnSpPr>
-            <a:stCxn id="6" idx="4"/>
-          </p:cNvCxnSpPr>
-          <p:nvPr/>
-        </p:nvCxnSpPr>
-        <p:spPr>
-          <a:xfrm flipH="1">
-            <a:off x="2591791" y="2825562"/>
-            <a:ext cx="1" cy="1219290"/>
-          </a:xfrm>
-          <a:prstGeom prst="line">
-            <a:avLst/>
-          </a:prstGeom>
-          <a:ln w="44450">
-            <a:solidFill>
-              <a:srgbClr val="FF0000"/>
-            </a:solidFill>
-          </a:ln>
-        </p:spPr>
-        <p:style>
-          <a:lnRef idx="1">
-            <a:schemeClr val="accent1"/>
-          </a:lnRef>
-          <a:fillRef idx="0">
-            <a:schemeClr val="accent1"/>
-          </a:fillRef>
-          <a:effectRef idx="0">
-            <a:schemeClr val="accent1"/>
-          </a:effectRef>
-          <a:fontRef idx="minor">
-            <a:schemeClr val="tx1"/>
-          </a:fontRef>
-        </p:style>
-      </p:cxnSp>
-      <p:cxnSp>
-        <p:nvCxnSpPr>
-          <p:cNvPr id="63" name="Straight Connector 62"/>
-          <p:cNvCxnSpPr>
-            <a:stCxn id="7" idx="4"/>
-          </p:cNvCxnSpPr>
-          <p:nvPr/>
-        </p:nvCxnSpPr>
-        <p:spPr>
-          <a:xfrm flipH="1">
-            <a:off x="6612022" y="2812861"/>
-            <a:ext cx="3955" cy="622346"/>
-          </a:xfrm>
-          <a:prstGeom prst="line">
-            <a:avLst/>
-          </a:prstGeom>
-          <a:ln w="41275">
-            <a:solidFill>
-              <a:srgbClr val="FF0000"/>
-            </a:solidFill>
-          </a:ln>
-        </p:spPr>
-        <p:style>
-          <a:lnRef idx="1">
-            <a:schemeClr val="accent1"/>
-          </a:lnRef>
-          <a:fillRef idx="0">
-            <a:schemeClr val="accent1"/>
-          </a:fillRef>
-          <a:effectRef idx="0">
-            <a:schemeClr val="accent1"/>
-          </a:effectRef>
-          <a:fontRef idx="minor">
-            <a:schemeClr val="tx1"/>
-          </a:fontRef>
-        </p:style>
-      </p:cxnSp>
-      <p:cxnSp>
-        <p:nvCxnSpPr>
-          <p:cNvPr id="66" name="Straight Connector 65"/>
-          <p:cNvCxnSpPr>
-            <a:stCxn id="8" idx="4"/>
-          </p:cNvCxnSpPr>
-          <p:nvPr/>
-        </p:nvCxnSpPr>
-        <p:spPr>
-          <a:xfrm flipH="1">
-            <a:off x="10636207" y="2803089"/>
-            <a:ext cx="3954" cy="1888094"/>
-          </a:xfrm>
-          <a:prstGeom prst="line">
-            <a:avLst/>
-          </a:prstGeom>
-          <a:ln w="41275">
-            <a:solidFill>
-              <a:srgbClr val="FF0000"/>
-            </a:solidFill>
-          </a:ln>
-        </p:spPr>
-        <p:style>
-          <a:lnRef idx="1">
-            <a:schemeClr val="accent1"/>
-          </a:lnRef>
-          <a:fillRef idx="0">
-            <a:schemeClr val="accent1"/>
-          </a:fillRef>
-          <a:effectRef idx="0">
-            <a:schemeClr val="accent1"/>
-          </a:effectRef>
-          <a:fontRef idx="minor">
-            <a:schemeClr val="tx1"/>
-          </a:fontRef>
-        </p:style>
-      </p:cxnSp>
+            <a:off x="0" y="0"/>
+            <a:ext cx="12192000" cy="6858000"/>
+          </a:xfrm>
+        </p:spPr>
+      </p:pic>
     </p:spTree>
     <p:extLst>
       <p:ext uri="{BB962C8B-B14F-4D97-AF65-F5344CB8AC3E}">
-        <p14:creationId xmlns:p14="http://schemas.microsoft.com/office/powerpoint/2010/main" val="50034714"/>
+        <p14:creationId xmlns:p14="http://schemas.microsoft.com/office/powerpoint/2010/main" val="1767803996"/>
       </p:ext>
     </p:extLst>
   </p:cSld>
@@ -5574,79 +4228,1457 @@
       </p:grpSpPr>
       <p:sp>
         <p:nvSpPr>
-          <p:cNvPr id="2" name="Title 1"/>
-          <p:cNvSpPr>
-            <a:spLocks noGrp="1"/>
-          </p:cNvSpPr>
-          <p:nvPr>
-            <p:ph type="title"/>
-          </p:nvPr>
-        </p:nvSpPr>
-        <p:spPr/>
-        <p:txBody>
-          <a:bodyPr>
-            <a:normAutofit/>
+          <p:cNvPr id="4" name="Oval 3"/>
+          <p:cNvSpPr/>
+          <p:nvPr/>
+        </p:nvSpPr>
+        <p:spPr>
+          <a:xfrm>
+            <a:off x="151191" y="441887"/>
+            <a:ext cx="1931988" cy="739418"/>
+          </a:xfrm>
+          <a:prstGeom prst="ellipse">
+            <a:avLst/>
+          </a:prstGeom>
+          <a:solidFill>
+            <a:schemeClr val="accent1">
+              <a:lumMod val="60000"/>
+              <a:lumOff val="40000"/>
+            </a:schemeClr>
+          </a:solidFill>
+        </p:spPr>
+        <p:style>
+          <a:lnRef idx="2">
+            <a:schemeClr val="accent1">
+              <a:shade val="50000"/>
+            </a:schemeClr>
+          </a:lnRef>
+          <a:fillRef idx="1">
+            <a:schemeClr val="accent1"/>
+          </a:fillRef>
+          <a:effectRef idx="0">
+            <a:schemeClr val="accent1"/>
+          </a:effectRef>
+          <a:fontRef idx="minor">
+            <a:schemeClr val="lt1"/>
+          </a:fontRef>
+        </p:style>
+        <p:txBody>
+          <a:bodyPr rtlCol="0" anchor="ctr"/>
+          <a:lstStyle/>
+          <a:p>
+            <a:pPr algn="ctr"/>
+            <a:r>
+              <a:rPr lang="en-US" sz="2800" dirty="0" err="1">
+                <a:solidFill>
+                  <a:schemeClr val="tx1"/>
+                </a:solidFill>
+              </a:rPr>
+              <a:t>BioSim</a:t>
+            </a:r>
+            <a:endParaRPr lang="en-US" sz="2800" dirty="0">
+              <a:solidFill>
+                <a:schemeClr val="accent1">
+                  <a:lumMod val="75000"/>
+                </a:schemeClr>
+              </a:solidFill>
+            </a:endParaRPr>
+          </a:p>
+        </p:txBody>
+      </p:sp>
+      <p:sp>
+        <p:nvSpPr>
+          <p:cNvPr id="6" name="Oval 5"/>
+          <p:cNvSpPr/>
+          <p:nvPr/>
+        </p:nvSpPr>
+        <p:spPr>
+          <a:xfrm>
+            <a:off x="1315424" y="1266337"/>
+            <a:ext cx="2521205" cy="739418"/>
+          </a:xfrm>
+          <a:prstGeom prst="ellipse">
+            <a:avLst/>
+          </a:prstGeom>
+          <a:solidFill>
+            <a:schemeClr val="accent1">
+              <a:lumMod val="60000"/>
+              <a:lumOff val="40000"/>
+            </a:schemeClr>
+          </a:solidFill>
+        </p:spPr>
+        <p:style>
+          <a:lnRef idx="2">
+            <a:schemeClr val="accent1">
+              <a:shade val="50000"/>
+            </a:schemeClr>
+          </a:lnRef>
+          <a:fillRef idx="1">
+            <a:schemeClr val="accent1"/>
+          </a:fillRef>
+          <a:effectRef idx="0">
+            <a:schemeClr val="accent1"/>
+          </a:effectRef>
+          <a:fontRef idx="minor">
+            <a:schemeClr val="lt1"/>
+          </a:fontRef>
+        </p:style>
+        <p:txBody>
+          <a:bodyPr rtlCol="0" anchor="ctr"/>
+          <a:lstStyle/>
+          <a:p>
+            <a:pPr algn="ctr"/>
+            <a:r>
+              <a:rPr lang="en-US" sz="2800" dirty="0">
+                <a:solidFill>
+                  <a:schemeClr val="tx1"/>
+                </a:solidFill>
+              </a:rPr>
+              <a:t>Island</a:t>
+            </a:r>
+          </a:p>
+        </p:txBody>
+      </p:sp>
+      <p:sp>
+        <p:nvSpPr>
+          <p:cNvPr id="7" name="Oval 6"/>
+          <p:cNvSpPr/>
+          <p:nvPr/>
+        </p:nvSpPr>
+        <p:spPr>
+          <a:xfrm>
+            <a:off x="5339609" y="1253636"/>
+            <a:ext cx="2521205" cy="739418"/>
+          </a:xfrm>
+          <a:prstGeom prst="ellipse">
+            <a:avLst/>
+          </a:prstGeom>
+          <a:solidFill>
+            <a:schemeClr val="accent1">
+              <a:lumMod val="60000"/>
+              <a:lumOff val="40000"/>
+            </a:schemeClr>
+          </a:solidFill>
+        </p:spPr>
+        <p:style>
+          <a:lnRef idx="2">
+            <a:schemeClr val="accent1">
+              <a:shade val="50000"/>
+            </a:schemeClr>
+          </a:lnRef>
+          <a:fillRef idx="1">
+            <a:schemeClr val="accent1"/>
+          </a:fillRef>
+          <a:effectRef idx="0">
+            <a:schemeClr val="accent1"/>
+          </a:effectRef>
+          <a:fontRef idx="minor">
+            <a:schemeClr val="lt1"/>
+          </a:fontRef>
+        </p:style>
+        <p:txBody>
+          <a:bodyPr rtlCol="0" anchor="ctr"/>
+          <a:lstStyle/>
+          <a:p>
+            <a:pPr algn="ctr"/>
+            <a:r>
+              <a:rPr lang="en-US" sz="2800" dirty="0">
+                <a:solidFill>
+                  <a:schemeClr val="tx1"/>
+                </a:solidFill>
+              </a:rPr>
+              <a:t>Landscape</a:t>
+            </a:r>
+          </a:p>
+        </p:txBody>
+      </p:sp>
+      <p:sp>
+        <p:nvSpPr>
+          <p:cNvPr id="8" name="Oval 7"/>
+          <p:cNvSpPr/>
+          <p:nvPr/>
+        </p:nvSpPr>
+        <p:spPr>
+          <a:xfrm>
+            <a:off x="9699485" y="1243864"/>
+            <a:ext cx="1849821" cy="739418"/>
+          </a:xfrm>
+          <a:prstGeom prst="ellipse">
+            <a:avLst/>
+          </a:prstGeom>
+          <a:solidFill>
+            <a:schemeClr val="accent1">
+              <a:lumMod val="60000"/>
+              <a:lumOff val="40000"/>
+            </a:schemeClr>
+          </a:solidFill>
+        </p:spPr>
+        <p:style>
+          <a:lnRef idx="2">
+            <a:schemeClr val="accent1">
+              <a:shade val="50000"/>
+            </a:schemeClr>
+          </a:lnRef>
+          <a:fillRef idx="1">
+            <a:schemeClr val="accent1"/>
+          </a:fillRef>
+          <a:effectRef idx="0">
+            <a:schemeClr val="accent1"/>
+          </a:effectRef>
+          <a:fontRef idx="minor">
+            <a:schemeClr val="lt1"/>
+          </a:fontRef>
+        </p:style>
+        <p:txBody>
+          <a:bodyPr rtlCol="0" anchor="ctr"/>
+          <a:lstStyle/>
+          <a:p>
+            <a:pPr algn="ctr"/>
+            <a:r>
+              <a:rPr lang="en-US" sz="2800" dirty="0">
+                <a:solidFill>
+                  <a:schemeClr val="tx1"/>
+                </a:solidFill>
+              </a:rPr>
+              <a:t>Animal</a:t>
+            </a:r>
+          </a:p>
+        </p:txBody>
+      </p:sp>
+      <p:cxnSp>
+        <p:nvCxnSpPr>
+          <p:cNvPr id="10" name="Elbow Connector 9"/>
+          <p:cNvCxnSpPr>
+            <a:stCxn id="4" idx="6"/>
+            <a:endCxn id="6" idx="0"/>
+          </p:cNvCxnSpPr>
+          <p:nvPr/>
+        </p:nvCxnSpPr>
+        <p:spPr>
+          <a:xfrm>
+            <a:off x="2083179" y="811596"/>
+            <a:ext cx="492848" cy="454741"/>
+          </a:xfrm>
+          <a:prstGeom prst="bentConnector2">
+            <a:avLst/>
+          </a:prstGeom>
+          <a:ln w="60325" cap="flat" cmpd="sng">
+            <a:solidFill>
+              <a:schemeClr val="tx1"/>
+            </a:solidFill>
+            <a:prstDash val="solid"/>
+            <a:headEnd type="triangle"/>
+            <a:tailEnd type="none"/>
+          </a:ln>
+        </p:spPr>
+        <p:style>
+          <a:lnRef idx="1">
+            <a:schemeClr val="accent1"/>
+          </a:lnRef>
+          <a:fillRef idx="0">
+            <a:schemeClr val="accent1"/>
+          </a:fillRef>
+          <a:effectRef idx="0">
+            <a:schemeClr val="accent1"/>
+          </a:effectRef>
+          <a:fontRef idx="minor">
+            <a:schemeClr val="tx1"/>
+          </a:fontRef>
+        </p:style>
+      </p:cxnSp>
+      <p:cxnSp>
+        <p:nvCxnSpPr>
+          <p:cNvPr id="11" name="Elbow Connector 10"/>
+          <p:cNvCxnSpPr>
+            <a:cxnSpLocks/>
+          </p:cNvCxnSpPr>
+          <p:nvPr/>
+        </p:nvCxnSpPr>
+        <p:spPr>
+          <a:xfrm>
+            <a:off x="3739066" y="1502229"/>
+            <a:ext cx="1600543" cy="151401"/>
+          </a:xfrm>
+          <a:prstGeom prst="bentConnector3">
+            <a:avLst>
+              <a:gd name="adj1" fmla="val 50000"/>
+            </a:avLst>
+          </a:prstGeom>
+          <a:ln w="60325">
+            <a:solidFill>
+              <a:schemeClr val="tx1"/>
+            </a:solidFill>
+            <a:headEnd type="triangle"/>
+            <a:tailEnd type="none"/>
+          </a:ln>
+        </p:spPr>
+        <p:style>
+          <a:lnRef idx="1">
+            <a:schemeClr val="accent1"/>
+          </a:lnRef>
+          <a:fillRef idx="0">
+            <a:schemeClr val="accent1"/>
+          </a:fillRef>
+          <a:effectRef idx="0">
+            <a:schemeClr val="accent1"/>
+          </a:effectRef>
+          <a:fontRef idx="minor">
+            <a:schemeClr val="tx1"/>
+          </a:fontRef>
+        </p:style>
+      </p:cxnSp>
+      <p:cxnSp>
+        <p:nvCxnSpPr>
+          <p:cNvPr id="20" name="Elbow Connector 19"/>
+          <p:cNvCxnSpPr>
+            <a:cxnSpLocks/>
+          </p:cNvCxnSpPr>
+          <p:nvPr/>
+        </p:nvCxnSpPr>
+        <p:spPr>
+          <a:xfrm rot="10800000">
+            <a:off x="7763251" y="1502229"/>
+            <a:ext cx="1964407" cy="111344"/>
+          </a:xfrm>
+          <a:prstGeom prst="bentConnector3">
+            <a:avLst>
+              <a:gd name="adj1" fmla="val 50000"/>
+            </a:avLst>
+          </a:prstGeom>
+          <a:ln w="60325">
+            <a:solidFill>
+              <a:schemeClr val="tx1"/>
+            </a:solidFill>
+            <a:headEnd type="triangle"/>
+            <a:tailEnd type="triangle"/>
+          </a:ln>
+        </p:spPr>
+        <p:style>
+          <a:lnRef idx="1">
+            <a:schemeClr val="accent1"/>
+          </a:lnRef>
+          <a:fillRef idx="0">
+            <a:schemeClr val="accent1"/>
+          </a:fillRef>
+          <a:effectRef idx="0">
+            <a:schemeClr val="accent1"/>
+          </a:effectRef>
+          <a:fontRef idx="minor">
+            <a:schemeClr val="tx1"/>
+          </a:fontRef>
+        </p:style>
+      </p:cxnSp>
+      <p:sp>
+        <p:nvSpPr>
+          <p:cNvPr id="42" name="TextBox 41"/>
+          <p:cNvSpPr txBox="1"/>
+          <p:nvPr/>
+        </p:nvSpPr>
+        <p:spPr>
+          <a:xfrm>
+            <a:off x="2576026" y="107415"/>
+            <a:ext cx="9268756" cy="707886"/>
+          </a:xfrm>
+          <a:prstGeom prst="rect">
+            <a:avLst/>
+          </a:prstGeom>
+          <a:noFill/>
+        </p:spPr>
+        <p:txBody>
+          <a:bodyPr wrap="none" rtlCol="0">
+            <a:spAutoFit/>
           </a:bodyPr>
           <a:lstStyle/>
           <a:p>
-            <a:pPr algn="ctr"/>
-            <a:r>
-              <a:rPr lang="nb-NO" sz="4800" u="sng" dirty="0" smtClean="0">
+            <a:r>
+              <a:rPr lang="en-US" sz="4000" i="1" u="sng" dirty="0">
+                <a:latin typeface="+mj-lt"/>
+              </a:rPr>
+              <a:t>Structural example: The migration algorithm</a:t>
+            </a:r>
+          </a:p>
+        </p:txBody>
+      </p:sp>
+      <p:sp>
+        <p:nvSpPr>
+          <p:cNvPr id="45" name="TextBox 44"/>
+          <p:cNvSpPr txBox="1"/>
+          <p:nvPr/>
+        </p:nvSpPr>
+        <p:spPr>
+          <a:xfrm>
+            <a:off x="274900" y="2588596"/>
+            <a:ext cx="7774966" cy="1631216"/>
+          </a:xfrm>
+          <a:prstGeom prst="rect">
+            <a:avLst/>
+          </a:prstGeom>
+          <a:noFill/>
+        </p:spPr>
+        <p:txBody>
+          <a:bodyPr wrap="square" rtlCol="0">
+            <a:spAutoFit/>
+          </a:bodyPr>
+          <a:lstStyle/>
+          <a:p>
+            <a:r>
+              <a:rPr lang="en-US" sz="2000" b="1" dirty="0" err="1">
                 <a:latin typeface="Courier New" charset="0"/>
                 <a:ea typeface="Courier New" charset="0"/>
                 <a:cs typeface="Courier New" charset="0"/>
               </a:rPr>
-              <a:t>Test </a:t>
-            </a:r>
-            <a:r>
-              <a:rPr lang="nb-NO" sz="4800" u="sng" dirty="0" err="1" smtClean="0">
+              <a:t>migrate_island</a:t>
+            </a:r>
+            <a:r>
+              <a:rPr lang="en-US" sz="2000" b="1" dirty="0">
                 <a:latin typeface="Courier New" charset="0"/>
                 <a:ea typeface="Courier New" charset="0"/>
                 <a:cs typeface="Courier New" charset="0"/>
               </a:rPr>
-              <a:t>coverage</a:t>
-            </a:r>
-            <a:endParaRPr lang="en-US" sz="4800" u="sng" dirty="0">
+              <a:t>()</a:t>
+            </a:r>
+          </a:p>
+          <a:p>
+            <a:endParaRPr lang="en-US" sz="2000" b="1" dirty="0">
               <a:latin typeface="Courier New" charset="0"/>
               <a:ea typeface="Courier New" charset="0"/>
               <a:cs typeface="Courier New" charset="0"/>
             </a:endParaRPr>
           </a:p>
-        </p:txBody>
-      </p:sp>
-      <p:pic>
-        <p:nvPicPr>
-          <p:cNvPr id="4" name="Content Placeholder 3"/>
-          <p:cNvPicPr>
-            <a:picLocks noGrp="1" noChangeAspect="1"/>
-          </p:cNvPicPr>
-          <p:nvPr>
-            <p:ph idx="1"/>
-          </p:nvPr>
-        </p:nvPicPr>
-        <p:blipFill>
-          <a:blip r:embed="rId3">
+          <a:p>
+            <a:r>
+              <a:rPr lang="en-US" sz="2000" b="1" dirty="0" err="1">
+                <a:latin typeface="Courier New" charset="0"/>
+                <a:ea typeface="Courier New" charset="0"/>
+                <a:cs typeface="Courier New" charset="0"/>
+              </a:rPr>
+              <a:t>get_random_landscapes</a:t>
+            </a:r>
+            <a:r>
+              <a:rPr lang="en-US" sz="2000" b="1" dirty="0">
+                <a:latin typeface="Courier New" charset="0"/>
+                <a:ea typeface="Courier New" charset="0"/>
+                <a:cs typeface="Courier New" charset="0"/>
+              </a:rPr>
+              <a:t>()</a:t>
+            </a:r>
+          </a:p>
+          <a:p>
+            <a:endParaRPr lang="en-US" sz="2000" b="1" dirty="0">
+              <a:latin typeface="Courier New" charset="0"/>
+              <a:ea typeface="Courier New" charset="0"/>
+              <a:cs typeface="Courier New" charset="0"/>
+            </a:endParaRPr>
+          </a:p>
+          <a:p>
+            <a:r>
+              <a:rPr lang="en-US" sz="2000" b="1" dirty="0" err="1">
+                <a:latin typeface="Courier New" charset="0"/>
+                <a:ea typeface="Courier New" charset="0"/>
+                <a:cs typeface="Courier New" charset="0"/>
+              </a:rPr>
+              <a:t>neighbours</a:t>
+            </a:r>
+            <a:r>
+              <a:rPr lang="en-US" sz="2000" b="1" dirty="0">
+                <a:latin typeface="Courier New" charset="0"/>
+                <a:ea typeface="Courier New" charset="0"/>
+                <a:cs typeface="Courier New" charset="0"/>
+              </a:rPr>
+              <a:t> = </a:t>
+            </a:r>
+            <a:r>
+              <a:rPr lang="en-US" sz="2000" b="1" dirty="0" err="1">
+                <a:latin typeface="Courier New" charset="0"/>
+                <a:ea typeface="Courier New" charset="0"/>
+                <a:cs typeface="Courier New" charset="0"/>
+              </a:rPr>
+              <a:t>get_surrounding_landscapes</a:t>
+            </a:r>
+            <a:r>
+              <a:rPr lang="en-US" sz="2000" b="1" dirty="0">
+                <a:latin typeface="Courier New" charset="0"/>
+                <a:ea typeface="Courier New" charset="0"/>
+                <a:cs typeface="Courier New" charset="0"/>
+              </a:rPr>
+              <a:t>(</a:t>
+            </a:r>
+            <a:r>
+              <a:rPr lang="en-US" sz="2000" b="1" dirty="0" err="1">
+                <a:latin typeface="Courier New" charset="0"/>
+                <a:ea typeface="Courier New" charset="0"/>
+                <a:cs typeface="Courier New" charset="0"/>
+              </a:rPr>
+              <a:t>pos</a:t>
+            </a:r>
+            <a:r>
+              <a:rPr lang="en-US" sz="2000" b="1" dirty="0">
+                <a:latin typeface="Courier New" charset="0"/>
+                <a:ea typeface="Courier New" charset="0"/>
+                <a:cs typeface="Courier New" charset="0"/>
+              </a:rPr>
+              <a:t>)</a:t>
+            </a:r>
+          </a:p>
+        </p:txBody>
+      </p:sp>
+      <p:sp>
+        <p:nvSpPr>
+          <p:cNvPr id="55" name="TextBox 54"/>
+          <p:cNvSpPr txBox="1"/>
+          <p:nvPr/>
+        </p:nvSpPr>
+        <p:spPr>
+          <a:xfrm>
+            <a:off x="5091143" y="2688370"/>
+            <a:ext cx="3467552" cy="400110"/>
+          </a:xfrm>
+          <a:prstGeom prst="rect">
+            <a:avLst/>
+          </a:prstGeom>
+          <a:noFill/>
+        </p:spPr>
+        <p:txBody>
+          <a:bodyPr wrap="square" rtlCol="0">
+            <a:spAutoFit/>
+          </a:bodyPr>
+          <a:lstStyle/>
+          <a:p>
+            <a:r>
+              <a:rPr lang="en-US" sz="2000" b="1" dirty="0">
+                <a:latin typeface="Courier New" charset="0"/>
+                <a:ea typeface="Courier New" charset="0"/>
+                <a:cs typeface="Courier New" charset="0"/>
+              </a:rPr>
+              <a:t>migrate(</a:t>
+            </a:r>
+            <a:r>
+              <a:rPr lang="en-US" sz="2000" b="1" dirty="0" err="1">
+                <a:latin typeface="Courier New" charset="0"/>
+                <a:ea typeface="Courier New" charset="0"/>
+                <a:cs typeface="Courier New" charset="0"/>
+              </a:rPr>
+              <a:t>neighbours</a:t>
+            </a:r>
+            <a:r>
+              <a:rPr lang="en-US" sz="2000" b="1" dirty="0">
+                <a:latin typeface="Courier New" charset="0"/>
+                <a:ea typeface="Courier New" charset="0"/>
+                <a:cs typeface="Courier New" charset="0"/>
+              </a:rPr>
+              <a:t>)</a:t>
+            </a:r>
+          </a:p>
+        </p:txBody>
+      </p:sp>
+      <p:sp>
+        <p:nvSpPr>
+          <p:cNvPr id="56" name="TextBox 55"/>
+          <p:cNvSpPr txBox="1"/>
+          <p:nvPr/>
+        </p:nvSpPr>
+        <p:spPr>
+          <a:xfrm>
+            <a:off x="7409792" y="2507424"/>
+            <a:ext cx="4468529" cy="2862322"/>
+          </a:xfrm>
+          <a:prstGeom prst="rect">
+            <a:avLst/>
+          </a:prstGeom>
+          <a:noFill/>
+        </p:spPr>
+        <p:txBody>
+          <a:bodyPr wrap="square" rtlCol="0">
+            <a:spAutoFit/>
+          </a:bodyPr>
+          <a:lstStyle/>
+          <a:p>
+            <a:pPr algn="r"/>
+            <a:r>
+              <a:rPr lang="en-US" sz="2000" b="1" dirty="0">
+                <a:latin typeface="Courier New" charset="0"/>
+                <a:ea typeface="Courier New" charset="0"/>
+                <a:cs typeface="Courier New" charset="0"/>
+              </a:rPr>
+              <a:t>migrating()</a:t>
+            </a:r>
+          </a:p>
+          <a:p>
+            <a:pPr algn="r"/>
+            <a:endParaRPr lang="en-US" sz="2000" b="1" noProof="1">
+              <a:latin typeface="Courier New" charset="0"/>
+              <a:ea typeface="Courier New" charset="0"/>
+              <a:cs typeface="Courier New" charset="0"/>
+            </a:endParaRPr>
+          </a:p>
+          <a:p>
+            <a:pPr algn="r"/>
+            <a:r>
+              <a:rPr lang="en-US" sz="2000" b="1" noProof="1">
+                <a:latin typeface="Courier New" charset="0"/>
+                <a:ea typeface="Courier New" charset="0"/>
+                <a:cs typeface="Courier New" charset="0"/>
+              </a:rPr>
+              <a:t>is_herbivore()</a:t>
+            </a:r>
+          </a:p>
+          <a:p>
+            <a:pPr algn="r"/>
+            <a:endParaRPr lang="en-US" sz="2000" b="1" noProof="1">
+              <a:latin typeface="Courier New" charset="0"/>
+              <a:ea typeface="Courier New" charset="0"/>
+              <a:cs typeface="Courier New" charset="0"/>
+            </a:endParaRPr>
+          </a:p>
+          <a:p>
+            <a:pPr algn="r"/>
+            <a:r>
+              <a:rPr lang="en-US" sz="2000" b="1" noProof="1">
+                <a:latin typeface="Courier New" charset="0"/>
+                <a:ea typeface="Courier New" charset="0"/>
+                <a:cs typeface="Courier New" charset="0"/>
+              </a:rPr>
+              <a:t>new_grassland(neighbours)</a:t>
+            </a:r>
+          </a:p>
+          <a:p>
+            <a:pPr algn="r"/>
+            <a:endParaRPr lang="en-US" sz="2000" b="1" noProof="1">
+              <a:latin typeface="Courier New" charset="0"/>
+              <a:ea typeface="Courier New" charset="0"/>
+              <a:cs typeface="Courier New" charset="0"/>
+            </a:endParaRPr>
+          </a:p>
+          <a:p>
+            <a:pPr algn="r"/>
+            <a:r>
+              <a:rPr lang="en-US" sz="2000" b="1" noProof="1">
+                <a:latin typeface="Courier New" charset="0"/>
+                <a:ea typeface="Courier New" charset="0"/>
+                <a:cs typeface="Courier New" charset="0"/>
+              </a:rPr>
+              <a:t>is_carnivore()</a:t>
+            </a:r>
+          </a:p>
+          <a:p>
+            <a:pPr algn="r"/>
+            <a:endParaRPr lang="en-US" sz="2000" b="1" noProof="1">
+              <a:latin typeface="Courier New" charset="0"/>
+              <a:ea typeface="Courier New" charset="0"/>
+              <a:cs typeface="Courier New" charset="0"/>
+            </a:endParaRPr>
+          </a:p>
+          <a:p>
+            <a:pPr algn="r"/>
+            <a:r>
+              <a:rPr lang="en-US" sz="2000" b="1" noProof="1">
+                <a:latin typeface="Courier New" charset="0"/>
+                <a:ea typeface="Courier New" charset="0"/>
+                <a:cs typeface="Courier New" charset="0"/>
+              </a:rPr>
+              <a:t>new_hunting_land(neighbours)</a:t>
+            </a:r>
+          </a:p>
+        </p:txBody>
+      </p:sp>
+      <p:cxnSp>
+        <p:nvCxnSpPr>
+          <p:cNvPr id="60" name="Straight Connector 59"/>
+          <p:cNvCxnSpPr>
+            <a:stCxn id="6" idx="4"/>
+          </p:cNvCxnSpPr>
+          <p:nvPr/>
+        </p:nvCxnSpPr>
+        <p:spPr>
+          <a:xfrm>
+            <a:off x="2576027" y="2005755"/>
+            <a:ext cx="0" cy="343307"/>
+          </a:xfrm>
+          <a:prstGeom prst="line">
+            <a:avLst/>
+          </a:prstGeom>
+          <a:ln w="44450">
+            <a:solidFill>
+              <a:srgbClr val="FF0000"/>
+            </a:solidFill>
+          </a:ln>
+        </p:spPr>
+        <p:style>
+          <a:lnRef idx="1">
+            <a:schemeClr val="accent1"/>
+          </a:lnRef>
+          <a:fillRef idx="0">
+            <a:schemeClr val="accent1"/>
+          </a:fillRef>
+          <a:effectRef idx="0">
+            <a:schemeClr val="accent1"/>
+          </a:effectRef>
+          <a:fontRef idx="minor">
+            <a:schemeClr val="tx1"/>
+          </a:fontRef>
+        </p:style>
+      </p:cxnSp>
+      <p:cxnSp>
+        <p:nvCxnSpPr>
+          <p:cNvPr id="63" name="Straight Connector 62"/>
+          <p:cNvCxnSpPr>
+            <a:cxnSpLocks/>
+            <a:stCxn id="7" idx="4"/>
+          </p:cNvCxnSpPr>
+          <p:nvPr/>
+        </p:nvCxnSpPr>
+        <p:spPr>
+          <a:xfrm flipH="1">
+            <a:off x="6596257" y="1993054"/>
+            <a:ext cx="3955" cy="499890"/>
+          </a:xfrm>
+          <a:prstGeom prst="line">
+            <a:avLst/>
+          </a:prstGeom>
+          <a:ln w="41275">
+            <a:solidFill>
+              <a:srgbClr val="FF0000"/>
+            </a:solidFill>
+          </a:ln>
+        </p:spPr>
+        <p:style>
+          <a:lnRef idx="1">
+            <a:schemeClr val="accent1"/>
+          </a:lnRef>
+          <a:fillRef idx="0">
+            <a:schemeClr val="accent1"/>
+          </a:fillRef>
+          <a:effectRef idx="0">
+            <a:schemeClr val="accent1"/>
+          </a:effectRef>
+          <a:fontRef idx="minor">
+            <a:schemeClr val="tx1"/>
+          </a:fontRef>
+        </p:style>
+      </p:cxnSp>
+      <p:cxnSp>
+        <p:nvCxnSpPr>
+          <p:cNvPr id="66" name="Straight Connector 65"/>
+          <p:cNvCxnSpPr>
+            <a:stCxn id="8" idx="4"/>
+          </p:cNvCxnSpPr>
+          <p:nvPr/>
+        </p:nvCxnSpPr>
+        <p:spPr>
+          <a:xfrm flipH="1">
+            <a:off x="10620442" y="1983282"/>
+            <a:ext cx="3954" cy="365780"/>
+          </a:xfrm>
+          <a:prstGeom prst="line">
+            <a:avLst/>
+          </a:prstGeom>
+          <a:ln w="41275">
+            <a:solidFill>
+              <a:srgbClr val="FF0000"/>
+            </a:solidFill>
+          </a:ln>
+        </p:spPr>
+        <p:style>
+          <a:lnRef idx="1">
+            <a:schemeClr val="accent1"/>
+          </a:lnRef>
+          <a:fillRef idx="0">
+            <a:schemeClr val="accent1"/>
+          </a:fillRef>
+          <a:effectRef idx="0">
+            <a:schemeClr val="accent1"/>
+          </a:effectRef>
+          <a:fontRef idx="minor">
+            <a:schemeClr val="tx1"/>
+          </a:fontRef>
+        </p:style>
+      </p:cxnSp>
+      <p:cxnSp>
+        <p:nvCxnSpPr>
+          <p:cNvPr id="9" name="Rett linje 8">
             <a:extLst>
-              <a:ext uri="{28A0092B-C50C-407E-A947-70E740481C1C}">
-                <a14:useLocalDpi xmlns:a14="http://schemas.microsoft.com/office/drawing/2010/main" val="0"/>
+              <a:ext uri="{FF2B5EF4-FFF2-40B4-BE49-F238E27FC236}">
+                <a16:creationId xmlns:a16="http://schemas.microsoft.com/office/drawing/2014/main" id="{4D34DB5E-30ED-4799-9DFF-458D23699D5D}"/>
               </a:ext>
             </a:extLst>
-          </a:blip>
-          <a:stretch>
-            <a:fillRect/>
-          </a:stretch>
-        </p:blipFill>
+          </p:cNvPr>
+          <p:cNvCxnSpPr/>
+          <p:nvPr/>
+        </p:nvCxnSpPr>
         <p:spPr>
           <a:xfrm>
-            <a:off x="948701" y="1927171"/>
-            <a:ext cx="10294598" cy="3702306"/>
-          </a:xfrm>
-        </p:spPr>
-      </p:pic>
+            <a:off x="274900" y="2349062"/>
+            <a:ext cx="0" cy="2120301"/>
+          </a:xfrm>
+          <a:prstGeom prst="line">
+            <a:avLst/>
+          </a:prstGeom>
+        </p:spPr>
+        <p:style>
+          <a:lnRef idx="3">
+            <a:schemeClr val="accent1"/>
+          </a:lnRef>
+          <a:fillRef idx="0">
+            <a:schemeClr val="accent1"/>
+          </a:fillRef>
+          <a:effectRef idx="2">
+            <a:schemeClr val="accent1"/>
+          </a:effectRef>
+          <a:fontRef idx="minor">
+            <a:schemeClr val="tx1"/>
+          </a:fontRef>
+        </p:style>
+      </p:cxnSp>
+      <p:cxnSp>
+        <p:nvCxnSpPr>
+          <p:cNvPr id="13" name="Rett linje 12">
+            <a:extLst>
+              <a:ext uri="{FF2B5EF4-FFF2-40B4-BE49-F238E27FC236}">
+                <a16:creationId xmlns:a16="http://schemas.microsoft.com/office/drawing/2014/main" id="{A831AB28-0181-4D49-A925-A2E3A2BDF0C5}"/>
+              </a:ext>
+            </a:extLst>
+          </p:cNvPr>
+          <p:cNvCxnSpPr>
+            <a:cxnSpLocks/>
+          </p:cNvCxnSpPr>
+          <p:nvPr/>
+        </p:nvCxnSpPr>
+        <p:spPr>
+          <a:xfrm>
+            <a:off x="274900" y="4469363"/>
+            <a:ext cx="6928333" cy="0"/>
+          </a:xfrm>
+          <a:prstGeom prst="line">
+            <a:avLst/>
+          </a:prstGeom>
+        </p:spPr>
+        <p:style>
+          <a:lnRef idx="3">
+            <a:schemeClr val="accent1"/>
+          </a:lnRef>
+          <a:fillRef idx="0">
+            <a:schemeClr val="accent1"/>
+          </a:fillRef>
+          <a:effectRef idx="2">
+            <a:schemeClr val="accent1"/>
+          </a:effectRef>
+          <a:fontRef idx="minor">
+            <a:schemeClr val="tx1"/>
+          </a:fontRef>
+        </p:style>
+      </p:cxnSp>
+      <p:cxnSp>
+        <p:nvCxnSpPr>
+          <p:cNvPr id="29" name="Rett linje 28">
+            <a:extLst>
+              <a:ext uri="{FF2B5EF4-FFF2-40B4-BE49-F238E27FC236}">
+                <a16:creationId xmlns:a16="http://schemas.microsoft.com/office/drawing/2014/main" id="{84778102-F327-4B71-A443-9887223248F7}"/>
+              </a:ext>
+            </a:extLst>
+          </p:cNvPr>
+          <p:cNvCxnSpPr>
+            <a:cxnSpLocks/>
+          </p:cNvCxnSpPr>
+          <p:nvPr/>
+        </p:nvCxnSpPr>
+        <p:spPr>
+          <a:xfrm flipV="1">
+            <a:off x="7203233" y="3685592"/>
+            <a:ext cx="0" cy="783771"/>
+          </a:xfrm>
+          <a:prstGeom prst="line">
+            <a:avLst/>
+          </a:prstGeom>
+        </p:spPr>
+        <p:style>
+          <a:lnRef idx="3">
+            <a:schemeClr val="accent1"/>
+          </a:lnRef>
+          <a:fillRef idx="0">
+            <a:schemeClr val="accent1"/>
+          </a:fillRef>
+          <a:effectRef idx="2">
+            <a:schemeClr val="accent1"/>
+          </a:effectRef>
+          <a:fontRef idx="minor">
+            <a:schemeClr val="tx1"/>
+          </a:fontRef>
+        </p:style>
+      </p:cxnSp>
+      <p:cxnSp>
+        <p:nvCxnSpPr>
+          <p:cNvPr id="32" name="Rett linje 31">
+            <a:extLst>
+              <a:ext uri="{FF2B5EF4-FFF2-40B4-BE49-F238E27FC236}">
+                <a16:creationId xmlns:a16="http://schemas.microsoft.com/office/drawing/2014/main" id="{3A3327B4-E1F2-430D-97BE-E585D757E21A}"/>
+              </a:ext>
+            </a:extLst>
+          </p:cNvPr>
+          <p:cNvCxnSpPr>
+            <a:cxnSpLocks/>
+          </p:cNvCxnSpPr>
+          <p:nvPr/>
+        </p:nvCxnSpPr>
+        <p:spPr>
+          <a:xfrm flipH="1">
+            <a:off x="4058816" y="3685592"/>
+            <a:ext cx="3144418" cy="0"/>
+          </a:xfrm>
+          <a:prstGeom prst="line">
+            <a:avLst/>
+          </a:prstGeom>
+        </p:spPr>
+        <p:style>
+          <a:lnRef idx="3">
+            <a:schemeClr val="accent1"/>
+          </a:lnRef>
+          <a:fillRef idx="0">
+            <a:schemeClr val="accent1"/>
+          </a:fillRef>
+          <a:effectRef idx="2">
+            <a:schemeClr val="accent1"/>
+          </a:effectRef>
+          <a:fontRef idx="minor">
+            <a:schemeClr val="tx1"/>
+          </a:fontRef>
+        </p:style>
+      </p:cxnSp>
+      <p:cxnSp>
+        <p:nvCxnSpPr>
+          <p:cNvPr id="36" name="Rett linje 35">
+            <a:extLst>
+              <a:ext uri="{FF2B5EF4-FFF2-40B4-BE49-F238E27FC236}">
+                <a16:creationId xmlns:a16="http://schemas.microsoft.com/office/drawing/2014/main" id="{DF366D02-CC4B-4A77-A961-9F53D928E294}"/>
+              </a:ext>
+            </a:extLst>
+          </p:cNvPr>
+          <p:cNvCxnSpPr>
+            <a:cxnSpLocks/>
+          </p:cNvCxnSpPr>
+          <p:nvPr/>
+        </p:nvCxnSpPr>
+        <p:spPr>
+          <a:xfrm flipV="1">
+            <a:off x="4058816" y="2349062"/>
+            <a:ext cx="0" cy="1336531"/>
+          </a:xfrm>
+          <a:prstGeom prst="line">
+            <a:avLst/>
+          </a:prstGeom>
+        </p:spPr>
+        <p:style>
+          <a:lnRef idx="3">
+            <a:schemeClr val="accent1"/>
+          </a:lnRef>
+          <a:fillRef idx="0">
+            <a:schemeClr val="accent1"/>
+          </a:fillRef>
+          <a:effectRef idx="2">
+            <a:schemeClr val="accent1"/>
+          </a:effectRef>
+          <a:fontRef idx="minor">
+            <a:schemeClr val="tx1"/>
+          </a:fontRef>
+        </p:style>
+      </p:cxnSp>
+      <p:cxnSp>
+        <p:nvCxnSpPr>
+          <p:cNvPr id="39" name="Rett linje 38">
+            <a:extLst>
+              <a:ext uri="{FF2B5EF4-FFF2-40B4-BE49-F238E27FC236}">
+                <a16:creationId xmlns:a16="http://schemas.microsoft.com/office/drawing/2014/main" id="{059A4B3B-C726-446A-8547-700DAEF0362D}"/>
+              </a:ext>
+            </a:extLst>
+          </p:cNvPr>
+          <p:cNvCxnSpPr>
+            <a:cxnSpLocks/>
+          </p:cNvCxnSpPr>
+          <p:nvPr/>
+        </p:nvCxnSpPr>
+        <p:spPr>
+          <a:xfrm>
+            <a:off x="274900" y="2349062"/>
+            <a:ext cx="3783916" cy="0"/>
+          </a:xfrm>
+          <a:prstGeom prst="line">
+            <a:avLst/>
+          </a:prstGeom>
+        </p:spPr>
+        <p:style>
+          <a:lnRef idx="3">
+            <a:schemeClr val="accent1"/>
+          </a:lnRef>
+          <a:fillRef idx="0">
+            <a:schemeClr val="accent1"/>
+          </a:fillRef>
+          <a:effectRef idx="2">
+            <a:schemeClr val="accent1"/>
+          </a:effectRef>
+          <a:fontRef idx="minor">
+            <a:schemeClr val="tx1"/>
+          </a:fontRef>
+        </p:style>
+      </p:cxnSp>
+      <p:cxnSp>
+        <p:nvCxnSpPr>
+          <p:cNvPr id="50" name="Rett linje 49">
+            <a:extLst>
+              <a:ext uri="{FF2B5EF4-FFF2-40B4-BE49-F238E27FC236}">
+                <a16:creationId xmlns:a16="http://schemas.microsoft.com/office/drawing/2014/main" id="{E6B88F41-274F-42FB-AB2A-914F032D1281}"/>
+              </a:ext>
+            </a:extLst>
+          </p:cNvPr>
+          <p:cNvCxnSpPr>
+            <a:cxnSpLocks/>
+          </p:cNvCxnSpPr>
+          <p:nvPr/>
+        </p:nvCxnSpPr>
+        <p:spPr>
+          <a:xfrm flipH="1">
+            <a:off x="5028003" y="2507424"/>
+            <a:ext cx="3144418" cy="0"/>
+          </a:xfrm>
+          <a:prstGeom prst="line">
+            <a:avLst/>
+          </a:prstGeom>
+        </p:spPr>
+        <p:style>
+          <a:lnRef idx="3">
+            <a:schemeClr val="accent1"/>
+          </a:lnRef>
+          <a:fillRef idx="0">
+            <a:schemeClr val="accent1"/>
+          </a:fillRef>
+          <a:effectRef idx="2">
+            <a:schemeClr val="accent1"/>
+          </a:effectRef>
+          <a:fontRef idx="minor">
+            <a:schemeClr val="tx1"/>
+          </a:fontRef>
+        </p:style>
+      </p:cxnSp>
+      <p:cxnSp>
+        <p:nvCxnSpPr>
+          <p:cNvPr id="51" name="Rett linje 50">
+            <a:extLst>
+              <a:ext uri="{FF2B5EF4-FFF2-40B4-BE49-F238E27FC236}">
+                <a16:creationId xmlns:a16="http://schemas.microsoft.com/office/drawing/2014/main" id="{B32FC392-80EF-42CA-A7FD-F4C58AFD1EFD}"/>
+              </a:ext>
+            </a:extLst>
+          </p:cNvPr>
+          <p:cNvCxnSpPr>
+            <a:cxnSpLocks/>
+          </p:cNvCxnSpPr>
+          <p:nvPr/>
+        </p:nvCxnSpPr>
+        <p:spPr>
+          <a:xfrm flipV="1">
+            <a:off x="8172421" y="2507424"/>
+            <a:ext cx="0" cy="783771"/>
+          </a:xfrm>
+          <a:prstGeom prst="line">
+            <a:avLst/>
+          </a:prstGeom>
+        </p:spPr>
+        <p:style>
+          <a:lnRef idx="3">
+            <a:schemeClr val="accent1"/>
+          </a:lnRef>
+          <a:fillRef idx="0">
+            <a:schemeClr val="accent1"/>
+          </a:fillRef>
+          <a:effectRef idx="2">
+            <a:schemeClr val="accent1"/>
+          </a:effectRef>
+          <a:fontRef idx="minor">
+            <a:schemeClr val="tx1"/>
+          </a:fontRef>
+        </p:style>
+      </p:cxnSp>
+      <p:cxnSp>
+        <p:nvCxnSpPr>
+          <p:cNvPr id="52" name="Rett linje 51">
+            <a:extLst>
+              <a:ext uri="{FF2B5EF4-FFF2-40B4-BE49-F238E27FC236}">
+                <a16:creationId xmlns:a16="http://schemas.microsoft.com/office/drawing/2014/main" id="{59B10646-3BDA-4483-B507-2B36584A9E0C}"/>
+              </a:ext>
+            </a:extLst>
+          </p:cNvPr>
+          <p:cNvCxnSpPr>
+            <a:cxnSpLocks/>
+          </p:cNvCxnSpPr>
+          <p:nvPr/>
+        </p:nvCxnSpPr>
+        <p:spPr>
+          <a:xfrm flipV="1">
+            <a:off x="5041380" y="2507424"/>
+            <a:ext cx="0" cy="783771"/>
+          </a:xfrm>
+          <a:prstGeom prst="line">
+            <a:avLst/>
+          </a:prstGeom>
+        </p:spPr>
+        <p:style>
+          <a:lnRef idx="3">
+            <a:schemeClr val="accent1"/>
+          </a:lnRef>
+          <a:fillRef idx="0">
+            <a:schemeClr val="accent1"/>
+          </a:fillRef>
+          <a:effectRef idx="2">
+            <a:schemeClr val="accent1"/>
+          </a:effectRef>
+          <a:fontRef idx="minor">
+            <a:schemeClr val="tx1"/>
+          </a:fontRef>
+        </p:style>
+      </p:cxnSp>
+      <p:cxnSp>
+        <p:nvCxnSpPr>
+          <p:cNvPr id="53" name="Rett linje 52">
+            <a:extLst>
+              <a:ext uri="{FF2B5EF4-FFF2-40B4-BE49-F238E27FC236}">
+                <a16:creationId xmlns:a16="http://schemas.microsoft.com/office/drawing/2014/main" id="{85B084EA-8CC5-48B2-9D53-6D69759F3567}"/>
+              </a:ext>
+            </a:extLst>
+          </p:cNvPr>
+          <p:cNvCxnSpPr>
+            <a:cxnSpLocks/>
+          </p:cNvCxnSpPr>
+          <p:nvPr/>
+        </p:nvCxnSpPr>
+        <p:spPr>
+          <a:xfrm flipH="1">
+            <a:off x="5028002" y="3291195"/>
+            <a:ext cx="3144418" cy="0"/>
+          </a:xfrm>
+          <a:prstGeom prst="line">
+            <a:avLst/>
+          </a:prstGeom>
+        </p:spPr>
+        <p:style>
+          <a:lnRef idx="3">
+            <a:schemeClr val="accent1"/>
+          </a:lnRef>
+          <a:fillRef idx="0">
+            <a:schemeClr val="accent1"/>
+          </a:fillRef>
+          <a:effectRef idx="2">
+            <a:schemeClr val="accent1"/>
+          </a:effectRef>
+          <a:fontRef idx="minor">
+            <a:schemeClr val="tx1"/>
+          </a:fontRef>
+        </p:style>
+      </p:cxnSp>
+      <p:cxnSp>
+        <p:nvCxnSpPr>
+          <p:cNvPr id="54" name="Rett linje 53">
+            <a:extLst>
+              <a:ext uri="{FF2B5EF4-FFF2-40B4-BE49-F238E27FC236}">
+                <a16:creationId xmlns:a16="http://schemas.microsoft.com/office/drawing/2014/main" id="{9D3CC120-0E3C-43B4-BC05-AE82652A34C1}"/>
+              </a:ext>
+            </a:extLst>
+          </p:cNvPr>
+          <p:cNvCxnSpPr>
+            <a:cxnSpLocks/>
+          </p:cNvCxnSpPr>
+          <p:nvPr/>
+        </p:nvCxnSpPr>
+        <p:spPr>
+          <a:xfrm flipV="1">
+            <a:off x="9362435" y="2371433"/>
+            <a:ext cx="0" cy="1192863"/>
+          </a:xfrm>
+          <a:prstGeom prst="line">
+            <a:avLst/>
+          </a:prstGeom>
+        </p:spPr>
+        <p:style>
+          <a:lnRef idx="3">
+            <a:schemeClr val="accent1"/>
+          </a:lnRef>
+          <a:fillRef idx="0">
+            <a:schemeClr val="accent1"/>
+          </a:fillRef>
+          <a:effectRef idx="2">
+            <a:schemeClr val="accent1"/>
+          </a:effectRef>
+          <a:fontRef idx="minor">
+            <a:schemeClr val="tx1"/>
+          </a:fontRef>
+        </p:style>
+      </p:cxnSp>
+      <p:cxnSp>
+        <p:nvCxnSpPr>
+          <p:cNvPr id="57" name="Rett linje 56">
+            <a:extLst>
+              <a:ext uri="{FF2B5EF4-FFF2-40B4-BE49-F238E27FC236}">
+                <a16:creationId xmlns:a16="http://schemas.microsoft.com/office/drawing/2014/main" id="{DBCDCB5F-AB94-4064-899F-59721D074510}"/>
+              </a:ext>
+            </a:extLst>
+          </p:cNvPr>
+          <p:cNvCxnSpPr>
+            <a:cxnSpLocks/>
+          </p:cNvCxnSpPr>
+          <p:nvPr/>
+        </p:nvCxnSpPr>
+        <p:spPr>
+          <a:xfrm flipV="1">
+            <a:off x="7834737" y="3564294"/>
+            <a:ext cx="0" cy="1278894"/>
+          </a:xfrm>
+          <a:prstGeom prst="line">
+            <a:avLst/>
+          </a:prstGeom>
+        </p:spPr>
+        <p:style>
+          <a:lnRef idx="3">
+            <a:schemeClr val="accent1"/>
+          </a:lnRef>
+          <a:fillRef idx="0">
+            <a:schemeClr val="accent1"/>
+          </a:fillRef>
+          <a:effectRef idx="2">
+            <a:schemeClr val="accent1"/>
+          </a:effectRef>
+          <a:fontRef idx="minor">
+            <a:schemeClr val="tx1"/>
+          </a:fontRef>
+        </p:style>
+      </p:cxnSp>
+      <p:cxnSp>
+        <p:nvCxnSpPr>
+          <p:cNvPr id="59" name="Rett linje 58">
+            <a:extLst>
+              <a:ext uri="{FF2B5EF4-FFF2-40B4-BE49-F238E27FC236}">
+                <a16:creationId xmlns:a16="http://schemas.microsoft.com/office/drawing/2014/main" id="{5FE2D2D4-C2B0-4A36-AE9E-73164EC1C43F}"/>
+              </a:ext>
+            </a:extLst>
+          </p:cNvPr>
+          <p:cNvCxnSpPr>
+            <a:cxnSpLocks/>
+          </p:cNvCxnSpPr>
+          <p:nvPr/>
+        </p:nvCxnSpPr>
+        <p:spPr>
+          <a:xfrm flipV="1">
+            <a:off x="7279792" y="4843187"/>
+            <a:ext cx="0" cy="783771"/>
+          </a:xfrm>
+          <a:prstGeom prst="line">
+            <a:avLst/>
+          </a:prstGeom>
+        </p:spPr>
+        <p:style>
+          <a:lnRef idx="3">
+            <a:schemeClr val="accent1"/>
+          </a:lnRef>
+          <a:fillRef idx="0">
+            <a:schemeClr val="accent1"/>
+          </a:fillRef>
+          <a:effectRef idx="2">
+            <a:schemeClr val="accent1"/>
+          </a:effectRef>
+          <a:fontRef idx="minor">
+            <a:schemeClr val="tx1"/>
+          </a:fontRef>
+        </p:style>
+      </p:cxnSp>
+      <p:cxnSp>
+        <p:nvCxnSpPr>
+          <p:cNvPr id="61" name="Rett linje 60">
+            <a:extLst>
+              <a:ext uri="{FF2B5EF4-FFF2-40B4-BE49-F238E27FC236}">
+                <a16:creationId xmlns:a16="http://schemas.microsoft.com/office/drawing/2014/main" id="{09ED41C4-B437-456E-BBE0-4098D507FA62}"/>
+              </a:ext>
+            </a:extLst>
+          </p:cNvPr>
+          <p:cNvCxnSpPr>
+            <a:cxnSpLocks/>
+          </p:cNvCxnSpPr>
+          <p:nvPr/>
+        </p:nvCxnSpPr>
+        <p:spPr>
+          <a:xfrm flipV="1">
+            <a:off x="11878321" y="2349062"/>
+            <a:ext cx="0" cy="3277896"/>
+          </a:xfrm>
+          <a:prstGeom prst="line">
+            <a:avLst/>
+          </a:prstGeom>
+        </p:spPr>
+        <p:style>
+          <a:lnRef idx="3">
+            <a:schemeClr val="accent1"/>
+          </a:lnRef>
+          <a:fillRef idx="0">
+            <a:schemeClr val="accent1"/>
+          </a:fillRef>
+          <a:effectRef idx="2">
+            <a:schemeClr val="accent1"/>
+          </a:effectRef>
+          <a:fontRef idx="minor">
+            <a:schemeClr val="tx1"/>
+          </a:fontRef>
+        </p:style>
+      </p:cxnSp>
+      <p:cxnSp>
+        <p:nvCxnSpPr>
+          <p:cNvPr id="62" name="Rett linje 61">
+            <a:extLst>
+              <a:ext uri="{FF2B5EF4-FFF2-40B4-BE49-F238E27FC236}">
+                <a16:creationId xmlns:a16="http://schemas.microsoft.com/office/drawing/2014/main" id="{603C8C8F-2E09-4EF5-A4FB-9B7B5BF9153B}"/>
+              </a:ext>
+            </a:extLst>
+          </p:cNvPr>
+          <p:cNvCxnSpPr>
+            <a:cxnSpLocks/>
+          </p:cNvCxnSpPr>
+          <p:nvPr/>
+        </p:nvCxnSpPr>
+        <p:spPr>
+          <a:xfrm>
+            <a:off x="7279792" y="5626958"/>
+            <a:ext cx="4598529" cy="0"/>
+          </a:xfrm>
+          <a:prstGeom prst="line">
+            <a:avLst/>
+          </a:prstGeom>
+        </p:spPr>
+        <p:style>
+          <a:lnRef idx="3">
+            <a:schemeClr val="accent1"/>
+          </a:lnRef>
+          <a:fillRef idx="0">
+            <a:schemeClr val="accent1"/>
+          </a:fillRef>
+          <a:effectRef idx="2">
+            <a:schemeClr val="accent1"/>
+          </a:effectRef>
+          <a:fontRef idx="minor">
+            <a:schemeClr val="tx1"/>
+          </a:fontRef>
+        </p:style>
+      </p:cxnSp>
+      <p:cxnSp>
+        <p:nvCxnSpPr>
+          <p:cNvPr id="64" name="Rett linje 63">
+            <a:extLst>
+              <a:ext uri="{FF2B5EF4-FFF2-40B4-BE49-F238E27FC236}">
+                <a16:creationId xmlns:a16="http://schemas.microsoft.com/office/drawing/2014/main" id="{310ADB1F-A015-4BAD-A218-DFB768C4CBA1}"/>
+              </a:ext>
+            </a:extLst>
+          </p:cNvPr>
+          <p:cNvCxnSpPr>
+            <a:cxnSpLocks/>
+          </p:cNvCxnSpPr>
+          <p:nvPr/>
+        </p:nvCxnSpPr>
+        <p:spPr>
+          <a:xfrm flipH="1">
+            <a:off x="7248329" y="4843187"/>
+            <a:ext cx="586408" cy="0"/>
+          </a:xfrm>
+          <a:prstGeom prst="line">
+            <a:avLst/>
+          </a:prstGeom>
+        </p:spPr>
+        <p:style>
+          <a:lnRef idx="3">
+            <a:schemeClr val="accent1"/>
+          </a:lnRef>
+          <a:fillRef idx="0">
+            <a:schemeClr val="accent1"/>
+          </a:fillRef>
+          <a:effectRef idx="2">
+            <a:schemeClr val="accent1"/>
+          </a:effectRef>
+          <a:fontRef idx="minor">
+            <a:schemeClr val="tx1"/>
+          </a:fontRef>
+        </p:style>
+      </p:cxnSp>
+      <p:cxnSp>
+        <p:nvCxnSpPr>
+          <p:cNvPr id="65" name="Rett linje 64">
+            <a:extLst>
+              <a:ext uri="{FF2B5EF4-FFF2-40B4-BE49-F238E27FC236}">
+                <a16:creationId xmlns:a16="http://schemas.microsoft.com/office/drawing/2014/main" id="{8F4319F5-80E0-4786-9E44-7986A4BDA92B}"/>
+              </a:ext>
+            </a:extLst>
+          </p:cNvPr>
+          <p:cNvCxnSpPr>
+            <a:cxnSpLocks/>
+          </p:cNvCxnSpPr>
+          <p:nvPr/>
+        </p:nvCxnSpPr>
+        <p:spPr>
+          <a:xfrm flipH="1">
+            <a:off x="7834738" y="3564294"/>
+            <a:ext cx="1527697" cy="0"/>
+          </a:xfrm>
+          <a:prstGeom prst="line">
+            <a:avLst/>
+          </a:prstGeom>
+        </p:spPr>
+        <p:style>
+          <a:lnRef idx="3">
+            <a:schemeClr val="accent1"/>
+          </a:lnRef>
+          <a:fillRef idx="0">
+            <a:schemeClr val="accent1"/>
+          </a:fillRef>
+          <a:effectRef idx="2">
+            <a:schemeClr val="accent1"/>
+          </a:effectRef>
+          <a:fontRef idx="minor">
+            <a:schemeClr val="tx1"/>
+          </a:fontRef>
+        </p:style>
+      </p:cxnSp>
+      <p:cxnSp>
+        <p:nvCxnSpPr>
+          <p:cNvPr id="76" name="Rett linje 75">
+            <a:extLst>
+              <a:ext uri="{FF2B5EF4-FFF2-40B4-BE49-F238E27FC236}">
+                <a16:creationId xmlns:a16="http://schemas.microsoft.com/office/drawing/2014/main" id="{ADBB4810-9DB4-40BD-B66C-AB392EDD56DB}"/>
+              </a:ext>
+            </a:extLst>
+          </p:cNvPr>
+          <p:cNvCxnSpPr>
+            <a:cxnSpLocks/>
+          </p:cNvCxnSpPr>
+          <p:nvPr/>
+        </p:nvCxnSpPr>
+        <p:spPr>
+          <a:xfrm flipH="1">
+            <a:off x="9362435" y="2371433"/>
+            <a:ext cx="2515886" cy="0"/>
+          </a:xfrm>
+          <a:prstGeom prst="line">
+            <a:avLst/>
+          </a:prstGeom>
+        </p:spPr>
+        <p:style>
+          <a:lnRef idx="3">
+            <a:schemeClr val="accent1"/>
+          </a:lnRef>
+          <a:fillRef idx="0">
+            <a:schemeClr val="accent1"/>
+          </a:fillRef>
+          <a:effectRef idx="2">
+            <a:schemeClr val="accent1"/>
+          </a:effectRef>
+          <a:fontRef idx="minor">
+            <a:schemeClr val="tx1"/>
+          </a:fontRef>
+        </p:style>
+      </p:cxnSp>
     </p:spTree>
     <p:extLst>
       <p:ext uri="{BB962C8B-B14F-4D97-AF65-F5344CB8AC3E}">
-        <p14:creationId xmlns:p14="http://schemas.microsoft.com/office/powerpoint/2010/main" val="1960807074"/>
+        <p14:creationId xmlns:p14="http://schemas.microsoft.com/office/powerpoint/2010/main" val="273299643"/>
       </p:ext>
     </p:extLst>
   </p:cSld>
@@ -5675,6 +5707,1080 @@
       </p:grpSpPr>
       <p:sp>
         <p:nvSpPr>
+          <p:cNvPr id="4" name="Oval 3"/>
+          <p:cNvSpPr/>
+          <p:nvPr/>
+        </p:nvSpPr>
+        <p:spPr>
+          <a:xfrm>
+            <a:off x="166956" y="1261694"/>
+            <a:ext cx="1931988" cy="739418"/>
+          </a:xfrm>
+          <a:prstGeom prst="ellipse">
+            <a:avLst/>
+          </a:prstGeom>
+          <a:solidFill>
+            <a:schemeClr val="accent1">
+              <a:lumMod val="60000"/>
+              <a:lumOff val="40000"/>
+            </a:schemeClr>
+          </a:solidFill>
+        </p:spPr>
+        <p:style>
+          <a:lnRef idx="2">
+            <a:schemeClr val="accent1">
+              <a:shade val="50000"/>
+            </a:schemeClr>
+          </a:lnRef>
+          <a:fillRef idx="1">
+            <a:schemeClr val="accent1"/>
+          </a:fillRef>
+          <a:effectRef idx="0">
+            <a:schemeClr val="accent1"/>
+          </a:effectRef>
+          <a:fontRef idx="minor">
+            <a:schemeClr val="lt1"/>
+          </a:fontRef>
+        </p:style>
+        <p:txBody>
+          <a:bodyPr rtlCol="0" anchor="ctr"/>
+          <a:lstStyle/>
+          <a:p>
+            <a:pPr algn="ctr"/>
+            <a:r>
+              <a:rPr lang="en-US" sz="2800" dirty="0" err="1">
+                <a:solidFill>
+                  <a:schemeClr val="tx1"/>
+                </a:solidFill>
+              </a:rPr>
+              <a:t>BioSim</a:t>
+            </a:r>
+            <a:endParaRPr lang="en-US" sz="2800" dirty="0">
+              <a:solidFill>
+                <a:schemeClr val="accent1">
+                  <a:lumMod val="75000"/>
+                </a:schemeClr>
+              </a:solidFill>
+            </a:endParaRPr>
+          </a:p>
+        </p:txBody>
+      </p:sp>
+      <p:sp>
+        <p:nvSpPr>
+          <p:cNvPr id="6" name="Oval 5"/>
+          <p:cNvSpPr/>
+          <p:nvPr/>
+        </p:nvSpPr>
+        <p:spPr>
+          <a:xfrm>
+            <a:off x="1331189" y="2086144"/>
+            <a:ext cx="2521205" cy="739418"/>
+          </a:xfrm>
+          <a:prstGeom prst="ellipse">
+            <a:avLst/>
+          </a:prstGeom>
+          <a:solidFill>
+            <a:schemeClr val="accent1">
+              <a:lumMod val="60000"/>
+              <a:lumOff val="40000"/>
+            </a:schemeClr>
+          </a:solidFill>
+        </p:spPr>
+        <p:style>
+          <a:lnRef idx="2">
+            <a:schemeClr val="accent1">
+              <a:shade val="50000"/>
+            </a:schemeClr>
+          </a:lnRef>
+          <a:fillRef idx="1">
+            <a:schemeClr val="accent1"/>
+          </a:fillRef>
+          <a:effectRef idx="0">
+            <a:schemeClr val="accent1"/>
+          </a:effectRef>
+          <a:fontRef idx="minor">
+            <a:schemeClr val="lt1"/>
+          </a:fontRef>
+        </p:style>
+        <p:txBody>
+          <a:bodyPr rtlCol="0" anchor="ctr"/>
+          <a:lstStyle/>
+          <a:p>
+            <a:pPr algn="ctr"/>
+            <a:r>
+              <a:rPr lang="en-US" sz="2800" dirty="0">
+                <a:solidFill>
+                  <a:schemeClr val="tx1"/>
+                </a:solidFill>
+              </a:rPr>
+              <a:t>Island</a:t>
+            </a:r>
+          </a:p>
+        </p:txBody>
+      </p:sp>
+      <p:sp>
+        <p:nvSpPr>
+          <p:cNvPr id="7" name="Oval 6"/>
+          <p:cNvSpPr/>
+          <p:nvPr/>
+        </p:nvSpPr>
+        <p:spPr>
+          <a:xfrm>
+            <a:off x="5355374" y="2073443"/>
+            <a:ext cx="2521205" cy="739418"/>
+          </a:xfrm>
+          <a:prstGeom prst="ellipse">
+            <a:avLst/>
+          </a:prstGeom>
+          <a:solidFill>
+            <a:schemeClr val="accent1">
+              <a:lumMod val="60000"/>
+              <a:lumOff val="40000"/>
+            </a:schemeClr>
+          </a:solidFill>
+        </p:spPr>
+        <p:style>
+          <a:lnRef idx="2">
+            <a:schemeClr val="accent1">
+              <a:shade val="50000"/>
+            </a:schemeClr>
+          </a:lnRef>
+          <a:fillRef idx="1">
+            <a:schemeClr val="accent1"/>
+          </a:fillRef>
+          <a:effectRef idx="0">
+            <a:schemeClr val="accent1"/>
+          </a:effectRef>
+          <a:fontRef idx="minor">
+            <a:schemeClr val="lt1"/>
+          </a:fontRef>
+        </p:style>
+        <p:txBody>
+          <a:bodyPr rtlCol="0" anchor="ctr"/>
+          <a:lstStyle/>
+          <a:p>
+            <a:pPr algn="ctr"/>
+            <a:r>
+              <a:rPr lang="en-US" sz="2800" dirty="0">
+                <a:solidFill>
+                  <a:schemeClr val="tx1"/>
+                </a:solidFill>
+              </a:rPr>
+              <a:t>Landscape</a:t>
+            </a:r>
+          </a:p>
+        </p:txBody>
+      </p:sp>
+      <p:sp>
+        <p:nvSpPr>
+          <p:cNvPr id="8" name="Oval 7"/>
+          <p:cNvSpPr/>
+          <p:nvPr/>
+        </p:nvSpPr>
+        <p:spPr>
+          <a:xfrm>
+            <a:off x="9715250" y="2063671"/>
+            <a:ext cx="1849821" cy="739418"/>
+          </a:xfrm>
+          <a:prstGeom prst="ellipse">
+            <a:avLst/>
+          </a:prstGeom>
+          <a:solidFill>
+            <a:schemeClr val="accent1">
+              <a:lumMod val="60000"/>
+              <a:lumOff val="40000"/>
+            </a:schemeClr>
+          </a:solidFill>
+        </p:spPr>
+        <p:style>
+          <a:lnRef idx="2">
+            <a:schemeClr val="accent1">
+              <a:shade val="50000"/>
+            </a:schemeClr>
+          </a:lnRef>
+          <a:fillRef idx="1">
+            <a:schemeClr val="accent1"/>
+          </a:fillRef>
+          <a:effectRef idx="0">
+            <a:schemeClr val="accent1"/>
+          </a:effectRef>
+          <a:fontRef idx="minor">
+            <a:schemeClr val="lt1"/>
+          </a:fontRef>
+        </p:style>
+        <p:txBody>
+          <a:bodyPr rtlCol="0" anchor="ctr"/>
+          <a:lstStyle/>
+          <a:p>
+            <a:pPr algn="ctr"/>
+            <a:r>
+              <a:rPr lang="en-US" sz="2800" dirty="0">
+                <a:solidFill>
+                  <a:schemeClr val="tx1"/>
+                </a:solidFill>
+              </a:rPr>
+              <a:t>Animal</a:t>
+            </a:r>
+          </a:p>
+        </p:txBody>
+      </p:sp>
+      <p:cxnSp>
+        <p:nvCxnSpPr>
+          <p:cNvPr id="10" name="Elbow Connector 9"/>
+          <p:cNvCxnSpPr>
+            <a:stCxn id="4" idx="6"/>
+            <a:endCxn id="6" idx="0"/>
+          </p:cNvCxnSpPr>
+          <p:nvPr/>
+        </p:nvCxnSpPr>
+        <p:spPr>
+          <a:xfrm>
+            <a:off x="2098944" y="1631403"/>
+            <a:ext cx="492848" cy="454741"/>
+          </a:xfrm>
+          <a:prstGeom prst="bentConnector2">
+            <a:avLst/>
+          </a:prstGeom>
+          <a:ln w="60325" cap="flat" cmpd="sng">
+            <a:solidFill>
+              <a:schemeClr val="tx1"/>
+            </a:solidFill>
+            <a:prstDash val="solid"/>
+            <a:headEnd type="triangle"/>
+            <a:tailEnd type="none"/>
+          </a:ln>
+        </p:spPr>
+        <p:style>
+          <a:lnRef idx="1">
+            <a:schemeClr val="accent1"/>
+          </a:lnRef>
+          <a:fillRef idx="0">
+            <a:schemeClr val="accent1"/>
+          </a:fillRef>
+          <a:effectRef idx="0">
+            <a:schemeClr val="accent1"/>
+          </a:effectRef>
+          <a:fontRef idx="minor">
+            <a:schemeClr val="tx1"/>
+          </a:fontRef>
+        </p:style>
+      </p:cxnSp>
+      <p:cxnSp>
+        <p:nvCxnSpPr>
+          <p:cNvPr id="11" name="Elbow Connector 10"/>
+          <p:cNvCxnSpPr>
+            <a:cxnSpLocks/>
+            <a:endCxn id="7" idx="2"/>
+          </p:cNvCxnSpPr>
+          <p:nvPr/>
+        </p:nvCxnSpPr>
+        <p:spPr>
+          <a:xfrm>
+            <a:off x="3704253" y="2286000"/>
+            <a:ext cx="1651121" cy="157152"/>
+          </a:xfrm>
+          <a:prstGeom prst="bentConnector3">
+            <a:avLst>
+              <a:gd name="adj1" fmla="val 50000"/>
+            </a:avLst>
+          </a:prstGeom>
+          <a:ln w="60325">
+            <a:solidFill>
+              <a:schemeClr val="tx1"/>
+            </a:solidFill>
+            <a:headEnd type="triangle"/>
+            <a:tailEnd type="none"/>
+          </a:ln>
+        </p:spPr>
+        <p:style>
+          <a:lnRef idx="1">
+            <a:schemeClr val="accent1"/>
+          </a:lnRef>
+          <a:fillRef idx="0">
+            <a:schemeClr val="accent1"/>
+          </a:fillRef>
+          <a:effectRef idx="0">
+            <a:schemeClr val="accent1"/>
+          </a:effectRef>
+          <a:fontRef idx="minor">
+            <a:schemeClr val="tx1"/>
+          </a:fontRef>
+        </p:style>
+      </p:cxnSp>
+      <p:cxnSp>
+        <p:nvCxnSpPr>
+          <p:cNvPr id="20" name="Elbow Connector 19"/>
+          <p:cNvCxnSpPr>
+            <a:cxnSpLocks/>
+            <a:stCxn id="8" idx="2"/>
+          </p:cNvCxnSpPr>
+          <p:nvPr/>
+        </p:nvCxnSpPr>
+        <p:spPr>
+          <a:xfrm rot="10800000">
+            <a:off x="7772400" y="2286000"/>
+            <a:ext cx="1942850" cy="147380"/>
+          </a:xfrm>
+          <a:prstGeom prst="bentConnector3">
+            <a:avLst>
+              <a:gd name="adj1" fmla="val 50000"/>
+            </a:avLst>
+          </a:prstGeom>
+          <a:ln w="60325">
+            <a:solidFill>
+              <a:schemeClr val="tx1"/>
+            </a:solidFill>
+            <a:headEnd type="triangle"/>
+            <a:tailEnd type="triangle"/>
+          </a:ln>
+        </p:spPr>
+        <p:style>
+          <a:lnRef idx="1">
+            <a:schemeClr val="accent1"/>
+          </a:lnRef>
+          <a:fillRef idx="0">
+            <a:schemeClr val="accent1"/>
+          </a:fillRef>
+          <a:effectRef idx="0">
+            <a:schemeClr val="accent1"/>
+          </a:effectRef>
+          <a:fontRef idx="minor">
+            <a:schemeClr val="tx1"/>
+          </a:fontRef>
+        </p:style>
+      </p:cxnSp>
+      <p:sp>
+        <p:nvSpPr>
+          <p:cNvPr id="42" name="TextBox 41"/>
+          <p:cNvSpPr txBox="1"/>
+          <p:nvPr/>
+        </p:nvSpPr>
+        <p:spPr>
+          <a:xfrm>
+            <a:off x="3390149" y="615548"/>
+            <a:ext cx="7911397" cy="707886"/>
+          </a:xfrm>
+          <a:prstGeom prst="rect">
+            <a:avLst/>
+          </a:prstGeom>
+          <a:noFill/>
+        </p:spPr>
+        <p:txBody>
+          <a:bodyPr wrap="none" rtlCol="0">
+            <a:spAutoFit/>
+          </a:bodyPr>
+          <a:lstStyle/>
+          <a:p>
+            <a:r>
+              <a:rPr lang="en-US" sz="4000" i="1" u="sng" dirty="0">
+                <a:latin typeface="+mj-lt"/>
+              </a:rPr>
+              <a:t>General structure of decision-making </a:t>
+            </a:r>
+          </a:p>
+        </p:txBody>
+      </p:sp>
+      <p:sp>
+        <p:nvSpPr>
+          <p:cNvPr id="45" name="TextBox 44"/>
+          <p:cNvSpPr txBox="1"/>
+          <p:nvPr/>
+        </p:nvSpPr>
+        <p:spPr>
+          <a:xfrm>
+            <a:off x="1742927" y="4044852"/>
+            <a:ext cx="7774966" cy="707886"/>
+          </a:xfrm>
+          <a:prstGeom prst="rect">
+            <a:avLst/>
+          </a:prstGeom>
+          <a:noFill/>
+        </p:spPr>
+        <p:txBody>
+          <a:bodyPr wrap="square" rtlCol="0">
+            <a:spAutoFit/>
+          </a:bodyPr>
+          <a:lstStyle/>
+          <a:p>
+            <a:r>
+              <a:rPr lang="en-US" sz="4000" b="1" dirty="0">
+                <a:latin typeface="+mj-lt"/>
+                <a:ea typeface="Courier New" charset="0"/>
+                <a:cs typeface="Courier New" charset="0"/>
+              </a:rPr>
+              <a:t>Where</a:t>
+            </a:r>
+          </a:p>
+        </p:txBody>
+      </p:sp>
+      <p:sp>
+        <p:nvSpPr>
+          <p:cNvPr id="55" name="TextBox 54"/>
+          <p:cNvSpPr txBox="1"/>
+          <p:nvPr/>
+        </p:nvSpPr>
+        <p:spPr>
+          <a:xfrm>
+            <a:off x="6016451" y="3528839"/>
+            <a:ext cx="3467552" cy="707886"/>
+          </a:xfrm>
+          <a:prstGeom prst="rect">
+            <a:avLst/>
+          </a:prstGeom>
+          <a:noFill/>
+        </p:spPr>
+        <p:txBody>
+          <a:bodyPr wrap="square" rtlCol="0">
+            <a:spAutoFit/>
+          </a:bodyPr>
+          <a:lstStyle/>
+          <a:p>
+            <a:r>
+              <a:rPr lang="en-US" sz="4000" b="1" dirty="0">
+                <a:latin typeface="+mj-lt"/>
+                <a:ea typeface="Courier New" charset="0"/>
+                <a:cs typeface="Courier New" charset="0"/>
+              </a:rPr>
+              <a:t>Who</a:t>
+            </a:r>
+          </a:p>
+        </p:txBody>
+      </p:sp>
+      <p:sp>
+        <p:nvSpPr>
+          <p:cNvPr id="56" name="TextBox 55"/>
+          <p:cNvSpPr txBox="1"/>
+          <p:nvPr/>
+        </p:nvSpPr>
+        <p:spPr>
+          <a:xfrm>
+            <a:off x="7031033" y="4892213"/>
+            <a:ext cx="4468529" cy="707886"/>
+          </a:xfrm>
+          <a:prstGeom prst="rect">
+            <a:avLst/>
+          </a:prstGeom>
+          <a:noFill/>
+        </p:spPr>
+        <p:txBody>
+          <a:bodyPr wrap="square" rtlCol="0">
+            <a:spAutoFit/>
+          </a:bodyPr>
+          <a:lstStyle/>
+          <a:p>
+            <a:pPr algn="r"/>
+            <a:r>
+              <a:rPr lang="en-US" sz="4000" b="1" noProof="1">
+                <a:latin typeface="+mj-lt"/>
+                <a:ea typeface="Courier New" charset="0"/>
+                <a:cs typeface="Courier New" charset="0"/>
+              </a:rPr>
+              <a:t>If / how</a:t>
+            </a:r>
+          </a:p>
+        </p:txBody>
+      </p:sp>
+      <p:cxnSp>
+        <p:nvCxnSpPr>
+          <p:cNvPr id="60" name="Straight Connector 59"/>
+          <p:cNvCxnSpPr>
+            <a:cxnSpLocks/>
+            <a:stCxn id="6" idx="4"/>
+          </p:cNvCxnSpPr>
+          <p:nvPr/>
+        </p:nvCxnSpPr>
+        <p:spPr>
+          <a:xfrm>
+            <a:off x="2591792" y="2825562"/>
+            <a:ext cx="0" cy="1119035"/>
+          </a:xfrm>
+          <a:prstGeom prst="line">
+            <a:avLst/>
+          </a:prstGeom>
+          <a:ln w="44450">
+            <a:solidFill>
+              <a:srgbClr val="FF0000"/>
+            </a:solidFill>
+          </a:ln>
+        </p:spPr>
+        <p:style>
+          <a:lnRef idx="1">
+            <a:schemeClr val="accent1"/>
+          </a:lnRef>
+          <a:fillRef idx="0">
+            <a:schemeClr val="accent1"/>
+          </a:fillRef>
+          <a:effectRef idx="0">
+            <a:schemeClr val="accent1"/>
+          </a:effectRef>
+          <a:fontRef idx="minor">
+            <a:schemeClr val="tx1"/>
+          </a:fontRef>
+        </p:style>
+      </p:cxnSp>
+      <p:cxnSp>
+        <p:nvCxnSpPr>
+          <p:cNvPr id="63" name="Straight Connector 62"/>
+          <p:cNvCxnSpPr>
+            <a:cxnSpLocks/>
+            <a:stCxn id="7" idx="4"/>
+          </p:cNvCxnSpPr>
+          <p:nvPr/>
+        </p:nvCxnSpPr>
+        <p:spPr>
+          <a:xfrm>
+            <a:off x="6615977" y="2812861"/>
+            <a:ext cx="0" cy="541792"/>
+          </a:xfrm>
+          <a:prstGeom prst="line">
+            <a:avLst/>
+          </a:prstGeom>
+          <a:ln w="41275">
+            <a:solidFill>
+              <a:srgbClr val="FF0000"/>
+            </a:solidFill>
+          </a:ln>
+        </p:spPr>
+        <p:style>
+          <a:lnRef idx="1">
+            <a:schemeClr val="accent1"/>
+          </a:lnRef>
+          <a:fillRef idx="0">
+            <a:schemeClr val="accent1"/>
+          </a:fillRef>
+          <a:effectRef idx="0">
+            <a:schemeClr val="accent1"/>
+          </a:effectRef>
+          <a:fontRef idx="minor">
+            <a:schemeClr val="tx1"/>
+          </a:fontRef>
+        </p:style>
+      </p:cxnSp>
+      <p:cxnSp>
+        <p:nvCxnSpPr>
+          <p:cNvPr id="66" name="Straight Connector 65"/>
+          <p:cNvCxnSpPr>
+            <a:stCxn id="8" idx="4"/>
+          </p:cNvCxnSpPr>
+          <p:nvPr/>
+        </p:nvCxnSpPr>
+        <p:spPr>
+          <a:xfrm flipH="1">
+            <a:off x="10636207" y="2803089"/>
+            <a:ext cx="3954" cy="1888094"/>
+          </a:xfrm>
+          <a:prstGeom prst="line">
+            <a:avLst/>
+          </a:prstGeom>
+          <a:ln w="41275">
+            <a:solidFill>
+              <a:srgbClr val="FF0000"/>
+            </a:solidFill>
+          </a:ln>
+        </p:spPr>
+        <p:style>
+          <a:lnRef idx="1">
+            <a:schemeClr val="accent1"/>
+          </a:lnRef>
+          <a:fillRef idx="0">
+            <a:schemeClr val="accent1"/>
+          </a:fillRef>
+          <a:effectRef idx="0">
+            <a:schemeClr val="accent1"/>
+          </a:effectRef>
+          <a:fontRef idx="minor">
+            <a:schemeClr val="tx1"/>
+          </a:fontRef>
+        </p:style>
+      </p:cxnSp>
+      <p:cxnSp>
+        <p:nvCxnSpPr>
+          <p:cNvPr id="16" name="Rett linje 15">
+            <a:extLst>
+              <a:ext uri="{FF2B5EF4-FFF2-40B4-BE49-F238E27FC236}">
+                <a16:creationId xmlns:a16="http://schemas.microsoft.com/office/drawing/2014/main" id="{69C5486F-DD86-4050-9518-7A445FD2D5F1}"/>
+              </a:ext>
+            </a:extLst>
+          </p:cNvPr>
+          <p:cNvCxnSpPr>
+            <a:cxnSpLocks/>
+          </p:cNvCxnSpPr>
+          <p:nvPr/>
+        </p:nvCxnSpPr>
+        <p:spPr>
+          <a:xfrm flipV="1">
+            <a:off x="1452487" y="3944598"/>
+            <a:ext cx="0" cy="879174"/>
+          </a:xfrm>
+          <a:prstGeom prst="line">
+            <a:avLst/>
+          </a:prstGeom>
+        </p:spPr>
+        <p:style>
+          <a:lnRef idx="3">
+            <a:schemeClr val="accent1"/>
+          </a:lnRef>
+          <a:fillRef idx="0">
+            <a:schemeClr val="accent1"/>
+          </a:fillRef>
+          <a:effectRef idx="2">
+            <a:schemeClr val="accent1"/>
+          </a:effectRef>
+          <a:fontRef idx="minor">
+            <a:schemeClr val="tx1"/>
+          </a:fontRef>
+        </p:style>
+      </p:cxnSp>
+      <p:cxnSp>
+        <p:nvCxnSpPr>
+          <p:cNvPr id="18" name="Rett linje 17">
+            <a:extLst>
+              <a:ext uri="{FF2B5EF4-FFF2-40B4-BE49-F238E27FC236}">
+                <a16:creationId xmlns:a16="http://schemas.microsoft.com/office/drawing/2014/main" id="{62CF2936-B9D9-4123-80C9-C3DD8AB0750F}"/>
+              </a:ext>
+            </a:extLst>
+          </p:cNvPr>
+          <p:cNvCxnSpPr>
+            <a:cxnSpLocks/>
+          </p:cNvCxnSpPr>
+          <p:nvPr/>
+        </p:nvCxnSpPr>
+        <p:spPr>
+          <a:xfrm flipV="1">
+            <a:off x="3499001" y="3944598"/>
+            <a:ext cx="0" cy="885994"/>
+          </a:xfrm>
+          <a:prstGeom prst="line">
+            <a:avLst/>
+          </a:prstGeom>
+        </p:spPr>
+        <p:style>
+          <a:lnRef idx="3">
+            <a:schemeClr val="accent1"/>
+          </a:lnRef>
+          <a:fillRef idx="0">
+            <a:schemeClr val="accent1"/>
+          </a:fillRef>
+          <a:effectRef idx="2">
+            <a:schemeClr val="accent1"/>
+          </a:effectRef>
+          <a:fontRef idx="minor">
+            <a:schemeClr val="tx1"/>
+          </a:fontRef>
+        </p:style>
+      </p:cxnSp>
+      <p:cxnSp>
+        <p:nvCxnSpPr>
+          <p:cNvPr id="19" name="Rett linje 18">
+            <a:extLst>
+              <a:ext uri="{FF2B5EF4-FFF2-40B4-BE49-F238E27FC236}">
+                <a16:creationId xmlns:a16="http://schemas.microsoft.com/office/drawing/2014/main" id="{8E0A97A5-E2D1-4C6D-96D0-836FE828DC0A}"/>
+              </a:ext>
+            </a:extLst>
+          </p:cNvPr>
+          <p:cNvCxnSpPr>
+            <a:cxnSpLocks/>
+          </p:cNvCxnSpPr>
+          <p:nvPr/>
+        </p:nvCxnSpPr>
+        <p:spPr>
+          <a:xfrm flipV="1">
+            <a:off x="5747678" y="3354653"/>
+            <a:ext cx="0" cy="1002743"/>
+          </a:xfrm>
+          <a:prstGeom prst="line">
+            <a:avLst/>
+          </a:prstGeom>
+        </p:spPr>
+        <p:style>
+          <a:lnRef idx="3">
+            <a:schemeClr val="accent1"/>
+          </a:lnRef>
+          <a:fillRef idx="0">
+            <a:schemeClr val="accent1"/>
+          </a:fillRef>
+          <a:effectRef idx="2">
+            <a:schemeClr val="accent1"/>
+          </a:effectRef>
+          <a:fontRef idx="minor">
+            <a:schemeClr val="tx1"/>
+          </a:fontRef>
+        </p:style>
+      </p:cxnSp>
+      <p:cxnSp>
+        <p:nvCxnSpPr>
+          <p:cNvPr id="21" name="Rett linje 20">
+            <a:extLst>
+              <a:ext uri="{FF2B5EF4-FFF2-40B4-BE49-F238E27FC236}">
+                <a16:creationId xmlns:a16="http://schemas.microsoft.com/office/drawing/2014/main" id="{17DA85D0-D7E7-4637-A70F-5A7432330592}"/>
+              </a:ext>
+            </a:extLst>
+          </p:cNvPr>
+          <p:cNvCxnSpPr>
+            <a:cxnSpLocks/>
+          </p:cNvCxnSpPr>
+          <p:nvPr/>
+        </p:nvCxnSpPr>
+        <p:spPr>
+          <a:xfrm flipH="1" flipV="1">
+            <a:off x="7455203" y="3354420"/>
+            <a:ext cx="1" cy="1002976"/>
+          </a:xfrm>
+          <a:prstGeom prst="line">
+            <a:avLst/>
+          </a:prstGeom>
+        </p:spPr>
+        <p:style>
+          <a:lnRef idx="3">
+            <a:schemeClr val="accent1"/>
+          </a:lnRef>
+          <a:fillRef idx="0">
+            <a:schemeClr val="accent1"/>
+          </a:fillRef>
+          <a:effectRef idx="2">
+            <a:schemeClr val="accent1"/>
+          </a:effectRef>
+          <a:fontRef idx="minor">
+            <a:schemeClr val="tx1"/>
+          </a:fontRef>
+        </p:style>
+      </p:cxnSp>
+      <p:cxnSp>
+        <p:nvCxnSpPr>
+          <p:cNvPr id="22" name="Rett linje 21">
+            <a:extLst>
+              <a:ext uri="{FF2B5EF4-FFF2-40B4-BE49-F238E27FC236}">
+                <a16:creationId xmlns:a16="http://schemas.microsoft.com/office/drawing/2014/main" id="{4A18CEC7-A67E-4967-9E57-18048346777A}"/>
+              </a:ext>
+            </a:extLst>
+          </p:cNvPr>
+          <p:cNvCxnSpPr>
+            <a:cxnSpLocks/>
+          </p:cNvCxnSpPr>
+          <p:nvPr/>
+        </p:nvCxnSpPr>
+        <p:spPr>
+          <a:xfrm flipH="1" flipV="1">
+            <a:off x="9255989" y="4691184"/>
+            <a:ext cx="9309" cy="1109946"/>
+          </a:xfrm>
+          <a:prstGeom prst="line">
+            <a:avLst/>
+          </a:prstGeom>
+        </p:spPr>
+        <p:style>
+          <a:lnRef idx="3">
+            <a:schemeClr val="accent1"/>
+          </a:lnRef>
+          <a:fillRef idx="0">
+            <a:schemeClr val="accent1"/>
+          </a:fillRef>
+          <a:effectRef idx="2">
+            <a:schemeClr val="accent1"/>
+          </a:effectRef>
+          <a:fontRef idx="minor">
+            <a:schemeClr val="tx1"/>
+          </a:fontRef>
+        </p:style>
+      </p:cxnSp>
+      <p:cxnSp>
+        <p:nvCxnSpPr>
+          <p:cNvPr id="23" name="Rett linje 22">
+            <a:extLst>
+              <a:ext uri="{FF2B5EF4-FFF2-40B4-BE49-F238E27FC236}">
+                <a16:creationId xmlns:a16="http://schemas.microsoft.com/office/drawing/2014/main" id="{E91A4098-D5B3-4720-B88B-F9404C18D6F3}"/>
+              </a:ext>
+            </a:extLst>
+          </p:cNvPr>
+          <p:cNvCxnSpPr>
+            <a:cxnSpLocks/>
+          </p:cNvCxnSpPr>
+          <p:nvPr/>
+        </p:nvCxnSpPr>
+        <p:spPr>
+          <a:xfrm flipV="1">
+            <a:off x="11887222" y="4690950"/>
+            <a:ext cx="0" cy="1110180"/>
+          </a:xfrm>
+          <a:prstGeom prst="line">
+            <a:avLst/>
+          </a:prstGeom>
+        </p:spPr>
+        <p:style>
+          <a:lnRef idx="3">
+            <a:schemeClr val="accent1"/>
+          </a:lnRef>
+          <a:fillRef idx="0">
+            <a:schemeClr val="accent1"/>
+          </a:fillRef>
+          <a:effectRef idx="2">
+            <a:schemeClr val="accent1"/>
+          </a:effectRef>
+          <a:fontRef idx="minor">
+            <a:schemeClr val="tx1"/>
+          </a:fontRef>
+        </p:style>
+      </p:cxnSp>
+      <p:cxnSp>
+        <p:nvCxnSpPr>
+          <p:cNvPr id="24" name="Rett linje 23">
+            <a:extLst>
+              <a:ext uri="{FF2B5EF4-FFF2-40B4-BE49-F238E27FC236}">
+                <a16:creationId xmlns:a16="http://schemas.microsoft.com/office/drawing/2014/main" id="{9EE2C9CA-655D-4896-B20E-A18885768BE6}"/>
+              </a:ext>
+            </a:extLst>
+          </p:cNvPr>
+          <p:cNvCxnSpPr>
+            <a:cxnSpLocks/>
+          </p:cNvCxnSpPr>
+          <p:nvPr/>
+        </p:nvCxnSpPr>
+        <p:spPr>
+          <a:xfrm flipH="1">
+            <a:off x="1452487" y="3944597"/>
+            <a:ext cx="2046514" cy="0"/>
+          </a:xfrm>
+          <a:prstGeom prst="line">
+            <a:avLst/>
+          </a:prstGeom>
+        </p:spPr>
+        <p:style>
+          <a:lnRef idx="3">
+            <a:schemeClr val="accent1"/>
+          </a:lnRef>
+          <a:fillRef idx="0">
+            <a:schemeClr val="accent1"/>
+          </a:fillRef>
+          <a:effectRef idx="2">
+            <a:schemeClr val="accent1"/>
+          </a:effectRef>
+          <a:fontRef idx="minor">
+            <a:schemeClr val="tx1"/>
+          </a:fontRef>
+        </p:style>
+      </p:cxnSp>
+      <p:cxnSp>
+        <p:nvCxnSpPr>
+          <p:cNvPr id="25" name="Rett linje 24">
+            <a:extLst>
+              <a:ext uri="{FF2B5EF4-FFF2-40B4-BE49-F238E27FC236}">
+                <a16:creationId xmlns:a16="http://schemas.microsoft.com/office/drawing/2014/main" id="{42EF5C3A-E133-44B7-A7B3-F5FD99CDE1CD}"/>
+              </a:ext>
+            </a:extLst>
+          </p:cNvPr>
+          <p:cNvCxnSpPr>
+            <a:cxnSpLocks/>
+          </p:cNvCxnSpPr>
+          <p:nvPr/>
+        </p:nvCxnSpPr>
+        <p:spPr>
+          <a:xfrm flipH="1">
+            <a:off x="1435739" y="4823772"/>
+            <a:ext cx="2063262" cy="6820"/>
+          </a:xfrm>
+          <a:prstGeom prst="line">
+            <a:avLst/>
+          </a:prstGeom>
+        </p:spPr>
+        <p:style>
+          <a:lnRef idx="3">
+            <a:schemeClr val="accent1"/>
+          </a:lnRef>
+          <a:fillRef idx="0">
+            <a:schemeClr val="accent1"/>
+          </a:fillRef>
+          <a:effectRef idx="2">
+            <a:schemeClr val="accent1"/>
+          </a:effectRef>
+          <a:fontRef idx="minor">
+            <a:schemeClr val="tx1"/>
+          </a:fontRef>
+        </p:style>
+      </p:cxnSp>
+      <p:cxnSp>
+        <p:nvCxnSpPr>
+          <p:cNvPr id="26" name="Rett linje 25">
+            <a:extLst>
+              <a:ext uri="{FF2B5EF4-FFF2-40B4-BE49-F238E27FC236}">
+                <a16:creationId xmlns:a16="http://schemas.microsoft.com/office/drawing/2014/main" id="{062693B8-6894-4ADC-96C1-07A1475DBFB7}"/>
+              </a:ext>
+            </a:extLst>
+          </p:cNvPr>
+          <p:cNvCxnSpPr>
+            <a:cxnSpLocks/>
+          </p:cNvCxnSpPr>
+          <p:nvPr/>
+        </p:nvCxnSpPr>
+        <p:spPr>
+          <a:xfrm flipH="1" flipV="1">
+            <a:off x="5747678" y="3354419"/>
+            <a:ext cx="1707526" cy="233"/>
+          </a:xfrm>
+          <a:prstGeom prst="line">
+            <a:avLst/>
+          </a:prstGeom>
+        </p:spPr>
+        <p:style>
+          <a:lnRef idx="3">
+            <a:schemeClr val="accent1"/>
+          </a:lnRef>
+          <a:fillRef idx="0">
+            <a:schemeClr val="accent1"/>
+          </a:fillRef>
+          <a:effectRef idx="2">
+            <a:schemeClr val="accent1"/>
+          </a:effectRef>
+          <a:fontRef idx="minor">
+            <a:schemeClr val="tx1"/>
+          </a:fontRef>
+        </p:style>
+      </p:cxnSp>
+      <p:cxnSp>
+        <p:nvCxnSpPr>
+          <p:cNvPr id="27" name="Rett linje 26">
+            <a:extLst>
+              <a:ext uri="{FF2B5EF4-FFF2-40B4-BE49-F238E27FC236}">
+                <a16:creationId xmlns:a16="http://schemas.microsoft.com/office/drawing/2014/main" id="{F082F3F4-3236-4114-B0FB-11ECC374150E}"/>
+              </a:ext>
+            </a:extLst>
+          </p:cNvPr>
+          <p:cNvCxnSpPr>
+            <a:cxnSpLocks/>
+          </p:cNvCxnSpPr>
+          <p:nvPr/>
+        </p:nvCxnSpPr>
+        <p:spPr>
+          <a:xfrm flipH="1">
+            <a:off x="5747678" y="4357396"/>
+            <a:ext cx="1707526" cy="0"/>
+          </a:xfrm>
+          <a:prstGeom prst="line">
+            <a:avLst/>
+          </a:prstGeom>
+        </p:spPr>
+        <p:style>
+          <a:lnRef idx="3">
+            <a:schemeClr val="accent1"/>
+          </a:lnRef>
+          <a:fillRef idx="0">
+            <a:schemeClr val="accent1"/>
+          </a:fillRef>
+          <a:effectRef idx="2">
+            <a:schemeClr val="accent1"/>
+          </a:effectRef>
+          <a:fontRef idx="minor">
+            <a:schemeClr val="tx1"/>
+          </a:fontRef>
+        </p:style>
+      </p:cxnSp>
+      <p:cxnSp>
+        <p:nvCxnSpPr>
+          <p:cNvPr id="28" name="Rett linje 27">
+            <a:extLst>
+              <a:ext uri="{FF2B5EF4-FFF2-40B4-BE49-F238E27FC236}">
+                <a16:creationId xmlns:a16="http://schemas.microsoft.com/office/drawing/2014/main" id="{84BF8694-7BA6-4B0B-A5A1-905092E94ADE}"/>
+              </a:ext>
+            </a:extLst>
+          </p:cNvPr>
+          <p:cNvCxnSpPr>
+            <a:cxnSpLocks/>
+          </p:cNvCxnSpPr>
+          <p:nvPr/>
+        </p:nvCxnSpPr>
+        <p:spPr>
+          <a:xfrm flipH="1">
+            <a:off x="9265298" y="4691183"/>
+            <a:ext cx="2621924" cy="0"/>
+          </a:xfrm>
+          <a:prstGeom prst="line">
+            <a:avLst/>
+          </a:prstGeom>
+        </p:spPr>
+        <p:style>
+          <a:lnRef idx="3">
+            <a:schemeClr val="accent1"/>
+          </a:lnRef>
+          <a:fillRef idx="0">
+            <a:schemeClr val="accent1"/>
+          </a:fillRef>
+          <a:effectRef idx="2">
+            <a:schemeClr val="accent1"/>
+          </a:effectRef>
+          <a:fontRef idx="minor">
+            <a:schemeClr val="tx1"/>
+          </a:fontRef>
+        </p:style>
+      </p:cxnSp>
+      <p:cxnSp>
+        <p:nvCxnSpPr>
+          <p:cNvPr id="29" name="Rett linje 28">
+            <a:extLst>
+              <a:ext uri="{FF2B5EF4-FFF2-40B4-BE49-F238E27FC236}">
+                <a16:creationId xmlns:a16="http://schemas.microsoft.com/office/drawing/2014/main" id="{26D8CBDB-F6C5-4549-AC74-A179268CB3D2}"/>
+              </a:ext>
+            </a:extLst>
+          </p:cNvPr>
+          <p:cNvCxnSpPr>
+            <a:cxnSpLocks/>
+          </p:cNvCxnSpPr>
+          <p:nvPr/>
+        </p:nvCxnSpPr>
+        <p:spPr>
+          <a:xfrm flipH="1">
+            <a:off x="9265298" y="5801130"/>
+            <a:ext cx="2621924" cy="0"/>
+          </a:xfrm>
+          <a:prstGeom prst="line">
+            <a:avLst/>
+          </a:prstGeom>
+        </p:spPr>
+        <p:style>
+          <a:lnRef idx="3">
+            <a:schemeClr val="accent1"/>
+          </a:lnRef>
+          <a:fillRef idx="0">
+            <a:schemeClr val="accent1"/>
+          </a:fillRef>
+          <a:effectRef idx="2">
+            <a:schemeClr val="accent1"/>
+          </a:effectRef>
+          <a:fontRef idx="minor">
+            <a:schemeClr val="tx1"/>
+          </a:fontRef>
+        </p:style>
+      </p:cxnSp>
+    </p:spTree>
+    <p:extLst>
+      <p:ext uri="{BB962C8B-B14F-4D97-AF65-F5344CB8AC3E}">
+        <p14:creationId xmlns:p14="http://schemas.microsoft.com/office/powerpoint/2010/main" val="50034714"/>
+      </p:ext>
+    </p:extLst>
+  </p:cSld>
+  <p:clrMapOvr>
+    <a:masterClrMapping/>
+  </p:clrMapOvr>
+</p:sld>
+</file>
+
+<file path=ppt/slides/slide6.xml><?xml version="1.0" encoding="utf-8"?>
+<p:sld xmlns:a="http://schemas.openxmlformats.org/drawingml/2006/main" xmlns:r="http://schemas.openxmlformats.org/officeDocument/2006/relationships" xmlns:p="http://schemas.openxmlformats.org/presentationml/2006/main">
+  <p:cSld>
+    <p:spTree>
+      <p:nvGrpSpPr>
+        <p:cNvPr id="1" name=""/>
+        <p:cNvGrpSpPr/>
+        <p:nvPr/>
+      </p:nvGrpSpPr>
+      <p:grpSpPr>
+        <a:xfrm>
+          <a:off x="0" y="0"/>
+          <a:ext cx="0" cy="0"/>
+          <a:chOff x="0" y="0"/>
+          <a:chExt cx="0" cy="0"/>
+        </a:xfrm>
+      </p:grpSpPr>
+      <p:sp>
+        <p:nvSpPr>
           <p:cNvPr id="2" name="Title 1"/>
           <p:cNvSpPr>
             <a:spLocks noGrp="1"/>
@@ -5683,34 +6789,129 @@
             <p:ph type="title"/>
           </p:nvPr>
         </p:nvSpPr>
-        <p:spPr/>
-        <p:txBody>
-          <a:bodyPr/>
-          <a:lstStyle/>
-          <a:p>
-            <a:endParaRPr lang="en-US"/>
-          </a:p>
-        </p:txBody>
-      </p:sp>
-      <p:sp>
-        <p:nvSpPr>
-          <p:cNvPr id="3" name="Content Placeholder 2"/>
-          <p:cNvSpPr>
-            <a:spLocks noGrp="1"/>
-          </p:cNvSpPr>
+        <p:spPr>
+          <a:xfrm>
+            <a:off x="838200" y="248393"/>
+            <a:ext cx="10515600" cy="1325563"/>
+          </a:xfrm>
+        </p:spPr>
+        <p:txBody>
+          <a:bodyPr>
+            <a:normAutofit/>
+          </a:bodyPr>
+          <a:lstStyle/>
+          <a:p>
+            <a:pPr algn="ctr"/>
+            <a:r>
+              <a:rPr lang="nb-NO" sz="4800" i="1" u="sng" dirty="0">
+                <a:ea typeface="Courier New" charset="0"/>
+                <a:cs typeface="Courier New" charset="0"/>
+              </a:rPr>
+              <a:t>Test </a:t>
+            </a:r>
+            <a:r>
+              <a:rPr lang="nb-NO" sz="4800" i="1" u="sng" dirty="0" err="1">
+                <a:ea typeface="Courier New" charset="0"/>
+                <a:cs typeface="Courier New" charset="0"/>
+              </a:rPr>
+              <a:t>coverage</a:t>
+            </a:r>
+            <a:endParaRPr lang="en-US" sz="4800" i="1" u="sng" dirty="0">
+              <a:ea typeface="Courier New" charset="0"/>
+              <a:cs typeface="Courier New" charset="0"/>
+            </a:endParaRPr>
+          </a:p>
+        </p:txBody>
+      </p:sp>
+      <p:pic>
+        <p:nvPicPr>
+          <p:cNvPr id="4" name="Content Placeholder 3"/>
+          <p:cNvPicPr>
+            <a:picLocks noGrp="1" noChangeAspect="1"/>
+          </p:cNvPicPr>
           <p:nvPr>
             <p:ph idx="1"/>
           </p:nvPr>
-        </p:nvSpPr>
-        <p:spPr/>
-        <p:txBody>
-          <a:bodyPr/>
-          <a:lstStyle/>
-          <a:p>
-            <a:endParaRPr lang="en-US"/>
-          </a:p>
-        </p:txBody>
-      </p:sp>
+        </p:nvPicPr>
+        <p:blipFill>
+          <a:blip r:embed="rId3">
+            <a:extLst>
+              <a:ext uri="{28A0092B-C50C-407E-A947-70E740481C1C}">
+                <a14:useLocalDpi xmlns:a14="http://schemas.microsoft.com/office/drawing/2010/main" val="0"/>
+              </a:ext>
+            </a:extLst>
+          </a:blip>
+          <a:stretch>
+            <a:fillRect/>
+          </a:stretch>
+        </p:blipFill>
+        <p:spPr>
+          <a:xfrm>
+            <a:off x="221988" y="1760707"/>
+            <a:ext cx="11752761" cy="4922196"/>
+          </a:xfrm>
+        </p:spPr>
+      </p:pic>
+    </p:spTree>
+    <p:extLst>
+      <p:ext uri="{BB962C8B-B14F-4D97-AF65-F5344CB8AC3E}">
+        <p14:creationId xmlns:p14="http://schemas.microsoft.com/office/powerpoint/2010/main" val="1960807074"/>
+      </p:ext>
+    </p:extLst>
+  </p:cSld>
+  <p:clrMapOvr>
+    <a:masterClrMapping/>
+  </p:clrMapOvr>
+</p:sld>
+</file>
+
+<file path=ppt/slides/slide7.xml><?xml version="1.0" encoding="utf-8"?>
+<p:sld xmlns:a="http://schemas.openxmlformats.org/drawingml/2006/main" xmlns:r="http://schemas.openxmlformats.org/officeDocument/2006/relationships" xmlns:p="http://schemas.openxmlformats.org/presentationml/2006/main">
+  <p:cSld>
+    <p:spTree>
+      <p:nvGrpSpPr>
+        <p:cNvPr id="1" name=""/>
+        <p:cNvGrpSpPr/>
+        <p:nvPr/>
+      </p:nvGrpSpPr>
+      <p:grpSpPr>
+        <a:xfrm>
+          <a:off x="0" y="0"/>
+          <a:ext cx="0" cy="0"/>
+          <a:chOff x="0" y="0"/>
+          <a:chExt cx="0" cy="0"/>
+        </a:xfrm>
+      </p:grpSpPr>
+      <p:pic>
+        <p:nvPicPr>
+          <p:cNvPr id="6" name="Bilde 5">
+            <a:extLst>
+              <a:ext uri="{FF2B5EF4-FFF2-40B4-BE49-F238E27FC236}">
+                <a16:creationId xmlns:a16="http://schemas.microsoft.com/office/drawing/2014/main" id="{29C53940-40E3-4302-AE6E-CE0C6E58850E}"/>
+              </a:ext>
+            </a:extLst>
+          </p:cNvPr>
+          <p:cNvPicPr>
+            <a:picLocks noChangeAspect="1"/>
+          </p:cNvPicPr>
+          <p:nvPr/>
+        </p:nvPicPr>
+        <p:blipFill>
+          <a:blip r:embed="rId2"/>
+          <a:stretch>
+            <a:fillRect/>
+          </a:stretch>
+        </p:blipFill>
+        <p:spPr>
+          <a:xfrm>
+            <a:off x="0" y="0"/>
+            <a:ext cx="12192000" cy="6858000"/>
+          </a:xfrm>
+          <a:prstGeom prst="rect">
+            <a:avLst/>
+          </a:prstGeom>
+        </p:spPr>
+      </p:pic>
     </p:spTree>
     <p:extLst>
       <p:ext uri="{BB962C8B-B14F-4D97-AF65-F5344CB8AC3E}">

--- a/biosim_project/presentation/Presentation1.pptx
+++ b/biosim_project/presentation/Presentation1.pptx
@@ -5,16 +5,19 @@
     <p:sldMasterId id="2147483648" r:id="rId1"/>
   </p:sldMasterIdLst>
   <p:notesMasterIdLst>
-    <p:notesMasterId r:id="rId9"/>
+    <p:notesMasterId r:id="rId12"/>
   </p:notesMasterIdLst>
   <p:sldIdLst>
-    <p:sldId id="256" r:id="rId2"/>
-    <p:sldId id="262" r:id="rId3"/>
-    <p:sldId id="261" r:id="rId4"/>
-    <p:sldId id="257" r:id="rId5"/>
-    <p:sldId id="258" r:id="rId6"/>
-    <p:sldId id="259" r:id="rId7"/>
+    <p:sldId id="265" r:id="rId2"/>
+    <p:sldId id="256" r:id="rId3"/>
+    <p:sldId id="257" r:id="rId4"/>
+    <p:sldId id="258" r:id="rId5"/>
+    <p:sldId id="262" r:id="rId6"/>
+    <p:sldId id="261" r:id="rId7"/>
     <p:sldId id="260" r:id="rId8"/>
+    <p:sldId id="259" r:id="rId9"/>
+    <p:sldId id="264" r:id="rId10"/>
+    <p:sldId id="263" r:id="rId11"/>
   </p:sldIdLst>
   <p:sldSz cx="12192000" cy="6858000"/>
   <p:notesSz cx="6858000" cy="9144000"/>
@@ -633,7 +636,7 @@
           <a:p>
             <a:fld id="{5A566FE1-D1E7-604C-BEB8-BAB87699F389}" type="slidenum">
               <a:rPr lang="en-US" smtClean="0"/>
-              <a:t>6</a:t>
+              <a:t>8</a:t>
             </a:fld>
             <a:endParaRPr lang="en-US"/>
           </a:p>
@@ -3490,6 +3493,360 @@
       </p:grpSpPr>
       <p:sp>
         <p:nvSpPr>
+          <p:cNvPr id="4" name="Rektangel 3">
+            <a:extLst>
+              <a:ext uri="{FF2B5EF4-FFF2-40B4-BE49-F238E27FC236}">
+                <a16:creationId xmlns:a16="http://schemas.microsoft.com/office/drawing/2014/main" id="{64F0CCDF-24B3-449B-A74A-64310E9138FF}"/>
+              </a:ext>
+            </a:extLst>
+          </p:cNvPr>
+          <p:cNvSpPr/>
+          <p:nvPr/>
+        </p:nvSpPr>
+        <p:spPr>
+          <a:xfrm>
+            <a:off x="1359267" y="1583976"/>
+            <a:ext cx="9349192" cy="523220"/>
+          </a:xfrm>
+          <a:prstGeom prst="rect">
+            <a:avLst/>
+          </a:prstGeom>
+        </p:spPr>
+        <p:txBody>
+          <a:bodyPr wrap="square">
+            <a:spAutoFit/>
+          </a:bodyPr>
+          <a:lstStyle/>
+          <a:p>
+            <a:pPr algn="ctr"/>
+            <a:r>
+              <a:rPr lang="en-US" sz="2800" dirty="0"/>
+              <a:t>Modelling the Ecosystem of </a:t>
+            </a:r>
+            <a:r>
+              <a:rPr lang="en-US" sz="2800" dirty="0" err="1"/>
+              <a:t>Rossumøya</a:t>
+            </a:r>
+            <a:endParaRPr lang="en-US" sz="2800" dirty="0"/>
+          </a:p>
+        </p:txBody>
+      </p:sp>
+      <p:sp>
+        <p:nvSpPr>
+          <p:cNvPr id="5" name="Rektangel 4">
+            <a:extLst>
+              <a:ext uri="{FF2B5EF4-FFF2-40B4-BE49-F238E27FC236}">
+                <a16:creationId xmlns:a16="http://schemas.microsoft.com/office/drawing/2014/main" id="{6358073F-764C-4A97-AF9D-06CCAA5B49BD}"/>
+              </a:ext>
+            </a:extLst>
+          </p:cNvPr>
+          <p:cNvSpPr/>
+          <p:nvPr/>
+        </p:nvSpPr>
+        <p:spPr>
+          <a:xfrm>
+            <a:off x="1959510" y="625542"/>
+            <a:ext cx="8148706" cy="830997"/>
+          </a:xfrm>
+          <a:prstGeom prst="rect">
+            <a:avLst/>
+          </a:prstGeom>
+        </p:spPr>
+        <p:txBody>
+          <a:bodyPr wrap="none">
+            <a:spAutoFit/>
+          </a:bodyPr>
+          <a:lstStyle/>
+          <a:p>
+            <a:pPr algn="ctr"/>
+            <a:r>
+              <a:rPr lang="en-US" sz="4800" dirty="0"/>
+              <a:t>Population dynamics simulation</a:t>
+            </a:r>
+          </a:p>
+        </p:txBody>
+      </p:sp>
+      <p:sp>
+        <p:nvSpPr>
+          <p:cNvPr id="7" name="Rektangel 6">
+            <a:extLst>
+              <a:ext uri="{FF2B5EF4-FFF2-40B4-BE49-F238E27FC236}">
+                <a16:creationId xmlns:a16="http://schemas.microsoft.com/office/drawing/2014/main" id="{6BCFE884-8F3C-4813-935E-5ED75E38B767}"/>
+              </a:ext>
+            </a:extLst>
+          </p:cNvPr>
+          <p:cNvSpPr/>
+          <p:nvPr/>
+        </p:nvSpPr>
+        <p:spPr>
+          <a:xfrm>
+            <a:off x="1197563" y="2268567"/>
+            <a:ext cx="9349192" cy="338554"/>
+          </a:xfrm>
+          <a:prstGeom prst="rect">
+            <a:avLst/>
+          </a:prstGeom>
+        </p:spPr>
+        <p:txBody>
+          <a:bodyPr wrap="square">
+            <a:spAutoFit/>
+          </a:bodyPr>
+          <a:lstStyle/>
+          <a:p>
+            <a:pPr algn="ctr"/>
+            <a:r>
+              <a:rPr lang="en-US" sz="1600" dirty="0"/>
+              <a:t>Filip </a:t>
+            </a:r>
+            <a:r>
+              <a:rPr lang="en-US" sz="1600" dirty="0" err="1"/>
+              <a:t>Rotnes</a:t>
+            </a:r>
+            <a:r>
+              <a:rPr lang="en-US" sz="1600" dirty="0"/>
+              <a:t> &amp; Sigve Sørensen</a:t>
+            </a:r>
+          </a:p>
+        </p:txBody>
+      </p:sp>
+      <p:pic>
+        <p:nvPicPr>
+          <p:cNvPr id="9" name="Bilde 8">
+            <a:extLst>
+              <a:ext uri="{FF2B5EF4-FFF2-40B4-BE49-F238E27FC236}">
+                <a16:creationId xmlns:a16="http://schemas.microsoft.com/office/drawing/2014/main" id="{8C703C59-7EAA-4354-A056-633139D75FD9}"/>
+              </a:ext>
+            </a:extLst>
+          </p:cNvPr>
+          <p:cNvPicPr>
+            <a:picLocks noChangeAspect="1"/>
+          </p:cNvPicPr>
+          <p:nvPr/>
+        </p:nvPicPr>
+        <p:blipFill>
+          <a:blip r:embed="rId2"/>
+          <a:stretch>
+            <a:fillRect/>
+          </a:stretch>
+        </p:blipFill>
+        <p:spPr>
+          <a:xfrm>
+            <a:off x="3725064" y="3883464"/>
+            <a:ext cx="4617598" cy="1541612"/>
+          </a:xfrm>
+          <a:prstGeom prst="rect">
+            <a:avLst/>
+          </a:prstGeom>
+        </p:spPr>
+      </p:pic>
+    </p:spTree>
+    <p:extLst>
+      <p:ext uri="{BB962C8B-B14F-4D97-AF65-F5344CB8AC3E}">
+        <p14:creationId xmlns:p14="http://schemas.microsoft.com/office/powerpoint/2010/main" val="3807360984"/>
+      </p:ext>
+    </p:extLst>
+  </p:cSld>
+  <p:clrMapOvr>
+    <a:masterClrMapping/>
+  </p:clrMapOvr>
+</p:sld>
+</file>
+
+<file path=ppt/slides/slide10.xml><?xml version="1.0" encoding="utf-8"?>
+<p:sld xmlns:a="http://schemas.openxmlformats.org/drawingml/2006/main" xmlns:r="http://schemas.openxmlformats.org/officeDocument/2006/relationships" xmlns:p="http://schemas.openxmlformats.org/presentationml/2006/main">
+  <p:cSld>
+    <p:spTree>
+      <p:nvGrpSpPr>
+        <p:cNvPr id="1" name=""/>
+        <p:cNvGrpSpPr/>
+        <p:nvPr/>
+      </p:nvGrpSpPr>
+      <p:grpSpPr>
+        <a:xfrm>
+          <a:off x="0" y="0"/>
+          <a:ext cx="0" cy="0"/>
+          <a:chOff x="0" y="0"/>
+          <a:chExt cx="0" cy="0"/>
+        </a:xfrm>
+      </p:grpSpPr>
+      <p:sp>
+        <p:nvSpPr>
+          <p:cNvPr id="3" name="Plassholder for innhold 2">
+            <a:extLst>
+              <a:ext uri="{FF2B5EF4-FFF2-40B4-BE49-F238E27FC236}">
+                <a16:creationId xmlns:a16="http://schemas.microsoft.com/office/drawing/2014/main" id="{9B1A9C83-8953-4713-9E28-3DE6018E1417}"/>
+              </a:ext>
+            </a:extLst>
+          </p:cNvPr>
+          <p:cNvSpPr>
+            <a:spLocks noGrp="1"/>
+          </p:cNvSpPr>
+          <p:nvPr>
+            <p:ph idx="1"/>
+          </p:nvPr>
+        </p:nvSpPr>
+        <p:spPr/>
+        <p:txBody>
+          <a:bodyPr/>
+          <a:lstStyle/>
+          <a:p>
+            <a:r>
+              <a:rPr lang="en-US" dirty="0"/>
+              <a:t>Package completeness</a:t>
+            </a:r>
+            <a:br>
+              <a:rPr lang="en-US" dirty="0"/>
+            </a:br>
+            <a:r>
+              <a:rPr lang="en-US" dirty="0"/>
+              <a:t>- Examples -&gt; Model potential</a:t>
+            </a:r>
+            <a:br>
+              <a:rPr lang="en-US" dirty="0"/>
+            </a:br>
+            <a:r>
+              <a:rPr lang="en-US" dirty="0"/>
+              <a:t>- User friendliness -&gt; UI</a:t>
+            </a:r>
+            <a:br>
+              <a:rPr lang="en-US" dirty="0"/>
+            </a:br>
+            <a:r>
+              <a:rPr lang="en-US" dirty="0"/>
+              <a:t>	- Terminal -&gt; GUI</a:t>
+            </a:r>
+          </a:p>
+          <a:p>
+            <a:r>
+              <a:rPr lang="en-US" dirty="0"/>
+              <a:t>Further statistical analysis</a:t>
+            </a:r>
+          </a:p>
+          <a:p>
+            <a:r>
+              <a:rPr lang="en-US" dirty="0"/>
+              <a:t>Optimization</a:t>
+            </a:r>
+          </a:p>
+          <a:p>
+            <a:r>
+              <a:rPr lang="en-US" dirty="0"/>
+              <a:t>Task specific functions</a:t>
+            </a:r>
+          </a:p>
+          <a:p>
+            <a:r>
+              <a:rPr lang="en-US" dirty="0"/>
+              <a:t>Diversify output data</a:t>
+            </a:r>
+          </a:p>
+        </p:txBody>
+      </p:sp>
+      <p:sp>
+        <p:nvSpPr>
+          <p:cNvPr id="4" name="Rektangel 3">
+            <a:extLst>
+              <a:ext uri="{FF2B5EF4-FFF2-40B4-BE49-F238E27FC236}">
+                <a16:creationId xmlns:a16="http://schemas.microsoft.com/office/drawing/2014/main" id="{11004A03-E0C4-42C6-B97F-2A1E65E984CC}"/>
+              </a:ext>
+            </a:extLst>
+          </p:cNvPr>
+          <p:cNvSpPr/>
+          <p:nvPr/>
+        </p:nvSpPr>
+        <p:spPr>
+          <a:xfrm>
+            <a:off x="3309339" y="473142"/>
+            <a:ext cx="5573321" cy="830997"/>
+          </a:xfrm>
+          <a:prstGeom prst="rect">
+            <a:avLst/>
+          </a:prstGeom>
+        </p:spPr>
+        <p:txBody>
+          <a:bodyPr wrap="none">
+            <a:spAutoFit/>
+          </a:bodyPr>
+          <a:lstStyle/>
+          <a:p>
+            <a:r>
+              <a:rPr lang="nb-NO" sz="4800" i="1" u="sng" dirty="0">
+                <a:cs typeface="Courier New" charset="0"/>
+              </a:rPr>
+              <a:t>If </a:t>
+            </a:r>
+            <a:r>
+              <a:rPr lang="nb-NO" sz="4800" i="1" u="sng" dirty="0" err="1">
+                <a:cs typeface="Courier New" charset="0"/>
+              </a:rPr>
+              <a:t>we</a:t>
+            </a:r>
+            <a:r>
+              <a:rPr lang="nb-NO" sz="4800" i="1" u="sng" dirty="0">
+                <a:cs typeface="Courier New" charset="0"/>
+              </a:rPr>
+              <a:t> </a:t>
+            </a:r>
+            <a:r>
+              <a:rPr lang="nb-NO" sz="4800" i="1" u="sng" dirty="0" err="1">
+                <a:cs typeface="Courier New" charset="0"/>
+              </a:rPr>
+              <a:t>had</a:t>
+            </a:r>
+            <a:r>
+              <a:rPr lang="nb-NO" sz="4800" i="1" u="sng" dirty="0">
+                <a:cs typeface="Courier New" charset="0"/>
+              </a:rPr>
+              <a:t> </a:t>
+            </a:r>
+            <a:r>
+              <a:rPr lang="nb-NO" sz="4800" i="1" u="sng" dirty="0" err="1">
+                <a:cs typeface="Courier New" charset="0"/>
+              </a:rPr>
+              <a:t>better</a:t>
+            </a:r>
+            <a:r>
+              <a:rPr lang="nb-NO" sz="4800" i="1" u="sng" dirty="0">
+                <a:cs typeface="Courier New" charset="0"/>
+              </a:rPr>
+              <a:t> time:</a:t>
+            </a:r>
+            <a:endParaRPr lang="en-US" sz="4800" dirty="0"/>
+          </a:p>
+        </p:txBody>
+      </p:sp>
+    </p:spTree>
+    <p:extLst>
+      <p:ext uri="{BB962C8B-B14F-4D97-AF65-F5344CB8AC3E}">
+        <p14:creationId xmlns:p14="http://schemas.microsoft.com/office/powerpoint/2010/main" val="2936584028"/>
+      </p:ext>
+    </p:extLst>
+  </p:cSld>
+  <p:clrMapOvr>
+    <a:masterClrMapping/>
+  </p:clrMapOvr>
+</p:sld>
+</file>
+
+<file path=ppt/slides/slide2.xml><?xml version="1.0" encoding="utf-8"?>
+<p:sld xmlns:a="http://schemas.openxmlformats.org/drawingml/2006/main" xmlns:r="http://schemas.openxmlformats.org/officeDocument/2006/relationships" xmlns:p="http://schemas.openxmlformats.org/presentationml/2006/main">
+  <p:cSld>
+    <p:spTree>
+      <p:nvGrpSpPr>
+        <p:cNvPr id="1" name=""/>
+        <p:cNvGrpSpPr/>
+        <p:nvPr/>
+      </p:nvGrpSpPr>
+      <p:grpSpPr>
+        <a:xfrm>
+          <a:off x="0" y="0"/>
+          <a:ext cx="0" cy="0"/>
+          <a:chOff x="0" y="0"/>
+          <a:chExt cx="0" cy="0"/>
+        </a:xfrm>
+      </p:grpSpPr>
+      <p:sp>
+        <p:nvSpPr>
           <p:cNvPr id="4" name="Oval 3"/>
           <p:cNvSpPr/>
           <p:nvPr/>
@@ -4047,7 +4404,2560 @@
 </p:sld>
 </file>
 
-<file path=ppt/slides/slide2.xml><?xml version="1.0" encoding="utf-8"?>
+<file path=ppt/slides/slide3.xml><?xml version="1.0" encoding="utf-8"?>
+<p:sld xmlns:a="http://schemas.openxmlformats.org/drawingml/2006/main" xmlns:r="http://schemas.openxmlformats.org/officeDocument/2006/relationships" xmlns:p="http://schemas.openxmlformats.org/presentationml/2006/main">
+  <p:cSld>
+    <p:spTree>
+      <p:nvGrpSpPr>
+        <p:cNvPr id="1" name=""/>
+        <p:cNvGrpSpPr/>
+        <p:nvPr/>
+      </p:nvGrpSpPr>
+      <p:grpSpPr>
+        <a:xfrm>
+          <a:off x="0" y="0"/>
+          <a:ext cx="0" cy="0"/>
+          <a:chOff x="0" y="0"/>
+          <a:chExt cx="0" cy="0"/>
+        </a:xfrm>
+      </p:grpSpPr>
+      <p:sp>
+        <p:nvSpPr>
+          <p:cNvPr id="4" name="Oval 3"/>
+          <p:cNvSpPr/>
+          <p:nvPr/>
+        </p:nvSpPr>
+        <p:spPr>
+          <a:xfrm>
+            <a:off x="151191" y="441887"/>
+            <a:ext cx="1931988" cy="739418"/>
+          </a:xfrm>
+          <a:prstGeom prst="ellipse">
+            <a:avLst/>
+          </a:prstGeom>
+          <a:solidFill>
+            <a:schemeClr val="accent1">
+              <a:lumMod val="60000"/>
+              <a:lumOff val="40000"/>
+            </a:schemeClr>
+          </a:solidFill>
+        </p:spPr>
+        <p:style>
+          <a:lnRef idx="2">
+            <a:schemeClr val="accent1">
+              <a:shade val="50000"/>
+            </a:schemeClr>
+          </a:lnRef>
+          <a:fillRef idx="1">
+            <a:schemeClr val="accent1"/>
+          </a:fillRef>
+          <a:effectRef idx="0">
+            <a:schemeClr val="accent1"/>
+          </a:effectRef>
+          <a:fontRef idx="minor">
+            <a:schemeClr val="lt1"/>
+          </a:fontRef>
+        </p:style>
+        <p:txBody>
+          <a:bodyPr rtlCol="0" anchor="ctr"/>
+          <a:lstStyle/>
+          <a:p>
+            <a:pPr algn="ctr"/>
+            <a:r>
+              <a:rPr lang="en-US" sz="2800" dirty="0" err="1">
+                <a:solidFill>
+                  <a:schemeClr val="tx1"/>
+                </a:solidFill>
+              </a:rPr>
+              <a:t>BioSim</a:t>
+            </a:r>
+            <a:endParaRPr lang="en-US" sz="2800" dirty="0">
+              <a:solidFill>
+                <a:schemeClr val="accent1">
+                  <a:lumMod val="75000"/>
+                </a:schemeClr>
+              </a:solidFill>
+            </a:endParaRPr>
+          </a:p>
+        </p:txBody>
+      </p:sp>
+      <p:sp>
+        <p:nvSpPr>
+          <p:cNvPr id="6" name="Oval 5"/>
+          <p:cNvSpPr/>
+          <p:nvPr/>
+        </p:nvSpPr>
+        <p:spPr>
+          <a:xfrm>
+            <a:off x="1315424" y="1266337"/>
+            <a:ext cx="2521205" cy="739418"/>
+          </a:xfrm>
+          <a:prstGeom prst="ellipse">
+            <a:avLst/>
+          </a:prstGeom>
+          <a:solidFill>
+            <a:schemeClr val="accent1">
+              <a:lumMod val="60000"/>
+              <a:lumOff val="40000"/>
+            </a:schemeClr>
+          </a:solidFill>
+        </p:spPr>
+        <p:style>
+          <a:lnRef idx="2">
+            <a:schemeClr val="accent1">
+              <a:shade val="50000"/>
+            </a:schemeClr>
+          </a:lnRef>
+          <a:fillRef idx="1">
+            <a:schemeClr val="accent1"/>
+          </a:fillRef>
+          <a:effectRef idx="0">
+            <a:schemeClr val="accent1"/>
+          </a:effectRef>
+          <a:fontRef idx="minor">
+            <a:schemeClr val="lt1"/>
+          </a:fontRef>
+        </p:style>
+        <p:txBody>
+          <a:bodyPr rtlCol="0" anchor="ctr"/>
+          <a:lstStyle/>
+          <a:p>
+            <a:pPr algn="ctr"/>
+            <a:r>
+              <a:rPr lang="en-US" sz="2800" dirty="0">
+                <a:solidFill>
+                  <a:schemeClr val="tx1"/>
+                </a:solidFill>
+              </a:rPr>
+              <a:t>Island</a:t>
+            </a:r>
+          </a:p>
+        </p:txBody>
+      </p:sp>
+      <p:sp>
+        <p:nvSpPr>
+          <p:cNvPr id="7" name="Oval 6"/>
+          <p:cNvSpPr/>
+          <p:nvPr/>
+        </p:nvSpPr>
+        <p:spPr>
+          <a:xfrm>
+            <a:off x="5339609" y="1253636"/>
+            <a:ext cx="2521205" cy="739418"/>
+          </a:xfrm>
+          <a:prstGeom prst="ellipse">
+            <a:avLst/>
+          </a:prstGeom>
+          <a:solidFill>
+            <a:schemeClr val="accent1">
+              <a:lumMod val="60000"/>
+              <a:lumOff val="40000"/>
+            </a:schemeClr>
+          </a:solidFill>
+        </p:spPr>
+        <p:style>
+          <a:lnRef idx="2">
+            <a:schemeClr val="accent1">
+              <a:shade val="50000"/>
+            </a:schemeClr>
+          </a:lnRef>
+          <a:fillRef idx="1">
+            <a:schemeClr val="accent1"/>
+          </a:fillRef>
+          <a:effectRef idx="0">
+            <a:schemeClr val="accent1"/>
+          </a:effectRef>
+          <a:fontRef idx="minor">
+            <a:schemeClr val="lt1"/>
+          </a:fontRef>
+        </p:style>
+        <p:txBody>
+          <a:bodyPr rtlCol="0" anchor="ctr"/>
+          <a:lstStyle/>
+          <a:p>
+            <a:pPr algn="ctr"/>
+            <a:r>
+              <a:rPr lang="en-US" sz="2800" dirty="0">
+                <a:solidFill>
+                  <a:schemeClr val="tx1"/>
+                </a:solidFill>
+              </a:rPr>
+              <a:t>Landscape</a:t>
+            </a:r>
+          </a:p>
+        </p:txBody>
+      </p:sp>
+      <p:sp>
+        <p:nvSpPr>
+          <p:cNvPr id="8" name="Oval 7"/>
+          <p:cNvSpPr/>
+          <p:nvPr/>
+        </p:nvSpPr>
+        <p:spPr>
+          <a:xfrm>
+            <a:off x="9699485" y="1243864"/>
+            <a:ext cx="1849821" cy="739418"/>
+          </a:xfrm>
+          <a:prstGeom prst="ellipse">
+            <a:avLst/>
+          </a:prstGeom>
+          <a:solidFill>
+            <a:schemeClr val="accent1">
+              <a:lumMod val="60000"/>
+              <a:lumOff val="40000"/>
+            </a:schemeClr>
+          </a:solidFill>
+        </p:spPr>
+        <p:style>
+          <a:lnRef idx="2">
+            <a:schemeClr val="accent1">
+              <a:shade val="50000"/>
+            </a:schemeClr>
+          </a:lnRef>
+          <a:fillRef idx="1">
+            <a:schemeClr val="accent1"/>
+          </a:fillRef>
+          <a:effectRef idx="0">
+            <a:schemeClr val="accent1"/>
+          </a:effectRef>
+          <a:fontRef idx="minor">
+            <a:schemeClr val="lt1"/>
+          </a:fontRef>
+        </p:style>
+        <p:txBody>
+          <a:bodyPr rtlCol="0" anchor="ctr"/>
+          <a:lstStyle/>
+          <a:p>
+            <a:pPr algn="ctr"/>
+            <a:r>
+              <a:rPr lang="en-US" sz="2800" dirty="0">
+                <a:solidFill>
+                  <a:schemeClr val="tx1"/>
+                </a:solidFill>
+              </a:rPr>
+              <a:t>Animal</a:t>
+            </a:r>
+          </a:p>
+        </p:txBody>
+      </p:sp>
+      <p:cxnSp>
+        <p:nvCxnSpPr>
+          <p:cNvPr id="10" name="Elbow Connector 9"/>
+          <p:cNvCxnSpPr>
+            <a:stCxn id="4" idx="6"/>
+            <a:endCxn id="6" idx="0"/>
+          </p:cNvCxnSpPr>
+          <p:nvPr/>
+        </p:nvCxnSpPr>
+        <p:spPr>
+          <a:xfrm>
+            <a:off x="2083179" y="811596"/>
+            <a:ext cx="492848" cy="454741"/>
+          </a:xfrm>
+          <a:prstGeom prst="bentConnector2">
+            <a:avLst/>
+          </a:prstGeom>
+          <a:ln w="60325" cap="flat" cmpd="sng">
+            <a:solidFill>
+              <a:schemeClr val="tx1"/>
+            </a:solidFill>
+            <a:prstDash val="solid"/>
+            <a:headEnd type="triangle"/>
+            <a:tailEnd type="none"/>
+          </a:ln>
+        </p:spPr>
+        <p:style>
+          <a:lnRef idx="1">
+            <a:schemeClr val="accent1"/>
+          </a:lnRef>
+          <a:fillRef idx="0">
+            <a:schemeClr val="accent1"/>
+          </a:fillRef>
+          <a:effectRef idx="0">
+            <a:schemeClr val="accent1"/>
+          </a:effectRef>
+          <a:fontRef idx="minor">
+            <a:schemeClr val="tx1"/>
+          </a:fontRef>
+        </p:style>
+      </p:cxnSp>
+      <p:cxnSp>
+        <p:nvCxnSpPr>
+          <p:cNvPr id="11" name="Elbow Connector 10"/>
+          <p:cNvCxnSpPr>
+            <a:cxnSpLocks/>
+          </p:cNvCxnSpPr>
+          <p:nvPr/>
+        </p:nvCxnSpPr>
+        <p:spPr>
+          <a:xfrm>
+            <a:off x="3739066" y="1502229"/>
+            <a:ext cx="1600543" cy="151401"/>
+          </a:xfrm>
+          <a:prstGeom prst="bentConnector3">
+            <a:avLst>
+              <a:gd name="adj1" fmla="val 50000"/>
+            </a:avLst>
+          </a:prstGeom>
+          <a:ln w="60325">
+            <a:solidFill>
+              <a:schemeClr val="tx1"/>
+            </a:solidFill>
+            <a:headEnd type="triangle"/>
+            <a:tailEnd type="none"/>
+          </a:ln>
+        </p:spPr>
+        <p:style>
+          <a:lnRef idx="1">
+            <a:schemeClr val="accent1"/>
+          </a:lnRef>
+          <a:fillRef idx="0">
+            <a:schemeClr val="accent1"/>
+          </a:fillRef>
+          <a:effectRef idx="0">
+            <a:schemeClr val="accent1"/>
+          </a:effectRef>
+          <a:fontRef idx="minor">
+            <a:schemeClr val="tx1"/>
+          </a:fontRef>
+        </p:style>
+      </p:cxnSp>
+      <p:cxnSp>
+        <p:nvCxnSpPr>
+          <p:cNvPr id="20" name="Elbow Connector 19"/>
+          <p:cNvCxnSpPr>
+            <a:cxnSpLocks/>
+          </p:cNvCxnSpPr>
+          <p:nvPr/>
+        </p:nvCxnSpPr>
+        <p:spPr>
+          <a:xfrm rot="10800000">
+            <a:off x="7763251" y="1502229"/>
+            <a:ext cx="1964407" cy="111344"/>
+          </a:xfrm>
+          <a:prstGeom prst="bentConnector3">
+            <a:avLst>
+              <a:gd name="adj1" fmla="val 50000"/>
+            </a:avLst>
+          </a:prstGeom>
+          <a:ln w="60325">
+            <a:solidFill>
+              <a:schemeClr val="tx1"/>
+            </a:solidFill>
+            <a:headEnd type="triangle"/>
+            <a:tailEnd type="triangle"/>
+          </a:ln>
+        </p:spPr>
+        <p:style>
+          <a:lnRef idx="1">
+            <a:schemeClr val="accent1"/>
+          </a:lnRef>
+          <a:fillRef idx="0">
+            <a:schemeClr val="accent1"/>
+          </a:fillRef>
+          <a:effectRef idx="0">
+            <a:schemeClr val="accent1"/>
+          </a:effectRef>
+          <a:fontRef idx="minor">
+            <a:schemeClr val="tx1"/>
+          </a:fontRef>
+        </p:style>
+      </p:cxnSp>
+      <p:sp>
+        <p:nvSpPr>
+          <p:cNvPr id="42" name="TextBox 41"/>
+          <p:cNvSpPr txBox="1"/>
+          <p:nvPr/>
+        </p:nvSpPr>
+        <p:spPr>
+          <a:xfrm>
+            <a:off x="2576026" y="107415"/>
+            <a:ext cx="9268756" cy="707886"/>
+          </a:xfrm>
+          <a:prstGeom prst="rect">
+            <a:avLst/>
+          </a:prstGeom>
+          <a:noFill/>
+        </p:spPr>
+        <p:txBody>
+          <a:bodyPr wrap="none" rtlCol="0">
+            <a:spAutoFit/>
+          </a:bodyPr>
+          <a:lstStyle/>
+          <a:p>
+            <a:r>
+              <a:rPr lang="en-US" sz="4000" i="1" u="sng" dirty="0">
+                <a:latin typeface="+mj-lt"/>
+              </a:rPr>
+              <a:t>Structural example: The migration algorithm</a:t>
+            </a:r>
+          </a:p>
+        </p:txBody>
+      </p:sp>
+      <p:sp>
+        <p:nvSpPr>
+          <p:cNvPr id="45" name="TextBox 44"/>
+          <p:cNvSpPr txBox="1"/>
+          <p:nvPr/>
+        </p:nvSpPr>
+        <p:spPr>
+          <a:xfrm>
+            <a:off x="274900" y="2588596"/>
+            <a:ext cx="7774966" cy="1631216"/>
+          </a:xfrm>
+          <a:prstGeom prst="rect">
+            <a:avLst/>
+          </a:prstGeom>
+          <a:noFill/>
+        </p:spPr>
+        <p:txBody>
+          <a:bodyPr wrap="square" rtlCol="0">
+            <a:spAutoFit/>
+          </a:bodyPr>
+          <a:lstStyle/>
+          <a:p>
+            <a:r>
+              <a:rPr lang="en-US" sz="2000" b="1" dirty="0" err="1">
+                <a:latin typeface="Courier New" charset="0"/>
+                <a:ea typeface="Courier New" charset="0"/>
+                <a:cs typeface="Courier New" charset="0"/>
+              </a:rPr>
+              <a:t>migrate_island</a:t>
+            </a:r>
+            <a:r>
+              <a:rPr lang="en-US" sz="2000" b="1" dirty="0">
+                <a:latin typeface="Courier New" charset="0"/>
+                <a:ea typeface="Courier New" charset="0"/>
+                <a:cs typeface="Courier New" charset="0"/>
+              </a:rPr>
+              <a:t>()</a:t>
+            </a:r>
+          </a:p>
+          <a:p>
+            <a:endParaRPr lang="en-US" sz="2000" b="1" dirty="0">
+              <a:latin typeface="Courier New" charset="0"/>
+              <a:ea typeface="Courier New" charset="0"/>
+              <a:cs typeface="Courier New" charset="0"/>
+            </a:endParaRPr>
+          </a:p>
+          <a:p>
+            <a:r>
+              <a:rPr lang="en-US" sz="2000" b="1" dirty="0" err="1">
+                <a:latin typeface="Courier New" charset="0"/>
+                <a:ea typeface="Courier New" charset="0"/>
+                <a:cs typeface="Courier New" charset="0"/>
+              </a:rPr>
+              <a:t>get_random_landscapes</a:t>
+            </a:r>
+            <a:r>
+              <a:rPr lang="en-US" sz="2000" b="1" dirty="0">
+                <a:latin typeface="Courier New" charset="0"/>
+                <a:ea typeface="Courier New" charset="0"/>
+                <a:cs typeface="Courier New" charset="0"/>
+              </a:rPr>
+              <a:t>()</a:t>
+            </a:r>
+          </a:p>
+          <a:p>
+            <a:endParaRPr lang="en-US" sz="2000" b="1" dirty="0">
+              <a:latin typeface="Courier New" charset="0"/>
+              <a:ea typeface="Courier New" charset="0"/>
+              <a:cs typeface="Courier New" charset="0"/>
+            </a:endParaRPr>
+          </a:p>
+          <a:p>
+            <a:r>
+              <a:rPr lang="en-US" sz="2000" b="1" dirty="0" err="1">
+                <a:latin typeface="Courier New" charset="0"/>
+                <a:ea typeface="Courier New" charset="0"/>
+                <a:cs typeface="Courier New" charset="0"/>
+              </a:rPr>
+              <a:t>neighbours</a:t>
+            </a:r>
+            <a:r>
+              <a:rPr lang="en-US" sz="2000" b="1" dirty="0">
+                <a:latin typeface="Courier New" charset="0"/>
+                <a:ea typeface="Courier New" charset="0"/>
+                <a:cs typeface="Courier New" charset="0"/>
+              </a:rPr>
+              <a:t> = </a:t>
+            </a:r>
+            <a:r>
+              <a:rPr lang="en-US" sz="2000" b="1" dirty="0" err="1">
+                <a:latin typeface="Courier New" charset="0"/>
+                <a:ea typeface="Courier New" charset="0"/>
+                <a:cs typeface="Courier New" charset="0"/>
+              </a:rPr>
+              <a:t>get_surrounding_landscapes</a:t>
+            </a:r>
+            <a:r>
+              <a:rPr lang="en-US" sz="2000" b="1" dirty="0">
+                <a:latin typeface="Courier New" charset="0"/>
+                <a:ea typeface="Courier New" charset="0"/>
+                <a:cs typeface="Courier New" charset="0"/>
+              </a:rPr>
+              <a:t>(</a:t>
+            </a:r>
+            <a:r>
+              <a:rPr lang="en-US" sz="2000" b="1" dirty="0" err="1">
+                <a:latin typeface="Courier New" charset="0"/>
+                <a:ea typeface="Courier New" charset="0"/>
+                <a:cs typeface="Courier New" charset="0"/>
+              </a:rPr>
+              <a:t>pos</a:t>
+            </a:r>
+            <a:r>
+              <a:rPr lang="en-US" sz="2000" b="1" dirty="0">
+                <a:latin typeface="Courier New" charset="0"/>
+                <a:ea typeface="Courier New" charset="0"/>
+                <a:cs typeface="Courier New" charset="0"/>
+              </a:rPr>
+              <a:t>)</a:t>
+            </a:r>
+          </a:p>
+        </p:txBody>
+      </p:sp>
+      <p:sp>
+        <p:nvSpPr>
+          <p:cNvPr id="55" name="TextBox 54"/>
+          <p:cNvSpPr txBox="1"/>
+          <p:nvPr/>
+        </p:nvSpPr>
+        <p:spPr>
+          <a:xfrm>
+            <a:off x="5091143" y="2688370"/>
+            <a:ext cx="3467552" cy="400110"/>
+          </a:xfrm>
+          <a:prstGeom prst="rect">
+            <a:avLst/>
+          </a:prstGeom>
+          <a:noFill/>
+        </p:spPr>
+        <p:txBody>
+          <a:bodyPr wrap="square" rtlCol="0">
+            <a:spAutoFit/>
+          </a:bodyPr>
+          <a:lstStyle/>
+          <a:p>
+            <a:r>
+              <a:rPr lang="en-US" sz="2000" b="1" dirty="0">
+                <a:latin typeface="Courier New" charset="0"/>
+                <a:ea typeface="Courier New" charset="0"/>
+                <a:cs typeface="Courier New" charset="0"/>
+              </a:rPr>
+              <a:t>migrate(</a:t>
+            </a:r>
+            <a:r>
+              <a:rPr lang="en-US" sz="2000" b="1" dirty="0" err="1">
+                <a:latin typeface="Courier New" charset="0"/>
+                <a:ea typeface="Courier New" charset="0"/>
+                <a:cs typeface="Courier New" charset="0"/>
+              </a:rPr>
+              <a:t>neighbours</a:t>
+            </a:r>
+            <a:r>
+              <a:rPr lang="en-US" sz="2000" b="1" dirty="0">
+                <a:latin typeface="Courier New" charset="0"/>
+                <a:ea typeface="Courier New" charset="0"/>
+                <a:cs typeface="Courier New" charset="0"/>
+              </a:rPr>
+              <a:t>)</a:t>
+            </a:r>
+          </a:p>
+        </p:txBody>
+      </p:sp>
+      <p:sp>
+        <p:nvSpPr>
+          <p:cNvPr id="56" name="TextBox 55"/>
+          <p:cNvSpPr txBox="1"/>
+          <p:nvPr/>
+        </p:nvSpPr>
+        <p:spPr>
+          <a:xfrm>
+            <a:off x="7409792" y="2507424"/>
+            <a:ext cx="4468529" cy="2862322"/>
+          </a:xfrm>
+          <a:prstGeom prst="rect">
+            <a:avLst/>
+          </a:prstGeom>
+          <a:noFill/>
+        </p:spPr>
+        <p:txBody>
+          <a:bodyPr wrap="square" rtlCol="0">
+            <a:spAutoFit/>
+          </a:bodyPr>
+          <a:lstStyle/>
+          <a:p>
+            <a:pPr algn="r"/>
+            <a:r>
+              <a:rPr lang="en-US" sz="2000" b="1" dirty="0">
+                <a:latin typeface="Courier New" charset="0"/>
+                <a:ea typeface="Courier New" charset="0"/>
+                <a:cs typeface="Courier New" charset="0"/>
+              </a:rPr>
+              <a:t>migrating()</a:t>
+            </a:r>
+          </a:p>
+          <a:p>
+            <a:pPr algn="r"/>
+            <a:endParaRPr lang="en-US" sz="2000" b="1" noProof="1">
+              <a:latin typeface="Courier New" charset="0"/>
+              <a:ea typeface="Courier New" charset="0"/>
+              <a:cs typeface="Courier New" charset="0"/>
+            </a:endParaRPr>
+          </a:p>
+          <a:p>
+            <a:pPr algn="r"/>
+            <a:r>
+              <a:rPr lang="en-US" sz="2000" b="1" noProof="1">
+                <a:latin typeface="Courier New" charset="0"/>
+                <a:ea typeface="Courier New" charset="0"/>
+                <a:cs typeface="Courier New" charset="0"/>
+              </a:rPr>
+              <a:t>is_herbivore()</a:t>
+            </a:r>
+          </a:p>
+          <a:p>
+            <a:pPr algn="r"/>
+            <a:endParaRPr lang="en-US" sz="2000" b="1" noProof="1">
+              <a:latin typeface="Courier New" charset="0"/>
+              <a:ea typeface="Courier New" charset="0"/>
+              <a:cs typeface="Courier New" charset="0"/>
+            </a:endParaRPr>
+          </a:p>
+          <a:p>
+            <a:pPr algn="r"/>
+            <a:r>
+              <a:rPr lang="en-US" sz="2000" b="1" noProof="1">
+                <a:latin typeface="Courier New" charset="0"/>
+                <a:ea typeface="Courier New" charset="0"/>
+                <a:cs typeface="Courier New" charset="0"/>
+              </a:rPr>
+              <a:t>new_grassland(neighbours)</a:t>
+            </a:r>
+          </a:p>
+          <a:p>
+            <a:pPr algn="r"/>
+            <a:endParaRPr lang="en-US" sz="2000" b="1" noProof="1">
+              <a:latin typeface="Courier New" charset="0"/>
+              <a:ea typeface="Courier New" charset="0"/>
+              <a:cs typeface="Courier New" charset="0"/>
+            </a:endParaRPr>
+          </a:p>
+          <a:p>
+            <a:pPr algn="r"/>
+            <a:r>
+              <a:rPr lang="en-US" sz="2000" b="1" noProof="1">
+                <a:latin typeface="Courier New" charset="0"/>
+                <a:ea typeface="Courier New" charset="0"/>
+                <a:cs typeface="Courier New" charset="0"/>
+              </a:rPr>
+              <a:t>is_carnivore()</a:t>
+            </a:r>
+          </a:p>
+          <a:p>
+            <a:pPr algn="r"/>
+            <a:endParaRPr lang="en-US" sz="2000" b="1" noProof="1">
+              <a:latin typeface="Courier New" charset="0"/>
+              <a:ea typeface="Courier New" charset="0"/>
+              <a:cs typeface="Courier New" charset="0"/>
+            </a:endParaRPr>
+          </a:p>
+          <a:p>
+            <a:pPr algn="r"/>
+            <a:r>
+              <a:rPr lang="en-US" sz="2000" b="1" noProof="1">
+                <a:latin typeface="Courier New" charset="0"/>
+                <a:ea typeface="Courier New" charset="0"/>
+                <a:cs typeface="Courier New" charset="0"/>
+              </a:rPr>
+              <a:t>new_hunting_land(neighbours)</a:t>
+            </a:r>
+          </a:p>
+        </p:txBody>
+      </p:sp>
+      <p:cxnSp>
+        <p:nvCxnSpPr>
+          <p:cNvPr id="60" name="Straight Connector 59"/>
+          <p:cNvCxnSpPr>
+            <a:stCxn id="6" idx="4"/>
+          </p:cNvCxnSpPr>
+          <p:nvPr/>
+        </p:nvCxnSpPr>
+        <p:spPr>
+          <a:xfrm>
+            <a:off x="2576027" y="2005755"/>
+            <a:ext cx="0" cy="343307"/>
+          </a:xfrm>
+          <a:prstGeom prst="line">
+            <a:avLst/>
+          </a:prstGeom>
+          <a:ln w="44450">
+            <a:solidFill>
+              <a:srgbClr val="FF0000"/>
+            </a:solidFill>
+          </a:ln>
+        </p:spPr>
+        <p:style>
+          <a:lnRef idx="1">
+            <a:schemeClr val="accent1"/>
+          </a:lnRef>
+          <a:fillRef idx="0">
+            <a:schemeClr val="accent1"/>
+          </a:fillRef>
+          <a:effectRef idx="0">
+            <a:schemeClr val="accent1"/>
+          </a:effectRef>
+          <a:fontRef idx="minor">
+            <a:schemeClr val="tx1"/>
+          </a:fontRef>
+        </p:style>
+      </p:cxnSp>
+      <p:cxnSp>
+        <p:nvCxnSpPr>
+          <p:cNvPr id="63" name="Straight Connector 62"/>
+          <p:cNvCxnSpPr>
+            <a:cxnSpLocks/>
+            <a:stCxn id="7" idx="4"/>
+          </p:cNvCxnSpPr>
+          <p:nvPr/>
+        </p:nvCxnSpPr>
+        <p:spPr>
+          <a:xfrm flipH="1">
+            <a:off x="6596257" y="1993054"/>
+            <a:ext cx="3955" cy="499890"/>
+          </a:xfrm>
+          <a:prstGeom prst="line">
+            <a:avLst/>
+          </a:prstGeom>
+          <a:ln w="41275">
+            <a:solidFill>
+              <a:srgbClr val="FF0000"/>
+            </a:solidFill>
+          </a:ln>
+        </p:spPr>
+        <p:style>
+          <a:lnRef idx="1">
+            <a:schemeClr val="accent1"/>
+          </a:lnRef>
+          <a:fillRef idx="0">
+            <a:schemeClr val="accent1"/>
+          </a:fillRef>
+          <a:effectRef idx="0">
+            <a:schemeClr val="accent1"/>
+          </a:effectRef>
+          <a:fontRef idx="minor">
+            <a:schemeClr val="tx1"/>
+          </a:fontRef>
+        </p:style>
+      </p:cxnSp>
+      <p:cxnSp>
+        <p:nvCxnSpPr>
+          <p:cNvPr id="66" name="Straight Connector 65"/>
+          <p:cNvCxnSpPr>
+            <a:stCxn id="8" idx="4"/>
+          </p:cNvCxnSpPr>
+          <p:nvPr/>
+        </p:nvCxnSpPr>
+        <p:spPr>
+          <a:xfrm flipH="1">
+            <a:off x="10620442" y="1983282"/>
+            <a:ext cx="3954" cy="365780"/>
+          </a:xfrm>
+          <a:prstGeom prst="line">
+            <a:avLst/>
+          </a:prstGeom>
+          <a:ln w="41275">
+            <a:solidFill>
+              <a:srgbClr val="FF0000"/>
+            </a:solidFill>
+          </a:ln>
+        </p:spPr>
+        <p:style>
+          <a:lnRef idx="1">
+            <a:schemeClr val="accent1"/>
+          </a:lnRef>
+          <a:fillRef idx="0">
+            <a:schemeClr val="accent1"/>
+          </a:fillRef>
+          <a:effectRef idx="0">
+            <a:schemeClr val="accent1"/>
+          </a:effectRef>
+          <a:fontRef idx="minor">
+            <a:schemeClr val="tx1"/>
+          </a:fontRef>
+        </p:style>
+      </p:cxnSp>
+      <p:cxnSp>
+        <p:nvCxnSpPr>
+          <p:cNvPr id="9" name="Rett linje 8">
+            <a:extLst>
+              <a:ext uri="{FF2B5EF4-FFF2-40B4-BE49-F238E27FC236}">
+                <a16:creationId xmlns:a16="http://schemas.microsoft.com/office/drawing/2014/main" id="{4D34DB5E-30ED-4799-9DFF-458D23699D5D}"/>
+              </a:ext>
+            </a:extLst>
+          </p:cNvPr>
+          <p:cNvCxnSpPr/>
+          <p:nvPr/>
+        </p:nvCxnSpPr>
+        <p:spPr>
+          <a:xfrm>
+            <a:off x="274900" y="2349062"/>
+            <a:ext cx="0" cy="2120301"/>
+          </a:xfrm>
+          <a:prstGeom prst="line">
+            <a:avLst/>
+          </a:prstGeom>
+        </p:spPr>
+        <p:style>
+          <a:lnRef idx="3">
+            <a:schemeClr val="accent1"/>
+          </a:lnRef>
+          <a:fillRef idx="0">
+            <a:schemeClr val="accent1"/>
+          </a:fillRef>
+          <a:effectRef idx="2">
+            <a:schemeClr val="accent1"/>
+          </a:effectRef>
+          <a:fontRef idx="minor">
+            <a:schemeClr val="tx1"/>
+          </a:fontRef>
+        </p:style>
+      </p:cxnSp>
+      <p:cxnSp>
+        <p:nvCxnSpPr>
+          <p:cNvPr id="13" name="Rett linje 12">
+            <a:extLst>
+              <a:ext uri="{FF2B5EF4-FFF2-40B4-BE49-F238E27FC236}">
+                <a16:creationId xmlns:a16="http://schemas.microsoft.com/office/drawing/2014/main" id="{A831AB28-0181-4D49-A925-A2E3A2BDF0C5}"/>
+              </a:ext>
+            </a:extLst>
+          </p:cNvPr>
+          <p:cNvCxnSpPr>
+            <a:cxnSpLocks/>
+          </p:cNvCxnSpPr>
+          <p:nvPr/>
+        </p:nvCxnSpPr>
+        <p:spPr>
+          <a:xfrm>
+            <a:off x="274900" y="4469363"/>
+            <a:ext cx="6928333" cy="0"/>
+          </a:xfrm>
+          <a:prstGeom prst="line">
+            <a:avLst/>
+          </a:prstGeom>
+        </p:spPr>
+        <p:style>
+          <a:lnRef idx="3">
+            <a:schemeClr val="accent1"/>
+          </a:lnRef>
+          <a:fillRef idx="0">
+            <a:schemeClr val="accent1"/>
+          </a:fillRef>
+          <a:effectRef idx="2">
+            <a:schemeClr val="accent1"/>
+          </a:effectRef>
+          <a:fontRef idx="minor">
+            <a:schemeClr val="tx1"/>
+          </a:fontRef>
+        </p:style>
+      </p:cxnSp>
+      <p:cxnSp>
+        <p:nvCxnSpPr>
+          <p:cNvPr id="29" name="Rett linje 28">
+            <a:extLst>
+              <a:ext uri="{FF2B5EF4-FFF2-40B4-BE49-F238E27FC236}">
+                <a16:creationId xmlns:a16="http://schemas.microsoft.com/office/drawing/2014/main" id="{84778102-F327-4B71-A443-9887223248F7}"/>
+              </a:ext>
+            </a:extLst>
+          </p:cNvPr>
+          <p:cNvCxnSpPr>
+            <a:cxnSpLocks/>
+          </p:cNvCxnSpPr>
+          <p:nvPr/>
+        </p:nvCxnSpPr>
+        <p:spPr>
+          <a:xfrm flipV="1">
+            <a:off x="7203233" y="3685592"/>
+            <a:ext cx="0" cy="783771"/>
+          </a:xfrm>
+          <a:prstGeom prst="line">
+            <a:avLst/>
+          </a:prstGeom>
+        </p:spPr>
+        <p:style>
+          <a:lnRef idx="3">
+            <a:schemeClr val="accent1"/>
+          </a:lnRef>
+          <a:fillRef idx="0">
+            <a:schemeClr val="accent1"/>
+          </a:fillRef>
+          <a:effectRef idx="2">
+            <a:schemeClr val="accent1"/>
+          </a:effectRef>
+          <a:fontRef idx="minor">
+            <a:schemeClr val="tx1"/>
+          </a:fontRef>
+        </p:style>
+      </p:cxnSp>
+      <p:cxnSp>
+        <p:nvCxnSpPr>
+          <p:cNvPr id="32" name="Rett linje 31">
+            <a:extLst>
+              <a:ext uri="{FF2B5EF4-FFF2-40B4-BE49-F238E27FC236}">
+                <a16:creationId xmlns:a16="http://schemas.microsoft.com/office/drawing/2014/main" id="{3A3327B4-E1F2-430D-97BE-E585D757E21A}"/>
+              </a:ext>
+            </a:extLst>
+          </p:cNvPr>
+          <p:cNvCxnSpPr>
+            <a:cxnSpLocks/>
+          </p:cNvCxnSpPr>
+          <p:nvPr/>
+        </p:nvCxnSpPr>
+        <p:spPr>
+          <a:xfrm flipH="1">
+            <a:off x="4058816" y="3685592"/>
+            <a:ext cx="3144418" cy="0"/>
+          </a:xfrm>
+          <a:prstGeom prst="line">
+            <a:avLst/>
+          </a:prstGeom>
+        </p:spPr>
+        <p:style>
+          <a:lnRef idx="3">
+            <a:schemeClr val="accent1"/>
+          </a:lnRef>
+          <a:fillRef idx="0">
+            <a:schemeClr val="accent1"/>
+          </a:fillRef>
+          <a:effectRef idx="2">
+            <a:schemeClr val="accent1"/>
+          </a:effectRef>
+          <a:fontRef idx="minor">
+            <a:schemeClr val="tx1"/>
+          </a:fontRef>
+        </p:style>
+      </p:cxnSp>
+      <p:cxnSp>
+        <p:nvCxnSpPr>
+          <p:cNvPr id="36" name="Rett linje 35">
+            <a:extLst>
+              <a:ext uri="{FF2B5EF4-FFF2-40B4-BE49-F238E27FC236}">
+                <a16:creationId xmlns:a16="http://schemas.microsoft.com/office/drawing/2014/main" id="{DF366D02-CC4B-4A77-A961-9F53D928E294}"/>
+              </a:ext>
+            </a:extLst>
+          </p:cNvPr>
+          <p:cNvCxnSpPr>
+            <a:cxnSpLocks/>
+          </p:cNvCxnSpPr>
+          <p:nvPr/>
+        </p:nvCxnSpPr>
+        <p:spPr>
+          <a:xfrm flipV="1">
+            <a:off x="4058816" y="2349062"/>
+            <a:ext cx="0" cy="1336531"/>
+          </a:xfrm>
+          <a:prstGeom prst="line">
+            <a:avLst/>
+          </a:prstGeom>
+        </p:spPr>
+        <p:style>
+          <a:lnRef idx="3">
+            <a:schemeClr val="accent1"/>
+          </a:lnRef>
+          <a:fillRef idx="0">
+            <a:schemeClr val="accent1"/>
+          </a:fillRef>
+          <a:effectRef idx="2">
+            <a:schemeClr val="accent1"/>
+          </a:effectRef>
+          <a:fontRef idx="minor">
+            <a:schemeClr val="tx1"/>
+          </a:fontRef>
+        </p:style>
+      </p:cxnSp>
+      <p:cxnSp>
+        <p:nvCxnSpPr>
+          <p:cNvPr id="39" name="Rett linje 38">
+            <a:extLst>
+              <a:ext uri="{FF2B5EF4-FFF2-40B4-BE49-F238E27FC236}">
+                <a16:creationId xmlns:a16="http://schemas.microsoft.com/office/drawing/2014/main" id="{059A4B3B-C726-446A-8547-700DAEF0362D}"/>
+              </a:ext>
+            </a:extLst>
+          </p:cNvPr>
+          <p:cNvCxnSpPr>
+            <a:cxnSpLocks/>
+          </p:cNvCxnSpPr>
+          <p:nvPr/>
+        </p:nvCxnSpPr>
+        <p:spPr>
+          <a:xfrm>
+            <a:off x="274900" y="2349062"/>
+            <a:ext cx="3783916" cy="0"/>
+          </a:xfrm>
+          <a:prstGeom prst="line">
+            <a:avLst/>
+          </a:prstGeom>
+        </p:spPr>
+        <p:style>
+          <a:lnRef idx="3">
+            <a:schemeClr val="accent1"/>
+          </a:lnRef>
+          <a:fillRef idx="0">
+            <a:schemeClr val="accent1"/>
+          </a:fillRef>
+          <a:effectRef idx="2">
+            <a:schemeClr val="accent1"/>
+          </a:effectRef>
+          <a:fontRef idx="minor">
+            <a:schemeClr val="tx1"/>
+          </a:fontRef>
+        </p:style>
+      </p:cxnSp>
+      <p:cxnSp>
+        <p:nvCxnSpPr>
+          <p:cNvPr id="50" name="Rett linje 49">
+            <a:extLst>
+              <a:ext uri="{FF2B5EF4-FFF2-40B4-BE49-F238E27FC236}">
+                <a16:creationId xmlns:a16="http://schemas.microsoft.com/office/drawing/2014/main" id="{E6B88F41-274F-42FB-AB2A-914F032D1281}"/>
+              </a:ext>
+            </a:extLst>
+          </p:cNvPr>
+          <p:cNvCxnSpPr>
+            <a:cxnSpLocks/>
+          </p:cNvCxnSpPr>
+          <p:nvPr/>
+        </p:nvCxnSpPr>
+        <p:spPr>
+          <a:xfrm flipH="1">
+            <a:off x="5028003" y="2507424"/>
+            <a:ext cx="3144418" cy="0"/>
+          </a:xfrm>
+          <a:prstGeom prst="line">
+            <a:avLst/>
+          </a:prstGeom>
+        </p:spPr>
+        <p:style>
+          <a:lnRef idx="3">
+            <a:schemeClr val="accent1"/>
+          </a:lnRef>
+          <a:fillRef idx="0">
+            <a:schemeClr val="accent1"/>
+          </a:fillRef>
+          <a:effectRef idx="2">
+            <a:schemeClr val="accent1"/>
+          </a:effectRef>
+          <a:fontRef idx="minor">
+            <a:schemeClr val="tx1"/>
+          </a:fontRef>
+        </p:style>
+      </p:cxnSp>
+      <p:cxnSp>
+        <p:nvCxnSpPr>
+          <p:cNvPr id="51" name="Rett linje 50">
+            <a:extLst>
+              <a:ext uri="{FF2B5EF4-FFF2-40B4-BE49-F238E27FC236}">
+                <a16:creationId xmlns:a16="http://schemas.microsoft.com/office/drawing/2014/main" id="{B32FC392-80EF-42CA-A7FD-F4C58AFD1EFD}"/>
+              </a:ext>
+            </a:extLst>
+          </p:cNvPr>
+          <p:cNvCxnSpPr>
+            <a:cxnSpLocks/>
+          </p:cNvCxnSpPr>
+          <p:nvPr/>
+        </p:nvCxnSpPr>
+        <p:spPr>
+          <a:xfrm flipV="1">
+            <a:off x="8172421" y="2507424"/>
+            <a:ext cx="0" cy="783771"/>
+          </a:xfrm>
+          <a:prstGeom prst="line">
+            <a:avLst/>
+          </a:prstGeom>
+        </p:spPr>
+        <p:style>
+          <a:lnRef idx="3">
+            <a:schemeClr val="accent1"/>
+          </a:lnRef>
+          <a:fillRef idx="0">
+            <a:schemeClr val="accent1"/>
+          </a:fillRef>
+          <a:effectRef idx="2">
+            <a:schemeClr val="accent1"/>
+          </a:effectRef>
+          <a:fontRef idx="minor">
+            <a:schemeClr val="tx1"/>
+          </a:fontRef>
+        </p:style>
+      </p:cxnSp>
+      <p:cxnSp>
+        <p:nvCxnSpPr>
+          <p:cNvPr id="52" name="Rett linje 51">
+            <a:extLst>
+              <a:ext uri="{FF2B5EF4-FFF2-40B4-BE49-F238E27FC236}">
+                <a16:creationId xmlns:a16="http://schemas.microsoft.com/office/drawing/2014/main" id="{59B10646-3BDA-4483-B507-2B36584A9E0C}"/>
+              </a:ext>
+            </a:extLst>
+          </p:cNvPr>
+          <p:cNvCxnSpPr>
+            <a:cxnSpLocks/>
+          </p:cNvCxnSpPr>
+          <p:nvPr/>
+        </p:nvCxnSpPr>
+        <p:spPr>
+          <a:xfrm flipV="1">
+            <a:off x="5041380" y="2507424"/>
+            <a:ext cx="0" cy="783771"/>
+          </a:xfrm>
+          <a:prstGeom prst="line">
+            <a:avLst/>
+          </a:prstGeom>
+        </p:spPr>
+        <p:style>
+          <a:lnRef idx="3">
+            <a:schemeClr val="accent1"/>
+          </a:lnRef>
+          <a:fillRef idx="0">
+            <a:schemeClr val="accent1"/>
+          </a:fillRef>
+          <a:effectRef idx="2">
+            <a:schemeClr val="accent1"/>
+          </a:effectRef>
+          <a:fontRef idx="minor">
+            <a:schemeClr val="tx1"/>
+          </a:fontRef>
+        </p:style>
+      </p:cxnSp>
+      <p:cxnSp>
+        <p:nvCxnSpPr>
+          <p:cNvPr id="53" name="Rett linje 52">
+            <a:extLst>
+              <a:ext uri="{FF2B5EF4-FFF2-40B4-BE49-F238E27FC236}">
+                <a16:creationId xmlns:a16="http://schemas.microsoft.com/office/drawing/2014/main" id="{85B084EA-8CC5-48B2-9D53-6D69759F3567}"/>
+              </a:ext>
+            </a:extLst>
+          </p:cNvPr>
+          <p:cNvCxnSpPr>
+            <a:cxnSpLocks/>
+          </p:cNvCxnSpPr>
+          <p:nvPr/>
+        </p:nvCxnSpPr>
+        <p:spPr>
+          <a:xfrm flipH="1">
+            <a:off x="5028002" y="3291195"/>
+            <a:ext cx="3144418" cy="0"/>
+          </a:xfrm>
+          <a:prstGeom prst="line">
+            <a:avLst/>
+          </a:prstGeom>
+        </p:spPr>
+        <p:style>
+          <a:lnRef idx="3">
+            <a:schemeClr val="accent1"/>
+          </a:lnRef>
+          <a:fillRef idx="0">
+            <a:schemeClr val="accent1"/>
+          </a:fillRef>
+          <a:effectRef idx="2">
+            <a:schemeClr val="accent1"/>
+          </a:effectRef>
+          <a:fontRef idx="minor">
+            <a:schemeClr val="tx1"/>
+          </a:fontRef>
+        </p:style>
+      </p:cxnSp>
+      <p:cxnSp>
+        <p:nvCxnSpPr>
+          <p:cNvPr id="54" name="Rett linje 53">
+            <a:extLst>
+              <a:ext uri="{FF2B5EF4-FFF2-40B4-BE49-F238E27FC236}">
+                <a16:creationId xmlns:a16="http://schemas.microsoft.com/office/drawing/2014/main" id="{9D3CC120-0E3C-43B4-BC05-AE82652A34C1}"/>
+              </a:ext>
+            </a:extLst>
+          </p:cNvPr>
+          <p:cNvCxnSpPr>
+            <a:cxnSpLocks/>
+          </p:cNvCxnSpPr>
+          <p:nvPr/>
+        </p:nvCxnSpPr>
+        <p:spPr>
+          <a:xfrm flipV="1">
+            <a:off x="9362435" y="2371433"/>
+            <a:ext cx="0" cy="1192863"/>
+          </a:xfrm>
+          <a:prstGeom prst="line">
+            <a:avLst/>
+          </a:prstGeom>
+        </p:spPr>
+        <p:style>
+          <a:lnRef idx="3">
+            <a:schemeClr val="accent1"/>
+          </a:lnRef>
+          <a:fillRef idx="0">
+            <a:schemeClr val="accent1"/>
+          </a:fillRef>
+          <a:effectRef idx="2">
+            <a:schemeClr val="accent1"/>
+          </a:effectRef>
+          <a:fontRef idx="minor">
+            <a:schemeClr val="tx1"/>
+          </a:fontRef>
+        </p:style>
+      </p:cxnSp>
+      <p:cxnSp>
+        <p:nvCxnSpPr>
+          <p:cNvPr id="57" name="Rett linje 56">
+            <a:extLst>
+              <a:ext uri="{FF2B5EF4-FFF2-40B4-BE49-F238E27FC236}">
+                <a16:creationId xmlns:a16="http://schemas.microsoft.com/office/drawing/2014/main" id="{DBCDCB5F-AB94-4064-899F-59721D074510}"/>
+              </a:ext>
+            </a:extLst>
+          </p:cNvPr>
+          <p:cNvCxnSpPr>
+            <a:cxnSpLocks/>
+          </p:cNvCxnSpPr>
+          <p:nvPr/>
+        </p:nvCxnSpPr>
+        <p:spPr>
+          <a:xfrm flipV="1">
+            <a:off x="7834737" y="3564294"/>
+            <a:ext cx="0" cy="1278894"/>
+          </a:xfrm>
+          <a:prstGeom prst="line">
+            <a:avLst/>
+          </a:prstGeom>
+        </p:spPr>
+        <p:style>
+          <a:lnRef idx="3">
+            <a:schemeClr val="accent1"/>
+          </a:lnRef>
+          <a:fillRef idx="0">
+            <a:schemeClr val="accent1"/>
+          </a:fillRef>
+          <a:effectRef idx="2">
+            <a:schemeClr val="accent1"/>
+          </a:effectRef>
+          <a:fontRef idx="minor">
+            <a:schemeClr val="tx1"/>
+          </a:fontRef>
+        </p:style>
+      </p:cxnSp>
+      <p:cxnSp>
+        <p:nvCxnSpPr>
+          <p:cNvPr id="59" name="Rett linje 58">
+            <a:extLst>
+              <a:ext uri="{FF2B5EF4-FFF2-40B4-BE49-F238E27FC236}">
+                <a16:creationId xmlns:a16="http://schemas.microsoft.com/office/drawing/2014/main" id="{5FE2D2D4-C2B0-4A36-AE9E-73164EC1C43F}"/>
+              </a:ext>
+            </a:extLst>
+          </p:cNvPr>
+          <p:cNvCxnSpPr>
+            <a:cxnSpLocks/>
+          </p:cNvCxnSpPr>
+          <p:nvPr/>
+        </p:nvCxnSpPr>
+        <p:spPr>
+          <a:xfrm flipV="1">
+            <a:off x="7279792" y="4843187"/>
+            <a:ext cx="0" cy="783771"/>
+          </a:xfrm>
+          <a:prstGeom prst="line">
+            <a:avLst/>
+          </a:prstGeom>
+        </p:spPr>
+        <p:style>
+          <a:lnRef idx="3">
+            <a:schemeClr val="accent1"/>
+          </a:lnRef>
+          <a:fillRef idx="0">
+            <a:schemeClr val="accent1"/>
+          </a:fillRef>
+          <a:effectRef idx="2">
+            <a:schemeClr val="accent1"/>
+          </a:effectRef>
+          <a:fontRef idx="minor">
+            <a:schemeClr val="tx1"/>
+          </a:fontRef>
+        </p:style>
+      </p:cxnSp>
+      <p:cxnSp>
+        <p:nvCxnSpPr>
+          <p:cNvPr id="61" name="Rett linje 60">
+            <a:extLst>
+              <a:ext uri="{FF2B5EF4-FFF2-40B4-BE49-F238E27FC236}">
+                <a16:creationId xmlns:a16="http://schemas.microsoft.com/office/drawing/2014/main" id="{09ED41C4-B437-456E-BBE0-4098D507FA62}"/>
+              </a:ext>
+            </a:extLst>
+          </p:cNvPr>
+          <p:cNvCxnSpPr>
+            <a:cxnSpLocks/>
+          </p:cNvCxnSpPr>
+          <p:nvPr/>
+        </p:nvCxnSpPr>
+        <p:spPr>
+          <a:xfrm flipV="1">
+            <a:off x="11878321" y="2349062"/>
+            <a:ext cx="0" cy="3277896"/>
+          </a:xfrm>
+          <a:prstGeom prst="line">
+            <a:avLst/>
+          </a:prstGeom>
+        </p:spPr>
+        <p:style>
+          <a:lnRef idx="3">
+            <a:schemeClr val="accent1"/>
+          </a:lnRef>
+          <a:fillRef idx="0">
+            <a:schemeClr val="accent1"/>
+          </a:fillRef>
+          <a:effectRef idx="2">
+            <a:schemeClr val="accent1"/>
+          </a:effectRef>
+          <a:fontRef idx="minor">
+            <a:schemeClr val="tx1"/>
+          </a:fontRef>
+        </p:style>
+      </p:cxnSp>
+      <p:cxnSp>
+        <p:nvCxnSpPr>
+          <p:cNvPr id="62" name="Rett linje 61">
+            <a:extLst>
+              <a:ext uri="{FF2B5EF4-FFF2-40B4-BE49-F238E27FC236}">
+                <a16:creationId xmlns:a16="http://schemas.microsoft.com/office/drawing/2014/main" id="{603C8C8F-2E09-4EF5-A4FB-9B7B5BF9153B}"/>
+              </a:ext>
+            </a:extLst>
+          </p:cNvPr>
+          <p:cNvCxnSpPr>
+            <a:cxnSpLocks/>
+          </p:cNvCxnSpPr>
+          <p:nvPr/>
+        </p:nvCxnSpPr>
+        <p:spPr>
+          <a:xfrm>
+            <a:off x="7279792" y="5626958"/>
+            <a:ext cx="4598529" cy="0"/>
+          </a:xfrm>
+          <a:prstGeom prst="line">
+            <a:avLst/>
+          </a:prstGeom>
+        </p:spPr>
+        <p:style>
+          <a:lnRef idx="3">
+            <a:schemeClr val="accent1"/>
+          </a:lnRef>
+          <a:fillRef idx="0">
+            <a:schemeClr val="accent1"/>
+          </a:fillRef>
+          <a:effectRef idx="2">
+            <a:schemeClr val="accent1"/>
+          </a:effectRef>
+          <a:fontRef idx="minor">
+            <a:schemeClr val="tx1"/>
+          </a:fontRef>
+        </p:style>
+      </p:cxnSp>
+      <p:cxnSp>
+        <p:nvCxnSpPr>
+          <p:cNvPr id="64" name="Rett linje 63">
+            <a:extLst>
+              <a:ext uri="{FF2B5EF4-FFF2-40B4-BE49-F238E27FC236}">
+                <a16:creationId xmlns:a16="http://schemas.microsoft.com/office/drawing/2014/main" id="{310ADB1F-A015-4BAD-A218-DFB768C4CBA1}"/>
+              </a:ext>
+            </a:extLst>
+          </p:cNvPr>
+          <p:cNvCxnSpPr>
+            <a:cxnSpLocks/>
+          </p:cNvCxnSpPr>
+          <p:nvPr/>
+        </p:nvCxnSpPr>
+        <p:spPr>
+          <a:xfrm flipH="1">
+            <a:off x="7248329" y="4843187"/>
+            <a:ext cx="586408" cy="0"/>
+          </a:xfrm>
+          <a:prstGeom prst="line">
+            <a:avLst/>
+          </a:prstGeom>
+        </p:spPr>
+        <p:style>
+          <a:lnRef idx="3">
+            <a:schemeClr val="accent1"/>
+          </a:lnRef>
+          <a:fillRef idx="0">
+            <a:schemeClr val="accent1"/>
+          </a:fillRef>
+          <a:effectRef idx="2">
+            <a:schemeClr val="accent1"/>
+          </a:effectRef>
+          <a:fontRef idx="minor">
+            <a:schemeClr val="tx1"/>
+          </a:fontRef>
+        </p:style>
+      </p:cxnSp>
+      <p:cxnSp>
+        <p:nvCxnSpPr>
+          <p:cNvPr id="65" name="Rett linje 64">
+            <a:extLst>
+              <a:ext uri="{FF2B5EF4-FFF2-40B4-BE49-F238E27FC236}">
+                <a16:creationId xmlns:a16="http://schemas.microsoft.com/office/drawing/2014/main" id="{8F4319F5-80E0-4786-9E44-7986A4BDA92B}"/>
+              </a:ext>
+            </a:extLst>
+          </p:cNvPr>
+          <p:cNvCxnSpPr>
+            <a:cxnSpLocks/>
+          </p:cNvCxnSpPr>
+          <p:nvPr/>
+        </p:nvCxnSpPr>
+        <p:spPr>
+          <a:xfrm flipH="1">
+            <a:off x="7834738" y="3564294"/>
+            <a:ext cx="1527697" cy="0"/>
+          </a:xfrm>
+          <a:prstGeom prst="line">
+            <a:avLst/>
+          </a:prstGeom>
+        </p:spPr>
+        <p:style>
+          <a:lnRef idx="3">
+            <a:schemeClr val="accent1"/>
+          </a:lnRef>
+          <a:fillRef idx="0">
+            <a:schemeClr val="accent1"/>
+          </a:fillRef>
+          <a:effectRef idx="2">
+            <a:schemeClr val="accent1"/>
+          </a:effectRef>
+          <a:fontRef idx="minor">
+            <a:schemeClr val="tx1"/>
+          </a:fontRef>
+        </p:style>
+      </p:cxnSp>
+      <p:cxnSp>
+        <p:nvCxnSpPr>
+          <p:cNvPr id="76" name="Rett linje 75">
+            <a:extLst>
+              <a:ext uri="{FF2B5EF4-FFF2-40B4-BE49-F238E27FC236}">
+                <a16:creationId xmlns:a16="http://schemas.microsoft.com/office/drawing/2014/main" id="{ADBB4810-9DB4-40BD-B66C-AB392EDD56DB}"/>
+              </a:ext>
+            </a:extLst>
+          </p:cNvPr>
+          <p:cNvCxnSpPr>
+            <a:cxnSpLocks/>
+          </p:cNvCxnSpPr>
+          <p:nvPr/>
+        </p:nvCxnSpPr>
+        <p:spPr>
+          <a:xfrm flipH="1">
+            <a:off x="9362435" y="2371433"/>
+            <a:ext cx="2515886" cy="0"/>
+          </a:xfrm>
+          <a:prstGeom prst="line">
+            <a:avLst/>
+          </a:prstGeom>
+        </p:spPr>
+        <p:style>
+          <a:lnRef idx="3">
+            <a:schemeClr val="accent1"/>
+          </a:lnRef>
+          <a:fillRef idx="0">
+            <a:schemeClr val="accent1"/>
+          </a:fillRef>
+          <a:effectRef idx="2">
+            <a:schemeClr val="accent1"/>
+          </a:effectRef>
+          <a:fontRef idx="minor">
+            <a:schemeClr val="tx1"/>
+          </a:fontRef>
+        </p:style>
+      </p:cxnSp>
+    </p:spTree>
+    <p:extLst>
+      <p:ext uri="{BB962C8B-B14F-4D97-AF65-F5344CB8AC3E}">
+        <p14:creationId xmlns:p14="http://schemas.microsoft.com/office/powerpoint/2010/main" val="273299643"/>
+      </p:ext>
+    </p:extLst>
+  </p:cSld>
+  <p:clrMapOvr>
+    <a:masterClrMapping/>
+  </p:clrMapOvr>
+</p:sld>
+</file>
+
+<file path=ppt/slides/slide4.xml><?xml version="1.0" encoding="utf-8"?>
+<p:sld xmlns:a="http://schemas.openxmlformats.org/drawingml/2006/main" xmlns:r="http://schemas.openxmlformats.org/officeDocument/2006/relationships" xmlns:p="http://schemas.openxmlformats.org/presentationml/2006/main">
+  <p:cSld>
+    <p:spTree>
+      <p:nvGrpSpPr>
+        <p:cNvPr id="1" name=""/>
+        <p:cNvGrpSpPr/>
+        <p:nvPr/>
+      </p:nvGrpSpPr>
+      <p:grpSpPr>
+        <a:xfrm>
+          <a:off x="0" y="0"/>
+          <a:ext cx="0" cy="0"/>
+          <a:chOff x="0" y="0"/>
+          <a:chExt cx="0" cy="0"/>
+        </a:xfrm>
+      </p:grpSpPr>
+      <p:sp>
+        <p:nvSpPr>
+          <p:cNvPr id="4" name="Oval 3"/>
+          <p:cNvSpPr/>
+          <p:nvPr/>
+        </p:nvSpPr>
+        <p:spPr>
+          <a:xfrm>
+            <a:off x="166956" y="1261694"/>
+            <a:ext cx="1931988" cy="739418"/>
+          </a:xfrm>
+          <a:prstGeom prst="ellipse">
+            <a:avLst/>
+          </a:prstGeom>
+          <a:solidFill>
+            <a:schemeClr val="accent1">
+              <a:lumMod val="60000"/>
+              <a:lumOff val="40000"/>
+            </a:schemeClr>
+          </a:solidFill>
+        </p:spPr>
+        <p:style>
+          <a:lnRef idx="2">
+            <a:schemeClr val="accent1">
+              <a:shade val="50000"/>
+            </a:schemeClr>
+          </a:lnRef>
+          <a:fillRef idx="1">
+            <a:schemeClr val="accent1"/>
+          </a:fillRef>
+          <a:effectRef idx="0">
+            <a:schemeClr val="accent1"/>
+          </a:effectRef>
+          <a:fontRef idx="minor">
+            <a:schemeClr val="lt1"/>
+          </a:fontRef>
+        </p:style>
+        <p:txBody>
+          <a:bodyPr rtlCol="0" anchor="ctr"/>
+          <a:lstStyle/>
+          <a:p>
+            <a:pPr algn="ctr"/>
+            <a:r>
+              <a:rPr lang="en-US" sz="2800" dirty="0" err="1">
+                <a:solidFill>
+                  <a:schemeClr val="tx1"/>
+                </a:solidFill>
+              </a:rPr>
+              <a:t>BioSim</a:t>
+            </a:r>
+            <a:endParaRPr lang="en-US" sz="2800" dirty="0">
+              <a:solidFill>
+                <a:schemeClr val="accent1">
+                  <a:lumMod val="75000"/>
+                </a:schemeClr>
+              </a:solidFill>
+            </a:endParaRPr>
+          </a:p>
+        </p:txBody>
+      </p:sp>
+      <p:sp>
+        <p:nvSpPr>
+          <p:cNvPr id="6" name="Oval 5"/>
+          <p:cNvSpPr/>
+          <p:nvPr/>
+        </p:nvSpPr>
+        <p:spPr>
+          <a:xfrm>
+            <a:off x="1331189" y="2086144"/>
+            <a:ext cx="2521205" cy="739418"/>
+          </a:xfrm>
+          <a:prstGeom prst="ellipse">
+            <a:avLst/>
+          </a:prstGeom>
+          <a:solidFill>
+            <a:schemeClr val="accent1">
+              <a:lumMod val="60000"/>
+              <a:lumOff val="40000"/>
+            </a:schemeClr>
+          </a:solidFill>
+        </p:spPr>
+        <p:style>
+          <a:lnRef idx="2">
+            <a:schemeClr val="accent1">
+              <a:shade val="50000"/>
+            </a:schemeClr>
+          </a:lnRef>
+          <a:fillRef idx="1">
+            <a:schemeClr val="accent1"/>
+          </a:fillRef>
+          <a:effectRef idx="0">
+            <a:schemeClr val="accent1"/>
+          </a:effectRef>
+          <a:fontRef idx="minor">
+            <a:schemeClr val="lt1"/>
+          </a:fontRef>
+        </p:style>
+        <p:txBody>
+          <a:bodyPr rtlCol="0" anchor="ctr"/>
+          <a:lstStyle/>
+          <a:p>
+            <a:pPr algn="ctr"/>
+            <a:r>
+              <a:rPr lang="en-US" sz="2800" dirty="0">
+                <a:solidFill>
+                  <a:schemeClr val="tx1"/>
+                </a:solidFill>
+              </a:rPr>
+              <a:t>Island</a:t>
+            </a:r>
+          </a:p>
+        </p:txBody>
+      </p:sp>
+      <p:sp>
+        <p:nvSpPr>
+          <p:cNvPr id="7" name="Oval 6"/>
+          <p:cNvSpPr/>
+          <p:nvPr/>
+        </p:nvSpPr>
+        <p:spPr>
+          <a:xfrm>
+            <a:off x="5355374" y="2073443"/>
+            <a:ext cx="2521205" cy="739418"/>
+          </a:xfrm>
+          <a:prstGeom prst="ellipse">
+            <a:avLst/>
+          </a:prstGeom>
+          <a:solidFill>
+            <a:schemeClr val="accent1">
+              <a:lumMod val="60000"/>
+              <a:lumOff val="40000"/>
+            </a:schemeClr>
+          </a:solidFill>
+        </p:spPr>
+        <p:style>
+          <a:lnRef idx="2">
+            <a:schemeClr val="accent1">
+              <a:shade val="50000"/>
+            </a:schemeClr>
+          </a:lnRef>
+          <a:fillRef idx="1">
+            <a:schemeClr val="accent1"/>
+          </a:fillRef>
+          <a:effectRef idx="0">
+            <a:schemeClr val="accent1"/>
+          </a:effectRef>
+          <a:fontRef idx="minor">
+            <a:schemeClr val="lt1"/>
+          </a:fontRef>
+        </p:style>
+        <p:txBody>
+          <a:bodyPr rtlCol="0" anchor="ctr"/>
+          <a:lstStyle/>
+          <a:p>
+            <a:pPr algn="ctr"/>
+            <a:r>
+              <a:rPr lang="en-US" sz="2800" dirty="0">
+                <a:solidFill>
+                  <a:schemeClr val="tx1"/>
+                </a:solidFill>
+              </a:rPr>
+              <a:t>Landscape</a:t>
+            </a:r>
+          </a:p>
+        </p:txBody>
+      </p:sp>
+      <p:sp>
+        <p:nvSpPr>
+          <p:cNvPr id="8" name="Oval 7"/>
+          <p:cNvSpPr/>
+          <p:nvPr/>
+        </p:nvSpPr>
+        <p:spPr>
+          <a:xfrm>
+            <a:off x="9715250" y="2063671"/>
+            <a:ext cx="1849821" cy="739418"/>
+          </a:xfrm>
+          <a:prstGeom prst="ellipse">
+            <a:avLst/>
+          </a:prstGeom>
+          <a:solidFill>
+            <a:schemeClr val="accent1">
+              <a:lumMod val="60000"/>
+              <a:lumOff val="40000"/>
+            </a:schemeClr>
+          </a:solidFill>
+        </p:spPr>
+        <p:style>
+          <a:lnRef idx="2">
+            <a:schemeClr val="accent1">
+              <a:shade val="50000"/>
+            </a:schemeClr>
+          </a:lnRef>
+          <a:fillRef idx="1">
+            <a:schemeClr val="accent1"/>
+          </a:fillRef>
+          <a:effectRef idx="0">
+            <a:schemeClr val="accent1"/>
+          </a:effectRef>
+          <a:fontRef idx="minor">
+            <a:schemeClr val="lt1"/>
+          </a:fontRef>
+        </p:style>
+        <p:txBody>
+          <a:bodyPr rtlCol="0" anchor="ctr"/>
+          <a:lstStyle/>
+          <a:p>
+            <a:pPr algn="ctr"/>
+            <a:r>
+              <a:rPr lang="en-US" sz="2800" dirty="0">
+                <a:solidFill>
+                  <a:schemeClr val="tx1"/>
+                </a:solidFill>
+              </a:rPr>
+              <a:t>Animal</a:t>
+            </a:r>
+          </a:p>
+        </p:txBody>
+      </p:sp>
+      <p:cxnSp>
+        <p:nvCxnSpPr>
+          <p:cNvPr id="10" name="Elbow Connector 9"/>
+          <p:cNvCxnSpPr>
+            <a:stCxn id="4" idx="6"/>
+            <a:endCxn id="6" idx="0"/>
+          </p:cNvCxnSpPr>
+          <p:nvPr/>
+        </p:nvCxnSpPr>
+        <p:spPr>
+          <a:xfrm>
+            <a:off x="2098944" y="1631403"/>
+            <a:ext cx="492848" cy="454741"/>
+          </a:xfrm>
+          <a:prstGeom prst="bentConnector2">
+            <a:avLst/>
+          </a:prstGeom>
+          <a:ln w="60325" cap="flat" cmpd="sng">
+            <a:solidFill>
+              <a:schemeClr val="tx1"/>
+            </a:solidFill>
+            <a:prstDash val="solid"/>
+            <a:headEnd type="triangle"/>
+            <a:tailEnd type="none"/>
+          </a:ln>
+        </p:spPr>
+        <p:style>
+          <a:lnRef idx="1">
+            <a:schemeClr val="accent1"/>
+          </a:lnRef>
+          <a:fillRef idx="0">
+            <a:schemeClr val="accent1"/>
+          </a:fillRef>
+          <a:effectRef idx="0">
+            <a:schemeClr val="accent1"/>
+          </a:effectRef>
+          <a:fontRef idx="minor">
+            <a:schemeClr val="tx1"/>
+          </a:fontRef>
+        </p:style>
+      </p:cxnSp>
+      <p:cxnSp>
+        <p:nvCxnSpPr>
+          <p:cNvPr id="11" name="Elbow Connector 10"/>
+          <p:cNvCxnSpPr>
+            <a:cxnSpLocks/>
+            <a:endCxn id="7" idx="2"/>
+          </p:cNvCxnSpPr>
+          <p:nvPr/>
+        </p:nvCxnSpPr>
+        <p:spPr>
+          <a:xfrm>
+            <a:off x="3704253" y="2286000"/>
+            <a:ext cx="1651121" cy="157152"/>
+          </a:xfrm>
+          <a:prstGeom prst="bentConnector3">
+            <a:avLst>
+              <a:gd name="adj1" fmla="val 50000"/>
+            </a:avLst>
+          </a:prstGeom>
+          <a:ln w="60325">
+            <a:solidFill>
+              <a:schemeClr val="tx1"/>
+            </a:solidFill>
+            <a:headEnd type="triangle"/>
+            <a:tailEnd type="none"/>
+          </a:ln>
+        </p:spPr>
+        <p:style>
+          <a:lnRef idx="1">
+            <a:schemeClr val="accent1"/>
+          </a:lnRef>
+          <a:fillRef idx="0">
+            <a:schemeClr val="accent1"/>
+          </a:fillRef>
+          <a:effectRef idx="0">
+            <a:schemeClr val="accent1"/>
+          </a:effectRef>
+          <a:fontRef idx="minor">
+            <a:schemeClr val="tx1"/>
+          </a:fontRef>
+        </p:style>
+      </p:cxnSp>
+      <p:cxnSp>
+        <p:nvCxnSpPr>
+          <p:cNvPr id="20" name="Elbow Connector 19"/>
+          <p:cNvCxnSpPr>
+            <a:cxnSpLocks/>
+            <a:stCxn id="8" idx="2"/>
+          </p:cNvCxnSpPr>
+          <p:nvPr/>
+        </p:nvCxnSpPr>
+        <p:spPr>
+          <a:xfrm rot="10800000">
+            <a:off x="7772400" y="2286000"/>
+            <a:ext cx="1942850" cy="147380"/>
+          </a:xfrm>
+          <a:prstGeom prst="bentConnector3">
+            <a:avLst>
+              <a:gd name="adj1" fmla="val 50000"/>
+            </a:avLst>
+          </a:prstGeom>
+          <a:ln w="60325">
+            <a:solidFill>
+              <a:schemeClr val="tx1"/>
+            </a:solidFill>
+            <a:headEnd type="triangle"/>
+            <a:tailEnd type="triangle"/>
+          </a:ln>
+        </p:spPr>
+        <p:style>
+          <a:lnRef idx="1">
+            <a:schemeClr val="accent1"/>
+          </a:lnRef>
+          <a:fillRef idx="0">
+            <a:schemeClr val="accent1"/>
+          </a:fillRef>
+          <a:effectRef idx="0">
+            <a:schemeClr val="accent1"/>
+          </a:effectRef>
+          <a:fontRef idx="minor">
+            <a:schemeClr val="tx1"/>
+          </a:fontRef>
+        </p:style>
+      </p:cxnSp>
+      <p:sp>
+        <p:nvSpPr>
+          <p:cNvPr id="42" name="TextBox 41"/>
+          <p:cNvSpPr txBox="1"/>
+          <p:nvPr/>
+        </p:nvSpPr>
+        <p:spPr>
+          <a:xfrm>
+            <a:off x="3390149" y="615548"/>
+            <a:ext cx="7911397" cy="707886"/>
+          </a:xfrm>
+          <a:prstGeom prst="rect">
+            <a:avLst/>
+          </a:prstGeom>
+          <a:noFill/>
+        </p:spPr>
+        <p:txBody>
+          <a:bodyPr wrap="none" rtlCol="0">
+            <a:spAutoFit/>
+          </a:bodyPr>
+          <a:lstStyle/>
+          <a:p>
+            <a:r>
+              <a:rPr lang="en-US" sz="4000" i="1" u="sng" dirty="0">
+                <a:latin typeface="+mj-lt"/>
+              </a:rPr>
+              <a:t>General structure of decision-making </a:t>
+            </a:r>
+          </a:p>
+        </p:txBody>
+      </p:sp>
+      <p:sp>
+        <p:nvSpPr>
+          <p:cNvPr id="45" name="TextBox 44"/>
+          <p:cNvSpPr txBox="1"/>
+          <p:nvPr/>
+        </p:nvSpPr>
+        <p:spPr>
+          <a:xfrm>
+            <a:off x="1742927" y="4044852"/>
+            <a:ext cx="7774966" cy="707886"/>
+          </a:xfrm>
+          <a:prstGeom prst="rect">
+            <a:avLst/>
+          </a:prstGeom>
+          <a:noFill/>
+        </p:spPr>
+        <p:txBody>
+          <a:bodyPr wrap="square" rtlCol="0">
+            <a:spAutoFit/>
+          </a:bodyPr>
+          <a:lstStyle/>
+          <a:p>
+            <a:r>
+              <a:rPr lang="en-US" sz="4000" b="1" dirty="0">
+                <a:latin typeface="+mj-lt"/>
+                <a:ea typeface="Courier New" charset="0"/>
+                <a:cs typeface="Courier New" charset="0"/>
+              </a:rPr>
+              <a:t>Where</a:t>
+            </a:r>
+          </a:p>
+        </p:txBody>
+      </p:sp>
+      <p:sp>
+        <p:nvSpPr>
+          <p:cNvPr id="55" name="TextBox 54"/>
+          <p:cNvSpPr txBox="1"/>
+          <p:nvPr/>
+        </p:nvSpPr>
+        <p:spPr>
+          <a:xfrm>
+            <a:off x="6016451" y="3528839"/>
+            <a:ext cx="3467552" cy="707886"/>
+          </a:xfrm>
+          <a:prstGeom prst="rect">
+            <a:avLst/>
+          </a:prstGeom>
+          <a:noFill/>
+        </p:spPr>
+        <p:txBody>
+          <a:bodyPr wrap="square" rtlCol="0">
+            <a:spAutoFit/>
+          </a:bodyPr>
+          <a:lstStyle/>
+          <a:p>
+            <a:r>
+              <a:rPr lang="en-US" sz="4000" b="1" dirty="0">
+                <a:latin typeface="+mj-lt"/>
+                <a:ea typeface="Courier New" charset="0"/>
+                <a:cs typeface="Courier New" charset="0"/>
+              </a:rPr>
+              <a:t>Who</a:t>
+            </a:r>
+          </a:p>
+        </p:txBody>
+      </p:sp>
+      <p:sp>
+        <p:nvSpPr>
+          <p:cNvPr id="56" name="TextBox 55"/>
+          <p:cNvSpPr txBox="1"/>
+          <p:nvPr/>
+        </p:nvSpPr>
+        <p:spPr>
+          <a:xfrm>
+            <a:off x="7031033" y="4892213"/>
+            <a:ext cx="4468529" cy="707886"/>
+          </a:xfrm>
+          <a:prstGeom prst="rect">
+            <a:avLst/>
+          </a:prstGeom>
+          <a:noFill/>
+        </p:spPr>
+        <p:txBody>
+          <a:bodyPr wrap="square" rtlCol="0">
+            <a:spAutoFit/>
+          </a:bodyPr>
+          <a:lstStyle/>
+          <a:p>
+            <a:pPr algn="r"/>
+            <a:r>
+              <a:rPr lang="en-US" sz="4000" b="1" noProof="1">
+                <a:latin typeface="+mj-lt"/>
+                <a:ea typeface="Courier New" charset="0"/>
+                <a:cs typeface="Courier New" charset="0"/>
+              </a:rPr>
+              <a:t>If / how</a:t>
+            </a:r>
+          </a:p>
+        </p:txBody>
+      </p:sp>
+      <p:cxnSp>
+        <p:nvCxnSpPr>
+          <p:cNvPr id="60" name="Straight Connector 59"/>
+          <p:cNvCxnSpPr>
+            <a:cxnSpLocks/>
+            <a:stCxn id="6" idx="4"/>
+          </p:cNvCxnSpPr>
+          <p:nvPr/>
+        </p:nvCxnSpPr>
+        <p:spPr>
+          <a:xfrm>
+            <a:off x="2591792" y="2825562"/>
+            <a:ext cx="0" cy="1119035"/>
+          </a:xfrm>
+          <a:prstGeom prst="line">
+            <a:avLst/>
+          </a:prstGeom>
+          <a:ln w="44450">
+            <a:solidFill>
+              <a:srgbClr val="FF0000"/>
+            </a:solidFill>
+          </a:ln>
+        </p:spPr>
+        <p:style>
+          <a:lnRef idx="1">
+            <a:schemeClr val="accent1"/>
+          </a:lnRef>
+          <a:fillRef idx="0">
+            <a:schemeClr val="accent1"/>
+          </a:fillRef>
+          <a:effectRef idx="0">
+            <a:schemeClr val="accent1"/>
+          </a:effectRef>
+          <a:fontRef idx="minor">
+            <a:schemeClr val="tx1"/>
+          </a:fontRef>
+        </p:style>
+      </p:cxnSp>
+      <p:cxnSp>
+        <p:nvCxnSpPr>
+          <p:cNvPr id="63" name="Straight Connector 62"/>
+          <p:cNvCxnSpPr>
+            <a:cxnSpLocks/>
+            <a:stCxn id="7" idx="4"/>
+          </p:cNvCxnSpPr>
+          <p:nvPr/>
+        </p:nvCxnSpPr>
+        <p:spPr>
+          <a:xfrm>
+            <a:off x="6615977" y="2812861"/>
+            <a:ext cx="0" cy="541792"/>
+          </a:xfrm>
+          <a:prstGeom prst="line">
+            <a:avLst/>
+          </a:prstGeom>
+          <a:ln w="41275">
+            <a:solidFill>
+              <a:srgbClr val="FF0000"/>
+            </a:solidFill>
+          </a:ln>
+        </p:spPr>
+        <p:style>
+          <a:lnRef idx="1">
+            <a:schemeClr val="accent1"/>
+          </a:lnRef>
+          <a:fillRef idx="0">
+            <a:schemeClr val="accent1"/>
+          </a:fillRef>
+          <a:effectRef idx="0">
+            <a:schemeClr val="accent1"/>
+          </a:effectRef>
+          <a:fontRef idx="minor">
+            <a:schemeClr val="tx1"/>
+          </a:fontRef>
+        </p:style>
+      </p:cxnSp>
+      <p:cxnSp>
+        <p:nvCxnSpPr>
+          <p:cNvPr id="66" name="Straight Connector 65"/>
+          <p:cNvCxnSpPr>
+            <a:stCxn id="8" idx="4"/>
+          </p:cNvCxnSpPr>
+          <p:nvPr/>
+        </p:nvCxnSpPr>
+        <p:spPr>
+          <a:xfrm flipH="1">
+            <a:off x="10636207" y="2803089"/>
+            <a:ext cx="3954" cy="1888094"/>
+          </a:xfrm>
+          <a:prstGeom prst="line">
+            <a:avLst/>
+          </a:prstGeom>
+          <a:ln w="41275">
+            <a:solidFill>
+              <a:srgbClr val="FF0000"/>
+            </a:solidFill>
+          </a:ln>
+        </p:spPr>
+        <p:style>
+          <a:lnRef idx="1">
+            <a:schemeClr val="accent1"/>
+          </a:lnRef>
+          <a:fillRef idx="0">
+            <a:schemeClr val="accent1"/>
+          </a:fillRef>
+          <a:effectRef idx="0">
+            <a:schemeClr val="accent1"/>
+          </a:effectRef>
+          <a:fontRef idx="minor">
+            <a:schemeClr val="tx1"/>
+          </a:fontRef>
+        </p:style>
+      </p:cxnSp>
+      <p:cxnSp>
+        <p:nvCxnSpPr>
+          <p:cNvPr id="16" name="Rett linje 15">
+            <a:extLst>
+              <a:ext uri="{FF2B5EF4-FFF2-40B4-BE49-F238E27FC236}">
+                <a16:creationId xmlns:a16="http://schemas.microsoft.com/office/drawing/2014/main" id="{69C5486F-DD86-4050-9518-7A445FD2D5F1}"/>
+              </a:ext>
+            </a:extLst>
+          </p:cNvPr>
+          <p:cNvCxnSpPr>
+            <a:cxnSpLocks/>
+          </p:cNvCxnSpPr>
+          <p:nvPr/>
+        </p:nvCxnSpPr>
+        <p:spPr>
+          <a:xfrm flipV="1">
+            <a:off x="1452487" y="3944598"/>
+            <a:ext cx="0" cy="879174"/>
+          </a:xfrm>
+          <a:prstGeom prst="line">
+            <a:avLst/>
+          </a:prstGeom>
+        </p:spPr>
+        <p:style>
+          <a:lnRef idx="3">
+            <a:schemeClr val="accent1"/>
+          </a:lnRef>
+          <a:fillRef idx="0">
+            <a:schemeClr val="accent1"/>
+          </a:fillRef>
+          <a:effectRef idx="2">
+            <a:schemeClr val="accent1"/>
+          </a:effectRef>
+          <a:fontRef idx="minor">
+            <a:schemeClr val="tx1"/>
+          </a:fontRef>
+        </p:style>
+      </p:cxnSp>
+      <p:cxnSp>
+        <p:nvCxnSpPr>
+          <p:cNvPr id="18" name="Rett linje 17">
+            <a:extLst>
+              <a:ext uri="{FF2B5EF4-FFF2-40B4-BE49-F238E27FC236}">
+                <a16:creationId xmlns:a16="http://schemas.microsoft.com/office/drawing/2014/main" id="{62CF2936-B9D9-4123-80C9-C3DD8AB0750F}"/>
+              </a:ext>
+            </a:extLst>
+          </p:cNvPr>
+          <p:cNvCxnSpPr>
+            <a:cxnSpLocks/>
+          </p:cNvCxnSpPr>
+          <p:nvPr/>
+        </p:nvCxnSpPr>
+        <p:spPr>
+          <a:xfrm flipV="1">
+            <a:off x="3499001" y="3944598"/>
+            <a:ext cx="0" cy="885994"/>
+          </a:xfrm>
+          <a:prstGeom prst="line">
+            <a:avLst/>
+          </a:prstGeom>
+        </p:spPr>
+        <p:style>
+          <a:lnRef idx="3">
+            <a:schemeClr val="accent1"/>
+          </a:lnRef>
+          <a:fillRef idx="0">
+            <a:schemeClr val="accent1"/>
+          </a:fillRef>
+          <a:effectRef idx="2">
+            <a:schemeClr val="accent1"/>
+          </a:effectRef>
+          <a:fontRef idx="minor">
+            <a:schemeClr val="tx1"/>
+          </a:fontRef>
+        </p:style>
+      </p:cxnSp>
+      <p:cxnSp>
+        <p:nvCxnSpPr>
+          <p:cNvPr id="19" name="Rett linje 18">
+            <a:extLst>
+              <a:ext uri="{FF2B5EF4-FFF2-40B4-BE49-F238E27FC236}">
+                <a16:creationId xmlns:a16="http://schemas.microsoft.com/office/drawing/2014/main" id="{8E0A97A5-E2D1-4C6D-96D0-836FE828DC0A}"/>
+              </a:ext>
+            </a:extLst>
+          </p:cNvPr>
+          <p:cNvCxnSpPr>
+            <a:cxnSpLocks/>
+          </p:cNvCxnSpPr>
+          <p:nvPr/>
+        </p:nvCxnSpPr>
+        <p:spPr>
+          <a:xfrm flipV="1">
+            <a:off x="5747678" y="3354653"/>
+            <a:ext cx="0" cy="1002743"/>
+          </a:xfrm>
+          <a:prstGeom prst="line">
+            <a:avLst/>
+          </a:prstGeom>
+        </p:spPr>
+        <p:style>
+          <a:lnRef idx="3">
+            <a:schemeClr val="accent1"/>
+          </a:lnRef>
+          <a:fillRef idx="0">
+            <a:schemeClr val="accent1"/>
+          </a:fillRef>
+          <a:effectRef idx="2">
+            <a:schemeClr val="accent1"/>
+          </a:effectRef>
+          <a:fontRef idx="minor">
+            <a:schemeClr val="tx1"/>
+          </a:fontRef>
+        </p:style>
+      </p:cxnSp>
+      <p:cxnSp>
+        <p:nvCxnSpPr>
+          <p:cNvPr id="21" name="Rett linje 20">
+            <a:extLst>
+              <a:ext uri="{FF2B5EF4-FFF2-40B4-BE49-F238E27FC236}">
+                <a16:creationId xmlns:a16="http://schemas.microsoft.com/office/drawing/2014/main" id="{17DA85D0-D7E7-4637-A70F-5A7432330592}"/>
+              </a:ext>
+            </a:extLst>
+          </p:cNvPr>
+          <p:cNvCxnSpPr>
+            <a:cxnSpLocks/>
+          </p:cNvCxnSpPr>
+          <p:nvPr/>
+        </p:nvCxnSpPr>
+        <p:spPr>
+          <a:xfrm flipH="1" flipV="1">
+            <a:off x="7455203" y="3354420"/>
+            <a:ext cx="1" cy="1002976"/>
+          </a:xfrm>
+          <a:prstGeom prst="line">
+            <a:avLst/>
+          </a:prstGeom>
+        </p:spPr>
+        <p:style>
+          <a:lnRef idx="3">
+            <a:schemeClr val="accent1"/>
+          </a:lnRef>
+          <a:fillRef idx="0">
+            <a:schemeClr val="accent1"/>
+          </a:fillRef>
+          <a:effectRef idx="2">
+            <a:schemeClr val="accent1"/>
+          </a:effectRef>
+          <a:fontRef idx="minor">
+            <a:schemeClr val="tx1"/>
+          </a:fontRef>
+        </p:style>
+      </p:cxnSp>
+      <p:cxnSp>
+        <p:nvCxnSpPr>
+          <p:cNvPr id="22" name="Rett linje 21">
+            <a:extLst>
+              <a:ext uri="{FF2B5EF4-FFF2-40B4-BE49-F238E27FC236}">
+                <a16:creationId xmlns:a16="http://schemas.microsoft.com/office/drawing/2014/main" id="{4A18CEC7-A67E-4967-9E57-18048346777A}"/>
+              </a:ext>
+            </a:extLst>
+          </p:cNvPr>
+          <p:cNvCxnSpPr>
+            <a:cxnSpLocks/>
+          </p:cNvCxnSpPr>
+          <p:nvPr/>
+        </p:nvCxnSpPr>
+        <p:spPr>
+          <a:xfrm flipH="1" flipV="1">
+            <a:off x="9255989" y="4691184"/>
+            <a:ext cx="9309" cy="1109946"/>
+          </a:xfrm>
+          <a:prstGeom prst="line">
+            <a:avLst/>
+          </a:prstGeom>
+        </p:spPr>
+        <p:style>
+          <a:lnRef idx="3">
+            <a:schemeClr val="accent1"/>
+          </a:lnRef>
+          <a:fillRef idx="0">
+            <a:schemeClr val="accent1"/>
+          </a:fillRef>
+          <a:effectRef idx="2">
+            <a:schemeClr val="accent1"/>
+          </a:effectRef>
+          <a:fontRef idx="minor">
+            <a:schemeClr val="tx1"/>
+          </a:fontRef>
+        </p:style>
+      </p:cxnSp>
+      <p:cxnSp>
+        <p:nvCxnSpPr>
+          <p:cNvPr id="23" name="Rett linje 22">
+            <a:extLst>
+              <a:ext uri="{FF2B5EF4-FFF2-40B4-BE49-F238E27FC236}">
+                <a16:creationId xmlns:a16="http://schemas.microsoft.com/office/drawing/2014/main" id="{E91A4098-D5B3-4720-B88B-F9404C18D6F3}"/>
+              </a:ext>
+            </a:extLst>
+          </p:cNvPr>
+          <p:cNvCxnSpPr>
+            <a:cxnSpLocks/>
+          </p:cNvCxnSpPr>
+          <p:nvPr/>
+        </p:nvCxnSpPr>
+        <p:spPr>
+          <a:xfrm flipV="1">
+            <a:off x="11887222" y="4690950"/>
+            <a:ext cx="0" cy="1110180"/>
+          </a:xfrm>
+          <a:prstGeom prst="line">
+            <a:avLst/>
+          </a:prstGeom>
+        </p:spPr>
+        <p:style>
+          <a:lnRef idx="3">
+            <a:schemeClr val="accent1"/>
+          </a:lnRef>
+          <a:fillRef idx="0">
+            <a:schemeClr val="accent1"/>
+          </a:fillRef>
+          <a:effectRef idx="2">
+            <a:schemeClr val="accent1"/>
+          </a:effectRef>
+          <a:fontRef idx="minor">
+            <a:schemeClr val="tx1"/>
+          </a:fontRef>
+        </p:style>
+      </p:cxnSp>
+      <p:cxnSp>
+        <p:nvCxnSpPr>
+          <p:cNvPr id="24" name="Rett linje 23">
+            <a:extLst>
+              <a:ext uri="{FF2B5EF4-FFF2-40B4-BE49-F238E27FC236}">
+                <a16:creationId xmlns:a16="http://schemas.microsoft.com/office/drawing/2014/main" id="{9EE2C9CA-655D-4896-B20E-A18885768BE6}"/>
+              </a:ext>
+            </a:extLst>
+          </p:cNvPr>
+          <p:cNvCxnSpPr>
+            <a:cxnSpLocks/>
+          </p:cNvCxnSpPr>
+          <p:nvPr/>
+        </p:nvCxnSpPr>
+        <p:spPr>
+          <a:xfrm flipH="1">
+            <a:off x="1452487" y="3944597"/>
+            <a:ext cx="2046514" cy="0"/>
+          </a:xfrm>
+          <a:prstGeom prst="line">
+            <a:avLst/>
+          </a:prstGeom>
+        </p:spPr>
+        <p:style>
+          <a:lnRef idx="3">
+            <a:schemeClr val="accent1"/>
+          </a:lnRef>
+          <a:fillRef idx="0">
+            <a:schemeClr val="accent1"/>
+          </a:fillRef>
+          <a:effectRef idx="2">
+            <a:schemeClr val="accent1"/>
+          </a:effectRef>
+          <a:fontRef idx="minor">
+            <a:schemeClr val="tx1"/>
+          </a:fontRef>
+        </p:style>
+      </p:cxnSp>
+      <p:cxnSp>
+        <p:nvCxnSpPr>
+          <p:cNvPr id="25" name="Rett linje 24">
+            <a:extLst>
+              <a:ext uri="{FF2B5EF4-FFF2-40B4-BE49-F238E27FC236}">
+                <a16:creationId xmlns:a16="http://schemas.microsoft.com/office/drawing/2014/main" id="{42EF5C3A-E133-44B7-A7B3-F5FD99CDE1CD}"/>
+              </a:ext>
+            </a:extLst>
+          </p:cNvPr>
+          <p:cNvCxnSpPr>
+            <a:cxnSpLocks/>
+          </p:cNvCxnSpPr>
+          <p:nvPr/>
+        </p:nvCxnSpPr>
+        <p:spPr>
+          <a:xfrm flipH="1">
+            <a:off x="1435739" y="4823772"/>
+            <a:ext cx="2063262" cy="6820"/>
+          </a:xfrm>
+          <a:prstGeom prst="line">
+            <a:avLst/>
+          </a:prstGeom>
+        </p:spPr>
+        <p:style>
+          <a:lnRef idx="3">
+            <a:schemeClr val="accent1"/>
+          </a:lnRef>
+          <a:fillRef idx="0">
+            <a:schemeClr val="accent1"/>
+          </a:fillRef>
+          <a:effectRef idx="2">
+            <a:schemeClr val="accent1"/>
+          </a:effectRef>
+          <a:fontRef idx="minor">
+            <a:schemeClr val="tx1"/>
+          </a:fontRef>
+        </p:style>
+      </p:cxnSp>
+      <p:cxnSp>
+        <p:nvCxnSpPr>
+          <p:cNvPr id="26" name="Rett linje 25">
+            <a:extLst>
+              <a:ext uri="{FF2B5EF4-FFF2-40B4-BE49-F238E27FC236}">
+                <a16:creationId xmlns:a16="http://schemas.microsoft.com/office/drawing/2014/main" id="{062693B8-6894-4ADC-96C1-07A1475DBFB7}"/>
+              </a:ext>
+            </a:extLst>
+          </p:cNvPr>
+          <p:cNvCxnSpPr>
+            <a:cxnSpLocks/>
+          </p:cNvCxnSpPr>
+          <p:nvPr/>
+        </p:nvCxnSpPr>
+        <p:spPr>
+          <a:xfrm flipH="1" flipV="1">
+            <a:off x="5747678" y="3354419"/>
+            <a:ext cx="1707526" cy="233"/>
+          </a:xfrm>
+          <a:prstGeom prst="line">
+            <a:avLst/>
+          </a:prstGeom>
+        </p:spPr>
+        <p:style>
+          <a:lnRef idx="3">
+            <a:schemeClr val="accent1"/>
+          </a:lnRef>
+          <a:fillRef idx="0">
+            <a:schemeClr val="accent1"/>
+          </a:fillRef>
+          <a:effectRef idx="2">
+            <a:schemeClr val="accent1"/>
+          </a:effectRef>
+          <a:fontRef idx="minor">
+            <a:schemeClr val="tx1"/>
+          </a:fontRef>
+        </p:style>
+      </p:cxnSp>
+      <p:cxnSp>
+        <p:nvCxnSpPr>
+          <p:cNvPr id="27" name="Rett linje 26">
+            <a:extLst>
+              <a:ext uri="{FF2B5EF4-FFF2-40B4-BE49-F238E27FC236}">
+                <a16:creationId xmlns:a16="http://schemas.microsoft.com/office/drawing/2014/main" id="{F082F3F4-3236-4114-B0FB-11ECC374150E}"/>
+              </a:ext>
+            </a:extLst>
+          </p:cNvPr>
+          <p:cNvCxnSpPr>
+            <a:cxnSpLocks/>
+          </p:cNvCxnSpPr>
+          <p:nvPr/>
+        </p:nvCxnSpPr>
+        <p:spPr>
+          <a:xfrm flipH="1">
+            <a:off x="5747678" y="4357396"/>
+            <a:ext cx="1707526" cy="0"/>
+          </a:xfrm>
+          <a:prstGeom prst="line">
+            <a:avLst/>
+          </a:prstGeom>
+        </p:spPr>
+        <p:style>
+          <a:lnRef idx="3">
+            <a:schemeClr val="accent1"/>
+          </a:lnRef>
+          <a:fillRef idx="0">
+            <a:schemeClr val="accent1"/>
+          </a:fillRef>
+          <a:effectRef idx="2">
+            <a:schemeClr val="accent1"/>
+          </a:effectRef>
+          <a:fontRef idx="minor">
+            <a:schemeClr val="tx1"/>
+          </a:fontRef>
+        </p:style>
+      </p:cxnSp>
+      <p:cxnSp>
+        <p:nvCxnSpPr>
+          <p:cNvPr id="28" name="Rett linje 27">
+            <a:extLst>
+              <a:ext uri="{FF2B5EF4-FFF2-40B4-BE49-F238E27FC236}">
+                <a16:creationId xmlns:a16="http://schemas.microsoft.com/office/drawing/2014/main" id="{84BF8694-7BA6-4B0B-A5A1-905092E94ADE}"/>
+              </a:ext>
+            </a:extLst>
+          </p:cNvPr>
+          <p:cNvCxnSpPr>
+            <a:cxnSpLocks/>
+          </p:cNvCxnSpPr>
+          <p:nvPr/>
+        </p:nvCxnSpPr>
+        <p:spPr>
+          <a:xfrm flipH="1">
+            <a:off x="9265298" y="4691183"/>
+            <a:ext cx="2621924" cy="0"/>
+          </a:xfrm>
+          <a:prstGeom prst="line">
+            <a:avLst/>
+          </a:prstGeom>
+        </p:spPr>
+        <p:style>
+          <a:lnRef idx="3">
+            <a:schemeClr val="accent1"/>
+          </a:lnRef>
+          <a:fillRef idx="0">
+            <a:schemeClr val="accent1"/>
+          </a:fillRef>
+          <a:effectRef idx="2">
+            <a:schemeClr val="accent1"/>
+          </a:effectRef>
+          <a:fontRef idx="minor">
+            <a:schemeClr val="tx1"/>
+          </a:fontRef>
+        </p:style>
+      </p:cxnSp>
+      <p:cxnSp>
+        <p:nvCxnSpPr>
+          <p:cNvPr id="29" name="Rett linje 28">
+            <a:extLst>
+              <a:ext uri="{FF2B5EF4-FFF2-40B4-BE49-F238E27FC236}">
+                <a16:creationId xmlns:a16="http://schemas.microsoft.com/office/drawing/2014/main" id="{26D8CBDB-F6C5-4549-AC74-A179268CB3D2}"/>
+              </a:ext>
+            </a:extLst>
+          </p:cNvPr>
+          <p:cNvCxnSpPr>
+            <a:cxnSpLocks/>
+          </p:cNvCxnSpPr>
+          <p:nvPr/>
+        </p:nvCxnSpPr>
+        <p:spPr>
+          <a:xfrm flipH="1">
+            <a:off x="9265298" y="5801130"/>
+            <a:ext cx="2621924" cy="0"/>
+          </a:xfrm>
+          <a:prstGeom prst="line">
+            <a:avLst/>
+          </a:prstGeom>
+        </p:spPr>
+        <p:style>
+          <a:lnRef idx="3">
+            <a:schemeClr val="accent1"/>
+          </a:lnRef>
+          <a:fillRef idx="0">
+            <a:schemeClr val="accent1"/>
+          </a:fillRef>
+          <a:effectRef idx="2">
+            <a:schemeClr val="accent1"/>
+          </a:effectRef>
+          <a:fontRef idx="minor">
+            <a:schemeClr val="tx1"/>
+          </a:fontRef>
+        </p:style>
+      </p:cxnSp>
+    </p:spTree>
+    <p:extLst>
+      <p:ext uri="{BB962C8B-B14F-4D97-AF65-F5344CB8AC3E}">
+        <p14:creationId xmlns:p14="http://schemas.microsoft.com/office/powerpoint/2010/main" val="50034714"/>
+      </p:ext>
+    </p:extLst>
+  </p:cSld>
+  <p:clrMapOvr>
+    <a:masterClrMapping/>
+  </p:clrMapOvr>
+</p:sld>
+</file>
+
+<file path=ppt/slides/slide5.xml><?xml version="1.0" encoding="utf-8"?>
 <p:sld xmlns:a="http://schemas.openxmlformats.org/drawingml/2006/main" xmlns:r="http://schemas.openxmlformats.org/officeDocument/2006/relationships" xmlns:p="http://schemas.openxmlformats.org/presentationml/2006/main">
   <p:cSld>
     <p:spTree>
@@ -4128,7 +7038,7 @@
                 <a:ea typeface="Courier New" charset="0"/>
                 <a:cs typeface="Courier New" charset="0"/>
               </a:rPr>
-              <a:t>UML-diagram</a:t>
+              <a:t>UML-diagrams</a:t>
             </a:r>
             <a:endParaRPr lang="en-US" sz="4800" i="1" u="sng" dirty="0">
               <a:ea typeface="Courier New" charset="0"/>
@@ -4150,7 +7060,7 @@
 </p:sld>
 </file>
 
-<file path=ppt/slides/slide3.xml><?xml version="1.0" encoding="utf-8"?>
+<file path=ppt/slides/slide6.xml><?xml version="1.0" encoding="utf-8"?>
 <p:sld xmlns:a="http://schemas.openxmlformats.org/drawingml/2006/main" xmlns:r="http://schemas.openxmlformats.org/officeDocument/2006/relationships" xmlns:p="http://schemas.openxmlformats.org/presentationml/2006/main">
   <p:cSld>
     <p:spTree>
@@ -4200,2662 +7110,6 @@
     <p:extLst>
       <p:ext uri="{BB962C8B-B14F-4D97-AF65-F5344CB8AC3E}">
         <p14:creationId xmlns:p14="http://schemas.microsoft.com/office/powerpoint/2010/main" val="1767803996"/>
-      </p:ext>
-    </p:extLst>
-  </p:cSld>
-  <p:clrMapOvr>
-    <a:masterClrMapping/>
-  </p:clrMapOvr>
-</p:sld>
-</file>
-
-<file path=ppt/slides/slide4.xml><?xml version="1.0" encoding="utf-8"?>
-<p:sld xmlns:a="http://schemas.openxmlformats.org/drawingml/2006/main" xmlns:r="http://schemas.openxmlformats.org/officeDocument/2006/relationships" xmlns:p="http://schemas.openxmlformats.org/presentationml/2006/main">
-  <p:cSld>
-    <p:spTree>
-      <p:nvGrpSpPr>
-        <p:cNvPr id="1" name=""/>
-        <p:cNvGrpSpPr/>
-        <p:nvPr/>
-      </p:nvGrpSpPr>
-      <p:grpSpPr>
-        <a:xfrm>
-          <a:off x="0" y="0"/>
-          <a:ext cx="0" cy="0"/>
-          <a:chOff x="0" y="0"/>
-          <a:chExt cx="0" cy="0"/>
-        </a:xfrm>
-      </p:grpSpPr>
-      <p:sp>
-        <p:nvSpPr>
-          <p:cNvPr id="4" name="Oval 3"/>
-          <p:cNvSpPr/>
-          <p:nvPr/>
-        </p:nvSpPr>
-        <p:spPr>
-          <a:xfrm>
-            <a:off x="151191" y="441887"/>
-            <a:ext cx="1931988" cy="739418"/>
-          </a:xfrm>
-          <a:prstGeom prst="ellipse">
-            <a:avLst/>
-          </a:prstGeom>
-          <a:solidFill>
-            <a:schemeClr val="accent1">
-              <a:lumMod val="60000"/>
-              <a:lumOff val="40000"/>
-            </a:schemeClr>
-          </a:solidFill>
-        </p:spPr>
-        <p:style>
-          <a:lnRef idx="2">
-            <a:schemeClr val="accent1">
-              <a:shade val="50000"/>
-            </a:schemeClr>
-          </a:lnRef>
-          <a:fillRef idx="1">
-            <a:schemeClr val="accent1"/>
-          </a:fillRef>
-          <a:effectRef idx="0">
-            <a:schemeClr val="accent1"/>
-          </a:effectRef>
-          <a:fontRef idx="minor">
-            <a:schemeClr val="lt1"/>
-          </a:fontRef>
-        </p:style>
-        <p:txBody>
-          <a:bodyPr rtlCol="0" anchor="ctr"/>
-          <a:lstStyle/>
-          <a:p>
-            <a:pPr algn="ctr"/>
-            <a:r>
-              <a:rPr lang="en-US" sz="2800" dirty="0" err="1">
-                <a:solidFill>
-                  <a:schemeClr val="tx1"/>
-                </a:solidFill>
-              </a:rPr>
-              <a:t>BioSim</a:t>
-            </a:r>
-            <a:endParaRPr lang="en-US" sz="2800" dirty="0">
-              <a:solidFill>
-                <a:schemeClr val="accent1">
-                  <a:lumMod val="75000"/>
-                </a:schemeClr>
-              </a:solidFill>
-            </a:endParaRPr>
-          </a:p>
-        </p:txBody>
-      </p:sp>
-      <p:sp>
-        <p:nvSpPr>
-          <p:cNvPr id="6" name="Oval 5"/>
-          <p:cNvSpPr/>
-          <p:nvPr/>
-        </p:nvSpPr>
-        <p:spPr>
-          <a:xfrm>
-            <a:off x="1315424" y="1266337"/>
-            <a:ext cx="2521205" cy="739418"/>
-          </a:xfrm>
-          <a:prstGeom prst="ellipse">
-            <a:avLst/>
-          </a:prstGeom>
-          <a:solidFill>
-            <a:schemeClr val="accent1">
-              <a:lumMod val="60000"/>
-              <a:lumOff val="40000"/>
-            </a:schemeClr>
-          </a:solidFill>
-        </p:spPr>
-        <p:style>
-          <a:lnRef idx="2">
-            <a:schemeClr val="accent1">
-              <a:shade val="50000"/>
-            </a:schemeClr>
-          </a:lnRef>
-          <a:fillRef idx="1">
-            <a:schemeClr val="accent1"/>
-          </a:fillRef>
-          <a:effectRef idx="0">
-            <a:schemeClr val="accent1"/>
-          </a:effectRef>
-          <a:fontRef idx="minor">
-            <a:schemeClr val="lt1"/>
-          </a:fontRef>
-        </p:style>
-        <p:txBody>
-          <a:bodyPr rtlCol="0" anchor="ctr"/>
-          <a:lstStyle/>
-          <a:p>
-            <a:pPr algn="ctr"/>
-            <a:r>
-              <a:rPr lang="en-US" sz="2800" dirty="0">
-                <a:solidFill>
-                  <a:schemeClr val="tx1"/>
-                </a:solidFill>
-              </a:rPr>
-              <a:t>Island</a:t>
-            </a:r>
-          </a:p>
-        </p:txBody>
-      </p:sp>
-      <p:sp>
-        <p:nvSpPr>
-          <p:cNvPr id="7" name="Oval 6"/>
-          <p:cNvSpPr/>
-          <p:nvPr/>
-        </p:nvSpPr>
-        <p:spPr>
-          <a:xfrm>
-            <a:off x="5339609" y="1253636"/>
-            <a:ext cx="2521205" cy="739418"/>
-          </a:xfrm>
-          <a:prstGeom prst="ellipse">
-            <a:avLst/>
-          </a:prstGeom>
-          <a:solidFill>
-            <a:schemeClr val="accent1">
-              <a:lumMod val="60000"/>
-              <a:lumOff val="40000"/>
-            </a:schemeClr>
-          </a:solidFill>
-        </p:spPr>
-        <p:style>
-          <a:lnRef idx="2">
-            <a:schemeClr val="accent1">
-              <a:shade val="50000"/>
-            </a:schemeClr>
-          </a:lnRef>
-          <a:fillRef idx="1">
-            <a:schemeClr val="accent1"/>
-          </a:fillRef>
-          <a:effectRef idx="0">
-            <a:schemeClr val="accent1"/>
-          </a:effectRef>
-          <a:fontRef idx="minor">
-            <a:schemeClr val="lt1"/>
-          </a:fontRef>
-        </p:style>
-        <p:txBody>
-          <a:bodyPr rtlCol="0" anchor="ctr"/>
-          <a:lstStyle/>
-          <a:p>
-            <a:pPr algn="ctr"/>
-            <a:r>
-              <a:rPr lang="en-US" sz="2800" dirty="0">
-                <a:solidFill>
-                  <a:schemeClr val="tx1"/>
-                </a:solidFill>
-              </a:rPr>
-              <a:t>Landscape</a:t>
-            </a:r>
-          </a:p>
-        </p:txBody>
-      </p:sp>
-      <p:sp>
-        <p:nvSpPr>
-          <p:cNvPr id="8" name="Oval 7"/>
-          <p:cNvSpPr/>
-          <p:nvPr/>
-        </p:nvSpPr>
-        <p:spPr>
-          <a:xfrm>
-            <a:off x="9699485" y="1243864"/>
-            <a:ext cx="1849821" cy="739418"/>
-          </a:xfrm>
-          <a:prstGeom prst="ellipse">
-            <a:avLst/>
-          </a:prstGeom>
-          <a:solidFill>
-            <a:schemeClr val="accent1">
-              <a:lumMod val="60000"/>
-              <a:lumOff val="40000"/>
-            </a:schemeClr>
-          </a:solidFill>
-        </p:spPr>
-        <p:style>
-          <a:lnRef idx="2">
-            <a:schemeClr val="accent1">
-              <a:shade val="50000"/>
-            </a:schemeClr>
-          </a:lnRef>
-          <a:fillRef idx="1">
-            <a:schemeClr val="accent1"/>
-          </a:fillRef>
-          <a:effectRef idx="0">
-            <a:schemeClr val="accent1"/>
-          </a:effectRef>
-          <a:fontRef idx="minor">
-            <a:schemeClr val="lt1"/>
-          </a:fontRef>
-        </p:style>
-        <p:txBody>
-          <a:bodyPr rtlCol="0" anchor="ctr"/>
-          <a:lstStyle/>
-          <a:p>
-            <a:pPr algn="ctr"/>
-            <a:r>
-              <a:rPr lang="en-US" sz="2800" dirty="0">
-                <a:solidFill>
-                  <a:schemeClr val="tx1"/>
-                </a:solidFill>
-              </a:rPr>
-              <a:t>Animal</a:t>
-            </a:r>
-          </a:p>
-        </p:txBody>
-      </p:sp>
-      <p:cxnSp>
-        <p:nvCxnSpPr>
-          <p:cNvPr id="10" name="Elbow Connector 9"/>
-          <p:cNvCxnSpPr>
-            <a:stCxn id="4" idx="6"/>
-            <a:endCxn id="6" idx="0"/>
-          </p:cNvCxnSpPr>
-          <p:nvPr/>
-        </p:nvCxnSpPr>
-        <p:spPr>
-          <a:xfrm>
-            <a:off x="2083179" y="811596"/>
-            <a:ext cx="492848" cy="454741"/>
-          </a:xfrm>
-          <a:prstGeom prst="bentConnector2">
-            <a:avLst/>
-          </a:prstGeom>
-          <a:ln w="60325" cap="flat" cmpd="sng">
-            <a:solidFill>
-              <a:schemeClr val="tx1"/>
-            </a:solidFill>
-            <a:prstDash val="solid"/>
-            <a:headEnd type="triangle"/>
-            <a:tailEnd type="none"/>
-          </a:ln>
-        </p:spPr>
-        <p:style>
-          <a:lnRef idx="1">
-            <a:schemeClr val="accent1"/>
-          </a:lnRef>
-          <a:fillRef idx="0">
-            <a:schemeClr val="accent1"/>
-          </a:fillRef>
-          <a:effectRef idx="0">
-            <a:schemeClr val="accent1"/>
-          </a:effectRef>
-          <a:fontRef idx="minor">
-            <a:schemeClr val="tx1"/>
-          </a:fontRef>
-        </p:style>
-      </p:cxnSp>
-      <p:cxnSp>
-        <p:nvCxnSpPr>
-          <p:cNvPr id="11" name="Elbow Connector 10"/>
-          <p:cNvCxnSpPr>
-            <a:cxnSpLocks/>
-          </p:cNvCxnSpPr>
-          <p:nvPr/>
-        </p:nvCxnSpPr>
-        <p:spPr>
-          <a:xfrm>
-            <a:off x="3739066" y="1502229"/>
-            <a:ext cx="1600543" cy="151401"/>
-          </a:xfrm>
-          <a:prstGeom prst="bentConnector3">
-            <a:avLst>
-              <a:gd name="adj1" fmla="val 50000"/>
-            </a:avLst>
-          </a:prstGeom>
-          <a:ln w="60325">
-            <a:solidFill>
-              <a:schemeClr val="tx1"/>
-            </a:solidFill>
-            <a:headEnd type="triangle"/>
-            <a:tailEnd type="none"/>
-          </a:ln>
-        </p:spPr>
-        <p:style>
-          <a:lnRef idx="1">
-            <a:schemeClr val="accent1"/>
-          </a:lnRef>
-          <a:fillRef idx="0">
-            <a:schemeClr val="accent1"/>
-          </a:fillRef>
-          <a:effectRef idx="0">
-            <a:schemeClr val="accent1"/>
-          </a:effectRef>
-          <a:fontRef idx="minor">
-            <a:schemeClr val="tx1"/>
-          </a:fontRef>
-        </p:style>
-      </p:cxnSp>
-      <p:cxnSp>
-        <p:nvCxnSpPr>
-          <p:cNvPr id="20" name="Elbow Connector 19"/>
-          <p:cNvCxnSpPr>
-            <a:cxnSpLocks/>
-          </p:cNvCxnSpPr>
-          <p:nvPr/>
-        </p:nvCxnSpPr>
-        <p:spPr>
-          <a:xfrm rot="10800000">
-            <a:off x="7763251" y="1502229"/>
-            <a:ext cx="1964407" cy="111344"/>
-          </a:xfrm>
-          <a:prstGeom prst="bentConnector3">
-            <a:avLst>
-              <a:gd name="adj1" fmla="val 50000"/>
-            </a:avLst>
-          </a:prstGeom>
-          <a:ln w="60325">
-            <a:solidFill>
-              <a:schemeClr val="tx1"/>
-            </a:solidFill>
-            <a:headEnd type="triangle"/>
-            <a:tailEnd type="triangle"/>
-          </a:ln>
-        </p:spPr>
-        <p:style>
-          <a:lnRef idx="1">
-            <a:schemeClr val="accent1"/>
-          </a:lnRef>
-          <a:fillRef idx="0">
-            <a:schemeClr val="accent1"/>
-          </a:fillRef>
-          <a:effectRef idx="0">
-            <a:schemeClr val="accent1"/>
-          </a:effectRef>
-          <a:fontRef idx="minor">
-            <a:schemeClr val="tx1"/>
-          </a:fontRef>
-        </p:style>
-      </p:cxnSp>
-      <p:sp>
-        <p:nvSpPr>
-          <p:cNvPr id="42" name="TextBox 41"/>
-          <p:cNvSpPr txBox="1"/>
-          <p:nvPr/>
-        </p:nvSpPr>
-        <p:spPr>
-          <a:xfrm>
-            <a:off x="2576026" y="107415"/>
-            <a:ext cx="9268756" cy="707886"/>
-          </a:xfrm>
-          <a:prstGeom prst="rect">
-            <a:avLst/>
-          </a:prstGeom>
-          <a:noFill/>
-        </p:spPr>
-        <p:txBody>
-          <a:bodyPr wrap="none" rtlCol="0">
-            <a:spAutoFit/>
-          </a:bodyPr>
-          <a:lstStyle/>
-          <a:p>
-            <a:r>
-              <a:rPr lang="en-US" sz="4000" i="1" u="sng" dirty="0">
-                <a:latin typeface="+mj-lt"/>
-              </a:rPr>
-              <a:t>Structural example: The migration algorithm</a:t>
-            </a:r>
-          </a:p>
-        </p:txBody>
-      </p:sp>
-      <p:sp>
-        <p:nvSpPr>
-          <p:cNvPr id="45" name="TextBox 44"/>
-          <p:cNvSpPr txBox="1"/>
-          <p:nvPr/>
-        </p:nvSpPr>
-        <p:spPr>
-          <a:xfrm>
-            <a:off x="274900" y="2588596"/>
-            <a:ext cx="7774966" cy="1631216"/>
-          </a:xfrm>
-          <a:prstGeom prst="rect">
-            <a:avLst/>
-          </a:prstGeom>
-          <a:noFill/>
-        </p:spPr>
-        <p:txBody>
-          <a:bodyPr wrap="square" rtlCol="0">
-            <a:spAutoFit/>
-          </a:bodyPr>
-          <a:lstStyle/>
-          <a:p>
-            <a:r>
-              <a:rPr lang="en-US" sz="2000" b="1" dirty="0" err="1">
-                <a:latin typeface="Courier New" charset="0"/>
-                <a:ea typeface="Courier New" charset="0"/>
-                <a:cs typeface="Courier New" charset="0"/>
-              </a:rPr>
-              <a:t>migrate_island</a:t>
-            </a:r>
-            <a:r>
-              <a:rPr lang="en-US" sz="2000" b="1" dirty="0">
-                <a:latin typeface="Courier New" charset="0"/>
-                <a:ea typeface="Courier New" charset="0"/>
-                <a:cs typeface="Courier New" charset="0"/>
-              </a:rPr>
-              <a:t>()</a:t>
-            </a:r>
-          </a:p>
-          <a:p>
-            <a:endParaRPr lang="en-US" sz="2000" b="1" dirty="0">
-              <a:latin typeface="Courier New" charset="0"/>
-              <a:ea typeface="Courier New" charset="0"/>
-              <a:cs typeface="Courier New" charset="0"/>
-            </a:endParaRPr>
-          </a:p>
-          <a:p>
-            <a:r>
-              <a:rPr lang="en-US" sz="2000" b="1" dirty="0" err="1">
-                <a:latin typeface="Courier New" charset="0"/>
-                <a:ea typeface="Courier New" charset="0"/>
-                <a:cs typeface="Courier New" charset="0"/>
-              </a:rPr>
-              <a:t>get_random_landscapes</a:t>
-            </a:r>
-            <a:r>
-              <a:rPr lang="en-US" sz="2000" b="1" dirty="0">
-                <a:latin typeface="Courier New" charset="0"/>
-                <a:ea typeface="Courier New" charset="0"/>
-                <a:cs typeface="Courier New" charset="0"/>
-              </a:rPr>
-              <a:t>()</a:t>
-            </a:r>
-          </a:p>
-          <a:p>
-            <a:endParaRPr lang="en-US" sz="2000" b="1" dirty="0">
-              <a:latin typeface="Courier New" charset="0"/>
-              <a:ea typeface="Courier New" charset="0"/>
-              <a:cs typeface="Courier New" charset="0"/>
-            </a:endParaRPr>
-          </a:p>
-          <a:p>
-            <a:r>
-              <a:rPr lang="en-US" sz="2000" b="1" dirty="0" err="1">
-                <a:latin typeface="Courier New" charset="0"/>
-                <a:ea typeface="Courier New" charset="0"/>
-                <a:cs typeface="Courier New" charset="0"/>
-              </a:rPr>
-              <a:t>neighbours</a:t>
-            </a:r>
-            <a:r>
-              <a:rPr lang="en-US" sz="2000" b="1" dirty="0">
-                <a:latin typeface="Courier New" charset="0"/>
-                <a:ea typeface="Courier New" charset="0"/>
-                <a:cs typeface="Courier New" charset="0"/>
-              </a:rPr>
-              <a:t> = </a:t>
-            </a:r>
-            <a:r>
-              <a:rPr lang="en-US" sz="2000" b="1" dirty="0" err="1">
-                <a:latin typeface="Courier New" charset="0"/>
-                <a:ea typeface="Courier New" charset="0"/>
-                <a:cs typeface="Courier New" charset="0"/>
-              </a:rPr>
-              <a:t>get_surrounding_landscapes</a:t>
-            </a:r>
-            <a:r>
-              <a:rPr lang="en-US" sz="2000" b="1" dirty="0">
-                <a:latin typeface="Courier New" charset="0"/>
-                <a:ea typeface="Courier New" charset="0"/>
-                <a:cs typeface="Courier New" charset="0"/>
-              </a:rPr>
-              <a:t>(</a:t>
-            </a:r>
-            <a:r>
-              <a:rPr lang="en-US" sz="2000" b="1" dirty="0" err="1">
-                <a:latin typeface="Courier New" charset="0"/>
-                <a:ea typeface="Courier New" charset="0"/>
-                <a:cs typeface="Courier New" charset="0"/>
-              </a:rPr>
-              <a:t>pos</a:t>
-            </a:r>
-            <a:r>
-              <a:rPr lang="en-US" sz="2000" b="1" dirty="0">
-                <a:latin typeface="Courier New" charset="0"/>
-                <a:ea typeface="Courier New" charset="0"/>
-                <a:cs typeface="Courier New" charset="0"/>
-              </a:rPr>
-              <a:t>)</a:t>
-            </a:r>
-          </a:p>
-        </p:txBody>
-      </p:sp>
-      <p:sp>
-        <p:nvSpPr>
-          <p:cNvPr id="55" name="TextBox 54"/>
-          <p:cNvSpPr txBox="1"/>
-          <p:nvPr/>
-        </p:nvSpPr>
-        <p:spPr>
-          <a:xfrm>
-            <a:off x="5091143" y="2688370"/>
-            <a:ext cx="3467552" cy="400110"/>
-          </a:xfrm>
-          <a:prstGeom prst="rect">
-            <a:avLst/>
-          </a:prstGeom>
-          <a:noFill/>
-        </p:spPr>
-        <p:txBody>
-          <a:bodyPr wrap="square" rtlCol="0">
-            <a:spAutoFit/>
-          </a:bodyPr>
-          <a:lstStyle/>
-          <a:p>
-            <a:r>
-              <a:rPr lang="en-US" sz="2000" b="1" dirty="0">
-                <a:latin typeface="Courier New" charset="0"/>
-                <a:ea typeface="Courier New" charset="0"/>
-                <a:cs typeface="Courier New" charset="0"/>
-              </a:rPr>
-              <a:t>migrate(</a:t>
-            </a:r>
-            <a:r>
-              <a:rPr lang="en-US" sz="2000" b="1" dirty="0" err="1">
-                <a:latin typeface="Courier New" charset="0"/>
-                <a:ea typeface="Courier New" charset="0"/>
-                <a:cs typeface="Courier New" charset="0"/>
-              </a:rPr>
-              <a:t>neighbours</a:t>
-            </a:r>
-            <a:r>
-              <a:rPr lang="en-US" sz="2000" b="1" dirty="0">
-                <a:latin typeface="Courier New" charset="0"/>
-                <a:ea typeface="Courier New" charset="0"/>
-                <a:cs typeface="Courier New" charset="0"/>
-              </a:rPr>
-              <a:t>)</a:t>
-            </a:r>
-          </a:p>
-        </p:txBody>
-      </p:sp>
-      <p:sp>
-        <p:nvSpPr>
-          <p:cNvPr id="56" name="TextBox 55"/>
-          <p:cNvSpPr txBox="1"/>
-          <p:nvPr/>
-        </p:nvSpPr>
-        <p:spPr>
-          <a:xfrm>
-            <a:off x="7409792" y="2507424"/>
-            <a:ext cx="4468529" cy="2862322"/>
-          </a:xfrm>
-          <a:prstGeom prst="rect">
-            <a:avLst/>
-          </a:prstGeom>
-          <a:noFill/>
-        </p:spPr>
-        <p:txBody>
-          <a:bodyPr wrap="square" rtlCol="0">
-            <a:spAutoFit/>
-          </a:bodyPr>
-          <a:lstStyle/>
-          <a:p>
-            <a:pPr algn="r"/>
-            <a:r>
-              <a:rPr lang="en-US" sz="2000" b="1" dirty="0">
-                <a:latin typeface="Courier New" charset="0"/>
-                <a:ea typeface="Courier New" charset="0"/>
-                <a:cs typeface="Courier New" charset="0"/>
-              </a:rPr>
-              <a:t>migrating()</a:t>
-            </a:r>
-          </a:p>
-          <a:p>
-            <a:pPr algn="r"/>
-            <a:endParaRPr lang="en-US" sz="2000" b="1" noProof="1">
-              <a:latin typeface="Courier New" charset="0"/>
-              <a:ea typeface="Courier New" charset="0"/>
-              <a:cs typeface="Courier New" charset="0"/>
-            </a:endParaRPr>
-          </a:p>
-          <a:p>
-            <a:pPr algn="r"/>
-            <a:r>
-              <a:rPr lang="en-US" sz="2000" b="1" noProof="1">
-                <a:latin typeface="Courier New" charset="0"/>
-                <a:ea typeface="Courier New" charset="0"/>
-                <a:cs typeface="Courier New" charset="0"/>
-              </a:rPr>
-              <a:t>is_herbivore()</a:t>
-            </a:r>
-          </a:p>
-          <a:p>
-            <a:pPr algn="r"/>
-            <a:endParaRPr lang="en-US" sz="2000" b="1" noProof="1">
-              <a:latin typeface="Courier New" charset="0"/>
-              <a:ea typeface="Courier New" charset="0"/>
-              <a:cs typeface="Courier New" charset="0"/>
-            </a:endParaRPr>
-          </a:p>
-          <a:p>
-            <a:pPr algn="r"/>
-            <a:r>
-              <a:rPr lang="en-US" sz="2000" b="1" noProof="1">
-                <a:latin typeface="Courier New" charset="0"/>
-                <a:ea typeface="Courier New" charset="0"/>
-                <a:cs typeface="Courier New" charset="0"/>
-              </a:rPr>
-              <a:t>new_grassland(neighbours)</a:t>
-            </a:r>
-          </a:p>
-          <a:p>
-            <a:pPr algn="r"/>
-            <a:endParaRPr lang="en-US" sz="2000" b="1" noProof="1">
-              <a:latin typeface="Courier New" charset="0"/>
-              <a:ea typeface="Courier New" charset="0"/>
-              <a:cs typeface="Courier New" charset="0"/>
-            </a:endParaRPr>
-          </a:p>
-          <a:p>
-            <a:pPr algn="r"/>
-            <a:r>
-              <a:rPr lang="en-US" sz="2000" b="1" noProof="1">
-                <a:latin typeface="Courier New" charset="0"/>
-                <a:ea typeface="Courier New" charset="0"/>
-                <a:cs typeface="Courier New" charset="0"/>
-              </a:rPr>
-              <a:t>is_carnivore()</a:t>
-            </a:r>
-          </a:p>
-          <a:p>
-            <a:pPr algn="r"/>
-            <a:endParaRPr lang="en-US" sz="2000" b="1" noProof="1">
-              <a:latin typeface="Courier New" charset="0"/>
-              <a:ea typeface="Courier New" charset="0"/>
-              <a:cs typeface="Courier New" charset="0"/>
-            </a:endParaRPr>
-          </a:p>
-          <a:p>
-            <a:pPr algn="r"/>
-            <a:r>
-              <a:rPr lang="en-US" sz="2000" b="1" noProof="1">
-                <a:latin typeface="Courier New" charset="0"/>
-                <a:ea typeface="Courier New" charset="0"/>
-                <a:cs typeface="Courier New" charset="0"/>
-              </a:rPr>
-              <a:t>new_hunting_land(neighbours)</a:t>
-            </a:r>
-          </a:p>
-        </p:txBody>
-      </p:sp>
-      <p:cxnSp>
-        <p:nvCxnSpPr>
-          <p:cNvPr id="60" name="Straight Connector 59"/>
-          <p:cNvCxnSpPr>
-            <a:stCxn id="6" idx="4"/>
-          </p:cNvCxnSpPr>
-          <p:nvPr/>
-        </p:nvCxnSpPr>
-        <p:spPr>
-          <a:xfrm>
-            <a:off x="2576027" y="2005755"/>
-            <a:ext cx="0" cy="343307"/>
-          </a:xfrm>
-          <a:prstGeom prst="line">
-            <a:avLst/>
-          </a:prstGeom>
-          <a:ln w="44450">
-            <a:solidFill>
-              <a:srgbClr val="FF0000"/>
-            </a:solidFill>
-          </a:ln>
-        </p:spPr>
-        <p:style>
-          <a:lnRef idx="1">
-            <a:schemeClr val="accent1"/>
-          </a:lnRef>
-          <a:fillRef idx="0">
-            <a:schemeClr val="accent1"/>
-          </a:fillRef>
-          <a:effectRef idx="0">
-            <a:schemeClr val="accent1"/>
-          </a:effectRef>
-          <a:fontRef idx="minor">
-            <a:schemeClr val="tx1"/>
-          </a:fontRef>
-        </p:style>
-      </p:cxnSp>
-      <p:cxnSp>
-        <p:nvCxnSpPr>
-          <p:cNvPr id="63" name="Straight Connector 62"/>
-          <p:cNvCxnSpPr>
-            <a:cxnSpLocks/>
-            <a:stCxn id="7" idx="4"/>
-          </p:cNvCxnSpPr>
-          <p:nvPr/>
-        </p:nvCxnSpPr>
-        <p:spPr>
-          <a:xfrm flipH="1">
-            <a:off x="6596257" y="1993054"/>
-            <a:ext cx="3955" cy="499890"/>
-          </a:xfrm>
-          <a:prstGeom prst="line">
-            <a:avLst/>
-          </a:prstGeom>
-          <a:ln w="41275">
-            <a:solidFill>
-              <a:srgbClr val="FF0000"/>
-            </a:solidFill>
-          </a:ln>
-        </p:spPr>
-        <p:style>
-          <a:lnRef idx="1">
-            <a:schemeClr val="accent1"/>
-          </a:lnRef>
-          <a:fillRef idx="0">
-            <a:schemeClr val="accent1"/>
-          </a:fillRef>
-          <a:effectRef idx="0">
-            <a:schemeClr val="accent1"/>
-          </a:effectRef>
-          <a:fontRef idx="minor">
-            <a:schemeClr val="tx1"/>
-          </a:fontRef>
-        </p:style>
-      </p:cxnSp>
-      <p:cxnSp>
-        <p:nvCxnSpPr>
-          <p:cNvPr id="66" name="Straight Connector 65"/>
-          <p:cNvCxnSpPr>
-            <a:stCxn id="8" idx="4"/>
-          </p:cNvCxnSpPr>
-          <p:nvPr/>
-        </p:nvCxnSpPr>
-        <p:spPr>
-          <a:xfrm flipH="1">
-            <a:off x="10620442" y="1983282"/>
-            <a:ext cx="3954" cy="365780"/>
-          </a:xfrm>
-          <a:prstGeom prst="line">
-            <a:avLst/>
-          </a:prstGeom>
-          <a:ln w="41275">
-            <a:solidFill>
-              <a:srgbClr val="FF0000"/>
-            </a:solidFill>
-          </a:ln>
-        </p:spPr>
-        <p:style>
-          <a:lnRef idx="1">
-            <a:schemeClr val="accent1"/>
-          </a:lnRef>
-          <a:fillRef idx="0">
-            <a:schemeClr val="accent1"/>
-          </a:fillRef>
-          <a:effectRef idx="0">
-            <a:schemeClr val="accent1"/>
-          </a:effectRef>
-          <a:fontRef idx="minor">
-            <a:schemeClr val="tx1"/>
-          </a:fontRef>
-        </p:style>
-      </p:cxnSp>
-      <p:cxnSp>
-        <p:nvCxnSpPr>
-          <p:cNvPr id="9" name="Rett linje 8">
-            <a:extLst>
-              <a:ext uri="{FF2B5EF4-FFF2-40B4-BE49-F238E27FC236}">
-                <a16:creationId xmlns:a16="http://schemas.microsoft.com/office/drawing/2014/main" id="{4D34DB5E-30ED-4799-9DFF-458D23699D5D}"/>
-              </a:ext>
-            </a:extLst>
-          </p:cNvPr>
-          <p:cNvCxnSpPr/>
-          <p:nvPr/>
-        </p:nvCxnSpPr>
-        <p:spPr>
-          <a:xfrm>
-            <a:off x="274900" y="2349062"/>
-            <a:ext cx="0" cy="2120301"/>
-          </a:xfrm>
-          <a:prstGeom prst="line">
-            <a:avLst/>
-          </a:prstGeom>
-        </p:spPr>
-        <p:style>
-          <a:lnRef idx="3">
-            <a:schemeClr val="accent1"/>
-          </a:lnRef>
-          <a:fillRef idx="0">
-            <a:schemeClr val="accent1"/>
-          </a:fillRef>
-          <a:effectRef idx="2">
-            <a:schemeClr val="accent1"/>
-          </a:effectRef>
-          <a:fontRef idx="minor">
-            <a:schemeClr val="tx1"/>
-          </a:fontRef>
-        </p:style>
-      </p:cxnSp>
-      <p:cxnSp>
-        <p:nvCxnSpPr>
-          <p:cNvPr id="13" name="Rett linje 12">
-            <a:extLst>
-              <a:ext uri="{FF2B5EF4-FFF2-40B4-BE49-F238E27FC236}">
-                <a16:creationId xmlns:a16="http://schemas.microsoft.com/office/drawing/2014/main" id="{A831AB28-0181-4D49-A925-A2E3A2BDF0C5}"/>
-              </a:ext>
-            </a:extLst>
-          </p:cNvPr>
-          <p:cNvCxnSpPr>
-            <a:cxnSpLocks/>
-          </p:cNvCxnSpPr>
-          <p:nvPr/>
-        </p:nvCxnSpPr>
-        <p:spPr>
-          <a:xfrm>
-            <a:off x="274900" y="4469363"/>
-            <a:ext cx="6928333" cy="0"/>
-          </a:xfrm>
-          <a:prstGeom prst="line">
-            <a:avLst/>
-          </a:prstGeom>
-        </p:spPr>
-        <p:style>
-          <a:lnRef idx="3">
-            <a:schemeClr val="accent1"/>
-          </a:lnRef>
-          <a:fillRef idx="0">
-            <a:schemeClr val="accent1"/>
-          </a:fillRef>
-          <a:effectRef idx="2">
-            <a:schemeClr val="accent1"/>
-          </a:effectRef>
-          <a:fontRef idx="minor">
-            <a:schemeClr val="tx1"/>
-          </a:fontRef>
-        </p:style>
-      </p:cxnSp>
-      <p:cxnSp>
-        <p:nvCxnSpPr>
-          <p:cNvPr id="29" name="Rett linje 28">
-            <a:extLst>
-              <a:ext uri="{FF2B5EF4-FFF2-40B4-BE49-F238E27FC236}">
-                <a16:creationId xmlns:a16="http://schemas.microsoft.com/office/drawing/2014/main" id="{84778102-F327-4B71-A443-9887223248F7}"/>
-              </a:ext>
-            </a:extLst>
-          </p:cNvPr>
-          <p:cNvCxnSpPr>
-            <a:cxnSpLocks/>
-          </p:cNvCxnSpPr>
-          <p:nvPr/>
-        </p:nvCxnSpPr>
-        <p:spPr>
-          <a:xfrm flipV="1">
-            <a:off x="7203233" y="3685592"/>
-            <a:ext cx="0" cy="783771"/>
-          </a:xfrm>
-          <a:prstGeom prst="line">
-            <a:avLst/>
-          </a:prstGeom>
-        </p:spPr>
-        <p:style>
-          <a:lnRef idx="3">
-            <a:schemeClr val="accent1"/>
-          </a:lnRef>
-          <a:fillRef idx="0">
-            <a:schemeClr val="accent1"/>
-          </a:fillRef>
-          <a:effectRef idx="2">
-            <a:schemeClr val="accent1"/>
-          </a:effectRef>
-          <a:fontRef idx="minor">
-            <a:schemeClr val="tx1"/>
-          </a:fontRef>
-        </p:style>
-      </p:cxnSp>
-      <p:cxnSp>
-        <p:nvCxnSpPr>
-          <p:cNvPr id="32" name="Rett linje 31">
-            <a:extLst>
-              <a:ext uri="{FF2B5EF4-FFF2-40B4-BE49-F238E27FC236}">
-                <a16:creationId xmlns:a16="http://schemas.microsoft.com/office/drawing/2014/main" id="{3A3327B4-E1F2-430D-97BE-E585D757E21A}"/>
-              </a:ext>
-            </a:extLst>
-          </p:cNvPr>
-          <p:cNvCxnSpPr>
-            <a:cxnSpLocks/>
-          </p:cNvCxnSpPr>
-          <p:nvPr/>
-        </p:nvCxnSpPr>
-        <p:spPr>
-          <a:xfrm flipH="1">
-            <a:off x="4058816" y="3685592"/>
-            <a:ext cx="3144418" cy="0"/>
-          </a:xfrm>
-          <a:prstGeom prst="line">
-            <a:avLst/>
-          </a:prstGeom>
-        </p:spPr>
-        <p:style>
-          <a:lnRef idx="3">
-            <a:schemeClr val="accent1"/>
-          </a:lnRef>
-          <a:fillRef idx="0">
-            <a:schemeClr val="accent1"/>
-          </a:fillRef>
-          <a:effectRef idx="2">
-            <a:schemeClr val="accent1"/>
-          </a:effectRef>
-          <a:fontRef idx="minor">
-            <a:schemeClr val="tx1"/>
-          </a:fontRef>
-        </p:style>
-      </p:cxnSp>
-      <p:cxnSp>
-        <p:nvCxnSpPr>
-          <p:cNvPr id="36" name="Rett linje 35">
-            <a:extLst>
-              <a:ext uri="{FF2B5EF4-FFF2-40B4-BE49-F238E27FC236}">
-                <a16:creationId xmlns:a16="http://schemas.microsoft.com/office/drawing/2014/main" id="{DF366D02-CC4B-4A77-A961-9F53D928E294}"/>
-              </a:ext>
-            </a:extLst>
-          </p:cNvPr>
-          <p:cNvCxnSpPr>
-            <a:cxnSpLocks/>
-          </p:cNvCxnSpPr>
-          <p:nvPr/>
-        </p:nvCxnSpPr>
-        <p:spPr>
-          <a:xfrm flipV="1">
-            <a:off x="4058816" y="2349062"/>
-            <a:ext cx="0" cy="1336531"/>
-          </a:xfrm>
-          <a:prstGeom prst="line">
-            <a:avLst/>
-          </a:prstGeom>
-        </p:spPr>
-        <p:style>
-          <a:lnRef idx="3">
-            <a:schemeClr val="accent1"/>
-          </a:lnRef>
-          <a:fillRef idx="0">
-            <a:schemeClr val="accent1"/>
-          </a:fillRef>
-          <a:effectRef idx="2">
-            <a:schemeClr val="accent1"/>
-          </a:effectRef>
-          <a:fontRef idx="minor">
-            <a:schemeClr val="tx1"/>
-          </a:fontRef>
-        </p:style>
-      </p:cxnSp>
-      <p:cxnSp>
-        <p:nvCxnSpPr>
-          <p:cNvPr id="39" name="Rett linje 38">
-            <a:extLst>
-              <a:ext uri="{FF2B5EF4-FFF2-40B4-BE49-F238E27FC236}">
-                <a16:creationId xmlns:a16="http://schemas.microsoft.com/office/drawing/2014/main" id="{059A4B3B-C726-446A-8547-700DAEF0362D}"/>
-              </a:ext>
-            </a:extLst>
-          </p:cNvPr>
-          <p:cNvCxnSpPr>
-            <a:cxnSpLocks/>
-          </p:cNvCxnSpPr>
-          <p:nvPr/>
-        </p:nvCxnSpPr>
-        <p:spPr>
-          <a:xfrm>
-            <a:off x="274900" y="2349062"/>
-            <a:ext cx="3783916" cy="0"/>
-          </a:xfrm>
-          <a:prstGeom prst="line">
-            <a:avLst/>
-          </a:prstGeom>
-        </p:spPr>
-        <p:style>
-          <a:lnRef idx="3">
-            <a:schemeClr val="accent1"/>
-          </a:lnRef>
-          <a:fillRef idx="0">
-            <a:schemeClr val="accent1"/>
-          </a:fillRef>
-          <a:effectRef idx="2">
-            <a:schemeClr val="accent1"/>
-          </a:effectRef>
-          <a:fontRef idx="minor">
-            <a:schemeClr val="tx1"/>
-          </a:fontRef>
-        </p:style>
-      </p:cxnSp>
-      <p:cxnSp>
-        <p:nvCxnSpPr>
-          <p:cNvPr id="50" name="Rett linje 49">
-            <a:extLst>
-              <a:ext uri="{FF2B5EF4-FFF2-40B4-BE49-F238E27FC236}">
-                <a16:creationId xmlns:a16="http://schemas.microsoft.com/office/drawing/2014/main" id="{E6B88F41-274F-42FB-AB2A-914F032D1281}"/>
-              </a:ext>
-            </a:extLst>
-          </p:cNvPr>
-          <p:cNvCxnSpPr>
-            <a:cxnSpLocks/>
-          </p:cNvCxnSpPr>
-          <p:nvPr/>
-        </p:nvCxnSpPr>
-        <p:spPr>
-          <a:xfrm flipH="1">
-            <a:off x="5028003" y="2507424"/>
-            <a:ext cx="3144418" cy="0"/>
-          </a:xfrm>
-          <a:prstGeom prst="line">
-            <a:avLst/>
-          </a:prstGeom>
-        </p:spPr>
-        <p:style>
-          <a:lnRef idx="3">
-            <a:schemeClr val="accent1"/>
-          </a:lnRef>
-          <a:fillRef idx="0">
-            <a:schemeClr val="accent1"/>
-          </a:fillRef>
-          <a:effectRef idx="2">
-            <a:schemeClr val="accent1"/>
-          </a:effectRef>
-          <a:fontRef idx="minor">
-            <a:schemeClr val="tx1"/>
-          </a:fontRef>
-        </p:style>
-      </p:cxnSp>
-      <p:cxnSp>
-        <p:nvCxnSpPr>
-          <p:cNvPr id="51" name="Rett linje 50">
-            <a:extLst>
-              <a:ext uri="{FF2B5EF4-FFF2-40B4-BE49-F238E27FC236}">
-                <a16:creationId xmlns:a16="http://schemas.microsoft.com/office/drawing/2014/main" id="{B32FC392-80EF-42CA-A7FD-F4C58AFD1EFD}"/>
-              </a:ext>
-            </a:extLst>
-          </p:cNvPr>
-          <p:cNvCxnSpPr>
-            <a:cxnSpLocks/>
-          </p:cNvCxnSpPr>
-          <p:nvPr/>
-        </p:nvCxnSpPr>
-        <p:spPr>
-          <a:xfrm flipV="1">
-            <a:off x="8172421" y="2507424"/>
-            <a:ext cx="0" cy="783771"/>
-          </a:xfrm>
-          <a:prstGeom prst="line">
-            <a:avLst/>
-          </a:prstGeom>
-        </p:spPr>
-        <p:style>
-          <a:lnRef idx="3">
-            <a:schemeClr val="accent1"/>
-          </a:lnRef>
-          <a:fillRef idx="0">
-            <a:schemeClr val="accent1"/>
-          </a:fillRef>
-          <a:effectRef idx="2">
-            <a:schemeClr val="accent1"/>
-          </a:effectRef>
-          <a:fontRef idx="minor">
-            <a:schemeClr val="tx1"/>
-          </a:fontRef>
-        </p:style>
-      </p:cxnSp>
-      <p:cxnSp>
-        <p:nvCxnSpPr>
-          <p:cNvPr id="52" name="Rett linje 51">
-            <a:extLst>
-              <a:ext uri="{FF2B5EF4-FFF2-40B4-BE49-F238E27FC236}">
-                <a16:creationId xmlns:a16="http://schemas.microsoft.com/office/drawing/2014/main" id="{59B10646-3BDA-4483-B507-2B36584A9E0C}"/>
-              </a:ext>
-            </a:extLst>
-          </p:cNvPr>
-          <p:cNvCxnSpPr>
-            <a:cxnSpLocks/>
-          </p:cNvCxnSpPr>
-          <p:nvPr/>
-        </p:nvCxnSpPr>
-        <p:spPr>
-          <a:xfrm flipV="1">
-            <a:off x="5041380" y="2507424"/>
-            <a:ext cx="0" cy="783771"/>
-          </a:xfrm>
-          <a:prstGeom prst="line">
-            <a:avLst/>
-          </a:prstGeom>
-        </p:spPr>
-        <p:style>
-          <a:lnRef idx="3">
-            <a:schemeClr val="accent1"/>
-          </a:lnRef>
-          <a:fillRef idx="0">
-            <a:schemeClr val="accent1"/>
-          </a:fillRef>
-          <a:effectRef idx="2">
-            <a:schemeClr val="accent1"/>
-          </a:effectRef>
-          <a:fontRef idx="minor">
-            <a:schemeClr val="tx1"/>
-          </a:fontRef>
-        </p:style>
-      </p:cxnSp>
-      <p:cxnSp>
-        <p:nvCxnSpPr>
-          <p:cNvPr id="53" name="Rett linje 52">
-            <a:extLst>
-              <a:ext uri="{FF2B5EF4-FFF2-40B4-BE49-F238E27FC236}">
-                <a16:creationId xmlns:a16="http://schemas.microsoft.com/office/drawing/2014/main" id="{85B084EA-8CC5-48B2-9D53-6D69759F3567}"/>
-              </a:ext>
-            </a:extLst>
-          </p:cNvPr>
-          <p:cNvCxnSpPr>
-            <a:cxnSpLocks/>
-          </p:cNvCxnSpPr>
-          <p:nvPr/>
-        </p:nvCxnSpPr>
-        <p:spPr>
-          <a:xfrm flipH="1">
-            <a:off x="5028002" y="3291195"/>
-            <a:ext cx="3144418" cy="0"/>
-          </a:xfrm>
-          <a:prstGeom prst="line">
-            <a:avLst/>
-          </a:prstGeom>
-        </p:spPr>
-        <p:style>
-          <a:lnRef idx="3">
-            <a:schemeClr val="accent1"/>
-          </a:lnRef>
-          <a:fillRef idx="0">
-            <a:schemeClr val="accent1"/>
-          </a:fillRef>
-          <a:effectRef idx="2">
-            <a:schemeClr val="accent1"/>
-          </a:effectRef>
-          <a:fontRef idx="minor">
-            <a:schemeClr val="tx1"/>
-          </a:fontRef>
-        </p:style>
-      </p:cxnSp>
-      <p:cxnSp>
-        <p:nvCxnSpPr>
-          <p:cNvPr id="54" name="Rett linje 53">
-            <a:extLst>
-              <a:ext uri="{FF2B5EF4-FFF2-40B4-BE49-F238E27FC236}">
-                <a16:creationId xmlns:a16="http://schemas.microsoft.com/office/drawing/2014/main" id="{9D3CC120-0E3C-43B4-BC05-AE82652A34C1}"/>
-              </a:ext>
-            </a:extLst>
-          </p:cNvPr>
-          <p:cNvCxnSpPr>
-            <a:cxnSpLocks/>
-          </p:cNvCxnSpPr>
-          <p:nvPr/>
-        </p:nvCxnSpPr>
-        <p:spPr>
-          <a:xfrm flipV="1">
-            <a:off x="9362435" y="2371433"/>
-            <a:ext cx="0" cy="1192863"/>
-          </a:xfrm>
-          <a:prstGeom prst="line">
-            <a:avLst/>
-          </a:prstGeom>
-        </p:spPr>
-        <p:style>
-          <a:lnRef idx="3">
-            <a:schemeClr val="accent1"/>
-          </a:lnRef>
-          <a:fillRef idx="0">
-            <a:schemeClr val="accent1"/>
-          </a:fillRef>
-          <a:effectRef idx="2">
-            <a:schemeClr val="accent1"/>
-          </a:effectRef>
-          <a:fontRef idx="minor">
-            <a:schemeClr val="tx1"/>
-          </a:fontRef>
-        </p:style>
-      </p:cxnSp>
-      <p:cxnSp>
-        <p:nvCxnSpPr>
-          <p:cNvPr id="57" name="Rett linje 56">
-            <a:extLst>
-              <a:ext uri="{FF2B5EF4-FFF2-40B4-BE49-F238E27FC236}">
-                <a16:creationId xmlns:a16="http://schemas.microsoft.com/office/drawing/2014/main" id="{DBCDCB5F-AB94-4064-899F-59721D074510}"/>
-              </a:ext>
-            </a:extLst>
-          </p:cNvPr>
-          <p:cNvCxnSpPr>
-            <a:cxnSpLocks/>
-          </p:cNvCxnSpPr>
-          <p:nvPr/>
-        </p:nvCxnSpPr>
-        <p:spPr>
-          <a:xfrm flipV="1">
-            <a:off x="7834737" y="3564294"/>
-            <a:ext cx="0" cy="1278894"/>
-          </a:xfrm>
-          <a:prstGeom prst="line">
-            <a:avLst/>
-          </a:prstGeom>
-        </p:spPr>
-        <p:style>
-          <a:lnRef idx="3">
-            <a:schemeClr val="accent1"/>
-          </a:lnRef>
-          <a:fillRef idx="0">
-            <a:schemeClr val="accent1"/>
-          </a:fillRef>
-          <a:effectRef idx="2">
-            <a:schemeClr val="accent1"/>
-          </a:effectRef>
-          <a:fontRef idx="minor">
-            <a:schemeClr val="tx1"/>
-          </a:fontRef>
-        </p:style>
-      </p:cxnSp>
-      <p:cxnSp>
-        <p:nvCxnSpPr>
-          <p:cNvPr id="59" name="Rett linje 58">
-            <a:extLst>
-              <a:ext uri="{FF2B5EF4-FFF2-40B4-BE49-F238E27FC236}">
-                <a16:creationId xmlns:a16="http://schemas.microsoft.com/office/drawing/2014/main" id="{5FE2D2D4-C2B0-4A36-AE9E-73164EC1C43F}"/>
-              </a:ext>
-            </a:extLst>
-          </p:cNvPr>
-          <p:cNvCxnSpPr>
-            <a:cxnSpLocks/>
-          </p:cNvCxnSpPr>
-          <p:nvPr/>
-        </p:nvCxnSpPr>
-        <p:spPr>
-          <a:xfrm flipV="1">
-            <a:off x="7279792" y="4843187"/>
-            <a:ext cx="0" cy="783771"/>
-          </a:xfrm>
-          <a:prstGeom prst="line">
-            <a:avLst/>
-          </a:prstGeom>
-        </p:spPr>
-        <p:style>
-          <a:lnRef idx="3">
-            <a:schemeClr val="accent1"/>
-          </a:lnRef>
-          <a:fillRef idx="0">
-            <a:schemeClr val="accent1"/>
-          </a:fillRef>
-          <a:effectRef idx="2">
-            <a:schemeClr val="accent1"/>
-          </a:effectRef>
-          <a:fontRef idx="minor">
-            <a:schemeClr val="tx1"/>
-          </a:fontRef>
-        </p:style>
-      </p:cxnSp>
-      <p:cxnSp>
-        <p:nvCxnSpPr>
-          <p:cNvPr id="61" name="Rett linje 60">
-            <a:extLst>
-              <a:ext uri="{FF2B5EF4-FFF2-40B4-BE49-F238E27FC236}">
-                <a16:creationId xmlns:a16="http://schemas.microsoft.com/office/drawing/2014/main" id="{09ED41C4-B437-456E-BBE0-4098D507FA62}"/>
-              </a:ext>
-            </a:extLst>
-          </p:cNvPr>
-          <p:cNvCxnSpPr>
-            <a:cxnSpLocks/>
-          </p:cNvCxnSpPr>
-          <p:nvPr/>
-        </p:nvCxnSpPr>
-        <p:spPr>
-          <a:xfrm flipV="1">
-            <a:off x="11878321" y="2349062"/>
-            <a:ext cx="0" cy="3277896"/>
-          </a:xfrm>
-          <a:prstGeom prst="line">
-            <a:avLst/>
-          </a:prstGeom>
-        </p:spPr>
-        <p:style>
-          <a:lnRef idx="3">
-            <a:schemeClr val="accent1"/>
-          </a:lnRef>
-          <a:fillRef idx="0">
-            <a:schemeClr val="accent1"/>
-          </a:fillRef>
-          <a:effectRef idx="2">
-            <a:schemeClr val="accent1"/>
-          </a:effectRef>
-          <a:fontRef idx="minor">
-            <a:schemeClr val="tx1"/>
-          </a:fontRef>
-        </p:style>
-      </p:cxnSp>
-      <p:cxnSp>
-        <p:nvCxnSpPr>
-          <p:cNvPr id="62" name="Rett linje 61">
-            <a:extLst>
-              <a:ext uri="{FF2B5EF4-FFF2-40B4-BE49-F238E27FC236}">
-                <a16:creationId xmlns:a16="http://schemas.microsoft.com/office/drawing/2014/main" id="{603C8C8F-2E09-4EF5-A4FB-9B7B5BF9153B}"/>
-              </a:ext>
-            </a:extLst>
-          </p:cNvPr>
-          <p:cNvCxnSpPr>
-            <a:cxnSpLocks/>
-          </p:cNvCxnSpPr>
-          <p:nvPr/>
-        </p:nvCxnSpPr>
-        <p:spPr>
-          <a:xfrm>
-            <a:off x="7279792" y="5626958"/>
-            <a:ext cx="4598529" cy="0"/>
-          </a:xfrm>
-          <a:prstGeom prst="line">
-            <a:avLst/>
-          </a:prstGeom>
-        </p:spPr>
-        <p:style>
-          <a:lnRef idx="3">
-            <a:schemeClr val="accent1"/>
-          </a:lnRef>
-          <a:fillRef idx="0">
-            <a:schemeClr val="accent1"/>
-          </a:fillRef>
-          <a:effectRef idx="2">
-            <a:schemeClr val="accent1"/>
-          </a:effectRef>
-          <a:fontRef idx="minor">
-            <a:schemeClr val="tx1"/>
-          </a:fontRef>
-        </p:style>
-      </p:cxnSp>
-      <p:cxnSp>
-        <p:nvCxnSpPr>
-          <p:cNvPr id="64" name="Rett linje 63">
-            <a:extLst>
-              <a:ext uri="{FF2B5EF4-FFF2-40B4-BE49-F238E27FC236}">
-                <a16:creationId xmlns:a16="http://schemas.microsoft.com/office/drawing/2014/main" id="{310ADB1F-A015-4BAD-A218-DFB768C4CBA1}"/>
-              </a:ext>
-            </a:extLst>
-          </p:cNvPr>
-          <p:cNvCxnSpPr>
-            <a:cxnSpLocks/>
-          </p:cNvCxnSpPr>
-          <p:nvPr/>
-        </p:nvCxnSpPr>
-        <p:spPr>
-          <a:xfrm flipH="1">
-            <a:off x="7248329" y="4843187"/>
-            <a:ext cx="586408" cy="0"/>
-          </a:xfrm>
-          <a:prstGeom prst="line">
-            <a:avLst/>
-          </a:prstGeom>
-        </p:spPr>
-        <p:style>
-          <a:lnRef idx="3">
-            <a:schemeClr val="accent1"/>
-          </a:lnRef>
-          <a:fillRef idx="0">
-            <a:schemeClr val="accent1"/>
-          </a:fillRef>
-          <a:effectRef idx="2">
-            <a:schemeClr val="accent1"/>
-          </a:effectRef>
-          <a:fontRef idx="minor">
-            <a:schemeClr val="tx1"/>
-          </a:fontRef>
-        </p:style>
-      </p:cxnSp>
-      <p:cxnSp>
-        <p:nvCxnSpPr>
-          <p:cNvPr id="65" name="Rett linje 64">
-            <a:extLst>
-              <a:ext uri="{FF2B5EF4-FFF2-40B4-BE49-F238E27FC236}">
-                <a16:creationId xmlns:a16="http://schemas.microsoft.com/office/drawing/2014/main" id="{8F4319F5-80E0-4786-9E44-7986A4BDA92B}"/>
-              </a:ext>
-            </a:extLst>
-          </p:cNvPr>
-          <p:cNvCxnSpPr>
-            <a:cxnSpLocks/>
-          </p:cNvCxnSpPr>
-          <p:nvPr/>
-        </p:nvCxnSpPr>
-        <p:spPr>
-          <a:xfrm flipH="1">
-            <a:off x="7834738" y="3564294"/>
-            <a:ext cx="1527697" cy="0"/>
-          </a:xfrm>
-          <a:prstGeom prst="line">
-            <a:avLst/>
-          </a:prstGeom>
-        </p:spPr>
-        <p:style>
-          <a:lnRef idx="3">
-            <a:schemeClr val="accent1"/>
-          </a:lnRef>
-          <a:fillRef idx="0">
-            <a:schemeClr val="accent1"/>
-          </a:fillRef>
-          <a:effectRef idx="2">
-            <a:schemeClr val="accent1"/>
-          </a:effectRef>
-          <a:fontRef idx="minor">
-            <a:schemeClr val="tx1"/>
-          </a:fontRef>
-        </p:style>
-      </p:cxnSp>
-      <p:cxnSp>
-        <p:nvCxnSpPr>
-          <p:cNvPr id="76" name="Rett linje 75">
-            <a:extLst>
-              <a:ext uri="{FF2B5EF4-FFF2-40B4-BE49-F238E27FC236}">
-                <a16:creationId xmlns:a16="http://schemas.microsoft.com/office/drawing/2014/main" id="{ADBB4810-9DB4-40BD-B66C-AB392EDD56DB}"/>
-              </a:ext>
-            </a:extLst>
-          </p:cNvPr>
-          <p:cNvCxnSpPr>
-            <a:cxnSpLocks/>
-          </p:cNvCxnSpPr>
-          <p:nvPr/>
-        </p:nvCxnSpPr>
-        <p:spPr>
-          <a:xfrm flipH="1">
-            <a:off x="9362435" y="2371433"/>
-            <a:ext cx="2515886" cy="0"/>
-          </a:xfrm>
-          <a:prstGeom prst="line">
-            <a:avLst/>
-          </a:prstGeom>
-        </p:spPr>
-        <p:style>
-          <a:lnRef idx="3">
-            <a:schemeClr val="accent1"/>
-          </a:lnRef>
-          <a:fillRef idx="0">
-            <a:schemeClr val="accent1"/>
-          </a:fillRef>
-          <a:effectRef idx="2">
-            <a:schemeClr val="accent1"/>
-          </a:effectRef>
-          <a:fontRef idx="minor">
-            <a:schemeClr val="tx1"/>
-          </a:fontRef>
-        </p:style>
-      </p:cxnSp>
-    </p:spTree>
-    <p:extLst>
-      <p:ext uri="{BB962C8B-B14F-4D97-AF65-F5344CB8AC3E}">
-        <p14:creationId xmlns:p14="http://schemas.microsoft.com/office/powerpoint/2010/main" val="273299643"/>
-      </p:ext>
-    </p:extLst>
-  </p:cSld>
-  <p:clrMapOvr>
-    <a:masterClrMapping/>
-  </p:clrMapOvr>
-</p:sld>
-</file>
-
-<file path=ppt/slides/slide5.xml><?xml version="1.0" encoding="utf-8"?>
-<p:sld xmlns:a="http://schemas.openxmlformats.org/drawingml/2006/main" xmlns:r="http://schemas.openxmlformats.org/officeDocument/2006/relationships" xmlns:p="http://schemas.openxmlformats.org/presentationml/2006/main">
-  <p:cSld>
-    <p:spTree>
-      <p:nvGrpSpPr>
-        <p:cNvPr id="1" name=""/>
-        <p:cNvGrpSpPr/>
-        <p:nvPr/>
-      </p:nvGrpSpPr>
-      <p:grpSpPr>
-        <a:xfrm>
-          <a:off x="0" y="0"/>
-          <a:ext cx="0" cy="0"/>
-          <a:chOff x="0" y="0"/>
-          <a:chExt cx="0" cy="0"/>
-        </a:xfrm>
-      </p:grpSpPr>
-      <p:sp>
-        <p:nvSpPr>
-          <p:cNvPr id="4" name="Oval 3"/>
-          <p:cNvSpPr/>
-          <p:nvPr/>
-        </p:nvSpPr>
-        <p:spPr>
-          <a:xfrm>
-            <a:off x="166956" y="1261694"/>
-            <a:ext cx="1931988" cy="739418"/>
-          </a:xfrm>
-          <a:prstGeom prst="ellipse">
-            <a:avLst/>
-          </a:prstGeom>
-          <a:solidFill>
-            <a:schemeClr val="accent1">
-              <a:lumMod val="60000"/>
-              <a:lumOff val="40000"/>
-            </a:schemeClr>
-          </a:solidFill>
-        </p:spPr>
-        <p:style>
-          <a:lnRef idx="2">
-            <a:schemeClr val="accent1">
-              <a:shade val="50000"/>
-            </a:schemeClr>
-          </a:lnRef>
-          <a:fillRef idx="1">
-            <a:schemeClr val="accent1"/>
-          </a:fillRef>
-          <a:effectRef idx="0">
-            <a:schemeClr val="accent1"/>
-          </a:effectRef>
-          <a:fontRef idx="minor">
-            <a:schemeClr val="lt1"/>
-          </a:fontRef>
-        </p:style>
-        <p:txBody>
-          <a:bodyPr rtlCol="0" anchor="ctr"/>
-          <a:lstStyle/>
-          <a:p>
-            <a:pPr algn="ctr"/>
-            <a:r>
-              <a:rPr lang="en-US" sz="2800" dirty="0" err="1">
-                <a:solidFill>
-                  <a:schemeClr val="tx1"/>
-                </a:solidFill>
-              </a:rPr>
-              <a:t>BioSim</a:t>
-            </a:r>
-            <a:endParaRPr lang="en-US" sz="2800" dirty="0">
-              <a:solidFill>
-                <a:schemeClr val="accent1">
-                  <a:lumMod val="75000"/>
-                </a:schemeClr>
-              </a:solidFill>
-            </a:endParaRPr>
-          </a:p>
-        </p:txBody>
-      </p:sp>
-      <p:sp>
-        <p:nvSpPr>
-          <p:cNvPr id="6" name="Oval 5"/>
-          <p:cNvSpPr/>
-          <p:nvPr/>
-        </p:nvSpPr>
-        <p:spPr>
-          <a:xfrm>
-            <a:off x="1331189" y="2086144"/>
-            <a:ext cx="2521205" cy="739418"/>
-          </a:xfrm>
-          <a:prstGeom prst="ellipse">
-            <a:avLst/>
-          </a:prstGeom>
-          <a:solidFill>
-            <a:schemeClr val="accent1">
-              <a:lumMod val="60000"/>
-              <a:lumOff val="40000"/>
-            </a:schemeClr>
-          </a:solidFill>
-        </p:spPr>
-        <p:style>
-          <a:lnRef idx="2">
-            <a:schemeClr val="accent1">
-              <a:shade val="50000"/>
-            </a:schemeClr>
-          </a:lnRef>
-          <a:fillRef idx="1">
-            <a:schemeClr val="accent1"/>
-          </a:fillRef>
-          <a:effectRef idx="0">
-            <a:schemeClr val="accent1"/>
-          </a:effectRef>
-          <a:fontRef idx="minor">
-            <a:schemeClr val="lt1"/>
-          </a:fontRef>
-        </p:style>
-        <p:txBody>
-          <a:bodyPr rtlCol="0" anchor="ctr"/>
-          <a:lstStyle/>
-          <a:p>
-            <a:pPr algn="ctr"/>
-            <a:r>
-              <a:rPr lang="en-US" sz="2800" dirty="0">
-                <a:solidFill>
-                  <a:schemeClr val="tx1"/>
-                </a:solidFill>
-              </a:rPr>
-              <a:t>Island</a:t>
-            </a:r>
-          </a:p>
-        </p:txBody>
-      </p:sp>
-      <p:sp>
-        <p:nvSpPr>
-          <p:cNvPr id="7" name="Oval 6"/>
-          <p:cNvSpPr/>
-          <p:nvPr/>
-        </p:nvSpPr>
-        <p:spPr>
-          <a:xfrm>
-            <a:off x="5355374" y="2073443"/>
-            <a:ext cx="2521205" cy="739418"/>
-          </a:xfrm>
-          <a:prstGeom prst="ellipse">
-            <a:avLst/>
-          </a:prstGeom>
-          <a:solidFill>
-            <a:schemeClr val="accent1">
-              <a:lumMod val="60000"/>
-              <a:lumOff val="40000"/>
-            </a:schemeClr>
-          </a:solidFill>
-        </p:spPr>
-        <p:style>
-          <a:lnRef idx="2">
-            <a:schemeClr val="accent1">
-              <a:shade val="50000"/>
-            </a:schemeClr>
-          </a:lnRef>
-          <a:fillRef idx="1">
-            <a:schemeClr val="accent1"/>
-          </a:fillRef>
-          <a:effectRef idx="0">
-            <a:schemeClr val="accent1"/>
-          </a:effectRef>
-          <a:fontRef idx="minor">
-            <a:schemeClr val="lt1"/>
-          </a:fontRef>
-        </p:style>
-        <p:txBody>
-          <a:bodyPr rtlCol="0" anchor="ctr"/>
-          <a:lstStyle/>
-          <a:p>
-            <a:pPr algn="ctr"/>
-            <a:r>
-              <a:rPr lang="en-US" sz="2800" dirty="0">
-                <a:solidFill>
-                  <a:schemeClr val="tx1"/>
-                </a:solidFill>
-              </a:rPr>
-              <a:t>Landscape</a:t>
-            </a:r>
-          </a:p>
-        </p:txBody>
-      </p:sp>
-      <p:sp>
-        <p:nvSpPr>
-          <p:cNvPr id="8" name="Oval 7"/>
-          <p:cNvSpPr/>
-          <p:nvPr/>
-        </p:nvSpPr>
-        <p:spPr>
-          <a:xfrm>
-            <a:off x="9715250" y="2063671"/>
-            <a:ext cx="1849821" cy="739418"/>
-          </a:xfrm>
-          <a:prstGeom prst="ellipse">
-            <a:avLst/>
-          </a:prstGeom>
-          <a:solidFill>
-            <a:schemeClr val="accent1">
-              <a:lumMod val="60000"/>
-              <a:lumOff val="40000"/>
-            </a:schemeClr>
-          </a:solidFill>
-        </p:spPr>
-        <p:style>
-          <a:lnRef idx="2">
-            <a:schemeClr val="accent1">
-              <a:shade val="50000"/>
-            </a:schemeClr>
-          </a:lnRef>
-          <a:fillRef idx="1">
-            <a:schemeClr val="accent1"/>
-          </a:fillRef>
-          <a:effectRef idx="0">
-            <a:schemeClr val="accent1"/>
-          </a:effectRef>
-          <a:fontRef idx="minor">
-            <a:schemeClr val="lt1"/>
-          </a:fontRef>
-        </p:style>
-        <p:txBody>
-          <a:bodyPr rtlCol="0" anchor="ctr"/>
-          <a:lstStyle/>
-          <a:p>
-            <a:pPr algn="ctr"/>
-            <a:r>
-              <a:rPr lang="en-US" sz="2800" dirty="0">
-                <a:solidFill>
-                  <a:schemeClr val="tx1"/>
-                </a:solidFill>
-              </a:rPr>
-              <a:t>Animal</a:t>
-            </a:r>
-          </a:p>
-        </p:txBody>
-      </p:sp>
-      <p:cxnSp>
-        <p:nvCxnSpPr>
-          <p:cNvPr id="10" name="Elbow Connector 9"/>
-          <p:cNvCxnSpPr>
-            <a:stCxn id="4" idx="6"/>
-            <a:endCxn id="6" idx="0"/>
-          </p:cNvCxnSpPr>
-          <p:nvPr/>
-        </p:nvCxnSpPr>
-        <p:spPr>
-          <a:xfrm>
-            <a:off x="2098944" y="1631403"/>
-            <a:ext cx="492848" cy="454741"/>
-          </a:xfrm>
-          <a:prstGeom prst="bentConnector2">
-            <a:avLst/>
-          </a:prstGeom>
-          <a:ln w="60325" cap="flat" cmpd="sng">
-            <a:solidFill>
-              <a:schemeClr val="tx1"/>
-            </a:solidFill>
-            <a:prstDash val="solid"/>
-            <a:headEnd type="triangle"/>
-            <a:tailEnd type="none"/>
-          </a:ln>
-        </p:spPr>
-        <p:style>
-          <a:lnRef idx="1">
-            <a:schemeClr val="accent1"/>
-          </a:lnRef>
-          <a:fillRef idx="0">
-            <a:schemeClr val="accent1"/>
-          </a:fillRef>
-          <a:effectRef idx="0">
-            <a:schemeClr val="accent1"/>
-          </a:effectRef>
-          <a:fontRef idx="minor">
-            <a:schemeClr val="tx1"/>
-          </a:fontRef>
-        </p:style>
-      </p:cxnSp>
-      <p:cxnSp>
-        <p:nvCxnSpPr>
-          <p:cNvPr id="11" name="Elbow Connector 10"/>
-          <p:cNvCxnSpPr>
-            <a:cxnSpLocks/>
-            <a:endCxn id="7" idx="2"/>
-          </p:cNvCxnSpPr>
-          <p:nvPr/>
-        </p:nvCxnSpPr>
-        <p:spPr>
-          <a:xfrm>
-            <a:off x="3704253" y="2286000"/>
-            <a:ext cx="1651121" cy="157152"/>
-          </a:xfrm>
-          <a:prstGeom prst="bentConnector3">
-            <a:avLst>
-              <a:gd name="adj1" fmla="val 50000"/>
-            </a:avLst>
-          </a:prstGeom>
-          <a:ln w="60325">
-            <a:solidFill>
-              <a:schemeClr val="tx1"/>
-            </a:solidFill>
-            <a:headEnd type="triangle"/>
-            <a:tailEnd type="none"/>
-          </a:ln>
-        </p:spPr>
-        <p:style>
-          <a:lnRef idx="1">
-            <a:schemeClr val="accent1"/>
-          </a:lnRef>
-          <a:fillRef idx="0">
-            <a:schemeClr val="accent1"/>
-          </a:fillRef>
-          <a:effectRef idx="0">
-            <a:schemeClr val="accent1"/>
-          </a:effectRef>
-          <a:fontRef idx="minor">
-            <a:schemeClr val="tx1"/>
-          </a:fontRef>
-        </p:style>
-      </p:cxnSp>
-      <p:cxnSp>
-        <p:nvCxnSpPr>
-          <p:cNvPr id="20" name="Elbow Connector 19"/>
-          <p:cNvCxnSpPr>
-            <a:cxnSpLocks/>
-            <a:stCxn id="8" idx="2"/>
-          </p:cNvCxnSpPr>
-          <p:nvPr/>
-        </p:nvCxnSpPr>
-        <p:spPr>
-          <a:xfrm rot="10800000">
-            <a:off x="7772400" y="2286000"/>
-            <a:ext cx="1942850" cy="147380"/>
-          </a:xfrm>
-          <a:prstGeom prst="bentConnector3">
-            <a:avLst>
-              <a:gd name="adj1" fmla="val 50000"/>
-            </a:avLst>
-          </a:prstGeom>
-          <a:ln w="60325">
-            <a:solidFill>
-              <a:schemeClr val="tx1"/>
-            </a:solidFill>
-            <a:headEnd type="triangle"/>
-            <a:tailEnd type="triangle"/>
-          </a:ln>
-        </p:spPr>
-        <p:style>
-          <a:lnRef idx="1">
-            <a:schemeClr val="accent1"/>
-          </a:lnRef>
-          <a:fillRef idx="0">
-            <a:schemeClr val="accent1"/>
-          </a:fillRef>
-          <a:effectRef idx="0">
-            <a:schemeClr val="accent1"/>
-          </a:effectRef>
-          <a:fontRef idx="minor">
-            <a:schemeClr val="tx1"/>
-          </a:fontRef>
-        </p:style>
-      </p:cxnSp>
-      <p:sp>
-        <p:nvSpPr>
-          <p:cNvPr id="42" name="TextBox 41"/>
-          <p:cNvSpPr txBox="1"/>
-          <p:nvPr/>
-        </p:nvSpPr>
-        <p:spPr>
-          <a:xfrm>
-            <a:off x="3390149" y="615548"/>
-            <a:ext cx="7911397" cy="707886"/>
-          </a:xfrm>
-          <a:prstGeom prst="rect">
-            <a:avLst/>
-          </a:prstGeom>
-          <a:noFill/>
-        </p:spPr>
-        <p:txBody>
-          <a:bodyPr wrap="none" rtlCol="0">
-            <a:spAutoFit/>
-          </a:bodyPr>
-          <a:lstStyle/>
-          <a:p>
-            <a:r>
-              <a:rPr lang="en-US" sz="4000" i="1" u="sng" dirty="0">
-                <a:latin typeface="+mj-lt"/>
-              </a:rPr>
-              <a:t>General structure of decision-making </a:t>
-            </a:r>
-          </a:p>
-        </p:txBody>
-      </p:sp>
-      <p:sp>
-        <p:nvSpPr>
-          <p:cNvPr id="45" name="TextBox 44"/>
-          <p:cNvSpPr txBox="1"/>
-          <p:nvPr/>
-        </p:nvSpPr>
-        <p:spPr>
-          <a:xfrm>
-            <a:off x="1742927" y="4044852"/>
-            <a:ext cx="7774966" cy="707886"/>
-          </a:xfrm>
-          <a:prstGeom prst="rect">
-            <a:avLst/>
-          </a:prstGeom>
-          <a:noFill/>
-        </p:spPr>
-        <p:txBody>
-          <a:bodyPr wrap="square" rtlCol="0">
-            <a:spAutoFit/>
-          </a:bodyPr>
-          <a:lstStyle/>
-          <a:p>
-            <a:r>
-              <a:rPr lang="en-US" sz="4000" b="1" dirty="0">
-                <a:latin typeface="+mj-lt"/>
-                <a:ea typeface="Courier New" charset="0"/>
-                <a:cs typeface="Courier New" charset="0"/>
-              </a:rPr>
-              <a:t>Where</a:t>
-            </a:r>
-          </a:p>
-        </p:txBody>
-      </p:sp>
-      <p:sp>
-        <p:nvSpPr>
-          <p:cNvPr id="55" name="TextBox 54"/>
-          <p:cNvSpPr txBox="1"/>
-          <p:nvPr/>
-        </p:nvSpPr>
-        <p:spPr>
-          <a:xfrm>
-            <a:off x="6016451" y="3528839"/>
-            <a:ext cx="3467552" cy="707886"/>
-          </a:xfrm>
-          <a:prstGeom prst="rect">
-            <a:avLst/>
-          </a:prstGeom>
-          <a:noFill/>
-        </p:spPr>
-        <p:txBody>
-          <a:bodyPr wrap="square" rtlCol="0">
-            <a:spAutoFit/>
-          </a:bodyPr>
-          <a:lstStyle/>
-          <a:p>
-            <a:r>
-              <a:rPr lang="en-US" sz="4000" b="1" dirty="0">
-                <a:latin typeface="+mj-lt"/>
-                <a:ea typeface="Courier New" charset="0"/>
-                <a:cs typeface="Courier New" charset="0"/>
-              </a:rPr>
-              <a:t>Who</a:t>
-            </a:r>
-          </a:p>
-        </p:txBody>
-      </p:sp>
-      <p:sp>
-        <p:nvSpPr>
-          <p:cNvPr id="56" name="TextBox 55"/>
-          <p:cNvSpPr txBox="1"/>
-          <p:nvPr/>
-        </p:nvSpPr>
-        <p:spPr>
-          <a:xfrm>
-            <a:off x="7031033" y="4892213"/>
-            <a:ext cx="4468529" cy="707886"/>
-          </a:xfrm>
-          <a:prstGeom prst="rect">
-            <a:avLst/>
-          </a:prstGeom>
-          <a:noFill/>
-        </p:spPr>
-        <p:txBody>
-          <a:bodyPr wrap="square" rtlCol="0">
-            <a:spAutoFit/>
-          </a:bodyPr>
-          <a:lstStyle/>
-          <a:p>
-            <a:pPr algn="r"/>
-            <a:r>
-              <a:rPr lang="en-US" sz="4000" b="1" noProof="1">
-                <a:latin typeface="+mj-lt"/>
-                <a:ea typeface="Courier New" charset="0"/>
-                <a:cs typeface="Courier New" charset="0"/>
-              </a:rPr>
-              <a:t>If / how</a:t>
-            </a:r>
-          </a:p>
-        </p:txBody>
-      </p:sp>
-      <p:cxnSp>
-        <p:nvCxnSpPr>
-          <p:cNvPr id="60" name="Straight Connector 59"/>
-          <p:cNvCxnSpPr>
-            <a:cxnSpLocks/>
-            <a:stCxn id="6" idx="4"/>
-          </p:cNvCxnSpPr>
-          <p:nvPr/>
-        </p:nvCxnSpPr>
-        <p:spPr>
-          <a:xfrm>
-            <a:off x="2591792" y="2825562"/>
-            <a:ext cx="0" cy="1119035"/>
-          </a:xfrm>
-          <a:prstGeom prst="line">
-            <a:avLst/>
-          </a:prstGeom>
-          <a:ln w="44450">
-            <a:solidFill>
-              <a:srgbClr val="FF0000"/>
-            </a:solidFill>
-          </a:ln>
-        </p:spPr>
-        <p:style>
-          <a:lnRef idx="1">
-            <a:schemeClr val="accent1"/>
-          </a:lnRef>
-          <a:fillRef idx="0">
-            <a:schemeClr val="accent1"/>
-          </a:fillRef>
-          <a:effectRef idx="0">
-            <a:schemeClr val="accent1"/>
-          </a:effectRef>
-          <a:fontRef idx="minor">
-            <a:schemeClr val="tx1"/>
-          </a:fontRef>
-        </p:style>
-      </p:cxnSp>
-      <p:cxnSp>
-        <p:nvCxnSpPr>
-          <p:cNvPr id="63" name="Straight Connector 62"/>
-          <p:cNvCxnSpPr>
-            <a:cxnSpLocks/>
-            <a:stCxn id="7" idx="4"/>
-          </p:cNvCxnSpPr>
-          <p:nvPr/>
-        </p:nvCxnSpPr>
-        <p:spPr>
-          <a:xfrm>
-            <a:off x="6615977" y="2812861"/>
-            <a:ext cx="0" cy="541792"/>
-          </a:xfrm>
-          <a:prstGeom prst="line">
-            <a:avLst/>
-          </a:prstGeom>
-          <a:ln w="41275">
-            <a:solidFill>
-              <a:srgbClr val="FF0000"/>
-            </a:solidFill>
-          </a:ln>
-        </p:spPr>
-        <p:style>
-          <a:lnRef idx="1">
-            <a:schemeClr val="accent1"/>
-          </a:lnRef>
-          <a:fillRef idx="0">
-            <a:schemeClr val="accent1"/>
-          </a:fillRef>
-          <a:effectRef idx="0">
-            <a:schemeClr val="accent1"/>
-          </a:effectRef>
-          <a:fontRef idx="minor">
-            <a:schemeClr val="tx1"/>
-          </a:fontRef>
-        </p:style>
-      </p:cxnSp>
-      <p:cxnSp>
-        <p:nvCxnSpPr>
-          <p:cNvPr id="66" name="Straight Connector 65"/>
-          <p:cNvCxnSpPr>
-            <a:stCxn id="8" idx="4"/>
-          </p:cNvCxnSpPr>
-          <p:nvPr/>
-        </p:nvCxnSpPr>
-        <p:spPr>
-          <a:xfrm flipH="1">
-            <a:off x="10636207" y="2803089"/>
-            <a:ext cx="3954" cy="1888094"/>
-          </a:xfrm>
-          <a:prstGeom prst="line">
-            <a:avLst/>
-          </a:prstGeom>
-          <a:ln w="41275">
-            <a:solidFill>
-              <a:srgbClr val="FF0000"/>
-            </a:solidFill>
-          </a:ln>
-        </p:spPr>
-        <p:style>
-          <a:lnRef idx="1">
-            <a:schemeClr val="accent1"/>
-          </a:lnRef>
-          <a:fillRef idx="0">
-            <a:schemeClr val="accent1"/>
-          </a:fillRef>
-          <a:effectRef idx="0">
-            <a:schemeClr val="accent1"/>
-          </a:effectRef>
-          <a:fontRef idx="minor">
-            <a:schemeClr val="tx1"/>
-          </a:fontRef>
-        </p:style>
-      </p:cxnSp>
-      <p:cxnSp>
-        <p:nvCxnSpPr>
-          <p:cNvPr id="16" name="Rett linje 15">
-            <a:extLst>
-              <a:ext uri="{FF2B5EF4-FFF2-40B4-BE49-F238E27FC236}">
-                <a16:creationId xmlns:a16="http://schemas.microsoft.com/office/drawing/2014/main" id="{69C5486F-DD86-4050-9518-7A445FD2D5F1}"/>
-              </a:ext>
-            </a:extLst>
-          </p:cNvPr>
-          <p:cNvCxnSpPr>
-            <a:cxnSpLocks/>
-          </p:cNvCxnSpPr>
-          <p:nvPr/>
-        </p:nvCxnSpPr>
-        <p:spPr>
-          <a:xfrm flipV="1">
-            <a:off x="1452487" y="3944598"/>
-            <a:ext cx="0" cy="879174"/>
-          </a:xfrm>
-          <a:prstGeom prst="line">
-            <a:avLst/>
-          </a:prstGeom>
-        </p:spPr>
-        <p:style>
-          <a:lnRef idx="3">
-            <a:schemeClr val="accent1"/>
-          </a:lnRef>
-          <a:fillRef idx="0">
-            <a:schemeClr val="accent1"/>
-          </a:fillRef>
-          <a:effectRef idx="2">
-            <a:schemeClr val="accent1"/>
-          </a:effectRef>
-          <a:fontRef idx="minor">
-            <a:schemeClr val="tx1"/>
-          </a:fontRef>
-        </p:style>
-      </p:cxnSp>
-      <p:cxnSp>
-        <p:nvCxnSpPr>
-          <p:cNvPr id="18" name="Rett linje 17">
-            <a:extLst>
-              <a:ext uri="{FF2B5EF4-FFF2-40B4-BE49-F238E27FC236}">
-                <a16:creationId xmlns:a16="http://schemas.microsoft.com/office/drawing/2014/main" id="{62CF2936-B9D9-4123-80C9-C3DD8AB0750F}"/>
-              </a:ext>
-            </a:extLst>
-          </p:cNvPr>
-          <p:cNvCxnSpPr>
-            <a:cxnSpLocks/>
-          </p:cNvCxnSpPr>
-          <p:nvPr/>
-        </p:nvCxnSpPr>
-        <p:spPr>
-          <a:xfrm flipV="1">
-            <a:off x="3499001" y="3944598"/>
-            <a:ext cx="0" cy="885994"/>
-          </a:xfrm>
-          <a:prstGeom prst="line">
-            <a:avLst/>
-          </a:prstGeom>
-        </p:spPr>
-        <p:style>
-          <a:lnRef idx="3">
-            <a:schemeClr val="accent1"/>
-          </a:lnRef>
-          <a:fillRef idx="0">
-            <a:schemeClr val="accent1"/>
-          </a:fillRef>
-          <a:effectRef idx="2">
-            <a:schemeClr val="accent1"/>
-          </a:effectRef>
-          <a:fontRef idx="minor">
-            <a:schemeClr val="tx1"/>
-          </a:fontRef>
-        </p:style>
-      </p:cxnSp>
-      <p:cxnSp>
-        <p:nvCxnSpPr>
-          <p:cNvPr id="19" name="Rett linje 18">
-            <a:extLst>
-              <a:ext uri="{FF2B5EF4-FFF2-40B4-BE49-F238E27FC236}">
-                <a16:creationId xmlns:a16="http://schemas.microsoft.com/office/drawing/2014/main" id="{8E0A97A5-E2D1-4C6D-96D0-836FE828DC0A}"/>
-              </a:ext>
-            </a:extLst>
-          </p:cNvPr>
-          <p:cNvCxnSpPr>
-            <a:cxnSpLocks/>
-          </p:cNvCxnSpPr>
-          <p:nvPr/>
-        </p:nvCxnSpPr>
-        <p:spPr>
-          <a:xfrm flipV="1">
-            <a:off x="5747678" y="3354653"/>
-            <a:ext cx="0" cy="1002743"/>
-          </a:xfrm>
-          <a:prstGeom prst="line">
-            <a:avLst/>
-          </a:prstGeom>
-        </p:spPr>
-        <p:style>
-          <a:lnRef idx="3">
-            <a:schemeClr val="accent1"/>
-          </a:lnRef>
-          <a:fillRef idx="0">
-            <a:schemeClr val="accent1"/>
-          </a:fillRef>
-          <a:effectRef idx="2">
-            <a:schemeClr val="accent1"/>
-          </a:effectRef>
-          <a:fontRef idx="minor">
-            <a:schemeClr val="tx1"/>
-          </a:fontRef>
-        </p:style>
-      </p:cxnSp>
-      <p:cxnSp>
-        <p:nvCxnSpPr>
-          <p:cNvPr id="21" name="Rett linje 20">
-            <a:extLst>
-              <a:ext uri="{FF2B5EF4-FFF2-40B4-BE49-F238E27FC236}">
-                <a16:creationId xmlns:a16="http://schemas.microsoft.com/office/drawing/2014/main" id="{17DA85D0-D7E7-4637-A70F-5A7432330592}"/>
-              </a:ext>
-            </a:extLst>
-          </p:cNvPr>
-          <p:cNvCxnSpPr>
-            <a:cxnSpLocks/>
-          </p:cNvCxnSpPr>
-          <p:nvPr/>
-        </p:nvCxnSpPr>
-        <p:spPr>
-          <a:xfrm flipH="1" flipV="1">
-            <a:off x="7455203" y="3354420"/>
-            <a:ext cx="1" cy="1002976"/>
-          </a:xfrm>
-          <a:prstGeom prst="line">
-            <a:avLst/>
-          </a:prstGeom>
-        </p:spPr>
-        <p:style>
-          <a:lnRef idx="3">
-            <a:schemeClr val="accent1"/>
-          </a:lnRef>
-          <a:fillRef idx="0">
-            <a:schemeClr val="accent1"/>
-          </a:fillRef>
-          <a:effectRef idx="2">
-            <a:schemeClr val="accent1"/>
-          </a:effectRef>
-          <a:fontRef idx="minor">
-            <a:schemeClr val="tx1"/>
-          </a:fontRef>
-        </p:style>
-      </p:cxnSp>
-      <p:cxnSp>
-        <p:nvCxnSpPr>
-          <p:cNvPr id="22" name="Rett linje 21">
-            <a:extLst>
-              <a:ext uri="{FF2B5EF4-FFF2-40B4-BE49-F238E27FC236}">
-                <a16:creationId xmlns:a16="http://schemas.microsoft.com/office/drawing/2014/main" id="{4A18CEC7-A67E-4967-9E57-18048346777A}"/>
-              </a:ext>
-            </a:extLst>
-          </p:cNvPr>
-          <p:cNvCxnSpPr>
-            <a:cxnSpLocks/>
-          </p:cNvCxnSpPr>
-          <p:nvPr/>
-        </p:nvCxnSpPr>
-        <p:spPr>
-          <a:xfrm flipH="1" flipV="1">
-            <a:off x="9255989" y="4691184"/>
-            <a:ext cx="9309" cy="1109946"/>
-          </a:xfrm>
-          <a:prstGeom prst="line">
-            <a:avLst/>
-          </a:prstGeom>
-        </p:spPr>
-        <p:style>
-          <a:lnRef idx="3">
-            <a:schemeClr val="accent1"/>
-          </a:lnRef>
-          <a:fillRef idx="0">
-            <a:schemeClr val="accent1"/>
-          </a:fillRef>
-          <a:effectRef idx="2">
-            <a:schemeClr val="accent1"/>
-          </a:effectRef>
-          <a:fontRef idx="minor">
-            <a:schemeClr val="tx1"/>
-          </a:fontRef>
-        </p:style>
-      </p:cxnSp>
-      <p:cxnSp>
-        <p:nvCxnSpPr>
-          <p:cNvPr id="23" name="Rett linje 22">
-            <a:extLst>
-              <a:ext uri="{FF2B5EF4-FFF2-40B4-BE49-F238E27FC236}">
-                <a16:creationId xmlns:a16="http://schemas.microsoft.com/office/drawing/2014/main" id="{E91A4098-D5B3-4720-B88B-F9404C18D6F3}"/>
-              </a:ext>
-            </a:extLst>
-          </p:cNvPr>
-          <p:cNvCxnSpPr>
-            <a:cxnSpLocks/>
-          </p:cNvCxnSpPr>
-          <p:nvPr/>
-        </p:nvCxnSpPr>
-        <p:spPr>
-          <a:xfrm flipV="1">
-            <a:off x="11887222" y="4690950"/>
-            <a:ext cx="0" cy="1110180"/>
-          </a:xfrm>
-          <a:prstGeom prst="line">
-            <a:avLst/>
-          </a:prstGeom>
-        </p:spPr>
-        <p:style>
-          <a:lnRef idx="3">
-            <a:schemeClr val="accent1"/>
-          </a:lnRef>
-          <a:fillRef idx="0">
-            <a:schemeClr val="accent1"/>
-          </a:fillRef>
-          <a:effectRef idx="2">
-            <a:schemeClr val="accent1"/>
-          </a:effectRef>
-          <a:fontRef idx="minor">
-            <a:schemeClr val="tx1"/>
-          </a:fontRef>
-        </p:style>
-      </p:cxnSp>
-      <p:cxnSp>
-        <p:nvCxnSpPr>
-          <p:cNvPr id="24" name="Rett linje 23">
-            <a:extLst>
-              <a:ext uri="{FF2B5EF4-FFF2-40B4-BE49-F238E27FC236}">
-                <a16:creationId xmlns:a16="http://schemas.microsoft.com/office/drawing/2014/main" id="{9EE2C9CA-655D-4896-B20E-A18885768BE6}"/>
-              </a:ext>
-            </a:extLst>
-          </p:cNvPr>
-          <p:cNvCxnSpPr>
-            <a:cxnSpLocks/>
-          </p:cNvCxnSpPr>
-          <p:nvPr/>
-        </p:nvCxnSpPr>
-        <p:spPr>
-          <a:xfrm flipH="1">
-            <a:off x="1452487" y="3944597"/>
-            <a:ext cx="2046514" cy="0"/>
-          </a:xfrm>
-          <a:prstGeom prst="line">
-            <a:avLst/>
-          </a:prstGeom>
-        </p:spPr>
-        <p:style>
-          <a:lnRef idx="3">
-            <a:schemeClr val="accent1"/>
-          </a:lnRef>
-          <a:fillRef idx="0">
-            <a:schemeClr val="accent1"/>
-          </a:fillRef>
-          <a:effectRef idx="2">
-            <a:schemeClr val="accent1"/>
-          </a:effectRef>
-          <a:fontRef idx="minor">
-            <a:schemeClr val="tx1"/>
-          </a:fontRef>
-        </p:style>
-      </p:cxnSp>
-      <p:cxnSp>
-        <p:nvCxnSpPr>
-          <p:cNvPr id="25" name="Rett linje 24">
-            <a:extLst>
-              <a:ext uri="{FF2B5EF4-FFF2-40B4-BE49-F238E27FC236}">
-                <a16:creationId xmlns:a16="http://schemas.microsoft.com/office/drawing/2014/main" id="{42EF5C3A-E133-44B7-A7B3-F5FD99CDE1CD}"/>
-              </a:ext>
-            </a:extLst>
-          </p:cNvPr>
-          <p:cNvCxnSpPr>
-            <a:cxnSpLocks/>
-          </p:cNvCxnSpPr>
-          <p:nvPr/>
-        </p:nvCxnSpPr>
-        <p:spPr>
-          <a:xfrm flipH="1">
-            <a:off x="1435739" y="4823772"/>
-            <a:ext cx="2063262" cy="6820"/>
-          </a:xfrm>
-          <a:prstGeom prst="line">
-            <a:avLst/>
-          </a:prstGeom>
-        </p:spPr>
-        <p:style>
-          <a:lnRef idx="3">
-            <a:schemeClr val="accent1"/>
-          </a:lnRef>
-          <a:fillRef idx="0">
-            <a:schemeClr val="accent1"/>
-          </a:fillRef>
-          <a:effectRef idx="2">
-            <a:schemeClr val="accent1"/>
-          </a:effectRef>
-          <a:fontRef idx="minor">
-            <a:schemeClr val="tx1"/>
-          </a:fontRef>
-        </p:style>
-      </p:cxnSp>
-      <p:cxnSp>
-        <p:nvCxnSpPr>
-          <p:cNvPr id="26" name="Rett linje 25">
-            <a:extLst>
-              <a:ext uri="{FF2B5EF4-FFF2-40B4-BE49-F238E27FC236}">
-                <a16:creationId xmlns:a16="http://schemas.microsoft.com/office/drawing/2014/main" id="{062693B8-6894-4ADC-96C1-07A1475DBFB7}"/>
-              </a:ext>
-            </a:extLst>
-          </p:cNvPr>
-          <p:cNvCxnSpPr>
-            <a:cxnSpLocks/>
-          </p:cNvCxnSpPr>
-          <p:nvPr/>
-        </p:nvCxnSpPr>
-        <p:spPr>
-          <a:xfrm flipH="1" flipV="1">
-            <a:off x="5747678" y="3354419"/>
-            <a:ext cx="1707526" cy="233"/>
-          </a:xfrm>
-          <a:prstGeom prst="line">
-            <a:avLst/>
-          </a:prstGeom>
-        </p:spPr>
-        <p:style>
-          <a:lnRef idx="3">
-            <a:schemeClr val="accent1"/>
-          </a:lnRef>
-          <a:fillRef idx="0">
-            <a:schemeClr val="accent1"/>
-          </a:fillRef>
-          <a:effectRef idx="2">
-            <a:schemeClr val="accent1"/>
-          </a:effectRef>
-          <a:fontRef idx="minor">
-            <a:schemeClr val="tx1"/>
-          </a:fontRef>
-        </p:style>
-      </p:cxnSp>
-      <p:cxnSp>
-        <p:nvCxnSpPr>
-          <p:cNvPr id="27" name="Rett linje 26">
-            <a:extLst>
-              <a:ext uri="{FF2B5EF4-FFF2-40B4-BE49-F238E27FC236}">
-                <a16:creationId xmlns:a16="http://schemas.microsoft.com/office/drawing/2014/main" id="{F082F3F4-3236-4114-B0FB-11ECC374150E}"/>
-              </a:ext>
-            </a:extLst>
-          </p:cNvPr>
-          <p:cNvCxnSpPr>
-            <a:cxnSpLocks/>
-          </p:cNvCxnSpPr>
-          <p:nvPr/>
-        </p:nvCxnSpPr>
-        <p:spPr>
-          <a:xfrm flipH="1">
-            <a:off x="5747678" y="4357396"/>
-            <a:ext cx="1707526" cy="0"/>
-          </a:xfrm>
-          <a:prstGeom prst="line">
-            <a:avLst/>
-          </a:prstGeom>
-        </p:spPr>
-        <p:style>
-          <a:lnRef idx="3">
-            <a:schemeClr val="accent1"/>
-          </a:lnRef>
-          <a:fillRef idx="0">
-            <a:schemeClr val="accent1"/>
-          </a:fillRef>
-          <a:effectRef idx="2">
-            <a:schemeClr val="accent1"/>
-          </a:effectRef>
-          <a:fontRef idx="minor">
-            <a:schemeClr val="tx1"/>
-          </a:fontRef>
-        </p:style>
-      </p:cxnSp>
-      <p:cxnSp>
-        <p:nvCxnSpPr>
-          <p:cNvPr id="28" name="Rett linje 27">
-            <a:extLst>
-              <a:ext uri="{FF2B5EF4-FFF2-40B4-BE49-F238E27FC236}">
-                <a16:creationId xmlns:a16="http://schemas.microsoft.com/office/drawing/2014/main" id="{84BF8694-7BA6-4B0B-A5A1-905092E94ADE}"/>
-              </a:ext>
-            </a:extLst>
-          </p:cNvPr>
-          <p:cNvCxnSpPr>
-            <a:cxnSpLocks/>
-          </p:cNvCxnSpPr>
-          <p:nvPr/>
-        </p:nvCxnSpPr>
-        <p:spPr>
-          <a:xfrm flipH="1">
-            <a:off x="9265298" y="4691183"/>
-            <a:ext cx="2621924" cy="0"/>
-          </a:xfrm>
-          <a:prstGeom prst="line">
-            <a:avLst/>
-          </a:prstGeom>
-        </p:spPr>
-        <p:style>
-          <a:lnRef idx="3">
-            <a:schemeClr val="accent1"/>
-          </a:lnRef>
-          <a:fillRef idx="0">
-            <a:schemeClr val="accent1"/>
-          </a:fillRef>
-          <a:effectRef idx="2">
-            <a:schemeClr val="accent1"/>
-          </a:effectRef>
-          <a:fontRef idx="minor">
-            <a:schemeClr val="tx1"/>
-          </a:fontRef>
-        </p:style>
-      </p:cxnSp>
-      <p:cxnSp>
-        <p:nvCxnSpPr>
-          <p:cNvPr id="29" name="Rett linje 28">
-            <a:extLst>
-              <a:ext uri="{FF2B5EF4-FFF2-40B4-BE49-F238E27FC236}">
-                <a16:creationId xmlns:a16="http://schemas.microsoft.com/office/drawing/2014/main" id="{26D8CBDB-F6C5-4549-AC74-A179268CB3D2}"/>
-              </a:ext>
-            </a:extLst>
-          </p:cNvPr>
-          <p:cNvCxnSpPr>
-            <a:cxnSpLocks/>
-          </p:cNvCxnSpPr>
-          <p:nvPr/>
-        </p:nvCxnSpPr>
-        <p:spPr>
-          <a:xfrm flipH="1">
-            <a:off x="9265298" y="5801130"/>
-            <a:ext cx="2621924" cy="0"/>
-          </a:xfrm>
-          <a:prstGeom prst="line">
-            <a:avLst/>
-          </a:prstGeom>
-        </p:spPr>
-        <p:style>
-          <a:lnRef idx="3">
-            <a:schemeClr val="accent1"/>
-          </a:lnRef>
-          <a:fillRef idx="0">
-            <a:schemeClr val="accent1"/>
-          </a:fillRef>
-          <a:effectRef idx="2">
-            <a:schemeClr val="accent1"/>
-          </a:effectRef>
-          <a:fontRef idx="minor">
-            <a:schemeClr val="tx1"/>
-          </a:fontRef>
-        </p:style>
-      </p:cxnSp>
-    </p:spTree>
-    <p:extLst>
-      <p:ext uri="{BB962C8B-B14F-4D97-AF65-F5344CB8AC3E}">
-        <p14:creationId xmlns:p14="http://schemas.microsoft.com/office/powerpoint/2010/main" val="50034714"/>
-      </p:ext>
-    </p:extLst>
-  </p:cSld>
-  <p:clrMapOvr>
-    <a:masterClrMapping/>
-  </p:clrMapOvr>
-</p:sld>
-</file>
-
-<file path=ppt/slides/slide6.xml><?xml version="1.0" encoding="utf-8"?>
-<p:sld xmlns:a="http://schemas.openxmlformats.org/drawingml/2006/main" xmlns:r="http://schemas.openxmlformats.org/officeDocument/2006/relationships" xmlns:p="http://schemas.openxmlformats.org/presentationml/2006/main">
-  <p:cSld>
-    <p:spTree>
-      <p:nvGrpSpPr>
-        <p:cNvPr id="1" name=""/>
-        <p:cNvGrpSpPr/>
-        <p:nvPr/>
-      </p:nvGrpSpPr>
-      <p:grpSpPr>
-        <a:xfrm>
-          <a:off x="0" y="0"/>
-          <a:ext cx="0" cy="0"/>
-          <a:chOff x="0" y="0"/>
-          <a:chExt cx="0" cy="0"/>
-        </a:xfrm>
-      </p:grpSpPr>
-      <p:sp>
-        <p:nvSpPr>
-          <p:cNvPr id="2" name="Title 1"/>
-          <p:cNvSpPr>
-            <a:spLocks noGrp="1"/>
-          </p:cNvSpPr>
-          <p:nvPr>
-            <p:ph type="title"/>
-          </p:nvPr>
-        </p:nvSpPr>
-        <p:spPr>
-          <a:xfrm>
-            <a:off x="838200" y="248393"/>
-            <a:ext cx="10515600" cy="1325563"/>
-          </a:xfrm>
-        </p:spPr>
-        <p:txBody>
-          <a:bodyPr>
-            <a:normAutofit/>
-          </a:bodyPr>
-          <a:lstStyle/>
-          <a:p>
-            <a:pPr algn="ctr"/>
-            <a:r>
-              <a:rPr lang="nb-NO" sz="4800" i="1" u="sng" dirty="0">
-                <a:ea typeface="Courier New" charset="0"/>
-                <a:cs typeface="Courier New" charset="0"/>
-              </a:rPr>
-              <a:t>Test </a:t>
-            </a:r>
-            <a:r>
-              <a:rPr lang="nb-NO" sz="4800" i="1" u="sng" dirty="0" err="1">
-                <a:ea typeface="Courier New" charset="0"/>
-                <a:cs typeface="Courier New" charset="0"/>
-              </a:rPr>
-              <a:t>coverage</a:t>
-            </a:r>
-            <a:endParaRPr lang="en-US" sz="4800" i="1" u="sng" dirty="0">
-              <a:ea typeface="Courier New" charset="0"/>
-              <a:cs typeface="Courier New" charset="0"/>
-            </a:endParaRPr>
-          </a:p>
-        </p:txBody>
-      </p:sp>
-      <p:pic>
-        <p:nvPicPr>
-          <p:cNvPr id="4" name="Content Placeholder 3"/>
-          <p:cNvPicPr>
-            <a:picLocks noGrp="1" noChangeAspect="1"/>
-          </p:cNvPicPr>
-          <p:nvPr>
-            <p:ph idx="1"/>
-          </p:nvPr>
-        </p:nvPicPr>
-        <p:blipFill>
-          <a:blip r:embed="rId3">
-            <a:extLst>
-              <a:ext uri="{28A0092B-C50C-407E-A947-70E740481C1C}">
-                <a14:useLocalDpi xmlns:a14="http://schemas.microsoft.com/office/drawing/2010/main" val="0"/>
-              </a:ext>
-            </a:extLst>
-          </a:blip>
-          <a:stretch>
-            <a:fillRect/>
-          </a:stretch>
-        </p:blipFill>
-        <p:spPr>
-          <a:xfrm>
-            <a:off x="221988" y="1760707"/>
-            <a:ext cx="11752761" cy="4922196"/>
-          </a:xfrm>
-        </p:spPr>
-      </p:pic>
-    </p:spTree>
-    <p:extLst>
-      <p:ext uri="{BB962C8B-B14F-4D97-AF65-F5344CB8AC3E}">
-        <p14:creationId xmlns:p14="http://schemas.microsoft.com/office/powerpoint/2010/main" val="1960807074"/>
       </p:ext>
     </p:extLst>
   </p:cSld>
@@ -6916,6 +7170,260 @@
     <p:extLst>
       <p:ext uri="{BB962C8B-B14F-4D97-AF65-F5344CB8AC3E}">
         <p14:creationId xmlns:p14="http://schemas.microsoft.com/office/powerpoint/2010/main" val="322610198"/>
+      </p:ext>
+    </p:extLst>
+  </p:cSld>
+  <p:clrMapOvr>
+    <a:masterClrMapping/>
+  </p:clrMapOvr>
+</p:sld>
+</file>
+
+<file path=ppt/slides/slide8.xml><?xml version="1.0" encoding="utf-8"?>
+<p:sld xmlns:a="http://schemas.openxmlformats.org/drawingml/2006/main" xmlns:r="http://schemas.openxmlformats.org/officeDocument/2006/relationships" xmlns:p="http://schemas.openxmlformats.org/presentationml/2006/main">
+  <p:cSld>
+    <p:spTree>
+      <p:nvGrpSpPr>
+        <p:cNvPr id="1" name=""/>
+        <p:cNvGrpSpPr/>
+        <p:nvPr/>
+      </p:nvGrpSpPr>
+      <p:grpSpPr>
+        <a:xfrm>
+          <a:off x="0" y="0"/>
+          <a:ext cx="0" cy="0"/>
+          <a:chOff x="0" y="0"/>
+          <a:chExt cx="0" cy="0"/>
+        </a:xfrm>
+      </p:grpSpPr>
+      <p:sp>
+        <p:nvSpPr>
+          <p:cNvPr id="2" name="Title 1"/>
+          <p:cNvSpPr>
+            <a:spLocks noGrp="1"/>
+          </p:cNvSpPr>
+          <p:nvPr>
+            <p:ph type="title"/>
+          </p:nvPr>
+        </p:nvSpPr>
+        <p:spPr>
+          <a:xfrm>
+            <a:off x="838200" y="248393"/>
+            <a:ext cx="10515600" cy="1325563"/>
+          </a:xfrm>
+        </p:spPr>
+        <p:txBody>
+          <a:bodyPr>
+            <a:normAutofit/>
+          </a:bodyPr>
+          <a:lstStyle/>
+          <a:p>
+            <a:pPr algn="ctr"/>
+            <a:r>
+              <a:rPr lang="nb-NO" sz="4800" i="1" u="sng" dirty="0">
+                <a:ea typeface="Courier New" charset="0"/>
+                <a:cs typeface="Courier New" charset="0"/>
+              </a:rPr>
+              <a:t>Test </a:t>
+            </a:r>
+            <a:r>
+              <a:rPr lang="nb-NO" sz="4800" i="1" u="sng" dirty="0" err="1">
+                <a:ea typeface="Courier New" charset="0"/>
+                <a:cs typeface="Courier New" charset="0"/>
+              </a:rPr>
+              <a:t>coverage</a:t>
+            </a:r>
+            <a:endParaRPr lang="en-US" sz="4800" i="1" u="sng" dirty="0">
+              <a:ea typeface="Courier New" charset="0"/>
+              <a:cs typeface="Courier New" charset="0"/>
+            </a:endParaRPr>
+          </a:p>
+        </p:txBody>
+      </p:sp>
+      <p:pic>
+        <p:nvPicPr>
+          <p:cNvPr id="4" name="Content Placeholder 3"/>
+          <p:cNvPicPr>
+            <a:picLocks noGrp="1" noChangeAspect="1"/>
+          </p:cNvPicPr>
+          <p:nvPr>
+            <p:ph idx="1"/>
+          </p:nvPr>
+        </p:nvPicPr>
+        <p:blipFill>
+          <a:blip r:embed="rId3">
+            <a:extLst>
+              <a:ext uri="{28A0092B-C50C-407E-A947-70E740481C1C}">
+                <a14:useLocalDpi xmlns:a14="http://schemas.microsoft.com/office/drawing/2010/main" val="0"/>
+              </a:ext>
+            </a:extLst>
+          </a:blip>
+          <a:stretch>
+            <a:fillRect/>
+          </a:stretch>
+        </p:blipFill>
+        <p:spPr>
+          <a:xfrm>
+            <a:off x="221988" y="1760707"/>
+            <a:ext cx="11752761" cy="4922196"/>
+          </a:xfrm>
+        </p:spPr>
+      </p:pic>
+    </p:spTree>
+    <p:extLst>
+      <p:ext uri="{BB962C8B-B14F-4D97-AF65-F5344CB8AC3E}">
+        <p14:creationId xmlns:p14="http://schemas.microsoft.com/office/powerpoint/2010/main" val="1960807074"/>
+      </p:ext>
+    </p:extLst>
+  </p:cSld>
+  <p:clrMapOvr>
+    <a:masterClrMapping/>
+  </p:clrMapOvr>
+</p:sld>
+</file>
+
+<file path=ppt/slides/slide9.xml><?xml version="1.0" encoding="utf-8"?>
+<p:sld xmlns:a="http://schemas.openxmlformats.org/drawingml/2006/main" xmlns:r="http://schemas.openxmlformats.org/officeDocument/2006/relationships" xmlns:p="http://schemas.openxmlformats.org/presentationml/2006/main">
+  <p:cSld>
+    <p:spTree>
+      <p:nvGrpSpPr>
+        <p:cNvPr id="1" name=""/>
+        <p:cNvGrpSpPr/>
+        <p:nvPr/>
+      </p:nvGrpSpPr>
+      <p:grpSpPr>
+        <a:xfrm>
+          <a:off x="0" y="0"/>
+          <a:ext cx="0" cy="0"/>
+          <a:chOff x="0" y="0"/>
+          <a:chExt cx="0" cy="0"/>
+        </a:xfrm>
+      </p:grpSpPr>
+      <p:sp>
+        <p:nvSpPr>
+          <p:cNvPr id="3" name="Plassholder for innhold 2">
+            <a:extLst>
+              <a:ext uri="{FF2B5EF4-FFF2-40B4-BE49-F238E27FC236}">
+                <a16:creationId xmlns:a16="http://schemas.microsoft.com/office/drawing/2014/main" id="{4947C65F-B4D4-4FBA-92BE-270C6BF16A49}"/>
+              </a:ext>
+            </a:extLst>
+          </p:cNvPr>
+          <p:cNvSpPr>
+            <a:spLocks noGrp="1"/>
+          </p:cNvSpPr>
+          <p:nvPr>
+            <p:ph idx="1"/>
+          </p:nvPr>
+        </p:nvSpPr>
+        <p:spPr/>
+        <p:txBody>
+          <a:bodyPr/>
+          <a:lstStyle/>
+          <a:p>
+            <a:r>
+              <a:rPr lang="en-US" dirty="0"/>
+              <a:t>Tidy, categorical</a:t>
+            </a:r>
+          </a:p>
+          <a:p>
+            <a:r>
+              <a:rPr lang="en-US" dirty="0"/>
+              <a:t>Expandable</a:t>
+            </a:r>
+          </a:p>
+          <a:p>
+            <a:r>
+              <a:rPr lang="en-US" dirty="0"/>
+              <a:t>Focus on readability</a:t>
+            </a:r>
+          </a:p>
+          <a:p>
+            <a:r>
+              <a:rPr lang="en-US" dirty="0"/>
+              <a:t>Task specific functions</a:t>
+            </a:r>
+          </a:p>
+          <a:p>
+            <a:r>
+              <a:rPr lang="en-US" dirty="0"/>
+              <a:t>Benefits of the </a:t>
+            </a:r>
+            <a:r>
+              <a:rPr lang="en-US" dirty="0" err="1"/>
+              <a:t>Numpy</a:t>
+            </a:r>
+            <a:r>
+              <a:rPr lang="en-US" dirty="0"/>
+              <a:t> array</a:t>
+            </a:r>
+          </a:p>
+          <a:p>
+            <a:endParaRPr lang="en-US" dirty="0"/>
+          </a:p>
+          <a:p>
+            <a:endParaRPr lang="en-US" dirty="0"/>
+          </a:p>
+          <a:p>
+            <a:endParaRPr lang="en-US" dirty="0"/>
+          </a:p>
+          <a:p>
+            <a:endParaRPr lang="en-US" dirty="0"/>
+          </a:p>
+        </p:txBody>
+      </p:sp>
+      <p:sp>
+        <p:nvSpPr>
+          <p:cNvPr id="4" name="Rektangel 3">
+            <a:extLst>
+              <a:ext uri="{FF2B5EF4-FFF2-40B4-BE49-F238E27FC236}">
+                <a16:creationId xmlns:a16="http://schemas.microsoft.com/office/drawing/2014/main" id="{13B3E713-2426-4242-B6B1-855D049BB8E6}"/>
+              </a:ext>
+            </a:extLst>
+          </p:cNvPr>
+          <p:cNvSpPr/>
+          <p:nvPr/>
+        </p:nvSpPr>
+        <p:spPr>
+          <a:xfrm>
+            <a:off x="4808788" y="498415"/>
+            <a:ext cx="2574423" cy="830997"/>
+          </a:xfrm>
+          <a:prstGeom prst="rect">
+            <a:avLst/>
+          </a:prstGeom>
+        </p:spPr>
+        <p:txBody>
+          <a:bodyPr wrap="none">
+            <a:spAutoFit/>
+          </a:bodyPr>
+          <a:lstStyle/>
+          <a:p>
+            <a:r>
+              <a:rPr lang="nb-NO" sz="4800" i="1" u="sng" dirty="0">
+                <a:cs typeface="Courier New" charset="0"/>
+              </a:rPr>
+              <a:t>The </a:t>
+            </a:r>
+            <a:r>
+              <a:rPr lang="nb-NO" sz="4800" i="1" u="sng" dirty="0" err="1">
+                <a:cs typeface="Courier New" charset="0"/>
+              </a:rPr>
+              <a:t>code</a:t>
+            </a:r>
+            <a:r>
+              <a:rPr lang="nb-NO" sz="4800" i="1" u="sng" dirty="0">
+                <a:cs typeface="Courier New" charset="0"/>
+              </a:rPr>
+              <a:t>:</a:t>
+            </a:r>
+            <a:endParaRPr lang="en-US" sz="4800" dirty="0"/>
+          </a:p>
+        </p:txBody>
+      </p:sp>
+    </p:spTree>
+    <p:extLst>
+      <p:ext uri="{BB962C8B-B14F-4D97-AF65-F5344CB8AC3E}">
+        <p14:creationId xmlns:p14="http://schemas.microsoft.com/office/powerpoint/2010/main" val="3631554723"/>
       </p:ext>
     </p:extLst>
   </p:cSld>

--- a/biosim_project/presentation/Presentation1.pptx
+++ b/biosim_project/presentation/Presentation1.pptx
@@ -3580,7 +3580,7 @@
         </p:nvSpPr>
         <p:spPr>
           <a:xfrm>
-            <a:off x="1197563" y="2268567"/>
+            <a:off x="1197563" y="2361873"/>
             <a:ext cx="9349192" cy="338554"/>
           </a:xfrm>
           <a:prstGeom prst="rect">
